--- a/Session4/M04.pptx
+++ b/Session4/M04.pptx
@@ -7,7 +7,7 @@
     <p:sldMasterId id="2147483873" r:id="rId3"/>
   </p:sldMasterIdLst>
   <p:notesMasterIdLst>
-    <p:notesMasterId r:id="rId32"/>
+    <p:notesMasterId r:id="rId35"/>
   </p:notesMasterIdLst>
   <p:sldIdLst>
     <p:sldId id="256" r:id="rId4"/>
@@ -36,8 +36,11 @@
     <p:sldId id="654" r:id="rId27"/>
     <p:sldId id="656" r:id="rId28"/>
     <p:sldId id="655" r:id="rId29"/>
-    <p:sldId id="657" r:id="rId30"/>
-    <p:sldId id="658" r:id="rId31"/>
+    <p:sldId id="663" r:id="rId30"/>
+    <p:sldId id="657" r:id="rId31"/>
+    <p:sldId id="661" r:id="rId32"/>
+    <p:sldId id="662" r:id="rId33"/>
+    <p:sldId id="658" r:id="rId34"/>
   </p:sldIdLst>
   <p:sldSz cx="12192000" cy="6858000"/>
   <p:notesSz cx="6858000" cy="9144000"/>
@@ -226,7 +229,7 @@
           <a:p>
             <a:fld id="{A14229F0-6F9D-41CD-A6D8-76BCCF047171}" type="datetimeFigureOut">
               <a:rPr lang="zh-TW" altLang="en-US" smtClean="0"/>
-              <a:t>2017/1/16</a:t>
+              <a:t>2017/1/18</a:t>
             </a:fld>
             <a:endParaRPr lang="zh-TW" altLang="en-US"/>
           </a:p>
@@ -2066,7 +2069,7 @@
           <a:p>
             <a:fld id="{036662CF-C7B0-4E0D-A8EF-6C346E54F2F8}" type="datetimeFigureOut">
               <a:rPr lang="zh-TW" altLang="en-US" smtClean="0"/>
-              <a:t>2017/1/16</a:t>
+              <a:t>2017/1/18</a:t>
             </a:fld>
             <a:endParaRPr lang="zh-TW" altLang="en-US"/>
           </a:p>
@@ -2281,7 +2284,7 @@
           <a:p>
             <a:fld id="{036662CF-C7B0-4E0D-A8EF-6C346E54F2F8}" type="datetimeFigureOut">
               <a:rPr lang="zh-TW" altLang="en-US" smtClean="0"/>
-              <a:t>2017/1/16</a:t>
+              <a:t>2017/1/18</a:t>
             </a:fld>
             <a:endParaRPr lang="zh-TW" altLang="en-US"/>
           </a:p>
@@ -2544,7 +2547,7 @@
           <a:p>
             <a:fld id="{036662CF-C7B0-4E0D-A8EF-6C346E54F2F8}" type="datetimeFigureOut">
               <a:rPr lang="zh-TW" altLang="en-US" smtClean="0"/>
-              <a:t>2017/1/16</a:t>
+              <a:t>2017/1/18</a:t>
             </a:fld>
             <a:endParaRPr lang="zh-TW" altLang="en-US"/>
           </a:p>
@@ -6306,7 +6309,7 @@
           <a:p>
             <a:fld id="{036662CF-C7B0-4E0D-A8EF-6C346E54F2F8}" type="datetimeFigureOut">
               <a:rPr lang="zh-TW" altLang="en-US" smtClean="0"/>
-              <a:t>2017/1/16</a:t>
+              <a:t>2017/1/18</a:t>
             </a:fld>
             <a:endParaRPr lang="zh-TW" altLang="en-US"/>
           </a:p>
@@ -7696,7 +7699,7 @@
             <a:fld id="{036662CF-C7B0-4E0D-A8EF-6C346E54F2F8}" type="datetimeFigureOut">
               <a:rPr lang="zh-TW" altLang="en-US" smtClean="0"/>
               <a:pPr/>
-              <a:t>2017/1/16</a:t>
+              <a:t>2017/1/18</a:t>
             </a:fld>
             <a:endParaRPr lang="zh-TW" altLang="en-US"/>
           </a:p>
@@ -11816,7 +11819,7 @@
           <a:p>
             <a:fld id="{036662CF-C7B0-4E0D-A8EF-6C346E54F2F8}" type="datetimeFigureOut">
               <a:rPr lang="zh-TW" altLang="en-US" smtClean="0"/>
-              <a:t>2017/1/16</a:t>
+              <a:t>2017/1/18</a:t>
             </a:fld>
             <a:endParaRPr lang="zh-TW" altLang="en-US"/>
           </a:p>
@@ -13868,7 +13871,7 @@
           <a:p>
             <a:fld id="{036662CF-C7B0-4E0D-A8EF-6C346E54F2F8}" type="datetimeFigureOut">
               <a:rPr lang="zh-TW" altLang="en-US" smtClean="0"/>
-              <a:t>2017/1/16</a:t>
+              <a:t>2017/1/18</a:t>
             </a:fld>
             <a:endParaRPr lang="zh-TW" altLang="en-US"/>
           </a:p>
@@ -15180,7 +15183,7 @@
           <a:p>
             <a:fld id="{036662CF-C7B0-4E0D-A8EF-6C346E54F2F8}" type="datetimeFigureOut">
               <a:rPr lang="zh-TW" altLang="en-US" smtClean="0"/>
-              <a:t>2017/1/16</a:t>
+              <a:t>2017/1/18</a:t>
             </a:fld>
             <a:endParaRPr lang="zh-TW" altLang="en-US"/>
           </a:p>
@@ -15358,7 +15361,7 @@
           <a:p>
             <a:fld id="{036662CF-C7B0-4E0D-A8EF-6C346E54F2F8}" type="datetimeFigureOut">
               <a:rPr lang="zh-TW" altLang="en-US" smtClean="0"/>
-              <a:t>2017/1/16</a:t>
+              <a:t>2017/1/18</a:t>
             </a:fld>
             <a:endParaRPr lang="zh-TW" altLang="en-US"/>
           </a:p>
@@ -15758,7 +15761,7 @@
             <a:fld id="{036662CF-C7B0-4E0D-A8EF-6C346E54F2F8}" type="datetimeFigureOut">
               <a:rPr lang="zh-TW" altLang="en-US" smtClean="0"/>
               <a:pPr/>
-              <a:t>2017/1/16</a:t>
+              <a:t>2017/1/18</a:t>
             </a:fld>
             <a:endParaRPr lang="zh-TW" altLang="en-US"/>
           </a:p>
@@ -16166,7 +16169,7 @@
             <a:fld id="{036662CF-C7B0-4E0D-A8EF-6C346E54F2F8}" type="datetimeFigureOut">
               <a:rPr lang="zh-TW" altLang="en-US" smtClean="0"/>
               <a:pPr/>
-              <a:t>2017/1/16</a:t>
+              <a:t>2017/1/18</a:t>
             </a:fld>
             <a:endParaRPr lang="zh-TW" altLang="en-US"/>
           </a:p>
@@ -16478,7 +16481,7 @@
             <a:fld id="{036662CF-C7B0-4E0D-A8EF-6C346E54F2F8}" type="datetimeFigureOut">
               <a:rPr lang="zh-TW" altLang="en-US" smtClean="0"/>
               <a:pPr/>
-              <a:t>2017/1/16</a:t>
+              <a:t>2017/1/18</a:t>
             </a:fld>
             <a:endParaRPr lang="zh-TW" altLang="en-US"/>
           </a:p>
@@ -24259,7 +24262,1039 @@
           <a:bodyPr/>
           <a:lstStyle/>
           <a:p>
+            <a:r>
+              <a:rPr lang="en-US" altLang="zh-TW" dirty="0" smtClean="0"/>
+              <a:t>DEMO Branches:</a:t>
+            </a:r>
+            <a:endParaRPr lang="zh-TW" altLang="en-US" dirty="0"/>
+          </a:p>
+        </p:txBody>
+      </p:sp>
+      <p:sp>
+        <p:nvSpPr>
+          <p:cNvPr id="3" name="矩形 2"/>
+          <p:cNvSpPr/>
+          <p:nvPr/>
+        </p:nvSpPr>
+        <p:spPr>
+          <a:xfrm>
+            <a:off x="1257300" y="3217902"/>
+            <a:ext cx="10782300" cy="249198"/>
+          </a:xfrm>
+          <a:prstGeom prst="rect">
+            <a:avLst/>
+          </a:prstGeom>
+        </p:spPr>
+        <p:style>
+          <a:lnRef idx="2">
+            <a:schemeClr val="accent1"/>
+          </a:lnRef>
+          <a:fillRef idx="1">
+            <a:schemeClr val="lt1"/>
+          </a:fillRef>
+          <a:effectRef idx="0">
+            <a:schemeClr val="accent1"/>
+          </a:effectRef>
+          <a:fontRef idx="minor">
+            <a:schemeClr val="dk1"/>
+          </a:fontRef>
+        </p:style>
+        <p:txBody>
+          <a:bodyPr rtlCol="0" anchor="ctr"/>
+          <a:lstStyle/>
+          <a:p>
+            <a:pPr algn="ctr"/>
             <a:endParaRPr lang="zh-TW" altLang="en-US"/>
+          </a:p>
+        </p:txBody>
+      </p:sp>
+      <p:sp>
+        <p:nvSpPr>
+          <p:cNvPr id="4" name="矩形 3"/>
+          <p:cNvSpPr/>
+          <p:nvPr/>
+        </p:nvSpPr>
+        <p:spPr>
+          <a:xfrm>
+            <a:off x="990600" y="4945102"/>
+            <a:ext cx="11049000" cy="251738"/>
+          </a:xfrm>
+          <a:prstGeom prst="rect">
+            <a:avLst/>
+          </a:prstGeom>
+        </p:spPr>
+        <p:style>
+          <a:lnRef idx="2">
+            <a:schemeClr val="accent1"/>
+          </a:lnRef>
+          <a:fillRef idx="1">
+            <a:schemeClr val="lt1"/>
+          </a:fillRef>
+          <a:effectRef idx="0">
+            <a:schemeClr val="accent1"/>
+          </a:effectRef>
+          <a:fontRef idx="minor">
+            <a:schemeClr val="dk1"/>
+          </a:fontRef>
+        </p:style>
+        <p:txBody>
+          <a:bodyPr rtlCol="0" anchor="ctr"/>
+          <a:lstStyle/>
+          <a:p>
+            <a:pPr algn="ctr"/>
+            <a:endParaRPr lang="zh-TW" altLang="en-US"/>
+          </a:p>
+        </p:txBody>
+      </p:sp>
+      <p:sp>
+        <p:nvSpPr>
+          <p:cNvPr id="5" name="文字方塊 4"/>
+          <p:cNvSpPr txBox="1"/>
+          <p:nvPr/>
+        </p:nvSpPr>
+        <p:spPr>
+          <a:xfrm>
+            <a:off x="322621" y="3149084"/>
+            <a:ext cx="934679" cy="369332"/>
+          </a:xfrm>
+          <a:prstGeom prst="rect">
+            <a:avLst/>
+          </a:prstGeom>
+          <a:noFill/>
+        </p:spPr>
+        <p:txBody>
+          <a:bodyPr wrap="none" rtlCol="0">
+            <a:spAutoFit/>
+          </a:bodyPr>
+          <a:lstStyle/>
+          <a:p>
+            <a:r>
+              <a:rPr lang="en-US" altLang="zh-TW" dirty="0" smtClean="0"/>
+              <a:t>develop</a:t>
+            </a:r>
+            <a:endParaRPr lang="zh-TW" altLang="en-US" dirty="0"/>
+          </a:p>
+        </p:txBody>
+      </p:sp>
+      <p:sp>
+        <p:nvSpPr>
+          <p:cNvPr id="6" name="文字方塊 5"/>
+          <p:cNvSpPr txBox="1"/>
+          <p:nvPr/>
+        </p:nvSpPr>
+        <p:spPr>
+          <a:xfrm>
+            <a:off x="322621" y="4897874"/>
+            <a:ext cx="836832" cy="369332"/>
+          </a:xfrm>
+          <a:prstGeom prst="rect">
+            <a:avLst/>
+          </a:prstGeom>
+          <a:noFill/>
+        </p:spPr>
+        <p:txBody>
+          <a:bodyPr wrap="none" rtlCol="0">
+            <a:spAutoFit/>
+          </a:bodyPr>
+          <a:lstStyle/>
+          <a:p>
+            <a:r>
+              <a:rPr lang="en-US" altLang="zh-TW" dirty="0" smtClean="0"/>
+              <a:t>master</a:t>
+            </a:r>
+            <a:endParaRPr lang="zh-TW" altLang="en-US" dirty="0"/>
+          </a:p>
+        </p:txBody>
+      </p:sp>
+      <p:sp>
+        <p:nvSpPr>
+          <p:cNvPr id="8" name="矩形 7"/>
+          <p:cNvSpPr/>
+          <p:nvPr/>
+        </p:nvSpPr>
+        <p:spPr>
+          <a:xfrm>
+            <a:off x="2343150" y="2195572"/>
+            <a:ext cx="1490663" cy="228600"/>
+          </a:xfrm>
+          <a:prstGeom prst="rect">
+            <a:avLst/>
+          </a:prstGeom>
+        </p:spPr>
+        <p:style>
+          <a:lnRef idx="2">
+            <a:schemeClr val="accent1"/>
+          </a:lnRef>
+          <a:fillRef idx="1">
+            <a:schemeClr val="lt1"/>
+          </a:fillRef>
+          <a:effectRef idx="0">
+            <a:schemeClr val="accent1"/>
+          </a:effectRef>
+          <a:fontRef idx="minor">
+            <a:schemeClr val="dk1"/>
+          </a:fontRef>
+        </p:style>
+        <p:txBody>
+          <a:bodyPr rtlCol="0" anchor="ctr"/>
+          <a:lstStyle/>
+          <a:p>
+            <a:pPr algn="ctr"/>
+            <a:endParaRPr lang="zh-TW" altLang="en-US"/>
+          </a:p>
+        </p:txBody>
+      </p:sp>
+      <p:sp>
+        <p:nvSpPr>
+          <p:cNvPr id="9" name="文字方塊 8"/>
+          <p:cNvSpPr txBox="1"/>
+          <p:nvPr/>
+        </p:nvSpPr>
+        <p:spPr>
+          <a:xfrm>
+            <a:off x="2241908" y="1889224"/>
+            <a:ext cx="1352614" cy="369332"/>
+          </a:xfrm>
+          <a:prstGeom prst="rect">
+            <a:avLst/>
+          </a:prstGeom>
+          <a:noFill/>
+        </p:spPr>
+        <p:txBody>
+          <a:bodyPr wrap="none" rtlCol="0">
+            <a:spAutoFit/>
+          </a:bodyPr>
+          <a:lstStyle/>
+          <a:p>
+            <a:r>
+              <a:rPr lang="en-US" altLang="zh-TW" dirty="0" smtClean="0"/>
+              <a:t>feature/api2</a:t>
+            </a:r>
+            <a:endParaRPr lang="zh-TW" altLang="en-US" dirty="0"/>
+          </a:p>
+        </p:txBody>
+      </p:sp>
+      <p:sp>
+        <p:nvSpPr>
+          <p:cNvPr id="10" name="矩形 9"/>
+          <p:cNvSpPr/>
+          <p:nvPr/>
+        </p:nvSpPr>
+        <p:spPr>
+          <a:xfrm>
+            <a:off x="4476750" y="2195572"/>
+            <a:ext cx="1490663" cy="228600"/>
+          </a:xfrm>
+          <a:prstGeom prst="rect">
+            <a:avLst/>
+          </a:prstGeom>
+        </p:spPr>
+        <p:style>
+          <a:lnRef idx="2">
+            <a:schemeClr val="accent1"/>
+          </a:lnRef>
+          <a:fillRef idx="1">
+            <a:schemeClr val="lt1"/>
+          </a:fillRef>
+          <a:effectRef idx="0">
+            <a:schemeClr val="accent1"/>
+          </a:effectRef>
+          <a:fontRef idx="minor">
+            <a:schemeClr val="dk1"/>
+          </a:fontRef>
+        </p:style>
+        <p:txBody>
+          <a:bodyPr rtlCol="0" anchor="ctr"/>
+          <a:lstStyle/>
+          <a:p>
+            <a:pPr algn="ctr"/>
+            <a:endParaRPr lang="zh-TW" altLang="en-US"/>
+          </a:p>
+        </p:txBody>
+      </p:sp>
+      <p:sp>
+        <p:nvSpPr>
+          <p:cNvPr id="11" name="文字方塊 10"/>
+          <p:cNvSpPr txBox="1"/>
+          <p:nvPr/>
+        </p:nvSpPr>
+        <p:spPr>
+          <a:xfrm>
+            <a:off x="4375508" y="1889224"/>
+            <a:ext cx="2060564" cy="369332"/>
+          </a:xfrm>
+          <a:prstGeom prst="rect">
+            <a:avLst/>
+          </a:prstGeom>
+          <a:noFill/>
+        </p:spPr>
+        <p:txBody>
+          <a:bodyPr wrap="none" rtlCol="0">
+            <a:spAutoFit/>
+          </a:bodyPr>
+          <a:lstStyle/>
+          <a:p>
+            <a:r>
+              <a:rPr lang="en-US" altLang="zh-TW" dirty="0" smtClean="0"/>
+              <a:t>feature/</a:t>
+            </a:r>
+            <a:r>
+              <a:rPr lang="en-US" altLang="zh-TW" dirty="0" err="1" smtClean="0"/>
+              <a:t>sdk-unittest</a:t>
+            </a:r>
+            <a:endParaRPr lang="zh-TW" altLang="en-US" dirty="0"/>
+          </a:p>
+        </p:txBody>
+      </p:sp>
+      <p:cxnSp>
+        <p:nvCxnSpPr>
+          <p:cNvPr id="13" name="直線單箭頭接點 12"/>
+          <p:cNvCxnSpPr/>
+          <p:nvPr/>
+        </p:nvCxnSpPr>
+        <p:spPr>
+          <a:xfrm flipV="1">
+            <a:off x="1955800" y="2284214"/>
+            <a:ext cx="550734" cy="1068586"/>
+          </a:xfrm>
+          <a:prstGeom prst="straightConnector1">
+            <a:avLst/>
+          </a:prstGeom>
+          <a:ln>
+            <a:tailEnd type="triangle"/>
+          </a:ln>
+        </p:spPr>
+        <p:style>
+          <a:lnRef idx="1">
+            <a:schemeClr val="accent1"/>
+          </a:lnRef>
+          <a:fillRef idx="0">
+            <a:schemeClr val="accent1"/>
+          </a:fillRef>
+          <a:effectRef idx="0">
+            <a:schemeClr val="accent1"/>
+          </a:effectRef>
+          <a:fontRef idx="minor">
+            <a:schemeClr val="tx1"/>
+          </a:fontRef>
+        </p:style>
+      </p:cxnSp>
+      <p:cxnSp>
+        <p:nvCxnSpPr>
+          <p:cNvPr id="15" name="直線單箭頭接點 14"/>
+          <p:cNvCxnSpPr/>
+          <p:nvPr/>
+        </p:nvCxnSpPr>
+        <p:spPr>
+          <a:xfrm>
+            <a:off x="3626336" y="2341116"/>
+            <a:ext cx="189401" cy="1011684"/>
+          </a:xfrm>
+          <a:prstGeom prst="straightConnector1">
+            <a:avLst/>
+          </a:prstGeom>
+          <a:ln>
+            <a:tailEnd type="triangle"/>
+          </a:ln>
+        </p:spPr>
+        <p:style>
+          <a:lnRef idx="1">
+            <a:schemeClr val="accent1"/>
+          </a:lnRef>
+          <a:fillRef idx="0">
+            <a:schemeClr val="accent1"/>
+          </a:fillRef>
+          <a:effectRef idx="0">
+            <a:schemeClr val="accent1"/>
+          </a:effectRef>
+          <a:fontRef idx="minor">
+            <a:schemeClr val="tx1"/>
+          </a:fontRef>
+        </p:style>
+      </p:cxnSp>
+      <p:cxnSp>
+        <p:nvCxnSpPr>
+          <p:cNvPr id="17" name="直線單箭頭接點 16"/>
+          <p:cNvCxnSpPr/>
+          <p:nvPr/>
+        </p:nvCxnSpPr>
+        <p:spPr>
+          <a:xfrm flipV="1">
+            <a:off x="4417091" y="2325544"/>
+            <a:ext cx="227684" cy="1027257"/>
+          </a:xfrm>
+          <a:prstGeom prst="straightConnector1">
+            <a:avLst/>
+          </a:prstGeom>
+          <a:ln>
+            <a:tailEnd type="triangle"/>
+          </a:ln>
+        </p:spPr>
+        <p:style>
+          <a:lnRef idx="1">
+            <a:schemeClr val="accent1"/>
+          </a:lnRef>
+          <a:fillRef idx="0">
+            <a:schemeClr val="accent1"/>
+          </a:fillRef>
+          <a:effectRef idx="0">
+            <a:schemeClr val="accent1"/>
+          </a:effectRef>
+          <a:fontRef idx="minor">
+            <a:schemeClr val="tx1"/>
+          </a:fontRef>
+        </p:style>
+      </p:cxnSp>
+      <p:cxnSp>
+        <p:nvCxnSpPr>
+          <p:cNvPr id="19" name="直線單箭頭接點 18"/>
+          <p:cNvCxnSpPr/>
+          <p:nvPr/>
+        </p:nvCxnSpPr>
+        <p:spPr>
+          <a:xfrm>
+            <a:off x="5857875" y="2309872"/>
+            <a:ext cx="109538" cy="1042928"/>
+          </a:xfrm>
+          <a:prstGeom prst="straightConnector1">
+            <a:avLst/>
+          </a:prstGeom>
+          <a:ln>
+            <a:tailEnd type="triangle"/>
+          </a:ln>
+        </p:spPr>
+        <p:style>
+          <a:lnRef idx="1">
+            <a:schemeClr val="accent1"/>
+          </a:lnRef>
+          <a:fillRef idx="0">
+            <a:schemeClr val="accent1"/>
+          </a:fillRef>
+          <a:effectRef idx="0">
+            <a:schemeClr val="accent1"/>
+          </a:effectRef>
+          <a:fontRef idx="minor">
+            <a:schemeClr val="tx1"/>
+          </a:fontRef>
+        </p:style>
+      </p:cxnSp>
+      <p:sp>
+        <p:nvSpPr>
+          <p:cNvPr id="20" name="矩形 19"/>
+          <p:cNvSpPr/>
+          <p:nvPr/>
+        </p:nvSpPr>
+        <p:spPr>
+          <a:xfrm>
+            <a:off x="6343650" y="4102100"/>
+            <a:ext cx="1490663" cy="228600"/>
+          </a:xfrm>
+          <a:prstGeom prst="rect">
+            <a:avLst/>
+          </a:prstGeom>
+        </p:spPr>
+        <p:style>
+          <a:lnRef idx="2">
+            <a:schemeClr val="accent1"/>
+          </a:lnRef>
+          <a:fillRef idx="1">
+            <a:schemeClr val="lt1"/>
+          </a:fillRef>
+          <a:effectRef idx="0">
+            <a:schemeClr val="accent1"/>
+          </a:effectRef>
+          <a:fontRef idx="minor">
+            <a:schemeClr val="dk1"/>
+          </a:fontRef>
+        </p:style>
+        <p:txBody>
+          <a:bodyPr rtlCol="0" anchor="ctr"/>
+          <a:lstStyle/>
+          <a:p>
+            <a:pPr algn="ctr"/>
+            <a:endParaRPr lang="zh-TW" altLang="en-US"/>
+          </a:p>
+        </p:txBody>
+      </p:sp>
+      <p:sp>
+        <p:nvSpPr>
+          <p:cNvPr id="21" name="文字方塊 20"/>
+          <p:cNvSpPr txBox="1"/>
+          <p:nvPr/>
+        </p:nvSpPr>
+        <p:spPr>
+          <a:xfrm>
+            <a:off x="6343650" y="3756104"/>
+            <a:ext cx="1464055" cy="369332"/>
+          </a:xfrm>
+          <a:prstGeom prst="rect">
+            <a:avLst/>
+          </a:prstGeom>
+          <a:noFill/>
+        </p:spPr>
+        <p:txBody>
+          <a:bodyPr wrap="none" rtlCol="0">
+            <a:spAutoFit/>
+          </a:bodyPr>
+          <a:lstStyle/>
+          <a:p>
+            <a:r>
+              <a:rPr lang="en-US" altLang="zh-TW" dirty="0" smtClean="0"/>
+              <a:t>release/v10.1</a:t>
+            </a:r>
+            <a:endParaRPr lang="zh-TW" altLang="en-US" dirty="0"/>
+          </a:p>
+        </p:txBody>
+      </p:sp>
+      <p:cxnSp>
+        <p:nvCxnSpPr>
+          <p:cNvPr id="23" name="直線單箭頭接點 22"/>
+          <p:cNvCxnSpPr/>
+          <p:nvPr/>
+        </p:nvCxnSpPr>
+        <p:spPr>
+          <a:xfrm>
+            <a:off x="6223000" y="3352800"/>
+            <a:ext cx="213072" cy="843002"/>
+          </a:xfrm>
+          <a:prstGeom prst="straightConnector1">
+            <a:avLst/>
+          </a:prstGeom>
+          <a:ln>
+            <a:tailEnd type="triangle"/>
+          </a:ln>
+        </p:spPr>
+        <p:style>
+          <a:lnRef idx="1">
+            <a:schemeClr val="accent1"/>
+          </a:lnRef>
+          <a:fillRef idx="0">
+            <a:schemeClr val="accent1"/>
+          </a:fillRef>
+          <a:effectRef idx="0">
+            <a:schemeClr val="accent1"/>
+          </a:effectRef>
+          <a:fontRef idx="minor">
+            <a:schemeClr val="tx1"/>
+          </a:fontRef>
+        </p:style>
+      </p:cxnSp>
+      <p:cxnSp>
+        <p:nvCxnSpPr>
+          <p:cNvPr id="26" name="直線單箭頭接點 25"/>
+          <p:cNvCxnSpPr>
+            <a:stCxn id="20" idx="3"/>
+          </p:cNvCxnSpPr>
+          <p:nvPr/>
+        </p:nvCxnSpPr>
+        <p:spPr>
+          <a:xfrm>
+            <a:off x="7834313" y="4216400"/>
+            <a:ext cx="306387" cy="866140"/>
+          </a:xfrm>
+          <a:prstGeom prst="straightConnector1">
+            <a:avLst/>
+          </a:prstGeom>
+          <a:ln>
+            <a:tailEnd type="triangle"/>
+          </a:ln>
+        </p:spPr>
+        <p:style>
+          <a:lnRef idx="1">
+            <a:schemeClr val="accent1"/>
+          </a:lnRef>
+          <a:fillRef idx="0">
+            <a:schemeClr val="accent1"/>
+          </a:fillRef>
+          <a:effectRef idx="0">
+            <a:schemeClr val="accent1"/>
+          </a:effectRef>
+          <a:fontRef idx="minor">
+            <a:schemeClr val="tx1"/>
+          </a:fontRef>
+        </p:style>
+      </p:cxnSp>
+      <p:cxnSp>
+        <p:nvCxnSpPr>
+          <p:cNvPr id="29" name="直線單箭頭接點 28"/>
+          <p:cNvCxnSpPr/>
+          <p:nvPr/>
+        </p:nvCxnSpPr>
+        <p:spPr>
+          <a:xfrm flipV="1">
+            <a:off x="8195905" y="3333750"/>
+            <a:ext cx="211495" cy="1776770"/>
+          </a:xfrm>
+          <a:prstGeom prst="straightConnector1">
+            <a:avLst/>
+          </a:prstGeom>
+          <a:ln>
+            <a:tailEnd type="triangle"/>
+          </a:ln>
+        </p:spPr>
+        <p:style>
+          <a:lnRef idx="1">
+            <a:schemeClr val="accent1"/>
+          </a:lnRef>
+          <a:fillRef idx="0">
+            <a:schemeClr val="accent1"/>
+          </a:fillRef>
+          <a:effectRef idx="0">
+            <a:schemeClr val="accent1"/>
+          </a:effectRef>
+          <a:fontRef idx="minor">
+            <a:schemeClr val="tx1"/>
+          </a:fontRef>
+        </p:style>
+      </p:cxnSp>
+      <p:sp>
+        <p:nvSpPr>
+          <p:cNvPr id="38" name="橢圓 37"/>
+          <p:cNvSpPr/>
+          <p:nvPr/>
+        </p:nvSpPr>
+        <p:spPr>
+          <a:xfrm>
+            <a:off x="7958356" y="4851777"/>
+            <a:ext cx="419894" cy="461526"/>
+          </a:xfrm>
+          <a:prstGeom prst="ellipse">
+            <a:avLst/>
+          </a:prstGeom>
+        </p:spPr>
+        <p:style>
+          <a:lnRef idx="2">
+            <a:schemeClr val="accent1">
+              <a:shade val="50000"/>
+            </a:schemeClr>
+          </a:lnRef>
+          <a:fillRef idx="1">
+            <a:schemeClr val="accent1"/>
+          </a:fillRef>
+          <a:effectRef idx="0">
+            <a:schemeClr val="accent1"/>
+          </a:effectRef>
+          <a:fontRef idx="minor">
+            <a:schemeClr val="lt1"/>
+          </a:fontRef>
+        </p:style>
+        <p:txBody>
+          <a:bodyPr rtlCol="0" anchor="ctr"/>
+          <a:lstStyle/>
+          <a:p>
+            <a:pPr algn="ctr"/>
+            <a:endParaRPr lang="zh-TW" altLang="en-US"/>
+          </a:p>
+        </p:txBody>
+      </p:sp>
+      <p:sp>
+        <p:nvSpPr>
+          <p:cNvPr id="39" name="文字方塊 38"/>
+          <p:cNvSpPr txBox="1"/>
+          <p:nvPr/>
+        </p:nvSpPr>
+        <p:spPr>
+          <a:xfrm>
+            <a:off x="7958356" y="5372100"/>
+            <a:ext cx="724878" cy="369332"/>
+          </a:xfrm>
+          <a:prstGeom prst="rect">
+            <a:avLst/>
+          </a:prstGeom>
+          <a:noFill/>
+        </p:spPr>
+        <p:txBody>
+          <a:bodyPr wrap="none" rtlCol="0">
+            <a:spAutoFit/>
+          </a:bodyPr>
+          <a:lstStyle/>
+          <a:p>
+            <a:r>
+              <a:rPr lang="en-US" altLang="zh-TW" dirty="0" smtClean="0"/>
+              <a:t>V10.1</a:t>
+            </a:r>
+            <a:endParaRPr lang="zh-TW" altLang="en-US" dirty="0"/>
+          </a:p>
+        </p:txBody>
+      </p:sp>
+      <p:sp>
+        <p:nvSpPr>
+          <p:cNvPr id="40" name="矩形 39"/>
+          <p:cNvSpPr/>
+          <p:nvPr/>
+        </p:nvSpPr>
+        <p:spPr>
+          <a:xfrm>
+            <a:off x="8698131" y="2195572"/>
+            <a:ext cx="966569" cy="228600"/>
+          </a:xfrm>
+          <a:prstGeom prst="rect">
+            <a:avLst/>
+          </a:prstGeom>
+        </p:spPr>
+        <p:style>
+          <a:lnRef idx="2">
+            <a:schemeClr val="accent1"/>
+          </a:lnRef>
+          <a:fillRef idx="1">
+            <a:schemeClr val="lt1"/>
+          </a:fillRef>
+          <a:effectRef idx="0">
+            <a:schemeClr val="accent1"/>
+          </a:effectRef>
+          <a:fontRef idx="minor">
+            <a:schemeClr val="dk1"/>
+          </a:fontRef>
+        </p:style>
+        <p:txBody>
+          <a:bodyPr rtlCol="0" anchor="ctr"/>
+          <a:lstStyle/>
+          <a:p>
+            <a:pPr algn="ctr"/>
+            <a:endParaRPr lang="zh-TW" altLang="en-US"/>
+          </a:p>
+        </p:txBody>
+      </p:sp>
+      <p:sp>
+        <p:nvSpPr>
+          <p:cNvPr id="41" name="文字方塊 40"/>
+          <p:cNvSpPr txBox="1"/>
+          <p:nvPr/>
+        </p:nvSpPr>
+        <p:spPr>
+          <a:xfrm>
+            <a:off x="8596889" y="1889224"/>
+            <a:ext cx="1877822" cy="369332"/>
+          </a:xfrm>
+          <a:prstGeom prst="rect">
+            <a:avLst/>
+          </a:prstGeom>
+          <a:noFill/>
+        </p:spPr>
+        <p:txBody>
+          <a:bodyPr wrap="none" rtlCol="0">
+            <a:spAutoFit/>
+          </a:bodyPr>
+          <a:lstStyle/>
+          <a:p>
+            <a:r>
+              <a:rPr lang="en-US" altLang="zh-TW" dirty="0" smtClean="0"/>
+              <a:t>feature/</a:t>
+            </a:r>
+            <a:r>
+              <a:rPr lang="en-US" altLang="zh-TW" dirty="0" err="1" smtClean="0"/>
+              <a:t>sdk</a:t>
+            </a:r>
+            <a:r>
+              <a:rPr lang="en-US" altLang="zh-TW" dirty="0" smtClean="0"/>
+              <a:t>-cache</a:t>
+            </a:r>
+            <a:endParaRPr lang="zh-TW" altLang="en-US" dirty="0"/>
+          </a:p>
+        </p:txBody>
+      </p:sp>
+      <p:cxnSp>
+        <p:nvCxnSpPr>
+          <p:cNvPr id="43" name="直線單箭頭接點 42"/>
+          <p:cNvCxnSpPr/>
+          <p:nvPr/>
+        </p:nvCxnSpPr>
+        <p:spPr>
+          <a:xfrm flipV="1">
+            <a:off x="8432800" y="2325544"/>
+            <a:ext cx="393700" cy="1027256"/>
+          </a:xfrm>
+          <a:prstGeom prst="straightConnector1">
+            <a:avLst/>
+          </a:prstGeom>
+          <a:ln>
+            <a:tailEnd type="triangle"/>
+          </a:ln>
+        </p:spPr>
+        <p:style>
+          <a:lnRef idx="1">
+            <a:schemeClr val="accent1"/>
+          </a:lnRef>
+          <a:fillRef idx="0">
+            <a:schemeClr val="accent1"/>
+          </a:fillRef>
+          <a:effectRef idx="0">
+            <a:schemeClr val="accent1"/>
+          </a:effectRef>
+          <a:fontRef idx="minor">
+            <a:schemeClr val="tx1"/>
+          </a:fontRef>
+        </p:style>
+      </p:cxnSp>
+      <p:cxnSp>
+        <p:nvCxnSpPr>
+          <p:cNvPr id="45" name="直線單箭頭接點 44"/>
+          <p:cNvCxnSpPr/>
+          <p:nvPr/>
+        </p:nvCxnSpPr>
+        <p:spPr>
+          <a:xfrm>
+            <a:off x="9585711" y="2297668"/>
+            <a:ext cx="78989" cy="1086882"/>
+          </a:xfrm>
+          <a:prstGeom prst="straightConnector1">
+            <a:avLst/>
+          </a:prstGeom>
+          <a:ln>
+            <a:tailEnd type="triangle"/>
+          </a:ln>
+        </p:spPr>
+        <p:style>
+          <a:lnRef idx="1">
+            <a:schemeClr val="accent1"/>
+          </a:lnRef>
+          <a:fillRef idx="0">
+            <a:schemeClr val="accent1"/>
+          </a:fillRef>
+          <a:effectRef idx="0">
+            <a:schemeClr val="accent1"/>
+          </a:effectRef>
+          <a:fontRef idx="minor">
+            <a:schemeClr val="tx1"/>
+          </a:fontRef>
+        </p:style>
+      </p:cxnSp>
+      <p:sp>
+        <p:nvSpPr>
+          <p:cNvPr id="47" name="矩形 46"/>
+          <p:cNvSpPr/>
+          <p:nvPr/>
+        </p:nvSpPr>
+        <p:spPr>
+          <a:xfrm>
+            <a:off x="9900533" y="4102100"/>
+            <a:ext cx="1490663" cy="228600"/>
+          </a:xfrm>
+          <a:prstGeom prst="rect">
+            <a:avLst/>
+          </a:prstGeom>
+        </p:spPr>
+        <p:style>
+          <a:lnRef idx="2">
+            <a:schemeClr val="accent1"/>
+          </a:lnRef>
+          <a:fillRef idx="1">
+            <a:schemeClr val="lt1"/>
+          </a:fillRef>
+          <a:effectRef idx="0">
+            <a:schemeClr val="accent1"/>
+          </a:effectRef>
+          <a:fontRef idx="minor">
+            <a:schemeClr val="dk1"/>
+          </a:fontRef>
+        </p:style>
+        <p:txBody>
+          <a:bodyPr rtlCol="0" anchor="ctr"/>
+          <a:lstStyle/>
+          <a:p>
+            <a:pPr algn="ctr"/>
+            <a:endParaRPr lang="zh-TW" altLang="en-US"/>
+          </a:p>
+        </p:txBody>
+      </p:sp>
+      <p:sp>
+        <p:nvSpPr>
+          <p:cNvPr id="48" name="文字方塊 47"/>
+          <p:cNvSpPr txBox="1"/>
+          <p:nvPr/>
+        </p:nvSpPr>
+        <p:spPr>
+          <a:xfrm>
+            <a:off x="9900533" y="3756104"/>
+            <a:ext cx="1464055" cy="369332"/>
+          </a:xfrm>
+          <a:prstGeom prst="rect">
+            <a:avLst/>
+          </a:prstGeom>
+          <a:noFill/>
+        </p:spPr>
+        <p:txBody>
+          <a:bodyPr wrap="none" rtlCol="0">
+            <a:spAutoFit/>
+          </a:bodyPr>
+          <a:lstStyle/>
+          <a:p>
+            <a:r>
+              <a:rPr lang="en-US" altLang="zh-TW" dirty="0" smtClean="0"/>
+              <a:t>release/v10.2</a:t>
+            </a:r>
+            <a:endParaRPr lang="zh-TW" altLang="en-US" dirty="0"/>
+          </a:p>
+        </p:txBody>
+      </p:sp>
+      <p:cxnSp>
+        <p:nvCxnSpPr>
+          <p:cNvPr id="49" name="直線單箭頭接點 48"/>
+          <p:cNvCxnSpPr/>
+          <p:nvPr/>
+        </p:nvCxnSpPr>
+        <p:spPr>
+          <a:xfrm>
+            <a:off x="9779883" y="3352800"/>
+            <a:ext cx="213072" cy="843002"/>
+          </a:xfrm>
+          <a:prstGeom prst="straightConnector1">
+            <a:avLst/>
+          </a:prstGeom>
+          <a:ln>
+            <a:tailEnd type="triangle"/>
+          </a:ln>
+        </p:spPr>
+        <p:style>
+          <a:lnRef idx="1">
+            <a:schemeClr val="accent1"/>
+          </a:lnRef>
+          <a:fillRef idx="0">
+            <a:schemeClr val="accent1"/>
+          </a:fillRef>
+          <a:effectRef idx="0">
+            <a:schemeClr val="accent1"/>
+          </a:effectRef>
+          <a:fontRef idx="minor">
+            <a:schemeClr val="tx1"/>
+          </a:fontRef>
+        </p:style>
+      </p:cxnSp>
+      <p:cxnSp>
+        <p:nvCxnSpPr>
+          <p:cNvPr id="50" name="直線單箭頭接點 49"/>
+          <p:cNvCxnSpPr>
+            <a:stCxn id="47" idx="3"/>
+          </p:cNvCxnSpPr>
+          <p:nvPr/>
+        </p:nvCxnSpPr>
+        <p:spPr>
+          <a:xfrm>
+            <a:off x="11391196" y="4216400"/>
+            <a:ext cx="306387" cy="866140"/>
+          </a:xfrm>
+          <a:prstGeom prst="straightConnector1">
+            <a:avLst/>
+          </a:prstGeom>
+          <a:ln>
+            <a:tailEnd type="triangle"/>
+          </a:ln>
+        </p:spPr>
+        <p:style>
+          <a:lnRef idx="1">
+            <a:schemeClr val="accent1"/>
+          </a:lnRef>
+          <a:fillRef idx="0">
+            <a:schemeClr val="accent1"/>
+          </a:fillRef>
+          <a:effectRef idx="0">
+            <a:schemeClr val="accent1"/>
+          </a:effectRef>
+          <a:fontRef idx="minor">
+            <a:schemeClr val="tx1"/>
+          </a:fontRef>
+        </p:style>
+      </p:cxnSp>
+      <p:cxnSp>
+        <p:nvCxnSpPr>
+          <p:cNvPr id="51" name="直線單箭頭接點 50"/>
+          <p:cNvCxnSpPr/>
+          <p:nvPr/>
+        </p:nvCxnSpPr>
+        <p:spPr>
+          <a:xfrm flipV="1">
+            <a:off x="11752788" y="3333750"/>
+            <a:ext cx="211495" cy="1776770"/>
+          </a:xfrm>
+          <a:prstGeom prst="straightConnector1">
+            <a:avLst/>
+          </a:prstGeom>
+          <a:ln>
+            <a:tailEnd type="triangle"/>
+          </a:ln>
+        </p:spPr>
+        <p:style>
+          <a:lnRef idx="1">
+            <a:schemeClr val="accent1"/>
+          </a:lnRef>
+          <a:fillRef idx="0">
+            <a:schemeClr val="accent1"/>
+          </a:fillRef>
+          <a:effectRef idx="0">
+            <a:schemeClr val="accent1"/>
+          </a:effectRef>
+          <a:fontRef idx="minor">
+            <a:schemeClr val="tx1"/>
+          </a:fontRef>
+        </p:style>
+      </p:cxnSp>
+      <p:sp>
+        <p:nvSpPr>
+          <p:cNvPr id="52" name="橢圓 51"/>
+          <p:cNvSpPr/>
+          <p:nvPr/>
+        </p:nvSpPr>
+        <p:spPr>
+          <a:xfrm>
+            <a:off x="11515239" y="4851777"/>
+            <a:ext cx="419894" cy="461526"/>
+          </a:xfrm>
+          <a:prstGeom prst="ellipse">
+            <a:avLst/>
+          </a:prstGeom>
+        </p:spPr>
+        <p:style>
+          <a:lnRef idx="2">
+            <a:schemeClr val="accent1">
+              <a:shade val="50000"/>
+            </a:schemeClr>
+          </a:lnRef>
+          <a:fillRef idx="1">
+            <a:schemeClr val="accent1"/>
+          </a:fillRef>
+          <a:effectRef idx="0">
+            <a:schemeClr val="accent1"/>
+          </a:effectRef>
+          <a:fontRef idx="minor">
+            <a:schemeClr val="lt1"/>
+          </a:fontRef>
+        </p:style>
+        <p:txBody>
+          <a:bodyPr rtlCol="0" anchor="ctr"/>
+          <a:lstStyle/>
+          <a:p>
+            <a:pPr algn="ctr"/>
+            <a:endParaRPr lang="zh-TW" altLang="en-US"/>
+          </a:p>
+        </p:txBody>
+      </p:sp>
+      <p:sp>
+        <p:nvSpPr>
+          <p:cNvPr id="53" name="文字方塊 52"/>
+          <p:cNvSpPr txBox="1"/>
+          <p:nvPr/>
+        </p:nvSpPr>
+        <p:spPr>
+          <a:xfrm>
+            <a:off x="11210255" y="5372100"/>
+            <a:ext cx="724878" cy="369332"/>
+          </a:xfrm>
+          <a:prstGeom prst="rect">
+            <a:avLst/>
+          </a:prstGeom>
+          <a:noFill/>
+        </p:spPr>
+        <p:txBody>
+          <a:bodyPr wrap="none" rtlCol="0">
+            <a:spAutoFit/>
+          </a:bodyPr>
+          <a:lstStyle/>
+          <a:p>
+            <a:r>
+              <a:rPr lang="en-US" altLang="zh-TW" dirty="0" smtClean="0"/>
+              <a:t>V10.2</a:t>
+            </a:r>
+            <a:endParaRPr lang="zh-TW" altLang="en-US" dirty="0"/>
           </a:p>
         </p:txBody>
       </p:sp>
@@ -24315,14 +25350,1195 @@
           <a:bodyPr/>
           <a:lstStyle/>
           <a:p>
+            <a:r>
+              <a:rPr lang="en-US" altLang="zh-TW" dirty="0" smtClean="0"/>
+              <a:t>DEMO Branches:</a:t>
+            </a:r>
+            <a:endParaRPr lang="zh-TW" altLang="en-US" dirty="0"/>
+          </a:p>
+        </p:txBody>
+      </p:sp>
+      <p:sp>
+        <p:nvSpPr>
+          <p:cNvPr id="3" name="矩形 2"/>
+          <p:cNvSpPr/>
+          <p:nvPr/>
+        </p:nvSpPr>
+        <p:spPr>
+          <a:xfrm>
+            <a:off x="1257300" y="3217902"/>
+            <a:ext cx="10782300" cy="249198"/>
+          </a:xfrm>
+          <a:prstGeom prst="rect">
+            <a:avLst/>
+          </a:prstGeom>
+        </p:spPr>
+        <p:style>
+          <a:lnRef idx="2">
+            <a:schemeClr val="accent1"/>
+          </a:lnRef>
+          <a:fillRef idx="1">
+            <a:schemeClr val="lt1"/>
+          </a:fillRef>
+          <a:effectRef idx="0">
+            <a:schemeClr val="accent1"/>
+          </a:effectRef>
+          <a:fontRef idx="minor">
+            <a:schemeClr val="dk1"/>
+          </a:fontRef>
+        </p:style>
+        <p:txBody>
+          <a:bodyPr rtlCol="0" anchor="ctr"/>
+          <a:lstStyle/>
+          <a:p>
+            <a:pPr algn="ctr"/>
             <a:endParaRPr lang="zh-TW" altLang="en-US"/>
           </a:p>
         </p:txBody>
       </p:sp>
+      <p:sp>
+        <p:nvSpPr>
+          <p:cNvPr id="4" name="矩形 3"/>
+          <p:cNvSpPr/>
+          <p:nvPr/>
+        </p:nvSpPr>
+        <p:spPr>
+          <a:xfrm>
+            <a:off x="990600" y="4945102"/>
+            <a:ext cx="11049000" cy="251738"/>
+          </a:xfrm>
+          <a:prstGeom prst="rect">
+            <a:avLst/>
+          </a:prstGeom>
+        </p:spPr>
+        <p:style>
+          <a:lnRef idx="2">
+            <a:schemeClr val="accent1"/>
+          </a:lnRef>
+          <a:fillRef idx="1">
+            <a:schemeClr val="lt1"/>
+          </a:fillRef>
+          <a:effectRef idx="0">
+            <a:schemeClr val="accent1"/>
+          </a:effectRef>
+          <a:fontRef idx="minor">
+            <a:schemeClr val="dk1"/>
+          </a:fontRef>
+        </p:style>
+        <p:txBody>
+          <a:bodyPr rtlCol="0" anchor="ctr"/>
+          <a:lstStyle/>
+          <a:p>
+            <a:pPr algn="ctr"/>
+            <a:endParaRPr lang="zh-TW" altLang="en-US"/>
+          </a:p>
+        </p:txBody>
+      </p:sp>
+      <p:sp>
+        <p:nvSpPr>
+          <p:cNvPr id="5" name="文字方塊 4"/>
+          <p:cNvSpPr txBox="1"/>
+          <p:nvPr/>
+        </p:nvSpPr>
+        <p:spPr>
+          <a:xfrm>
+            <a:off x="322621" y="3149084"/>
+            <a:ext cx="934679" cy="369332"/>
+          </a:xfrm>
+          <a:prstGeom prst="rect">
+            <a:avLst/>
+          </a:prstGeom>
+          <a:noFill/>
+        </p:spPr>
+        <p:txBody>
+          <a:bodyPr wrap="none" rtlCol="0">
+            <a:spAutoFit/>
+          </a:bodyPr>
+          <a:lstStyle/>
+          <a:p>
+            <a:r>
+              <a:rPr lang="en-US" altLang="zh-TW" dirty="0" smtClean="0"/>
+              <a:t>develop</a:t>
+            </a:r>
+            <a:endParaRPr lang="zh-TW" altLang="en-US" dirty="0"/>
+          </a:p>
+        </p:txBody>
+      </p:sp>
+      <p:sp>
+        <p:nvSpPr>
+          <p:cNvPr id="6" name="文字方塊 5"/>
+          <p:cNvSpPr txBox="1"/>
+          <p:nvPr/>
+        </p:nvSpPr>
+        <p:spPr>
+          <a:xfrm>
+            <a:off x="322621" y="4897874"/>
+            <a:ext cx="836832" cy="369332"/>
+          </a:xfrm>
+          <a:prstGeom prst="rect">
+            <a:avLst/>
+          </a:prstGeom>
+          <a:noFill/>
+        </p:spPr>
+        <p:txBody>
+          <a:bodyPr wrap="none" rtlCol="0">
+            <a:spAutoFit/>
+          </a:bodyPr>
+          <a:lstStyle/>
+          <a:p>
+            <a:r>
+              <a:rPr lang="en-US" altLang="zh-TW" dirty="0" smtClean="0"/>
+              <a:t>master</a:t>
+            </a:r>
+            <a:endParaRPr lang="zh-TW" altLang="en-US" dirty="0"/>
+          </a:p>
+        </p:txBody>
+      </p:sp>
+      <p:sp>
+        <p:nvSpPr>
+          <p:cNvPr id="8" name="矩形 7"/>
+          <p:cNvSpPr/>
+          <p:nvPr/>
+        </p:nvSpPr>
+        <p:spPr>
+          <a:xfrm>
+            <a:off x="2343150" y="2195572"/>
+            <a:ext cx="1490663" cy="228600"/>
+          </a:xfrm>
+          <a:prstGeom prst="rect">
+            <a:avLst/>
+          </a:prstGeom>
+        </p:spPr>
+        <p:style>
+          <a:lnRef idx="2">
+            <a:schemeClr val="accent1"/>
+          </a:lnRef>
+          <a:fillRef idx="1">
+            <a:schemeClr val="lt1"/>
+          </a:fillRef>
+          <a:effectRef idx="0">
+            <a:schemeClr val="accent1"/>
+          </a:effectRef>
+          <a:fontRef idx="minor">
+            <a:schemeClr val="dk1"/>
+          </a:fontRef>
+        </p:style>
+        <p:txBody>
+          <a:bodyPr rtlCol="0" anchor="ctr"/>
+          <a:lstStyle/>
+          <a:p>
+            <a:pPr algn="ctr"/>
+            <a:endParaRPr lang="zh-TW" altLang="en-US"/>
+          </a:p>
+        </p:txBody>
+      </p:sp>
+      <p:sp>
+        <p:nvSpPr>
+          <p:cNvPr id="9" name="文字方塊 8"/>
+          <p:cNvSpPr txBox="1"/>
+          <p:nvPr/>
+        </p:nvSpPr>
+        <p:spPr>
+          <a:xfrm>
+            <a:off x="2241908" y="1889224"/>
+            <a:ext cx="1352614" cy="369332"/>
+          </a:xfrm>
+          <a:prstGeom prst="rect">
+            <a:avLst/>
+          </a:prstGeom>
+          <a:noFill/>
+        </p:spPr>
+        <p:txBody>
+          <a:bodyPr wrap="none" rtlCol="0">
+            <a:spAutoFit/>
+          </a:bodyPr>
+          <a:lstStyle/>
+          <a:p>
+            <a:r>
+              <a:rPr lang="en-US" altLang="zh-TW" dirty="0" smtClean="0"/>
+              <a:t>feature/api2</a:t>
+            </a:r>
+            <a:endParaRPr lang="zh-TW" altLang="en-US" dirty="0"/>
+          </a:p>
+        </p:txBody>
+      </p:sp>
+      <p:sp>
+        <p:nvSpPr>
+          <p:cNvPr id="10" name="矩形 9"/>
+          <p:cNvSpPr/>
+          <p:nvPr/>
+        </p:nvSpPr>
+        <p:spPr>
+          <a:xfrm>
+            <a:off x="4476750" y="2195572"/>
+            <a:ext cx="1490663" cy="228600"/>
+          </a:xfrm>
+          <a:prstGeom prst="rect">
+            <a:avLst/>
+          </a:prstGeom>
+        </p:spPr>
+        <p:style>
+          <a:lnRef idx="2">
+            <a:schemeClr val="accent1"/>
+          </a:lnRef>
+          <a:fillRef idx="1">
+            <a:schemeClr val="lt1"/>
+          </a:fillRef>
+          <a:effectRef idx="0">
+            <a:schemeClr val="accent1"/>
+          </a:effectRef>
+          <a:fontRef idx="minor">
+            <a:schemeClr val="dk1"/>
+          </a:fontRef>
+        </p:style>
+        <p:txBody>
+          <a:bodyPr rtlCol="0" anchor="ctr"/>
+          <a:lstStyle/>
+          <a:p>
+            <a:pPr algn="ctr"/>
+            <a:endParaRPr lang="zh-TW" altLang="en-US"/>
+          </a:p>
+        </p:txBody>
+      </p:sp>
+      <p:sp>
+        <p:nvSpPr>
+          <p:cNvPr id="11" name="文字方塊 10"/>
+          <p:cNvSpPr txBox="1"/>
+          <p:nvPr/>
+        </p:nvSpPr>
+        <p:spPr>
+          <a:xfrm>
+            <a:off x="4375508" y="1889224"/>
+            <a:ext cx="2060564" cy="369332"/>
+          </a:xfrm>
+          <a:prstGeom prst="rect">
+            <a:avLst/>
+          </a:prstGeom>
+          <a:noFill/>
+        </p:spPr>
+        <p:txBody>
+          <a:bodyPr wrap="none" rtlCol="0">
+            <a:spAutoFit/>
+          </a:bodyPr>
+          <a:lstStyle/>
+          <a:p>
+            <a:r>
+              <a:rPr lang="en-US" altLang="zh-TW" dirty="0" smtClean="0"/>
+              <a:t>feature/</a:t>
+            </a:r>
+            <a:r>
+              <a:rPr lang="en-US" altLang="zh-TW" dirty="0" err="1" smtClean="0"/>
+              <a:t>sdk-unittest</a:t>
+            </a:r>
+            <a:endParaRPr lang="zh-TW" altLang="en-US" dirty="0"/>
+          </a:p>
+        </p:txBody>
+      </p:sp>
+      <p:cxnSp>
+        <p:nvCxnSpPr>
+          <p:cNvPr id="13" name="直線單箭頭接點 12"/>
+          <p:cNvCxnSpPr/>
+          <p:nvPr/>
+        </p:nvCxnSpPr>
+        <p:spPr>
+          <a:xfrm flipV="1">
+            <a:off x="1955800" y="2284214"/>
+            <a:ext cx="550734" cy="1068586"/>
+          </a:xfrm>
+          <a:prstGeom prst="straightConnector1">
+            <a:avLst/>
+          </a:prstGeom>
+          <a:ln>
+            <a:tailEnd type="triangle"/>
+          </a:ln>
+        </p:spPr>
+        <p:style>
+          <a:lnRef idx="1">
+            <a:schemeClr val="accent1"/>
+          </a:lnRef>
+          <a:fillRef idx="0">
+            <a:schemeClr val="accent1"/>
+          </a:fillRef>
+          <a:effectRef idx="0">
+            <a:schemeClr val="accent1"/>
+          </a:effectRef>
+          <a:fontRef idx="minor">
+            <a:schemeClr val="tx1"/>
+          </a:fontRef>
+        </p:style>
+      </p:cxnSp>
+      <p:cxnSp>
+        <p:nvCxnSpPr>
+          <p:cNvPr id="15" name="直線單箭頭接點 14"/>
+          <p:cNvCxnSpPr/>
+          <p:nvPr/>
+        </p:nvCxnSpPr>
+        <p:spPr>
+          <a:xfrm>
+            <a:off x="3626336" y="2341116"/>
+            <a:ext cx="189401" cy="1011684"/>
+          </a:xfrm>
+          <a:prstGeom prst="straightConnector1">
+            <a:avLst/>
+          </a:prstGeom>
+          <a:ln>
+            <a:tailEnd type="triangle"/>
+          </a:ln>
+        </p:spPr>
+        <p:style>
+          <a:lnRef idx="1">
+            <a:schemeClr val="accent1"/>
+          </a:lnRef>
+          <a:fillRef idx="0">
+            <a:schemeClr val="accent1"/>
+          </a:fillRef>
+          <a:effectRef idx="0">
+            <a:schemeClr val="accent1"/>
+          </a:effectRef>
+          <a:fontRef idx="minor">
+            <a:schemeClr val="tx1"/>
+          </a:fontRef>
+        </p:style>
+      </p:cxnSp>
+      <p:cxnSp>
+        <p:nvCxnSpPr>
+          <p:cNvPr id="17" name="直線單箭頭接點 16"/>
+          <p:cNvCxnSpPr/>
+          <p:nvPr/>
+        </p:nvCxnSpPr>
+        <p:spPr>
+          <a:xfrm flipV="1">
+            <a:off x="4417091" y="2325544"/>
+            <a:ext cx="227684" cy="1027257"/>
+          </a:xfrm>
+          <a:prstGeom prst="straightConnector1">
+            <a:avLst/>
+          </a:prstGeom>
+          <a:ln>
+            <a:tailEnd type="triangle"/>
+          </a:ln>
+        </p:spPr>
+        <p:style>
+          <a:lnRef idx="1">
+            <a:schemeClr val="accent1"/>
+          </a:lnRef>
+          <a:fillRef idx="0">
+            <a:schemeClr val="accent1"/>
+          </a:fillRef>
+          <a:effectRef idx="0">
+            <a:schemeClr val="accent1"/>
+          </a:effectRef>
+          <a:fontRef idx="minor">
+            <a:schemeClr val="tx1"/>
+          </a:fontRef>
+        </p:style>
+      </p:cxnSp>
+      <p:cxnSp>
+        <p:nvCxnSpPr>
+          <p:cNvPr id="19" name="直線單箭頭接點 18"/>
+          <p:cNvCxnSpPr/>
+          <p:nvPr/>
+        </p:nvCxnSpPr>
+        <p:spPr>
+          <a:xfrm>
+            <a:off x="5857875" y="2309872"/>
+            <a:ext cx="109538" cy="1042928"/>
+          </a:xfrm>
+          <a:prstGeom prst="straightConnector1">
+            <a:avLst/>
+          </a:prstGeom>
+          <a:ln>
+            <a:tailEnd type="triangle"/>
+          </a:ln>
+        </p:spPr>
+        <p:style>
+          <a:lnRef idx="1">
+            <a:schemeClr val="accent1"/>
+          </a:lnRef>
+          <a:fillRef idx="0">
+            <a:schemeClr val="accent1"/>
+          </a:fillRef>
+          <a:effectRef idx="0">
+            <a:schemeClr val="accent1"/>
+          </a:effectRef>
+          <a:fontRef idx="minor">
+            <a:schemeClr val="tx1"/>
+          </a:fontRef>
+        </p:style>
+      </p:cxnSp>
+      <p:sp>
+        <p:nvSpPr>
+          <p:cNvPr id="20" name="矩形 19"/>
+          <p:cNvSpPr/>
+          <p:nvPr/>
+        </p:nvSpPr>
+        <p:spPr>
+          <a:xfrm>
+            <a:off x="6343650" y="4102100"/>
+            <a:ext cx="1490663" cy="228600"/>
+          </a:xfrm>
+          <a:prstGeom prst="rect">
+            <a:avLst/>
+          </a:prstGeom>
+        </p:spPr>
+        <p:style>
+          <a:lnRef idx="2">
+            <a:schemeClr val="accent1"/>
+          </a:lnRef>
+          <a:fillRef idx="1">
+            <a:schemeClr val="lt1"/>
+          </a:fillRef>
+          <a:effectRef idx="0">
+            <a:schemeClr val="accent1"/>
+          </a:effectRef>
+          <a:fontRef idx="minor">
+            <a:schemeClr val="dk1"/>
+          </a:fontRef>
+        </p:style>
+        <p:txBody>
+          <a:bodyPr rtlCol="0" anchor="ctr"/>
+          <a:lstStyle/>
+          <a:p>
+            <a:pPr algn="ctr"/>
+            <a:endParaRPr lang="zh-TW" altLang="en-US"/>
+          </a:p>
+        </p:txBody>
+      </p:sp>
+      <p:sp>
+        <p:nvSpPr>
+          <p:cNvPr id="21" name="文字方塊 20"/>
+          <p:cNvSpPr txBox="1"/>
+          <p:nvPr/>
+        </p:nvSpPr>
+        <p:spPr>
+          <a:xfrm>
+            <a:off x="6343650" y="3756104"/>
+            <a:ext cx="1464055" cy="369332"/>
+          </a:xfrm>
+          <a:prstGeom prst="rect">
+            <a:avLst/>
+          </a:prstGeom>
+          <a:noFill/>
+        </p:spPr>
+        <p:txBody>
+          <a:bodyPr wrap="none" rtlCol="0">
+            <a:spAutoFit/>
+          </a:bodyPr>
+          <a:lstStyle/>
+          <a:p>
+            <a:r>
+              <a:rPr lang="en-US" altLang="zh-TW" dirty="0" smtClean="0"/>
+              <a:t>release/v10.1</a:t>
+            </a:r>
+            <a:endParaRPr lang="zh-TW" altLang="en-US" dirty="0"/>
+          </a:p>
+        </p:txBody>
+      </p:sp>
+      <p:cxnSp>
+        <p:nvCxnSpPr>
+          <p:cNvPr id="23" name="直線單箭頭接點 22"/>
+          <p:cNvCxnSpPr/>
+          <p:nvPr/>
+        </p:nvCxnSpPr>
+        <p:spPr>
+          <a:xfrm>
+            <a:off x="6223000" y="3352800"/>
+            <a:ext cx="213072" cy="843002"/>
+          </a:xfrm>
+          <a:prstGeom prst="straightConnector1">
+            <a:avLst/>
+          </a:prstGeom>
+          <a:ln>
+            <a:tailEnd type="triangle"/>
+          </a:ln>
+        </p:spPr>
+        <p:style>
+          <a:lnRef idx="1">
+            <a:schemeClr val="accent1"/>
+          </a:lnRef>
+          <a:fillRef idx="0">
+            <a:schemeClr val="accent1"/>
+          </a:fillRef>
+          <a:effectRef idx="0">
+            <a:schemeClr val="accent1"/>
+          </a:effectRef>
+          <a:fontRef idx="minor">
+            <a:schemeClr val="tx1"/>
+          </a:fontRef>
+        </p:style>
+      </p:cxnSp>
+      <p:cxnSp>
+        <p:nvCxnSpPr>
+          <p:cNvPr id="26" name="直線單箭頭接點 25"/>
+          <p:cNvCxnSpPr>
+            <a:stCxn id="20" idx="3"/>
+          </p:cNvCxnSpPr>
+          <p:nvPr/>
+        </p:nvCxnSpPr>
+        <p:spPr>
+          <a:xfrm>
+            <a:off x="7834313" y="4216400"/>
+            <a:ext cx="306387" cy="866140"/>
+          </a:xfrm>
+          <a:prstGeom prst="straightConnector1">
+            <a:avLst/>
+          </a:prstGeom>
+          <a:ln>
+            <a:tailEnd type="triangle"/>
+          </a:ln>
+        </p:spPr>
+        <p:style>
+          <a:lnRef idx="1">
+            <a:schemeClr val="accent1"/>
+          </a:lnRef>
+          <a:fillRef idx="0">
+            <a:schemeClr val="accent1"/>
+          </a:fillRef>
+          <a:effectRef idx="0">
+            <a:schemeClr val="accent1"/>
+          </a:effectRef>
+          <a:fontRef idx="minor">
+            <a:schemeClr val="tx1"/>
+          </a:fontRef>
+        </p:style>
+      </p:cxnSp>
+      <p:cxnSp>
+        <p:nvCxnSpPr>
+          <p:cNvPr id="29" name="直線單箭頭接點 28"/>
+          <p:cNvCxnSpPr/>
+          <p:nvPr/>
+        </p:nvCxnSpPr>
+        <p:spPr>
+          <a:xfrm flipV="1">
+            <a:off x="8195905" y="3333750"/>
+            <a:ext cx="211495" cy="1776770"/>
+          </a:xfrm>
+          <a:prstGeom prst="straightConnector1">
+            <a:avLst/>
+          </a:prstGeom>
+          <a:ln>
+            <a:tailEnd type="triangle"/>
+          </a:ln>
+        </p:spPr>
+        <p:style>
+          <a:lnRef idx="1">
+            <a:schemeClr val="accent1"/>
+          </a:lnRef>
+          <a:fillRef idx="0">
+            <a:schemeClr val="accent1"/>
+          </a:fillRef>
+          <a:effectRef idx="0">
+            <a:schemeClr val="accent1"/>
+          </a:effectRef>
+          <a:fontRef idx="minor">
+            <a:schemeClr val="tx1"/>
+          </a:fontRef>
+        </p:style>
+      </p:cxnSp>
+      <p:sp>
+        <p:nvSpPr>
+          <p:cNvPr id="38" name="橢圓 37"/>
+          <p:cNvSpPr/>
+          <p:nvPr/>
+        </p:nvSpPr>
+        <p:spPr>
+          <a:xfrm>
+            <a:off x="7958356" y="4851777"/>
+            <a:ext cx="419894" cy="461526"/>
+          </a:xfrm>
+          <a:prstGeom prst="ellipse">
+            <a:avLst/>
+          </a:prstGeom>
+        </p:spPr>
+        <p:style>
+          <a:lnRef idx="2">
+            <a:schemeClr val="accent1">
+              <a:shade val="50000"/>
+            </a:schemeClr>
+          </a:lnRef>
+          <a:fillRef idx="1">
+            <a:schemeClr val="accent1"/>
+          </a:fillRef>
+          <a:effectRef idx="0">
+            <a:schemeClr val="accent1"/>
+          </a:effectRef>
+          <a:fontRef idx="minor">
+            <a:schemeClr val="lt1"/>
+          </a:fontRef>
+        </p:style>
+        <p:txBody>
+          <a:bodyPr rtlCol="0" anchor="ctr"/>
+          <a:lstStyle/>
+          <a:p>
+            <a:pPr algn="ctr"/>
+            <a:endParaRPr lang="zh-TW" altLang="en-US"/>
+          </a:p>
+        </p:txBody>
+      </p:sp>
+      <p:sp>
+        <p:nvSpPr>
+          <p:cNvPr id="39" name="文字方塊 38"/>
+          <p:cNvSpPr txBox="1"/>
+          <p:nvPr/>
+        </p:nvSpPr>
+        <p:spPr>
+          <a:xfrm>
+            <a:off x="7958356" y="5372100"/>
+            <a:ext cx="724878" cy="369332"/>
+          </a:xfrm>
+          <a:prstGeom prst="rect">
+            <a:avLst/>
+          </a:prstGeom>
+          <a:noFill/>
+        </p:spPr>
+        <p:txBody>
+          <a:bodyPr wrap="none" rtlCol="0">
+            <a:spAutoFit/>
+          </a:bodyPr>
+          <a:lstStyle/>
+          <a:p>
+            <a:r>
+              <a:rPr lang="en-US" altLang="zh-TW" dirty="0" smtClean="0"/>
+              <a:t>V10.1</a:t>
+            </a:r>
+            <a:endParaRPr lang="zh-TW" altLang="en-US" dirty="0"/>
+          </a:p>
+        </p:txBody>
+      </p:sp>
+      <p:sp>
+        <p:nvSpPr>
+          <p:cNvPr id="40" name="矩形 39"/>
+          <p:cNvSpPr/>
+          <p:nvPr/>
+        </p:nvSpPr>
+        <p:spPr>
+          <a:xfrm>
+            <a:off x="8698131" y="2195572"/>
+            <a:ext cx="966569" cy="228600"/>
+          </a:xfrm>
+          <a:prstGeom prst="rect">
+            <a:avLst/>
+          </a:prstGeom>
+        </p:spPr>
+        <p:style>
+          <a:lnRef idx="2">
+            <a:schemeClr val="accent1"/>
+          </a:lnRef>
+          <a:fillRef idx="1">
+            <a:schemeClr val="lt1"/>
+          </a:fillRef>
+          <a:effectRef idx="0">
+            <a:schemeClr val="accent1"/>
+          </a:effectRef>
+          <a:fontRef idx="minor">
+            <a:schemeClr val="dk1"/>
+          </a:fontRef>
+        </p:style>
+        <p:txBody>
+          <a:bodyPr rtlCol="0" anchor="ctr"/>
+          <a:lstStyle/>
+          <a:p>
+            <a:pPr algn="ctr"/>
+            <a:endParaRPr lang="zh-TW" altLang="en-US"/>
+          </a:p>
+        </p:txBody>
+      </p:sp>
+      <p:sp>
+        <p:nvSpPr>
+          <p:cNvPr id="41" name="文字方塊 40"/>
+          <p:cNvSpPr txBox="1"/>
+          <p:nvPr/>
+        </p:nvSpPr>
+        <p:spPr>
+          <a:xfrm>
+            <a:off x="8596889" y="1889224"/>
+            <a:ext cx="1877822" cy="369332"/>
+          </a:xfrm>
+          <a:prstGeom prst="rect">
+            <a:avLst/>
+          </a:prstGeom>
+          <a:noFill/>
+        </p:spPr>
+        <p:txBody>
+          <a:bodyPr wrap="none" rtlCol="0">
+            <a:spAutoFit/>
+          </a:bodyPr>
+          <a:lstStyle/>
+          <a:p>
+            <a:r>
+              <a:rPr lang="en-US" altLang="zh-TW" dirty="0" smtClean="0"/>
+              <a:t>feature/</a:t>
+            </a:r>
+            <a:r>
+              <a:rPr lang="en-US" altLang="zh-TW" dirty="0" err="1" smtClean="0"/>
+              <a:t>sdk</a:t>
+            </a:r>
+            <a:r>
+              <a:rPr lang="en-US" altLang="zh-TW" dirty="0" smtClean="0"/>
+              <a:t>-cache</a:t>
+            </a:r>
+            <a:endParaRPr lang="zh-TW" altLang="en-US" dirty="0"/>
+          </a:p>
+        </p:txBody>
+      </p:sp>
+      <p:cxnSp>
+        <p:nvCxnSpPr>
+          <p:cNvPr id="43" name="直線單箭頭接點 42"/>
+          <p:cNvCxnSpPr/>
+          <p:nvPr/>
+        </p:nvCxnSpPr>
+        <p:spPr>
+          <a:xfrm flipV="1">
+            <a:off x="8432800" y="2325544"/>
+            <a:ext cx="393700" cy="1027256"/>
+          </a:xfrm>
+          <a:prstGeom prst="straightConnector1">
+            <a:avLst/>
+          </a:prstGeom>
+          <a:ln>
+            <a:tailEnd type="triangle"/>
+          </a:ln>
+        </p:spPr>
+        <p:style>
+          <a:lnRef idx="1">
+            <a:schemeClr val="accent1"/>
+          </a:lnRef>
+          <a:fillRef idx="0">
+            <a:schemeClr val="accent1"/>
+          </a:fillRef>
+          <a:effectRef idx="0">
+            <a:schemeClr val="accent1"/>
+          </a:effectRef>
+          <a:fontRef idx="minor">
+            <a:schemeClr val="tx1"/>
+          </a:fontRef>
+        </p:style>
+      </p:cxnSp>
+      <p:cxnSp>
+        <p:nvCxnSpPr>
+          <p:cNvPr id="45" name="直線單箭頭接點 44"/>
+          <p:cNvCxnSpPr/>
+          <p:nvPr/>
+        </p:nvCxnSpPr>
+        <p:spPr>
+          <a:xfrm>
+            <a:off x="9585711" y="2297668"/>
+            <a:ext cx="78989" cy="1086882"/>
+          </a:xfrm>
+          <a:prstGeom prst="straightConnector1">
+            <a:avLst/>
+          </a:prstGeom>
+          <a:ln>
+            <a:tailEnd type="triangle"/>
+          </a:ln>
+        </p:spPr>
+        <p:style>
+          <a:lnRef idx="1">
+            <a:schemeClr val="accent1"/>
+          </a:lnRef>
+          <a:fillRef idx="0">
+            <a:schemeClr val="accent1"/>
+          </a:fillRef>
+          <a:effectRef idx="0">
+            <a:schemeClr val="accent1"/>
+          </a:effectRef>
+          <a:fontRef idx="minor">
+            <a:schemeClr val="tx1"/>
+          </a:fontRef>
+        </p:style>
+      </p:cxnSp>
+      <p:sp>
+        <p:nvSpPr>
+          <p:cNvPr id="47" name="矩形 46"/>
+          <p:cNvSpPr/>
+          <p:nvPr/>
+        </p:nvSpPr>
+        <p:spPr>
+          <a:xfrm>
+            <a:off x="9900533" y="4102100"/>
+            <a:ext cx="1490663" cy="228600"/>
+          </a:xfrm>
+          <a:prstGeom prst="rect">
+            <a:avLst/>
+          </a:prstGeom>
+        </p:spPr>
+        <p:style>
+          <a:lnRef idx="2">
+            <a:schemeClr val="accent1"/>
+          </a:lnRef>
+          <a:fillRef idx="1">
+            <a:schemeClr val="lt1"/>
+          </a:fillRef>
+          <a:effectRef idx="0">
+            <a:schemeClr val="accent1"/>
+          </a:effectRef>
+          <a:fontRef idx="minor">
+            <a:schemeClr val="dk1"/>
+          </a:fontRef>
+        </p:style>
+        <p:txBody>
+          <a:bodyPr rtlCol="0" anchor="ctr"/>
+          <a:lstStyle/>
+          <a:p>
+            <a:pPr algn="ctr"/>
+            <a:endParaRPr lang="zh-TW" altLang="en-US"/>
+          </a:p>
+        </p:txBody>
+      </p:sp>
+      <p:sp>
+        <p:nvSpPr>
+          <p:cNvPr id="48" name="文字方塊 47"/>
+          <p:cNvSpPr txBox="1"/>
+          <p:nvPr/>
+        </p:nvSpPr>
+        <p:spPr>
+          <a:xfrm>
+            <a:off x="9900533" y="3756104"/>
+            <a:ext cx="1464055" cy="369332"/>
+          </a:xfrm>
+          <a:prstGeom prst="rect">
+            <a:avLst/>
+          </a:prstGeom>
+          <a:noFill/>
+        </p:spPr>
+        <p:txBody>
+          <a:bodyPr wrap="none" rtlCol="0">
+            <a:spAutoFit/>
+          </a:bodyPr>
+          <a:lstStyle/>
+          <a:p>
+            <a:r>
+              <a:rPr lang="en-US" altLang="zh-TW" dirty="0" smtClean="0"/>
+              <a:t>release/v10.2</a:t>
+            </a:r>
+            <a:endParaRPr lang="zh-TW" altLang="en-US" dirty="0"/>
+          </a:p>
+        </p:txBody>
+      </p:sp>
+      <p:cxnSp>
+        <p:nvCxnSpPr>
+          <p:cNvPr id="49" name="直線單箭頭接點 48"/>
+          <p:cNvCxnSpPr/>
+          <p:nvPr/>
+        </p:nvCxnSpPr>
+        <p:spPr>
+          <a:xfrm>
+            <a:off x="9779883" y="3352800"/>
+            <a:ext cx="213072" cy="843002"/>
+          </a:xfrm>
+          <a:prstGeom prst="straightConnector1">
+            <a:avLst/>
+          </a:prstGeom>
+          <a:ln>
+            <a:tailEnd type="triangle"/>
+          </a:ln>
+        </p:spPr>
+        <p:style>
+          <a:lnRef idx="1">
+            <a:schemeClr val="accent1"/>
+          </a:lnRef>
+          <a:fillRef idx="0">
+            <a:schemeClr val="accent1"/>
+          </a:fillRef>
+          <a:effectRef idx="0">
+            <a:schemeClr val="accent1"/>
+          </a:effectRef>
+          <a:fontRef idx="minor">
+            <a:schemeClr val="tx1"/>
+          </a:fontRef>
+        </p:style>
+      </p:cxnSp>
+      <p:cxnSp>
+        <p:nvCxnSpPr>
+          <p:cNvPr id="50" name="直線單箭頭接點 49"/>
+          <p:cNvCxnSpPr>
+            <a:stCxn id="47" idx="3"/>
+          </p:cNvCxnSpPr>
+          <p:nvPr/>
+        </p:nvCxnSpPr>
+        <p:spPr>
+          <a:xfrm>
+            <a:off x="11391196" y="4216400"/>
+            <a:ext cx="306387" cy="866140"/>
+          </a:xfrm>
+          <a:prstGeom prst="straightConnector1">
+            <a:avLst/>
+          </a:prstGeom>
+          <a:ln>
+            <a:tailEnd type="triangle"/>
+          </a:ln>
+        </p:spPr>
+        <p:style>
+          <a:lnRef idx="1">
+            <a:schemeClr val="accent1"/>
+          </a:lnRef>
+          <a:fillRef idx="0">
+            <a:schemeClr val="accent1"/>
+          </a:fillRef>
+          <a:effectRef idx="0">
+            <a:schemeClr val="accent1"/>
+          </a:effectRef>
+          <a:fontRef idx="minor">
+            <a:schemeClr val="tx1"/>
+          </a:fontRef>
+        </p:style>
+      </p:cxnSp>
+      <p:cxnSp>
+        <p:nvCxnSpPr>
+          <p:cNvPr id="51" name="直線單箭頭接點 50"/>
+          <p:cNvCxnSpPr/>
+          <p:nvPr/>
+        </p:nvCxnSpPr>
+        <p:spPr>
+          <a:xfrm flipV="1">
+            <a:off x="11752788" y="3333750"/>
+            <a:ext cx="211495" cy="1776770"/>
+          </a:xfrm>
+          <a:prstGeom prst="straightConnector1">
+            <a:avLst/>
+          </a:prstGeom>
+          <a:ln>
+            <a:tailEnd type="triangle"/>
+          </a:ln>
+        </p:spPr>
+        <p:style>
+          <a:lnRef idx="1">
+            <a:schemeClr val="accent1"/>
+          </a:lnRef>
+          <a:fillRef idx="0">
+            <a:schemeClr val="accent1"/>
+          </a:fillRef>
+          <a:effectRef idx="0">
+            <a:schemeClr val="accent1"/>
+          </a:effectRef>
+          <a:fontRef idx="minor">
+            <a:schemeClr val="tx1"/>
+          </a:fontRef>
+        </p:style>
+      </p:cxnSp>
+      <p:sp>
+        <p:nvSpPr>
+          <p:cNvPr id="52" name="橢圓 51"/>
+          <p:cNvSpPr/>
+          <p:nvPr/>
+        </p:nvSpPr>
+        <p:spPr>
+          <a:xfrm>
+            <a:off x="11515239" y="4851777"/>
+            <a:ext cx="419894" cy="461526"/>
+          </a:xfrm>
+          <a:prstGeom prst="ellipse">
+            <a:avLst/>
+          </a:prstGeom>
+        </p:spPr>
+        <p:style>
+          <a:lnRef idx="2">
+            <a:schemeClr val="accent1">
+              <a:shade val="50000"/>
+            </a:schemeClr>
+          </a:lnRef>
+          <a:fillRef idx="1">
+            <a:schemeClr val="accent1"/>
+          </a:fillRef>
+          <a:effectRef idx="0">
+            <a:schemeClr val="accent1"/>
+          </a:effectRef>
+          <a:fontRef idx="minor">
+            <a:schemeClr val="lt1"/>
+          </a:fontRef>
+        </p:style>
+        <p:txBody>
+          <a:bodyPr rtlCol="0" anchor="ctr"/>
+          <a:lstStyle/>
+          <a:p>
+            <a:pPr algn="ctr"/>
+            <a:endParaRPr lang="zh-TW" altLang="en-US"/>
+          </a:p>
+        </p:txBody>
+      </p:sp>
+      <p:sp>
+        <p:nvSpPr>
+          <p:cNvPr id="53" name="文字方塊 52"/>
+          <p:cNvSpPr txBox="1"/>
+          <p:nvPr/>
+        </p:nvSpPr>
+        <p:spPr>
+          <a:xfrm>
+            <a:off x="11210255" y="5372100"/>
+            <a:ext cx="724878" cy="369332"/>
+          </a:xfrm>
+          <a:prstGeom prst="rect">
+            <a:avLst/>
+          </a:prstGeom>
+          <a:noFill/>
+        </p:spPr>
+        <p:txBody>
+          <a:bodyPr wrap="none" rtlCol="0">
+            <a:spAutoFit/>
+          </a:bodyPr>
+          <a:lstStyle/>
+          <a:p>
+            <a:r>
+              <a:rPr lang="en-US" altLang="zh-TW" dirty="0" smtClean="0"/>
+              <a:t>V10.2</a:t>
+            </a:r>
+            <a:endParaRPr lang="zh-TW" altLang="en-US" dirty="0"/>
+          </a:p>
+        </p:txBody>
+      </p:sp>
+      <p:sp>
+        <p:nvSpPr>
+          <p:cNvPr id="55" name="圓角矩形 54"/>
+          <p:cNvSpPr/>
+          <p:nvPr/>
+        </p:nvSpPr>
+        <p:spPr>
+          <a:xfrm>
+            <a:off x="6082596" y="4458077"/>
+            <a:ext cx="1676400" cy="393700"/>
+          </a:xfrm>
+          <a:prstGeom prst="roundRect">
+            <a:avLst/>
+          </a:prstGeom>
+          <a:noFill/>
+          <a:ln>
+            <a:prstDash val="dash"/>
+          </a:ln>
+        </p:spPr>
+        <p:style>
+          <a:lnRef idx="2">
+            <a:schemeClr val="accent1">
+              <a:shade val="50000"/>
+            </a:schemeClr>
+          </a:lnRef>
+          <a:fillRef idx="1">
+            <a:schemeClr val="accent1"/>
+          </a:fillRef>
+          <a:effectRef idx="0">
+            <a:schemeClr val="accent1"/>
+          </a:effectRef>
+          <a:fontRef idx="minor">
+            <a:schemeClr val="lt1"/>
+          </a:fontRef>
+        </p:style>
+        <p:txBody>
+          <a:bodyPr rtlCol="0" anchor="ctr"/>
+          <a:lstStyle/>
+          <a:p>
+            <a:pPr algn="ctr"/>
+            <a:r>
+              <a:rPr lang="en-US" altLang="zh-TW" dirty="0" smtClean="0">
+                <a:solidFill>
+                  <a:srgbClr val="FF0000"/>
+                </a:solidFill>
+              </a:rPr>
+              <a:t>Run 10.1 Test</a:t>
+            </a:r>
+            <a:endParaRPr lang="zh-TW" altLang="en-US" dirty="0">
+              <a:solidFill>
+                <a:srgbClr val="FF0000"/>
+              </a:solidFill>
+            </a:endParaRPr>
+          </a:p>
+        </p:txBody>
+      </p:sp>
+      <p:sp>
+        <p:nvSpPr>
+          <p:cNvPr id="56" name="圓角矩形 55"/>
+          <p:cNvSpPr/>
+          <p:nvPr/>
+        </p:nvSpPr>
+        <p:spPr>
+          <a:xfrm>
+            <a:off x="9628138" y="4458077"/>
+            <a:ext cx="1676400" cy="393700"/>
+          </a:xfrm>
+          <a:prstGeom prst="roundRect">
+            <a:avLst/>
+          </a:prstGeom>
+          <a:noFill/>
+          <a:ln>
+            <a:prstDash val="dash"/>
+          </a:ln>
+        </p:spPr>
+        <p:style>
+          <a:lnRef idx="2">
+            <a:schemeClr val="accent1">
+              <a:shade val="50000"/>
+            </a:schemeClr>
+          </a:lnRef>
+          <a:fillRef idx="1">
+            <a:schemeClr val="accent1"/>
+          </a:fillRef>
+          <a:effectRef idx="0">
+            <a:schemeClr val="accent1"/>
+          </a:effectRef>
+          <a:fontRef idx="minor">
+            <a:schemeClr val="lt1"/>
+          </a:fontRef>
+        </p:style>
+        <p:txBody>
+          <a:bodyPr rtlCol="0" anchor="ctr"/>
+          <a:lstStyle/>
+          <a:p>
+            <a:pPr algn="ctr"/>
+            <a:r>
+              <a:rPr lang="en-US" altLang="zh-TW" dirty="0" smtClean="0">
+                <a:solidFill>
+                  <a:srgbClr val="FF0000"/>
+                </a:solidFill>
+              </a:rPr>
+              <a:t>Run 10.1 Test</a:t>
+            </a:r>
+            <a:endParaRPr lang="zh-TW" altLang="en-US" dirty="0">
+              <a:solidFill>
+                <a:srgbClr val="FF0000"/>
+              </a:solidFill>
+            </a:endParaRPr>
+          </a:p>
+        </p:txBody>
+      </p:sp>
+      <p:cxnSp>
+        <p:nvCxnSpPr>
+          <p:cNvPr id="58" name="肘形接點 57"/>
+          <p:cNvCxnSpPr>
+            <a:stCxn id="10" idx="2"/>
+            <a:endCxn id="55" idx="1"/>
+          </p:cNvCxnSpPr>
+          <p:nvPr/>
+        </p:nvCxnSpPr>
+        <p:spPr>
+          <a:xfrm rot="16200000" flipH="1">
+            <a:off x="4536962" y="3109292"/>
+            <a:ext cx="2230755" cy="860514"/>
+          </a:xfrm>
+          <a:prstGeom prst="bentConnector2">
+            <a:avLst/>
+          </a:prstGeom>
+          <a:ln>
+            <a:prstDash val="lgDash"/>
+            <a:tailEnd type="triangle"/>
+          </a:ln>
+        </p:spPr>
+        <p:style>
+          <a:lnRef idx="1">
+            <a:schemeClr val="accent1"/>
+          </a:lnRef>
+          <a:fillRef idx="0">
+            <a:schemeClr val="accent1"/>
+          </a:fillRef>
+          <a:effectRef idx="0">
+            <a:schemeClr val="accent1"/>
+          </a:effectRef>
+          <a:fontRef idx="minor">
+            <a:schemeClr val="tx1"/>
+          </a:fontRef>
+        </p:style>
+      </p:cxnSp>
     </p:spTree>
     <p:extLst>
       <p:ext uri="{BB962C8B-B14F-4D97-AF65-F5344CB8AC3E}">
-        <p14:creationId xmlns:p14="http://schemas.microsoft.com/office/powerpoint/2010/main" val="3492693348"/>
+        <p14:creationId xmlns:p14="http://schemas.microsoft.com/office/powerpoint/2010/main" val="2278661937"/>
       </p:ext>
     </p:extLst>
   </p:cSld>
@@ -24358,7 +26574,7 @@
       </p:grpSpPr>
       <p:sp>
         <p:nvSpPr>
-          <p:cNvPr id="2" name="標題 1"/>
+          <p:cNvPr id="3" name="標題 2"/>
           <p:cNvSpPr>
             <a:spLocks noGrp="1"/>
           </p:cNvSpPr>
@@ -24371,6 +26587,29 @@
           <a:bodyPr/>
           <a:lstStyle/>
           <a:p>
+            <a:r>
+              <a:rPr lang="zh-TW" altLang="en-US" dirty="0" smtClean="0"/>
+              <a:t>小結</a:t>
+            </a:r>
+            <a:endParaRPr lang="zh-TW" altLang="en-US" dirty="0"/>
+          </a:p>
+        </p:txBody>
+      </p:sp>
+      <p:sp>
+        <p:nvSpPr>
+          <p:cNvPr id="4" name="內容版面配置區 3"/>
+          <p:cNvSpPr>
+            <a:spLocks noGrp="1"/>
+          </p:cNvSpPr>
+          <p:nvPr>
+            <p:ph idx="1"/>
+          </p:nvPr>
+        </p:nvSpPr>
+        <p:spPr/>
+        <p:txBody>
+          <a:bodyPr/>
+          <a:lstStyle/>
+          <a:p>
             <a:endParaRPr lang="zh-TW" altLang="en-US"/>
           </a:p>
         </p:txBody>
@@ -24378,7 +26617,90 @@
     </p:spTree>
     <p:extLst>
       <p:ext uri="{BB962C8B-B14F-4D97-AF65-F5344CB8AC3E}">
-        <p14:creationId xmlns:p14="http://schemas.microsoft.com/office/powerpoint/2010/main" val="1706189652"/>
+        <p14:creationId xmlns:p14="http://schemas.microsoft.com/office/powerpoint/2010/main" val="3492693348"/>
+      </p:ext>
+    </p:extLst>
+  </p:cSld>
+  <p:clrMapOvr>
+    <a:masterClrMapping/>
+  </p:clrMapOvr>
+  <p:timing>
+    <p:tnLst>
+      <p:par>
+        <p:cTn id="1" dur="indefinite" restart="never" nodeType="tmRoot"/>
+      </p:par>
+    </p:tnLst>
+  </p:timing>
+</p:sld>
+</file>
+
+<file path=ppt/slides/slide29.xml><?xml version="1.0" encoding="utf-8"?>
+<p:sld xmlns:a="http://schemas.openxmlformats.org/drawingml/2006/main" xmlns:r="http://schemas.openxmlformats.org/officeDocument/2006/relationships" xmlns:p="http://schemas.openxmlformats.org/presentationml/2006/main">
+  <p:cSld>
+    <p:spTree>
+      <p:nvGrpSpPr>
+        <p:cNvPr id="1" name=""/>
+        <p:cNvGrpSpPr/>
+        <p:nvPr/>
+      </p:nvGrpSpPr>
+      <p:grpSpPr>
+        <a:xfrm>
+          <a:off x="0" y="0"/>
+          <a:ext cx="0" cy="0"/>
+          <a:chOff x="0" y="0"/>
+          <a:chExt cx="0" cy="0"/>
+        </a:xfrm>
+      </p:grpSpPr>
+      <p:sp>
+        <p:nvSpPr>
+          <p:cNvPr id="3" name="標題 2"/>
+          <p:cNvSpPr>
+            <a:spLocks noGrp="1"/>
+          </p:cNvSpPr>
+          <p:nvPr>
+            <p:ph type="ctrTitle"/>
+          </p:nvPr>
+        </p:nvSpPr>
+        <p:spPr/>
+        <p:txBody>
+          <a:bodyPr/>
+          <a:lstStyle/>
+          <a:p>
+            <a:r>
+              <a:rPr lang="en-US" altLang="zh-TW" dirty="0" err="1" smtClean="0"/>
+              <a:t>Microservices</a:t>
+            </a:r>
+            <a:r>
+              <a:rPr lang="en-US" altLang="zh-TW" dirty="0" smtClean="0"/>
+              <a:t> Q &amp; A</a:t>
+            </a:r>
+            <a:endParaRPr lang="zh-TW" altLang="en-US" dirty="0"/>
+          </a:p>
+        </p:txBody>
+      </p:sp>
+      <p:sp>
+        <p:nvSpPr>
+          <p:cNvPr id="4" name="副標題 3"/>
+          <p:cNvSpPr>
+            <a:spLocks noGrp="1"/>
+          </p:cNvSpPr>
+          <p:nvPr>
+            <p:ph type="subTitle" idx="1"/>
+          </p:nvPr>
+        </p:nvSpPr>
+        <p:spPr/>
+        <p:txBody>
+          <a:bodyPr/>
+          <a:lstStyle/>
+          <a:p>
+            <a:endParaRPr lang="zh-TW" altLang="en-US"/>
+          </a:p>
+        </p:txBody>
+      </p:sp>
+    </p:spTree>
+    <p:extLst>
+      <p:ext uri="{BB962C8B-B14F-4D97-AF65-F5344CB8AC3E}">
+        <p14:creationId xmlns:p14="http://schemas.microsoft.com/office/powerpoint/2010/main" val="2851354825"/>
       </p:ext>
     </p:extLst>
   </p:cSld>
@@ -24518,6 +26840,258 @@
     <p:extLst>
       <p:ext uri="{BB962C8B-B14F-4D97-AF65-F5344CB8AC3E}">
         <p14:creationId xmlns:p14="http://schemas.microsoft.com/office/powerpoint/2010/main" val="633750388"/>
+      </p:ext>
+    </p:extLst>
+  </p:cSld>
+  <p:clrMapOvr>
+    <a:masterClrMapping/>
+  </p:clrMapOvr>
+  <p:timing>
+    <p:tnLst>
+      <p:par>
+        <p:cTn id="1" dur="indefinite" restart="never" nodeType="tmRoot"/>
+      </p:par>
+    </p:tnLst>
+  </p:timing>
+</p:sld>
+</file>
+
+<file path=ppt/slides/slide30.xml><?xml version="1.0" encoding="utf-8"?>
+<p:sld xmlns:a="http://schemas.openxmlformats.org/drawingml/2006/main" xmlns:r="http://schemas.openxmlformats.org/officeDocument/2006/relationships" xmlns:p="http://schemas.openxmlformats.org/presentationml/2006/main">
+  <p:cSld>
+    <p:spTree>
+      <p:nvGrpSpPr>
+        <p:cNvPr id="1" name=""/>
+        <p:cNvGrpSpPr/>
+        <p:nvPr/>
+      </p:nvGrpSpPr>
+      <p:grpSpPr>
+        <a:xfrm>
+          <a:off x="0" y="0"/>
+          <a:ext cx="0" cy="0"/>
+          <a:chOff x="0" y="0"/>
+          <a:chExt cx="0" cy="0"/>
+        </a:xfrm>
+      </p:grpSpPr>
+      <p:sp>
+        <p:nvSpPr>
+          <p:cNvPr id="3" name="標題 2"/>
+          <p:cNvSpPr>
+            <a:spLocks noGrp="1"/>
+          </p:cNvSpPr>
+          <p:nvPr>
+            <p:ph type="title"/>
+          </p:nvPr>
+        </p:nvSpPr>
+        <p:spPr/>
+        <p:txBody>
+          <a:bodyPr/>
+          <a:lstStyle/>
+          <a:p>
+            <a:r>
+              <a:rPr lang="en-US" altLang="zh-TW" dirty="0" smtClean="0"/>
+              <a:t>Questions:</a:t>
+            </a:r>
+            <a:endParaRPr lang="zh-TW" altLang="en-US" dirty="0"/>
+          </a:p>
+        </p:txBody>
+      </p:sp>
+      <p:sp>
+        <p:nvSpPr>
+          <p:cNvPr id="4" name="內容版面配置區 3"/>
+          <p:cNvSpPr>
+            <a:spLocks noGrp="1"/>
+          </p:cNvSpPr>
+          <p:nvPr>
+            <p:ph idx="1"/>
+          </p:nvPr>
+        </p:nvSpPr>
+        <p:spPr/>
+        <p:txBody>
+          <a:bodyPr/>
+          <a:lstStyle/>
+          <a:p>
+            <a:r>
+              <a:rPr lang="en-US" altLang="zh-TW" dirty="0" smtClean="0"/>
+              <a:t>Q: container </a:t>
+            </a:r>
+            <a:r>
+              <a:rPr lang="zh-TW" altLang="en-US" dirty="0" smtClean="0"/>
+              <a:t>內如何安裝指定的 </a:t>
+            </a:r>
+            <a:r>
+              <a:rPr lang="en-US" altLang="zh-TW" dirty="0" smtClean="0"/>
+              <a:t>hotfix</a:t>
+            </a:r>
+            <a:r>
+              <a:rPr lang="zh-TW" altLang="en-US" dirty="0" smtClean="0"/>
+              <a:t> </a:t>
+            </a:r>
+            <a:r>
+              <a:rPr lang="en-US" altLang="zh-TW" dirty="0" smtClean="0"/>
+              <a:t>?</a:t>
+            </a:r>
+          </a:p>
+          <a:p>
+            <a:r>
+              <a:rPr lang="en-US" altLang="zh-TW" dirty="0" smtClean="0"/>
+              <a:t>Q: container </a:t>
+            </a:r>
+            <a:r>
+              <a:rPr lang="zh-TW" altLang="en-US" dirty="0" smtClean="0"/>
+              <a:t>如何處理作業系統的更新</a:t>
+            </a:r>
+            <a:r>
+              <a:rPr lang="en-US" altLang="zh-TW" dirty="0" smtClean="0"/>
+              <a:t>?</a:t>
+            </a:r>
+            <a:r>
+              <a:rPr lang="zh-TW" altLang="en-US" dirty="0" smtClean="0"/>
+              <a:t> </a:t>
+            </a:r>
+            <a:r>
+              <a:rPr lang="en-US" altLang="zh-TW" dirty="0" smtClean="0"/>
+              <a:t>(windows</a:t>
+            </a:r>
+            <a:r>
+              <a:rPr lang="zh-TW" altLang="en-US" dirty="0" smtClean="0"/>
+              <a:t> </a:t>
+            </a:r>
+            <a:r>
+              <a:rPr lang="en-US" altLang="zh-TW" dirty="0" smtClean="0"/>
+              <a:t>update,</a:t>
+            </a:r>
+            <a:r>
+              <a:rPr lang="zh-TW" altLang="en-US" dirty="0" smtClean="0"/>
+              <a:t> </a:t>
+            </a:r>
+            <a:r>
+              <a:rPr lang="en-US" altLang="zh-TW" dirty="0" smtClean="0"/>
+              <a:t>IIS</a:t>
+            </a:r>
+            <a:r>
+              <a:rPr lang="zh-TW" altLang="en-US" dirty="0" smtClean="0"/>
+              <a:t> </a:t>
+            </a:r>
+            <a:r>
+              <a:rPr lang="en-US" altLang="zh-TW" dirty="0" smtClean="0"/>
+              <a:t>hotfix</a:t>
+            </a:r>
+            <a:r>
+              <a:rPr lang="zh-TW" altLang="en-US" dirty="0" smtClean="0"/>
+              <a:t> </a:t>
+            </a:r>
+            <a:r>
+              <a:rPr lang="en-US" altLang="zh-TW" dirty="0" smtClean="0"/>
+              <a:t>… </a:t>
+            </a:r>
+            <a:r>
+              <a:rPr lang="en-US" altLang="zh-TW" dirty="0" err="1" smtClean="0"/>
+              <a:t>etc</a:t>
+            </a:r>
+            <a:r>
+              <a:rPr lang="en-US" altLang="zh-TW" dirty="0" smtClean="0"/>
+              <a:t>)</a:t>
+            </a:r>
+            <a:endParaRPr lang="en-US" altLang="zh-TW" dirty="0" smtClean="0"/>
+          </a:p>
+          <a:p>
+            <a:r>
+              <a:rPr lang="en-US" altLang="zh-TW" dirty="0" smtClean="0"/>
+              <a:t>Q: </a:t>
+            </a:r>
+            <a:r>
+              <a:rPr lang="zh-TW" altLang="en-US" dirty="0" smtClean="0"/>
+              <a:t>手動準備 </a:t>
+            </a:r>
+            <a:r>
+              <a:rPr lang="en-US" altLang="zh-TW" dirty="0" smtClean="0"/>
+              <a:t>container image (</a:t>
+            </a:r>
+            <a:r>
+              <a:rPr lang="zh-TW" altLang="en-US" dirty="0" smtClean="0"/>
+              <a:t>不透過 </a:t>
+            </a:r>
+            <a:r>
+              <a:rPr lang="en-US" altLang="zh-TW" dirty="0" err="1" smtClean="0"/>
+              <a:t>dockerfile</a:t>
+            </a:r>
+            <a:r>
+              <a:rPr lang="en-US" altLang="zh-TW" dirty="0" smtClean="0"/>
+              <a:t>,</a:t>
+            </a:r>
+            <a:r>
+              <a:rPr lang="zh-TW" altLang="en-US" dirty="0" smtClean="0"/>
+              <a:t> 改用 </a:t>
+            </a:r>
+            <a:r>
+              <a:rPr lang="en-US" altLang="zh-TW" dirty="0" smtClean="0"/>
+              <a:t>commit)</a:t>
+            </a:r>
+            <a:endParaRPr lang="zh-TW" altLang="en-US" dirty="0"/>
+          </a:p>
+        </p:txBody>
+      </p:sp>
+    </p:spTree>
+    <p:extLst>
+      <p:ext uri="{BB962C8B-B14F-4D97-AF65-F5344CB8AC3E}">
+        <p14:creationId xmlns:p14="http://schemas.microsoft.com/office/powerpoint/2010/main" val="1155386683"/>
+      </p:ext>
+    </p:extLst>
+  </p:cSld>
+  <p:clrMapOvr>
+    <a:masterClrMapping/>
+  </p:clrMapOvr>
+  <p:timing>
+    <p:tnLst>
+      <p:par>
+        <p:cTn id="1" dur="indefinite" restart="never" nodeType="tmRoot"/>
+      </p:par>
+    </p:tnLst>
+  </p:timing>
+</p:sld>
+</file>
+
+<file path=ppt/slides/slide31.xml><?xml version="1.0" encoding="utf-8"?>
+<p:sld xmlns:a="http://schemas.openxmlformats.org/drawingml/2006/main" xmlns:r="http://schemas.openxmlformats.org/officeDocument/2006/relationships" xmlns:p="http://schemas.openxmlformats.org/presentationml/2006/main">
+  <p:cSld>
+    <p:spTree>
+      <p:nvGrpSpPr>
+        <p:cNvPr id="1" name=""/>
+        <p:cNvGrpSpPr/>
+        <p:nvPr/>
+      </p:nvGrpSpPr>
+      <p:grpSpPr>
+        <a:xfrm>
+          <a:off x="0" y="0"/>
+          <a:ext cx="0" cy="0"/>
+          <a:chOff x="0" y="0"/>
+          <a:chExt cx="0" cy="0"/>
+        </a:xfrm>
+      </p:grpSpPr>
+      <p:sp>
+        <p:nvSpPr>
+          <p:cNvPr id="2" name="標題 1"/>
+          <p:cNvSpPr>
+            <a:spLocks noGrp="1"/>
+          </p:cNvSpPr>
+          <p:nvPr>
+            <p:ph type="title"/>
+          </p:nvPr>
+        </p:nvSpPr>
+        <p:spPr/>
+        <p:txBody>
+          <a:bodyPr/>
+          <a:lstStyle/>
+          <a:p>
+            <a:endParaRPr lang="zh-TW" altLang="en-US"/>
+          </a:p>
+        </p:txBody>
+      </p:sp>
+    </p:spTree>
+    <p:extLst>
+      <p:ext uri="{BB962C8B-B14F-4D97-AF65-F5344CB8AC3E}">
+        <p14:creationId xmlns:p14="http://schemas.microsoft.com/office/powerpoint/2010/main" val="1706189652"/>
       </p:ext>
     </p:extLst>
   </p:cSld>

--- a/Session4/M04.pptx
+++ b/Session4/M04.pptx
@@ -7,7 +7,7 @@
     <p:sldMasterId id="2147483873" r:id="rId3"/>
   </p:sldMasterIdLst>
   <p:notesMasterIdLst>
-    <p:notesMasterId r:id="rId35"/>
+    <p:notesMasterId r:id="rId39"/>
   </p:notesMasterIdLst>
   <p:sldIdLst>
     <p:sldId id="256" r:id="rId4"/>
@@ -36,11 +36,15 @@
     <p:sldId id="654" r:id="rId27"/>
     <p:sldId id="656" r:id="rId28"/>
     <p:sldId id="655" r:id="rId29"/>
-    <p:sldId id="663" r:id="rId30"/>
-    <p:sldId id="657" r:id="rId31"/>
-    <p:sldId id="661" r:id="rId32"/>
-    <p:sldId id="662" r:id="rId33"/>
-    <p:sldId id="658" r:id="rId34"/>
+    <p:sldId id="666" r:id="rId30"/>
+    <p:sldId id="665" r:id="rId31"/>
+    <p:sldId id="664" r:id="rId32"/>
+    <p:sldId id="667" r:id="rId33"/>
+    <p:sldId id="668" r:id="rId34"/>
+    <p:sldId id="657" r:id="rId35"/>
+    <p:sldId id="661" r:id="rId36"/>
+    <p:sldId id="662" r:id="rId37"/>
+    <p:sldId id="658" r:id="rId38"/>
   </p:sldIdLst>
   <p:sldSz cx="12192000" cy="6858000"/>
   <p:notesSz cx="6858000" cy="9144000"/>
@@ -23984,47 +23988,6 @@
           </a:extLst>
         </p:spPr>
       </p:pic>
-      <p:pic>
-        <p:nvPicPr>
-          <p:cNvPr id="1030" name="Picture 6" descr="「docker compose」的圖片搜尋結果"/>
-          <p:cNvPicPr>
-            <a:picLocks noChangeAspect="1" noChangeArrowheads="1"/>
-          </p:cNvPicPr>
-          <p:nvPr/>
-        </p:nvPicPr>
-        <p:blipFill>
-          <a:blip r:embed="rId5" cstate="print">
-            <a:extLst>
-              <a:ext uri="{28A0092B-C50C-407E-A947-70E740481C1C}">
-                <a14:useLocalDpi xmlns:a14="http://schemas.microsoft.com/office/drawing/2010/main" val="0"/>
-              </a:ext>
-            </a:extLst>
-          </a:blip>
-          <a:srcRect/>
-          <a:stretch>
-            <a:fillRect/>
-          </a:stretch>
-        </p:blipFill>
-        <p:spPr bwMode="auto">
-          <a:xfrm>
-            <a:off x="5670550" y="1628914"/>
-            <a:ext cx="1703967" cy="1677190"/>
-          </a:xfrm>
-          <a:prstGeom prst="rect">
-            <a:avLst/>
-          </a:prstGeom>
-          <a:noFill/>
-          <a:extLst>
-            <a:ext uri="{909E8E84-426E-40DD-AFC4-6F175D3DCCD1}">
-              <a14:hiddenFill xmlns:a14="http://schemas.microsoft.com/office/drawing/2010/main">
-                <a:solidFill>
-                  <a:srgbClr val="FFFFFF"/>
-                </a:solidFill>
-              </a14:hiddenFill>
-            </a:ext>
-          </a:extLst>
-        </p:spPr>
-      </p:pic>
       <p:sp>
         <p:nvSpPr>
           <p:cNvPr id="5" name="文字方塊 4"/>
@@ -24033,8 +23996,8 @@
         </p:nvSpPr>
         <p:spPr>
           <a:xfrm>
-            <a:off x="5970492" y="3281784"/>
-            <a:ext cx="1063112" cy="646331"/>
+            <a:off x="6082413" y="3281784"/>
+            <a:ext cx="839269" cy="369332"/>
           </a:xfrm>
           <a:prstGeom prst="rect">
             <a:avLst/>
@@ -24056,18 +24019,7 @@
               </a:rPr>
               <a:t>Docker</a:t>
             </a:r>
-          </a:p>
-          <a:p>
-            <a:pPr algn="ctr"/>
-            <a:r>
-              <a:rPr lang="en-US" altLang="zh-TW" dirty="0" smtClean="0">
-                <a:solidFill>
-                  <a:schemeClr val="bg1"/>
-                </a:solidFill>
-              </a:rPr>
-              <a:t>Compose</a:t>
-            </a:r>
-            <a:endParaRPr lang="zh-TW" altLang="en-US" dirty="0">
+            <a:endParaRPr lang="en-US" altLang="zh-TW" dirty="0" smtClean="0">
               <a:solidFill>
                 <a:schemeClr val="bg1"/>
               </a:solidFill>
@@ -24083,8 +24035,8 @@
         </p:nvSpPr>
         <p:spPr>
           <a:xfrm>
-            <a:off x="4229323" y="3978632"/>
-            <a:ext cx="1083053" cy="461665"/>
+            <a:off x="4124548" y="3988157"/>
+            <a:ext cx="1282339" cy="461665"/>
           </a:xfrm>
           <a:prstGeom prst="rect">
             <a:avLst/>
@@ -24098,12 +24050,12 @@
           <a:lstStyle/>
           <a:p>
             <a:r>
-              <a:rPr lang="en-US" altLang="zh-TW" sz="2400" dirty="0" err="1" smtClean="0">
+              <a:rPr lang="en-US" altLang="zh-TW" sz="2400" dirty="0" smtClean="0">
                 <a:solidFill>
                   <a:schemeClr val="bg1"/>
                 </a:solidFill>
               </a:rPr>
-              <a:t>MSTest</a:t>
+              <a:t>Unit Test</a:t>
             </a:r>
             <a:endParaRPr lang="zh-TW" altLang="en-US" sz="2400" dirty="0">
               <a:solidFill>
@@ -24210,6 +24162,47 @@
           </a:p>
         </p:txBody>
       </p:sp>
+      <p:pic>
+        <p:nvPicPr>
+          <p:cNvPr id="1028" name="Picture 4" descr="「docker」的圖片搜尋結果"/>
+          <p:cNvPicPr>
+            <a:picLocks noChangeAspect="1" noChangeArrowheads="1"/>
+          </p:cNvPicPr>
+          <p:nvPr/>
+        </p:nvPicPr>
+        <p:blipFill>
+          <a:blip r:embed="rId5" cstate="print">
+            <a:extLst>
+              <a:ext uri="{28A0092B-C50C-407E-A947-70E740481C1C}">
+                <a14:useLocalDpi xmlns:a14="http://schemas.microsoft.com/office/drawing/2010/main" val="0"/>
+              </a:ext>
+            </a:extLst>
+          </a:blip>
+          <a:srcRect/>
+          <a:stretch>
+            <a:fillRect/>
+          </a:stretch>
+        </p:blipFill>
+        <p:spPr bwMode="auto">
+          <a:xfrm>
+            <a:off x="5760089" y="1957877"/>
+            <a:ext cx="1483915" cy="1323907"/>
+          </a:xfrm>
+          <a:prstGeom prst="rect">
+            <a:avLst/>
+          </a:prstGeom>
+          <a:noFill/>
+          <a:extLst>
+            <a:ext uri="{909E8E84-426E-40DD-AFC4-6F175D3DCCD1}">
+              <a14:hiddenFill xmlns:a14="http://schemas.microsoft.com/office/drawing/2010/main">
+                <a:solidFill>
+                  <a:srgbClr val="FFFFFF"/>
+                </a:solidFill>
+              </a14:hiddenFill>
+            </a:ext>
+          </a:extLst>
+        </p:spPr>
+      </p:pic>
     </p:spTree>
     <p:extLst>
       <p:ext uri="{BB962C8B-B14F-4D97-AF65-F5344CB8AC3E}">
@@ -24247,6 +24240,39 @@
           <a:chExt cx="0" cy="0"/>
         </a:xfrm>
       </p:grpSpPr>
+      <p:cxnSp>
+        <p:nvCxnSpPr>
+          <p:cNvPr id="15" name="直線接點 14"/>
+          <p:cNvCxnSpPr/>
+          <p:nvPr/>
+        </p:nvCxnSpPr>
+        <p:spPr>
+          <a:xfrm>
+            <a:off x="619125" y="2452747"/>
+            <a:ext cx="10987727" cy="0"/>
+          </a:xfrm>
+          <a:prstGeom prst="line">
+            <a:avLst/>
+          </a:prstGeom>
+          <a:ln>
+            <a:prstDash val="dash"/>
+          </a:ln>
+        </p:spPr>
+        <p:style>
+          <a:lnRef idx="1">
+            <a:schemeClr val="accent1"/>
+          </a:lnRef>
+          <a:fillRef idx="0">
+            <a:schemeClr val="accent1"/>
+          </a:fillRef>
+          <a:effectRef idx="0">
+            <a:schemeClr val="accent1"/>
+          </a:effectRef>
+          <a:fontRef idx="minor">
+            <a:schemeClr val="tx1"/>
+          </a:fontRef>
+        </p:style>
+      </p:cxnSp>
       <p:sp>
         <p:nvSpPr>
           <p:cNvPr id="2" name="標題 1"/>
@@ -24278,8 +24304,8 @@
         </p:nvSpPr>
         <p:spPr>
           <a:xfrm>
-            <a:off x="1257300" y="3217902"/>
-            <a:ext cx="10782300" cy="249198"/>
+            <a:off x="542925" y="3360777"/>
+            <a:ext cx="11049000" cy="249198"/>
           </a:xfrm>
           <a:prstGeom prst="rect">
             <a:avLst/>
@@ -24316,7 +24342,7 @@
         </p:nvSpPr>
         <p:spPr>
           <a:xfrm>
-            <a:off x="990600" y="4945102"/>
+            <a:off x="542925" y="5087977"/>
             <a:ext cx="11049000" cy="251738"/>
           </a:xfrm>
           <a:prstGeom prst="rect">
@@ -24354,7 +24380,7 @@
         </p:nvSpPr>
         <p:spPr>
           <a:xfrm>
-            <a:off x="322621" y="3149084"/>
+            <a:off x="289346" y="3593584"/>
             <a:ext cx="934679" cy="369332"/>
           </a:xfrm>
           <a:prstGeom prst="rect">
@@ -24384,7 +24410,7 @@
         </p:nvSpPr>
         <p:spPr>
           <a:xfrm>
-            <a:off x="322621" y="4897874"/>
+            <a:off x="282361" y="5279627"/>
             <a:ext cx="836832" cy="369332"/>
           </a:xfrm>
           <a:prstGeom prst="rect">
@@ -24414,8 +24440,8 @@
         </p:nvSpPr>
         <p:spPr>
           <a:xfrm>
-            <a:off x="2343150" y="2195572"/>
-            <a:ext cx="1490663" cy="228600"/>
+            <a:off x="1166818" y="2338447"/>
+            <a:ext cx="1071557" cy="228600"/>
           </a:xfrm>
           <a:prstGeom prst="rect">
             <a:avLst/>
@@ -24452,7 +24478,7 @@
         </p:nvSpPr>
         <p:spPr>
           <a:xfrm>
-            <a:off x="2241908" y="1889224"/>
+            <a:off x="1065576" y="2032099"/>
             <a:ext cx="1352614" cy="369332"/>
           </a:xfrm>
           <a:prstGeom prst="rect">
@@ -24482,8 +24508,8 @@
         </p:nvSpPr>
         <p:spPr>
           <a:xfrm>
-            <a:off x="4476750" y="2195572"/>
-            <a:ext cx="1490663" cy="228600"/>
+            <a:off x="2957518" y="2338447"/>
+            <a:ext cx="938207" cy="228600"/>
           </a:xfrm>
           <a:prstGeom prst="rect">
             <a:avLst/>
@@ -24520,7 +24546,7 @@
         </p:nvSpPr>
         <p:spPr>
           <a:xfrm>
-            <a:off x="4375508" y="1889224"/>
+            <a:off x="2856276" y="2032099"/>
             <a:ext cx="2060564" cy="369332"/>
           </a:xfrm>
           <a:prstGeom prst="rect">
@@ -24546,138 +24572,6 @@
           </a:p>
         </p:txBody>
       </p:sp>
-      <p:cxnSp>
-        <p:nvCxnSpPr>
-          <p:cNvPr id="13" name="直線單箭頭接點 12"/>
-          <p:cNvCxnSpPr/>
-          <p:nvPr/>
-        </p:nvCxnSpPr>
-        <p:spPr>
-          <a:xfrm flipV="1">
-            <a:off x="1955800" y="2284214"/>
-            <a:ext cx="550734" cy="1068586"/>
-          </a:xfrm>
-          <a:prstGeom prst="straightConnector1">
-            <a:avLst/>
-          </a:prstGeom>
-          <a:ln>
-            <a:tailEnd type="triangle"/>
-          </a:ln>
-        </p:spPr>
-        <p:style>
-          <a:lnRef idx="1">
-            <a:schemeClr val="accent1"/>
-          </a:lnRef>
-          <a:fillRef idx="0">
-            <a:schemeClr val="accent1"/>
-          </a:fillRef>
-          <a:effectRef idx="0">
-            <a:schemeClr val="accent1"/>
-          </a:effectRef>
-          <a:fontRef idx="minor">
-            <a:schemeClr val="tx1"/>
-          </a:fontRef>
-        </p:style>
-      </p:cxnSp>
-      <p:cxnSp>
-        <p:nvCxnSpPr>
-          <p:cNvPr id="15" name="直線單箭頭接點 14"/>
-          <p:cNvCxnSpPr/>
-          <p:nvPr/>
-        </p:nvCxnSpPr>
-        <p:spPr>
-          <a:xfrm>
-            <a:off x="3626336" y="2341116"/>
-            <a:ext cx="189401" cy="1011684"/>
-          </a:xfrm>
-          <a:prstGeom prst="straightConnector1">
-            <a:avLst/>
-          </a:prstGeom>
-          <a:ln>
-            <a:tailEnd type="triangle"/>
-          </a:ln>
-        </p:spPr>
-        <p:style>
-          <a:lnRef idx="1">
-            <a:schemeClr val="accent1"/>
-          </a:lnRef>
-          <a:fillRef idx="0">
-            <a:schemeClr val="accent1"/>
-          </a:fillRef>
-          <a:effectRef idx="0">
-            <a:schemeClr val="accent1"/>
-          </a:effectRef>
-          <a:fontRef idx="minor">
-            <a:schemeClr val="tx1"/>
-          </a:fontRef>
-        </p:style>
-      </p:cxnSp>
-      <p:cxnSp>
-        <p:nvCxnSpPr>
-          <p:cNvPr id="17" name="直線單箭頭接點 16"/>
-          <p:cNvCxnSpPr/>
-          <p:nvPr/>
-        </p:nvCxnSpPr>
-        <p:spPr>
-          <a:xfrm flipV="1">
-            <a:off x="4417091" y="2325544"/>
-            <a:ext cx="227684" cy="1027257"/>
-          </a:xfrm>
-          <a:prstGeom prst="straightConnector1">
-            <a:avLst/>
-          </a:prstGeom>
-          <a:ln>
-            <a:tailEnd type="triangle"/>
-          </a:ln>
-        </p:spPr>
-        <p:style>
-          <a:lnRef idx="1">
-            <a:schemeClr val="accent1"/>
-          </a:lnRef>
-          <a:fillRef idx="0">
-            <a:schemeClr val="accent1"/>
-          </a:fillRef>
-          <a:effectRef idx="0">
-            <a:schemeClr val="accent1"/>
-          </a:effectRef>
-          <a:fontRef idx="minor">
-            <a:schemeClr val="tx1"/>
-          </a:fontRef>
-        </p:style>
-      </p:cxnSp>
-      <p:cxnSp>
-        <p:nvCxnSpPr>
-          <p:cNvPr id="19" name="直線單箭頭接點 18"/>
-          <p:cNvCxnSpPr/>
-          <p:nvPr/>
-        </p:nvCxnSpPr>
-        <p:spPr>
-          <a:xfrm>
-            <a:off x="5857875" y="2309872"/>
-            <a:ext cx="109538" cy="1042928"/>
-          </a:xfrm>
-          <a:prstGeom prst="straightConnector1">
-            <a:avLst/>
-          </a:prstGeom>
-          <a:ln>
-            <a:tailEnd type="triangle"/>
-          </a:ln>
-        </p:spPr>
-        <p:style>
-          <a:lnRef idx="1">
-            <a:schemeClr val="accent1"/>
-          </a:lnRef>
-          <a:fillRef idx="0">
-            <a:schemeClr val="accent1"/>
-          </a:fillRef>
-          <a:effectRef idx="0">
-            <a:schemeClr val="accent1"/>
-          </a:effectRef>
-          <a:fontRef idx="minor">
-            <a:schemeClr val="tx1"/>
-          </a:fontRef>
-        </p:style>
-      </p:cxnSp>
       <p:sp>
         <p:nvSpPr>
           <p:cNvPr id="20" name="矩形 19"/>
@@ -24686,8 +24580,8 @@
         </p:nvSpPr>
         <p:spPr>
           <a:xfrm>
-            <a:off x="6343650" y="4102100"/>
-            <a:ext cx="1490663" cy="228600"/>
+            <a:off x="4429126" y="4244975"/>
+            <a:ext cx="1143000" cy="312340"/>
           </a:xfrm>
           <a:prstGeom prst="rect">
             <a:avLst/>
@@ -24724,7 +24618,7 @@
         </p:nvSpPr>
         <p:spPr>
           <a:xfrm>
-            <a:off x="6343650" y="3756104"/>
+            <a:off x="4429125" y="3898979"/>
             <a:ext cx="1464055" cy="369332"/>
           </a:xfrm>
           <a:prstGeom prst="rect">
@@ -24746,147 +24640,6 @@
           </a:p>
         </p:txBody>
       </p:sp>
-      <p:cxnSp>
-        <p:nvCxnSpPr>
-          <p:cNvPr id="23" name="直線單箭頭接點 22"/>
-          <p:cNvCxnSpPr/>
-          <p:nvPr/>
-        </p:nvCxnSpPr>
-        <p:spPr>
-          <a:xfrm>
-            <a:off x="6223000" y="3352800"/>
-            <a:ext cx="213072" cy="843002"/>
-          </a:xfrm>
-          <a:prstGeom prst="straightConnector1">
-            <a:avLst/>
-          </a:prstGeom>
-          <a:ln>
-            <a:tailEnd type="triangle"/>
-          </a:ln>
-        </p:spPr>
-        <p:style>
-          <a:lnRef idx="1">
-            <a:schemeClr val="accent1"/>
-          </a:lnRef>
-          <a:fillRef idx="0">
-            <a:schemeClr val="accent1"/>
-          </a:fillRef>
-          <a:effectRef idx="0">
-            <a:schemeClr val="accent1"/>
-          </a:effectRef>
-          <a:fontRef idx="minor">
-            <a:schemeClr val="tx1"/>
-          </a:fontRef>
-        </p:style>
-      </p:cxnSp>
-      <p:cxnSp>
-        <p:nvCxnSpPr>
-          <p:cNvPr id="26" name="直線單箭頭接點 25"/>
-          <p:cNvCxnSpPr>
-            <a:stCxn id="20" idx="3"/>
-          </p:cNvCxnSpPr>
-          <p:nvPr/>
-        </p:nvCxnSpPr>
-        <p:spPr>
-          <a:xfrm>
-            <a:off x="7834313" y="4216400"/>
-            <a:ext cx="306387" cy="866140"/>
-          </a:xfrm>
-          <a:prstGeom prst="straightConnector1">
-            <a:avLst/>
-          </a:prstGeom>
-          <a:ln>
-            <a:tailEnd type="triangle"/>
-          </a:ln>
-        </p:spPr>
-        <p:style>
-          <a:lnRef idx="1">
-            <a:schemeClr val="accent1"/>
-          </a:lnRef>
-          <a:fillRef idx="0">
-            <a:schemeClr val="accent1"/>
-          </a:fillRef>
-          <a:effectRef idx="0">
-            <a:schemeClr val="accent1"/>
-          </a:effectRef>
-          <a:fontRef idx="minor">
-            <a:schemeClr val="tx1"/>
-          </a:fontRef>
-        </p:style>
-      </p:cxnSp>
-      <p:cxnSp>
-        <p:nvCxnSpPr>
-          <p:cNvPr id="29" name="直線單箭頭接點 28"/>
-          <p:cNvCxnSpPr/>
-          <p:nvPr/>
-        </p:nvCxnSpPr>
-        <p:spPr>
-          <a:xfrm flipV="1">
-            <a:off x="8195905" y="3333750"/>
-            <a:ext cx="211495" cy="1776770"/>
-          </a:xfrm>
-          <a:prstGeom prst="straightConnector1">
-            <a:avLst/>
-          </a:prstGeom>
-          <a:ln>
-            <a:tailEnd type="triangle"/>
-          </a:ln>
-        </p:spPr>
-        <p:style>
-          <a:lnRef idx="1">
-            <a:schemeClr val="accent1"/>
-          </a:lnRef>
-          <a:fillRef idx="0">
-            <a:schemeClr val="accent1"/>
-          </a:fillRef>
-          <a:effectRef idx="0">
-            <a:schemeClr val="accent1"/>
-          </a:effectRef>
-          <a:fontRef idx="minor">
-            <a:schemeClr val="tx1"/>
-          </a:fontRef>
-        </p:style>
-      </p:cxnSp>
-      <p:sp>
-        <p:nvSpPr>
-          <p:cNvPr id="38" name="橢圓 37"/>
-          <p:cNvSpPr/>
-          <p:nvPr/>
-        </p:nvSpPr>
-        <p:spPr>
-          <a:xfrm>
-            <a:off x="7958356" y="4851777"/>
-            <a:ext cx="419894" cy="461526"/>
-          </a:xfrm>
-          <a:prstGeom prst="ellipse">
-            <a:avLst/>
-          </a:prstGeom>
-        </p:spPr>
-        <p:style>
-          <a:lnRef idx="2">
-            <a:schemeClr val="accent1">
-              <a:shade val="50000"/>
-            </a:schemeClr>
-          </a:lnRef>
-          <a:fillRef idx="1">
-            <a:schemeClr val="accent1"/>
-          </a:fillRef>
-          <a:effectRef idx="0">
-            <a:schemeClr val="accent1"/>
-          </a:effectRef>
-          <a:fontRef idx="minor">
-            <a:schemeClr val="lt1"/>
-          </a:fontRef>
-        </p:style>
-        <p:txBody>
-          <a:bodyPr rtlCol="0" anchor="ctr"/>
-          <a:lstStyle/>
-          <a:p>
-            <a:pPr algn="ctr"/>
-            <a:endParaRPr lang="zh-TW" altLang="en-US"/>
-          </a:p>
-        </p:txBody>
-      </p:sp>
       <p:sp>
         <p:nvSpPr>
           <p:cNvPr id="39" name="文字方塊 38"/>
@@ -24895,7 +24648,7 @@
         </p:nvSpPr>
         <p:spPr>
           <a:xfrm>
-            <a:off x="7958356" y="5372100"/>
+            <a:off x="5179800" y="5279627"/>
             <a:ext cx="724878" cy="369332"/>
           </a:xfrm>
           <a:prstGeom prst="rect">
@@ -24925,7 +24678,7 @@
         </p:nvSpPr>
         <p:spPr>
           <a:xfrm>
-            <a:off x="8698131" y="2195572"/>
+            <a:off x="6021030" y="2338447"/>
             <a:ext cx="966569" cy="228600"/>
           </a:xfrm>
           <a:prstGeom prst="rect">
@@ -24963,8 +24716,8 @@
         </p:nvSpPr>
         <p:spPr>
           <a:xfrm>
-            <a:off x="8596889" y="1889224"/>
-            <a:ext cx="1877822" cy="369332"/>
+            <a:off x="5919788" y="2032099"/>
+            <a:ext cx="1738681" cy="369332"/>
           </a:xfrm>
           <a:prstGeom prst="rect">
             <a:avLst/>
@@ -24979,86 +24732,12 @@
           <a:p>
             <a:r>
               <a:rPr lang="en-US" altLang="zh-TW" dirty="0" smtClean="0"/>
-              <a:t>feature/</a:t>
-            </a:r>
-            <a:r>
-              <a:rPr lang="en-US" altLang="zh-TW" dirty="0" err="1" smtClean="0"/>
-              <a:t>sdk</a:t>
-            </a:r>
-            <a:r>
-              <a:rPr lang="en-US" altLang="zh-TW" dirty="0" smtClean="0"/>
-              <a:t>-cache</a:t>
+              <a:t>feature/sdk-api2</a:t>
             </a:r>
             <a:endParaRPr lang="zh-TW" altLang="en-US" dirty="0"/>
           </a:p>
         </p:txBody>
       </p:sp>
-      <p:cxnSp>
-        <p:nvCxnSpPr>
-          <p:cNvPr id="43" name="直線單箭頭接點 42"/>
-          <p:cNvCxnSpPr/>
-          <p:nvPr/>
-        </p:nvCxnSpPr>
-        <p:spPr>
-          <a:xfrm flipV="1">
-            <a:off x="8432800" y="2325544"/>
-            <a:ext cx="393700" cy="1027256"/>
-          </a:xfrm>
-          <a:prstGeom prst="straightConnector1">
-            <a:avLst/>
-          </a:prstGeom>
-          <a:ln>
-            <a:tailEnd type="triangle"/>
-          </a:ln>
-        </p:spPr>
-        <p:style>
-          <a:lnRef idx="1">
-            <a:schemeClr val="accent1"/>
-          </a:lnRef>
-          <a:fillRef idx="0">
-            <a:schemeClr val="accent1"/>
-          </a:fillRef>
-          <a:effectRef idx="0">
-            <a:schemeClr val="accent1"/>
-          </a:effectRef>
-          <a:fontRef idx="minor">
-            <a:schemeClr val="tx1"/>
-          </a:fontRef>
-        </p:style>
-      </p:cxnSp>
-      <p:cxnSp>
-        <p:nvCxnSpPr>
-          <p:cNvPr id="45" name="直線單箭頭接點 44"/>
-          <p:cNvCxnSpPr/>
-          <p:nvPr/>
-        </p:nvCxnSpPr>
-        <p:spPr>
-          <a:xfrm>
-            <a:off x="9585711" y="2297668"/>
-            <a:ext cx="78989" cy="1086882"/>
-          </a:xfrm>
-          <a:prstGeom prst="straightConnector1">
-            <a:avLst/>
-          </a:prstGeom>
-          <a:ln>
-            <a:tailEnd type="triangle"/>
-          </a:ln>
-        </p:spPr>
-        <p:style>
-          <a:lnRef idx="1">
-            <a:schemeClr val="accent1"/>
-          </a:lnRef>
-          <a:fillRef idx="0">
-            <a:schemeClr val="accent1"/>
-          </a:fillRef>
-          <a:effectRef idx="0">
-            <a:schemeClr val="accent1"/>
-          </a:effectRef>
-          <a:fontRef idx="minor">
-            <a:schemeClr val="tx1"/>
-          </a:fontRef>
-        </p:style>
-      </p:cxnSp>
       <p:sp>
         <p:nvSpPr>
           <p:cNvPr id="47" name="矩形 46"/>
@@ -25067,8 +24746,8 @@
         </p:nvSpPr>
         <p:spPr>
           <a:xfrm>
-            <a:off x="9900533" y="4102100"/>
-            <a:ext cx="1490663" cy="228600"/>
+            <a:off x="7404351" y="4244975"/>
+            <a:ext cx="786517" cy="312340"/>
           </a:xfrm>
           <a:prstGeom prst="rect">
             <a:avLst/>
@@ -25105,7 +24784,7 @@
         </p:nvSpPr>
         <p:spPr>
           <a:xfrm>
-            <a:off x="9900533" y="3756104"/>
+            <a:off x="7404351" y="3898979"/>
             <a:ext cx="1464055" cy="369332"/>
           </a:xfrm>
           <a:prstGeom prst="rect">
@@ -25127,21 +24806,263 @@
           </a:p>
         </p:txBody>
       </p:sp>
+      <p:sp>
+        <p:nvSpPr>
+          <p:cNvPr id="53" name="文字方塊 52"/>
+          <p:cNvSpPr txBox="1"/>
+          <p:nvPr/>
+        </p:nvSpPr>
+        <p:spPr>
+          <a:xfrm>
+            <a:off x="7816047" y="5279627"/>
+            <a:ext cx="724878" cy="369332"/>
+          </a:xfrm>
+          <a:prstGeom prst="rect">
+            <a:avLst/>
+          </a:prstGeom>
+          <a:noFill/>
+        </p:spPr>
+        <p:txBody>
+          <a:bodyPr wrap="none" rtlCol="0">
+            <a:spAutoFit/>
+          </a:bodyPr>
+          <a:lstStyle/>
+          <a:p>
+            <a:r>
+              <a:rPr lang="en-US" altLang="zh-TW" dirty="0" smtClean="0"/>
+              <a:t>V10.2</a:t>
+            </a:r>
+            <a:endParaRPr lang="zh-TW" altLang="en-US" dirty="0"/>
+          </a:p>
+        </p:txBody>
+      </p:sp>
+      <p:sp>
+        <p:nvSpPr>
+          <p:cNvPr id="35" name="矩形 34"/>
+          <p:cNvSpPr/>
+          <p:nvPr/>
+        </p:nvSpPr>
+        <p:spPr>
+          <a:xfrm>
+            <a:off x="7901837" y="2338447"/>
+            <a:ext cx="966569" cy="228600"/>
+          </a:xfrm>
+          <a:prstGeom prst="rect">
+            <a:avLst/>
+          </a:prstGeom>
+        </p:spPr>
+        <p:style>
+          <a:lnRef idx="2">
+            <a:schemeClr val="accent1"/>
+          </a:lnRef>
+          <a:fillRef idx="1">
+            <a:schemeClr val="lt1"/>
+          </a:fillRef>
+          <a:effectRef idx="0">
+            <a:schemeClr val="accent1"/>
+          </a:effectRef>
+          <a:fontRef idx="minor">
+            <a:schemeClr val="dk1"/>
+          </a:fontRef>
+        </p:style>
+        <p:txBody>
+          <a:bodyPr rtlCol="0" anchor="ctr"/>
+          <a:lstStyle/>
+          <a:p>
+            <a:pPr algn="ctr"/>
+            <a:endParaRPr lang="zh-TW" altLang="en-US"/>
+          </a:p>
+        </p:txBody>
+      </p:sp>
+      <p:sp>
+        <p:nvSpPr>
+          <p:cNvPr id="36" name="文字方塊 35"/>
+          <p:cNvSpPr txBox="1"/>
+          <p:nvPr/>
+        </p:nvSpPr>
+        <p:spPr>
+          <a:xfrm>
+            <a:off x="7800595" y="2032099"/>
+            <a:ext cx="2147639" cy="369332"/>
+          </a:xfrm>
+          <a:prstGeom prst="rect">
+            <a:avLst/>
+          </a:prstGeom>
+          <a:noFill/>
+        </p:spPr>
+        <p:txBody>
+          <a:bodyPr wrap="none" rtlCol="0">
+            <a:spAutoFit/>
+          </a:bodyPr>
+          <a:lstStyle/>
+          <a:p>
+            <a:r>
+              <a:rPr lang="en-US" altLang="zh-TW" dirty="0" smtClean="0"/>
+              <a:t>feature/</a:t>
+            </a:r>
+            <a:r>
+              <a:rPr lang="en-US" altLang="zh-TW" dirty="0" err="1" smtClean="0"/>
+              <a:t>sdk</a:t>
+            </a:r>
+            <a:r>
+              <a:rPr lang="en-US" altLang="zh-TW" dirty="0" smtClean="0"/>
+              <a:t>-optimize</a:t>
+            </a:r>
+            <a:endParaRPr lang="zh-TW" altLang="en-US" dirty="0"/>
+          </a:p>
+        </p:txBody>
+      </p:sp>
+      <p:sp>
+        <p:nvSpPr>
+          <p:cNvPr id="37" name="矩形 36"/>
+          <p:cNvSpPr/>
+          <p:nvPr/>
+        </p:nvSpPr>
+        <p:spPr>
+          <a:xfrm>
+            <a:off x="10533376" y="1400155"/>
+            <a:ext cx="966569" cy="228600"/>
+          </a:xfrm>
+          <a:prstGeom prst="rect">
+            <a:avLst/>
+          </a:prstGeom>
+        </p:spPr>
+        <p:style>
+          <a:lnRef idx="2">
+            <a:schemeClr val="accent1"/>
+          </a:lnRef>
+          <a:fillRef idx="1">
+            <a:schemeClr val="lt1"/>
+          </a:fillRef>
+          <a:effectRef idx="0">
+            <a:schemeClr val="accent1"/>
+          </a:effectRef>
+          <a:fontRef idx="minor">
+            <a:schemeClr val="dk1"/>
+          </a:fontRef>
+        </p:style>
+        <p:txBody>
+          <a:bodyPr rtlCol="0" anchor="ctr"/>
+          <a:lstStyle/>
+          <a:p>
+            <a:pPr algn="ctr"/>
+            <a:endParaRPr lang="zh-TW" altLang="en-US"/>
+          </a:p>
+        </p:txBody>
+      </p:sp>
+      <p:sp>
+        <p:nvSpPr>
+          <p:cNvPr id="42" name="文字方塊 41"/>
+          <p:cNvSpPr txBox="1"/>
+          <p:nvPr/>
+        </p:nvSpPr>
+        <p:spPr>
+          <a:xfrm>
+            <a:off x="9692238" y="1070987"/>
+            <a:ext cx="1899687" cy="369332"/>
+          </a:xfrm>
+          <a:prstGeom prst="rect">
+            <a:avLst/>
+          </a:prstGeom>
+          <a:noFill/>
+        </p:spPr>
+        <p:txBody>
+          <a:bodyPr wrap="none" rtlCol="0">
+            <a:spAutoFit/>
+          </a:bodyPr>
+          <a:lstStyle/>
+          <a:p>
+            <a:r>
+              <a:rPr lang="en-US" altLang="zh-TW" dirty="0" smtClean="0"/>
+              <a:t>hotfix/cache-error</a:t>
+            </a:r>
+            <a:endParaRPr lang="zh-TW" altLang="en-US" dirty="0"/>
+          </a:p>
+        </p:txBody>
+      </p:sp>
+      <p:sp>
+        <p:nvSpPr>
+          <p:cNvPr id="44" name="矩形 43"/>
+          <p:cNvSpPr/>
+          <p:nvPr/>
+        </p:nvSpPr>
+        <p:spPr>
+          <a:xfrm>
+            <a:off x="9071690" y="4244975"/>
+            <a:ext cx="786517" cy="312340"/>
+          </a:xfrm>
+          <a:prstGeom prst="rect">
+            <a:avLst/>
+          </a:prstGeom>
+        </p:spPr>
+        <p:style>
+          <a:lnRef idx="2">
+            <a:schemeClr val="accent1"/>
+          </a:lnRef>
+          <a:fillRef idx="1">
+            <a:schemeClr val="lt1"/>
+          </a:fillRef>
+          <a:effectRef idx="0">
+            <a:schemeClr val="accent1"/>
+          </a:effectRef>
+          <a:fontRef idx="minor">
+            <a:schemeClr val="dk1"/>
+          </a:fontRef>
+        </p:style>
+        <p:txBody>
+          <a:bodyPr rtlCol="0" anchor="ctr"/>
+          <a:lstStyle/>
+          <a:p>
+            <a:pPr algn="ctr"/>
+            <a:endParaRPr lang="zh-TW" altLang="en-US"/>
+          </a:p>
+        </p:txBody>
+      </p:sp>
+      <p:sp>
+        <p:nvSpPr>
+          <p:cNvPr id="46" name="文字方塊 45"/>
+          <p:cNvSpPr txBox="1"/>
+          <p:nvPr/>
+        </p:nvSpPr>
+        <p:spPr>
+          <a:xfrm>
+            <a:off x="9071690" y="3898979"/>
+            <a:ext cx="1464055" cy="369332"/>
+          </a:xfrm>
+          <a:prstGeom prst="rect">
+            <a:avLst/>
+          </a:prstGeom>
+          <a:noFill/>
+        </p:spPr>
+        <p:txBody>
+          <a:bodyPr wrap="none" rtlCol="0">
+            <a:spAutoFit/>
+          </a:bodyPr>
+          <a:lstStyle/>
+          <a:p>
+            <a:r>
+              <a:rPr lang="en-US" altLang="zh-TW" dirty="0" smtClean="0"/>
+              <a:t>release/v10.3</a:t>
+            </a:r>
+            <a:endParaRPr lang="zh-TW" altLang="en-US" dirty="0"/>
+          </a:p>
+        </p:txBody>
+      </p:sp>
       <p:cxnSp>
         <p:nvCxnSpPr>
-          <p:cNvPr id="49" name="直線單箭頭接點 48"/>
+          <p:cNvPr id="12" name="直線單箭頭接點 11"/>
           <p:cNvCxnSpPr/>
           <p:nvPr/>
         </p:nvCxnSpPr>
         <p:spPr>
-          <a:xfrm>
-            <a:off x="9779883" y="3352800"/>
-            <a:ext cx="213072" cy="843002"/>
+          <a:xfrm flipV="1">
+            <a:off x="1243018" y="2371725"/>
+            <a:ext cx="0" cy="1123950"/>
           </a:xfrm>
           <a:prstGeom prst="straightConnector1">
             <a:avLst/>
           </a:prstGeom>
-          <a:ln>
+          <a:ln w="38100">
             <a:tailEnd type="triangle"/>
           </a:ln>
         </p:spPr>
@@ -25162,21 +25083,53 @@
       </p:cxnSp>
       <p:cxnSp>
         <p:nvCxnSpPr>
-          <p:cNvPr id="50" name="直線單箭頭接點 49"/>
-          <p:cNvCxnSpPr>
-            <a:stCxn id="47" idx="3"/>
-          </p:cNvCxnSpPr>
+          <p:cNvPr id="56" name="直線單箭頭接點 55"/>
+          <p:cNvCxnSpPr/>
           <p:nvPr/>
         </p:nvCxnSpPr>
         <p:spPr>
-          <a:xfrm>
-            <a:off x="11391196" y="4216400"/>
-            <a:ext cx="306387" cy="866140"/>
+          <a:xfrm flipV="1">
+            <a:off x="2147893" y="2371725"/>
+            <a:ext cx="0" cy="1123950"/>
           </a:xfrm>
           <a:prstGeom prst="straightConnector1">
             <a:avLst/>
           </a:prstGeom>
-          <a:ln>
+          <a:ln w="38100">
+            <a:headEnd type="triangle" w="med" len="med"/>
+            <a:tailEnd type="none" w="med" len="med"/>
+          </a:ln>
+        </p:spPr>
+        <p:style>
+          <a:lnRef idx="1">
+            <a:schemeClr val="accent1"/>
+          </a:lnRef>
+          <a:fillRef idx="0">
+            <a:schemeClr val="accent1"/>
+          </a:fillRef>
+          <a:effectRef idx="0">
+            <a:schemeClr val="accent1"/>
+          </a:effectRef>
+          <a:fontRef idx="minor">
+            <a:schemeClr val="tx1"/>
+          </a:fontRef>
+        </p:style>
+      </p:cxnSp>
+      <p:cxnSp>
+        <p:nvCxnSpPr>
+          <p:cNvPr id="57" name="直線單箭頭接點 56"/>
+          <p:cNvCxnSpPr/>
+          <p:nvPr/>
+        </p:nvCxnSpPr>
+        <p:spPr>
+          <a:xfrm flipV="1">
+            <a:off x="3071818" y="2371725"/>
+            <a:ext cx="0" cy="1123950"/>
+          </a:xfrm>
+          <a:prstGeom prst="straightConnector1">
+            <a:avLst/>
+          </a:prstGeom>
+          <a:ln w="38100">
             <a:tailEnd type="triangle"/>
           </a:ln>
         </p:spPr>
@@ -25197,20 +25150,564 @@
       </p:cxnSp>
       <p:cxnSp>
         <p:nvCxnSpPr>
-          <p:cNvPr id="51" name="直線單箭頭接點 50"/>
+          <p:cNvPr id="58" name="直線單箭頭接點 57"/>
           <p:cNvCxnSpPr/>
           <p:nvPr/>
         </p:nvCxnSpPr>
         <p:spPr>
           <a:xfrm flipV="1">
-            <a:off x="11752788" y="3333750"/>
-            <a:ext cx="211495" cy="1776770"/>
+            <a:off x="3805243" y="2390775"/>
+            <a:ext cx="0" cy="1123950"/>
           </a:xfrm>
           <a:prstGeom prst="straightConnector1">
             <a:avLst/>
           </a:prstGeom>
-          <a:ln>
+          <a:ln w="38100">
+            <a:headEnd type="triangle" w="med" len="med"/>
+            <a:tailEnd type="none" w="med" len="med"/>
+          </a:ln>
+        </p:spPr>
+        <p:style>
+          <a:lnRef idx="1">
+            <a:schemeClr val="accent1"/>
+          </a:lnRef>
+          <a:fillRef idx="0">
+            <a:schemeClr val="accent1"/>
+          </a:fillRef>
+          <a:effectRef idx="0">
+            <a:schemeClr val="accent1"/>
+          </a:effectRef>
+          <a:fontRef idx="minor">
+            <a:schemeClr val="tx1"/>
+          </a:fontRef>
+        </p:style>
+      </p:cxnSp>
+      <p:cxnSp>
+        <p:nvCxnSpPr>
+          <p:cNvPr id="59" name="直線單箭頭接點 58"/>
+          <p:cNvCxnSpPr/>
+          <p:nvPr/>
+        </p:nvCxnSpPr>
+        <p:spPr>
+          <a:xfrm flipV="1">
+            <a:off x="6110293" y="2371725"/>
+            <a:ext cx="0" cy="1123950"/>
+          </a:xfrm>
+          <a:prstGeom prst="straightConnector1">
+            <a:avLst/>
+          </a:prstGeom>
+          <a:ln w="38100">
             <a:tailEnd type="triangle"/>
+          </a:ln>
+        </p:spPr>
+        <p:style>
+          <a:lnRef idx="1">
+            <a:schemeClr val="accent1"/>
+          </a:lnRef>
+          <a:fillRef idx="0">
+            <a:schemeClr val="accent1"/>
+          </a:fillRef>
+          <a:effectRef idx="0">
+            <a:schemeClr val="accent1"/>
+          </a:effectRef>
+          <a:fontRef idx="minor">
+            <a:schemeClr val="tx1"/>
+          </a:fontRef>
+        </p:style>
+      </p:cxnSp>
+      <p:cxnSp>
+        <p:nvCxnSpPr>
+          <p:cNvPr id="60" name="直線單箭頭接點 59"/>
+          <p:cNvCxnSpPr/>
+          <p:nvPr/>
+        </p:nvCxnSpPr>
+        <p:spPr>
+          <a:xfrm flipV="1">
+            <a:off x="6872293" y="2371725"/>
+            <a:ext cx="0" cy="1123950"/>
+          </a:xfrm>
+          <a:prstGeom prst="straightConnector1">
+            <a:avLst/>
+          </a:prstGeom>
+          <a:ln w="38100">
+            <a:headEnd type="triangle" w="med" len="med"/>
+            <a:tailEnd type="none" w="med" len="med"/>
+          </a:ln>
+        </p:spPr>
+        <p:style>
+          <a:lnRef idx="1">
+            <a:schemeClr val="accent1"/>
+          </a:lnRef>
+          <a:fillRef idx="0">
+            <a:schemeClr val="accent1"/>
+          </a:fillRef>
+          <a:effectRef idx="0">
+            <a:schemeClr val="accent1"/>
+          </a:effectRef>
+          <a:fontRef idx="minor">
+            <a:schemeClr val="tx1"/>
+          </a:fontRef>
+        </p:style>
+      </p:cxnSp>
+      <p:cxnSp>
+        <p:nvCxnSpPr>
+          <p:cNvPr id="61" name="直線單箭頭接點 60"/>
+          <p:cNvCxnSpPr/>
+          <p:nvPr/>
+        </p:nvCxnSpPr>
+        <p:spPr>
+          <a:xfrm flipV="1">
+            <a:off x="7973443" y="2371725"/>
+            <a:ext cx="0" cy="1123950"/>
+          </a:xfrm>
+          <a:prstGeom prst="straightConnector1">
+            <a:avLst/>
+          </a:prstGeom>
+          <a:ln w="38100">
+            <a:tailEnd type="triangle"/>
+          </a:ln>
+        </p:spPr>
+        <p:style>
+          <a:lnRef idx="1">
+            <a:schemeClr val="accent1"/>
+          </a:lnRef>
+          <a:fillRef idx="0">
+            <a:schemeClr val="accent1"/>
+          </a:fillRef>
+          <a:effectRef idx="0">
+            <a:schemeClr val="accent1"/>
+          </a:effectRef>
+          <a:fontRef idx="minor">
+            <a:schemeClr val="tx1"/>
+          </a:fontRef>
+        </p:style>
+      </p:cxnSp>
+      <p:cxnSp>
+        <p:nvCxnSpPr>
+          <p:cNvPr id="62" name="直線單箭頭接點 61"/>
+          <p:cNvCxnSpPr/>
+          <p:nvPr/>
+        </p:nvCxnSpPr>
+        <p:spPr>
+          <a:xfrm flipV="1">
+            <a:off x="8773543" y="2400300"/>
+            <a:ext cx="0" cy="1123950"/>
+          </a:xfrm>
+          <a:prstGeom prst="straightConnector1">
+            <a:avLst/>
+          </a:prstGeom>
+          <a:ln w="38100">
+            <a:headEnd type="triangle" w="med" len="med"/>
+            <a:tailEnd type="none" w="med" len="med"/>
+          </a:ln>
+        </p:spPr>
+        <p:style>
+          <a:lnRef idx="1">
+            <a:schemeClr val="accent1"/>
+          </a:lnRef>
+          <a:fillRef idx="0">
+            <a:schemeClr val="accent1"/>
+          </a:fillRef>
+          <a:effectRef idx="0">
+            <a:schemeClr val="accent1"/>
+          </a:effectRef>
+          <a:fontRef idx="minor">
+            <a:schemeClr val="tx1"/>
+          </a:fontRef>
+        </p:style>
+      </p:cxnSp>
+      <p:cxnSp>
+        <p:nvCxnSpPr>
+          <p:cNvPr id="63" name="直線單箭頭接點 62"/>
+          <p:cNvCxnSpPr/>
+          <p:nvPr/>
+        </p:nvCxnSpPr>
+        <p:spPr>
+          <a:xfrm flipV="1">
+            <a:off x="4510093" y="3495675"/>
+            <a:ext cx="0" cy="942975"/>
+          </a:xfrm>
+          <a:prstGeom prst="straightConnector1">
+            <a:avLst/>
+          </a:prstGeom>
+          <a:ln w="38100">
+            <a:headEnd type="triangle" w="med" len="med"/>
+            <a:tailEnd type="none" w="med" len="med"/>
+          </a:ln>
+        </p:spPr>
+        <p:style>
+          <a:lnRef idx="1">
+            <a:schemeClr val="accent1"/>
+          </a:lnRef>
+          <a:fillRef idx="0">
+            <a:schemeClr val="accent1"/>
+          </a:fillRef>
+          <a:effectRef idx="0">
+            <a:schemeClr val="accent1"/>
+          </a:effectRef>
+          <a:fontRef idx="minor">
+            <a:schemeClr val="tx1"/>
+          </a:fontRef>
+        </p:style>
+      </p:cxnSp>
+      <p:cxnSp>
+        <p:nvCxnSpPr>
+          <p:cNvPr id="64" name="直線單箭頭接點 63"/>
+          <p:cNvCxnSpPr/>
+          <p:nvPr/>
+        </p:nvCxnSpPr>
+        <p:spPr>
+          <a:xfrm flipH="1" flipV="1">
+            <a:off x="5481643" y="4437618"/>
+            <a:ext cx="90483" cy="842009"/>
+          </a:xfrm>
+          <a:prstGeom prst="straightConnector1">
+            <a:avLst/>
+          </a:prstGeom>
+          <a:ln w="38100">
+            <a:headEnd type="triangle" w="med" len="med"/>
+            <a:tailEnd type="none" w="med" len="med"/>
+          </a:ln>
+        </p:spPr>
+        <p:style>
+          <a:lnRef idx="1">
+            <a:schemeClr val="accent1"/>
+          </a:lnRef>
+          <a:fillRef idx="0">
+            <a:schemeClr val="accent1"/>
+          </a:fillRef>
+          <a:effectRef idx="0">
+            <a:schemeClr val="accent1"/>
+          </a:effectRef>
+          <a:fontRef idx="minor">
+            <a:schemeClr val="tx1"/>
+          </a:fontRef>
+        </p:style>
+      </p:cxnSp>
+      <p:cxnSp>
+        <p:nvCxnSpPr>
+          <p:cNvPr id="65" name="直線單箭頭接點 64"/>
+          <p:cNvCxnSpPr/>
+          <p:nvPr/>
+        </p:nvCxnSpPr>
+        <p:spPr>
+          <a:xfrm flipV="1">
+            <a:off x="5462593" y="3474999"/>
+            <a:ext cx="179577" cy="842008"/>
+          </a:xfrm>
+          <a:prstGeom prst="straightConnector1">
+            <a:avLst/>
+          </a:prstGeom>
+          <a:ln w="38100">
+            <a:headEnd type="none" w="med" len="med"/>
+            <a:tailEnd type="triangle" w="med" len="med"/>
+          </a:ln>
+        </p:spPr>
+        <p:style>
+          <a:lnRef idx="1">
+            <a:schemeClr val="accent1"/>
+          </a:lnRef>
+          <a:fillRef idx="0">
+            <a:schemeClr val="accent1"/>
+          </a:fillRef>
+          <a:effectRef idx="0">
+            <a:schemeClr val="accent1"/>
+          </a:effectRef>
+          <a:fontRef idx="minor">
+            <a:schemeClr val="tx1"/>
+          </a:fontRef>
+        </p:style>
+      </p:cxnSp>
+      <p:cxnSp>
+        <p:nvCxnSpPr>
+          <p:cNvPr id="66" name="直線單箭頭接點 65"/>
+          <p:cNvCxnSpPr/>
+          <p:nvPr/>
+        </p:nvCxnSpPr>
+        <p:spPr>
+          <a:xfrm flipV="1">
+            <a:off x="7510681" y="3495675"/>
+            <a:ext cx="0" cy="942975"/>
+          </a:xfrm>
+          <a:prstGeom prst="straightConnector1">
+            <a:avLst/>
+          </a:prstGeom>
+          <a:ln w="38100">
+            <a:headEnd type="triangle" w="med" len="med"/>
+            <a:tailEnd type="none" w="med" len="med"/>
+          </a:ln>
+        </p:spPr>
+        <p:style>
+          <a:lnRef idx="1">
+            <a:schemeClr val="accent1"/>
+          </a:lnRef>
+          <a:fillRef idx="0">
+            <a:schemeClr val="accent1"/>
+          </a:fillRef>
+          <a:effectRef idx="0">
+            <a:schemeClr val="accent1"/>
+          </a:effectRef>
+          <a:fontRef idx="minor">
+            <a:schemeClr val="tx1"/>
+          </a:fontRef>
+        </p:style>
+      </p:cxnSp>
+      <p:cxnSp>
+        <p:nvCxnSpPr>
+          <p:cNvPr id="67" name="直線單箭頭接點 66"/>
+          <p:cNvCxnSpPr/>
+          <p:nvPr/>
+        </p:nvCxnSpPr>
+        <p:spPr>
+          <a:xfrm flipH="1" flipV="1">
+            <a:off x="8107748" y="4437618"/>
+            <a:ext cx="90483" cy="842009"/>
+          </a:xfrm>
+          <a:prstGeom prst="straightConnector1">
+            <a:avLst/>
+          </a:prstGeom>
+          <a:ln w="38100">
+            <a:headEnd type="triangle" w="med" len="med"/>
+            <a:tailEnd type="none" w="med" len="med"/>
+          </a:ln>
+        </p:spPr>
+        <p:style>
+          <a:lnRef idx="1">
+            <a:schemeClr val="accent1"/>
+          </a:lnRef>
+          <a:fillRef idx="0">
+            <a:schemeClr val="accent1"/>
+          </a:fillRef>
+          <a:effectRef idx="0">
+            <a:schemeClr val="accent1"/>
+          </a:effectRef>
+          <a:fontRef idx="minor">
+            <a:schemeClr val="tx1"/>
+          </a:fontRef>
+        </p:style>
+      </p:cxnSp>
+      <p:cxnSp>
+        <p:nvCxnSpPr>
+          <p:cNvPr id="68" name="直線單箭頭接點 67"/>
+          <p:cNvCxnSpPr/>
+          <p:nvPr/>
+        </p:nvCxnSpPr>
+        <p:spPr>
+          <a:xfrm flipV="1">
+            <a:off x="8088698" y="3474999"/>
+            <a:ext cx="179577" cy="842008"/>
+          </a:xfrm>
+          <a:prstGeom prst="straightConnector1">
+            <a:avLst/>
+          </a:prstGeom>
+          <a:ln w="38100">
+            <a:headEnd type="none" w="med" len="med"/>
+            <a:tailEnd type="triangle" w="med" len="med"/>
+          </a:ln>
+        </p:spPr>
+        <p:style>
+          <a:lnRef idx="1">
+            <a:schemeClr val="accent1"/>
+          </a:lnRef>
+          <a:fillRef idx="0">
+            <a:schemeClr val="accent1"/>
+          </a:fillRef>
+          <a:effectRef idx="0">
+            <a:schemeClr val="accent1"/>
+          </a:effectRef>
+          <a:fontRef idx="minor">
+            <a:schemeClr val="tx1"/>
+          </a:fontRef>
+        </p:style>
+      </p:cxnSp>
+      <p:cxnSp>
+        <p:nvCxnSpPr>
+          <p:cNvPr id="69" name="直線單箭頭接點 68"/>
+          <p:cNvCxnSpPr/>
+          <p:nvPr/>
+        </p:nvCxnSpPr>
+        <p:spPr>
+          <a:xfrm flipV="1">
+            <a:off x="9207743" y="3495675"/>
+            <a:ext cx="0" cy="942975"/>
+          </a:xfrm>
+          <a:prstGeom prst="straightConnector1">
+            <a:avLst/>
+          </a:prstGeom>
+          <a:ln w="38100">
+            <a:headEnd type="triangle" w="med" len="med"/>
+            <a:tailEnd type="none" w="med" len="med"/>
+          </a:ln>
+        </p:spPr>
+        <p:style>
+          <a:lnRef idx="1">
+            <a:schemeClr val="accent1"/>
+          </a:lnRef>
+          <a:fillRef idx="0">
+            <a:schemeClr val="accent1"/>
+          </a:fillRef>
+          <a:effectRef idx="0">
+            <a:schemeClr val="accent1"/>
+          </a:effectRef>
+          <a:fontRef idx="minor">
+            <a:schemeClr val="tx1"/>
+          </a:fontRef>
+        </p:style>
+      </p:cxnSp>
+      <p:cxnSp>
+        <p:nvCxnSpPr>
+          <p:cNvPr id="70" name="直線單箭頭接點 69"/>
+          <p:cNvCxnSpPr/>
+          <p:nvPr/>
+        </p:nvCxnSpPr>
+        <p:spPr>
+          <a:xfrm flipH="1" flipV="1">
+            <a:off x="9804810" y="4437618"/>
+            <a:ext cx="90483" cy="842009"/>
+          </a:xfrm>
+          <a:prstGeom prst="straightConnector1">
+            <a:avLst/>
+          </a:prstGeom>
+          <a:ln w="38100">
+            <a:headEnd type="triangle" w="med" len="med"/>
+            <a:tailEnd type="none" w="med" len="med"/>
+          </a:ln>
+        </p:spPr>
+        <p:style>
+          <a:lnRef idx="1">
+            <a:schemeClr val="accent1"/>
+          </a:lnRef>
+          <a:fillRef idx="0">
+            <a:schemeClr val="accent1"/>
+          </a:fillRef>
+          <a:effectRef idx="0">
+            <a:schemeClr val="accent1"/>
+          </a:effectRef>
+          <a:fontRef idx="minor">
+            <a:schemeClr val="tx1"/>
+          </a:fontRef>
+        </p:style>
+      </p:cxnSp>
+      <p:cxnSp>
+        <p:nvCxnSpPr>
+          <p:cNvPr id="71" name="直線單箭頭接點 70"/>
+          <p:cNvCxnSpPr/>
+          <p:nvPr/>
+        </p:nvCxnSpPr>
+        <p:spPr>
+          <a:xfrm flipV="1">
+            <a:off x="9785760" y="3474999"/>
+            <a:ext cx="179577" cy="842008"/>
+          </a:xfrm>
+          <a:prstGeom prst="straightConnector1">
+            <a:avLst/>
+          </a:prstGeom>
+          <a:ln w="38100">
+            <a:headEnd type="none" w="med" len="med"/>
+            <a:tailEnd type="triangle" w="med" len="med"/>
+          </a:ln>
+        </p:spPr>
+        <p:style>
+          <a:lnRef idx="1">
+            <a:schemeClr val="accent1"/>
+          </a:lnRef>
+          <a:fillRef idx="0">
+            <a:schemeClr val="accent1"/>
+          </a:fillRef>
+          <a:effectRef idx="0">
+            <a:schemeClr val="accent1"/>
+          </a:effectRef>
+          <a:fontRef idx="minor">
+            <a:schemeClr val="tx1"/>
+          </a:fontRef>
+        </p:style>
+      </p:cxnSp>
+      <p:cxnSp>
+        <p:nvCxnSpPr>
+          <p:cNvPr id="72" name="直線單箭頭接點 71"/>
+          <p:cNvCxnSpPr/>
+          <p:nvPr/>
+        </p:nvCxnSpPr>
+        <p:spPr>
+          <a:xfrm flipV="1">
+            <a:off x="10533376" y="1440319"/>
+            <a:ext cx="174629" cy="3707546"/>
+          </a:xfrm>
+          <a:prstGeom prst="straightConnector1">
+            <a:avLst/>
+          </a:prstGeom>
+          <a:ln w="38100">
+            <a:tailEnd type="triangle"/>
+          </a:ln>
+        </p:spPr>
+        <p:style>
+          <a:lnRef idx="1">
+            <a:schemeClr val="accent1"/>
+          </a:lnRef>
+          <a:fillRef idx="0">
+            <a:schemeClr val="accent1"/>
+          </a:fillRef>
+          <a:effectRef idx="0">
+            <a:schemeClr val="accent1"/>
+          </a:effectRef>
+          <a:fontRef idx="minor">
+            <a:schemeClr val="tx1"/>
+          </a:fontRef>
+        </p:style>
+      </p:cxnSp>
+      <p:cxnSp>
+        <p:nvCxnSpPr>
+          <p:cNvPr id="73" name="直線單箭頭接點 72"/>
+          <p:cNvCxnSpPr/>
+          <p:nvPr/>
+        </p:nvCxnSpPr>
+        <p:spPr>
+          <a:xfrm flipV="1">
+            <a:off x="11236568" y="1524001"/>
+            <a:ext cx="0" cy="1971674"/>
+          </a:xfrm>
+          <a:prstGeom prst="straightConnector1">
+            <a:avLst/>
+          </a:prstGeom>
+          <a:ln w="38100">
+            <a:headEnd type="triangle" w="med" len="med"/>
+            <a:tailEnd type="none" w="med" len="med"/>
+          </a:ln>
+        </p:spPr>
+        <p:style>
+          <a:lnRef idx="1">
+            <a:schemeClr val="accent1"/>
+          </a:lnRef>
+          <a:fillRef idx="0">
+            <a:schemeClr val="accent1"/>
+          </a:fillRef>
+          <a:effectRef idx="0">
+            <a:schemeClr val="accent1"/>
+          </a:effectRef>
+          <a:fontRef idx="minor">
+            <a:schemeClr val="tx1"/>
+          </a:fontRef>
+        </p:style>
+      </p:cxnSp>
+      <p:cxnSp>
+        <p:nvCxnSpPr>
+          <p:cNvPr id="74" name="直線單箭頭接點 73"/>
+          <p:cNvCxnSpPr>
+            <a:stCxn id="4" idx="3"/>
+          </p:cNvCxnSpPr>
+          <p:nvPr/>
+        </p:nvCxnSpPr>
+        <p:spPr>
+          <a:xfrm flipH="1" flipV="1">
+            <a:off x="11369918" y="1524001"/>
+            <a:ext cx="222007" cy="3689845"/>
+          </a:xfrm>
+          <a:prstGeom prst="straightConnector1">
+            <a:avLst/>
+          </a:prstGeom>
+          <a:ln w="38100">
+            <a:headEnd type="triangle" w="med" len="med"/>
+            <a:tailEnd type="none" w="med" len="med"/>
           </a:ln>
         </p:spPr>
         <p:style>
@@ -25230,53 +25727,13 @@
       </p:cxnSp>
       <p:sp>
         <p:nvSpPr>
-          <p:cNvPr id="52" name="橢圓 51"/>
-          <p:cNvSpPr/>
-          <p:nvPr/>
-        </p:nvSpPr>
-        <p:spPr>
-          <a:xfrm>
-            <a:off x="11515239" y="4851777"/>
-            <a:ext cx="419894" cy="461526"/>
-          </a:xfrm>
-          <a:prstGeom prst="ellipse">
-            <a:avLst/>
-          </a:prstGeom>
-        </p:spPr>
-        <p:style>
-          <a:lnRef idx="2">
-            <a:schemeClr val="accent1">
-              <a:shade val="50000"/>
-            </a:schemeClr>
-          </a:lnRef>
-          <a:fillRef idx="1">
-            <a:schemeClr val="accent1"/>
-          </a:fillRef>
-          <a:effectRef idx="0">
-            <a:schemeClr val="accent1"/>
-          </a:effectRef>
-          <a:fontRef idx="minor">
-            <a:schemeClr val="lt1"/>
-          </a:fontRef>
-        </p:style>
-        <p:txBody>
-          <a:bodyPr rtlCol="0" anchor="ctr"/>
-          <a:lstStyle/>
-          <a:p>
-            <a:pPr algn="ctr"/>
-            <a:endParaRPr lang="zh-TW" altLang="en-US"/>
-          </a:p>
-        </p:txBody>
-      </p:sp>
-      <p:sp>
-        <p:nvSpPr>
-          <p:cNvPr id="53" name="文字方塊 52"/>
+          <p:cNvPr id="45" name="文字方塊 44"/>
           <p:cNvSpPr txBox="1"/>
           <p:nvPr/>
         </p:nvSpPr>
         <p:spPr>
           <a:xfrm>
-            <a:off x="11210255" y="5372100"/>
+            <a:off x="9441278" y="5279627"/>
             <a:ext cx="724878" cy="369332"/>
           </a:xfrm>
           <a:prstGeom prst="rect">
@@ -25292,7 +25749,891 @@
           <a:p>
             <a:r>
               <a:rPr lang="en-US" altLang="zh-TW" dirty="0" smtClean="0"/>
-              <a:t>V10.2</a:t>
+              <a:t>V10.3</a:t>
+            </a:r>
+            <a:endParaRPr lang="zh-TW" altLang="en-US" dirty="0"/>
+          </a:p>
+        </p:txBody>
+      </p:sp>
+      <p:sp>
+        <p:nvSpPr>
+          <p:cNvPr id="7" name="文字方塊 6"/>
+          <p:cNvSpPr txBox="1"/>
+          <p:nvPr/>
+        </p:nvSpPr>
+        <p:spPr>
+          <a:xfrm>
+            <a:off x="10971518" y="5248552"/>
+            <a:ext cx="1270669" cy="646331"/>
+          </a:xfrm>
+          <a:prstGeom prst="rect">
+            <a:avLst/>
+          </a:prstGeom>
+          <a:noFill/>
+        </p:spPr>
+        <p:txBody>
+          <a:bodyPr wrap="none" rtlCol="0">
+            <a:spAutoFit/>
+          </a:bodyPr>
+          <a:lstStyle/>
+          <a:p>
+            <a:r>
+              <a:rPr lang="en-US" altLang="zh-TW" dirty="0"/>
+              <a:t>cache-error</a:t>
+            </a:r>
+            <a:endParaRPr lang="zh-TW" altLang="en-US" dirty="0"/>
+          </a:p>
+          <a:p>
+            <a:endParaRPr lang="zh-TW" altLang="en-US" dirty="0"/>
+          </a:p>
+        </p:txBody>
+      </p:sp>
+      <p:sp>
+        <p:nvSpPr>
+          <p:cNvPr id="13" name="橢圓 12"/>
+          <p:cNvSpPr/>
+          <p:nvPr/>
+        </p:nvSpPr>
+        <p:spPr>
+          <a:xfrm>
+            <a:off x="5302496" y="4972051"/>
+            <a:ext cx="536330" cy="506728"/>
+          </a:xfrm>
+          <a:prstGeom prst="ellipse">
+            <a:avLst/>
+          </a:prstGeom>
+          <a:solidFill>
+            <a:srgbClr val="7F7F7F">
+              <a:alpha val="10196"/>
+            </a:srgbClr>
+          </a:solidFill>
+        </p:spPr>
+        <p:style>
+          <a:lnRef idx="2">
+            <a:schemeClr val="accent5"/>
+          </a:lnRef>
+          <a:fillRef idx="1">
+            <a:schemeClr val="lt1"/>
+          </a:fillRef>
+          <a:effectRef idx="0">
+            <a:schemeClr val="accent5"/>
+          </a:effectRef>
+          <a:fontRef idx="minor">
+            <a:schemeClr val="dk1"/>
+          </a:fontRef>
+        </p:style>
+        <p:txBody>
+          <a:bodyPr rtlCol="0" anchor="ctr"/>
+          <a:lstStyle/>
+          <a:p>
+            <a:pPr algn="ctr"/>
+            <a:endParaRPr lang="zh-TW" altLang="en-US"/>
+          </a:p>
+        </p:txBody>
+      </p:sp>
+      <p:sp>
+        <p:nvSpPr>
+          <p:cNvPr id="49" name="橢圓 48"/>
+          <p:cNvSpPr/>
+          <p:nvPr/>
+        </p:nvSpPr>
+        <p:spPr>
+          <a:xfrm>
+            <a:off x="7902821" y="4972051"/>
+            <a:ext cx="536330" cy="506728"/>
+          </a:xfrm>
+          <a:prstGeom prst="ellipse">
+            <a:avLst/>
+          </a:prstGeom>
+          <a:solidFill>
+            <a:srgbClr val="7F7F7F">
+              <a:alpha val="10196"/>
+            </a:srgbClr>
+          </a:solidFill>
+        </p:spPr>
+        <p:style>
+          <a:lnRef idx="2">
+            <a:schemeClr val="accent5"/>
+          </a:lnRef>
+          <a:fillRef idx="1">
+            <a:schemeClr val="lt1"/>
+          </a:fillRef>
+          <a:effectRef idx="0">
+            <a:schemeClr val="accent5"/>
+          </a:effectRef>
+          <a:fontRef idx="minor">
+            <a:schemeClr val="dk1"/>
+          </a:fontRef>
+        </p:style>
+        <p:txBody>
+          <a:bodyPr rtlCol="0" anchor="ctr"/>
+          <a:lstStyle/>
+          <a:p>
+            <a:pPr algn="ctr"/>
+            <a:endParaRPr lang="zh-TW" altLang="en-US"/>
+          </a:p>
+        </p:txBody>
+      </p:sp>
+      <p:sp>
+        <p:nvSpPr>
+          <p:cNvPr id="50" name="橢圓 49"/>
+          <p:cNvSpPr/>
+          <p:nvPr/>
+        </p:nvSpPr>
+        <p:spPr>
+          <a:xfrm>
+            <a:off x="9636371" y="4972051"/>
+            <a:ext cx="536330" cy="506728"/>
+          </a:xfrm>
+          <a:prstGeom prst="ellipse">
+            <a:avLst/>
+          </a:prstGeom>
+          <a:solidFill>
+            <a:srgbClr val="7F7F7F">
+              <a:alpha val="10196"/>
+            </a:srgbClr>
+          </a:solidFill>
+        </p:spPr>
+        <p:style>
+          <a:lnRef idx="2">
+            <a:schemeClr val="accent5"/>
+          </a:lnRef>
+          <a:fillRef idx="1">
+            <a:schemeClr val="lt1"/>
+          </a:fillRef>
+          <a:effectRef idx="0">
+            <a:schemeClr val="accent5"/>
+          </a:effectRef>
+          <a:fontRef idx="minor">
+            <a:schemeClr val="dk1"/>
+          </a:fontRef>
+        </p:style>
+        <p:txBody>
+          <a:bodyPr rtlCol="0" anchor="ctr"/>
+          <a:lstStyle/>
+          <a:p>
+            <a:pPr algn="ctr"/>
+            <a:endParaRPr lang="zh-TW" altLang="en-US"/>
+          </a:p>
+        </p:txBody>
+      </p:sp>
+      <p:sp>
+        <p:nvSpPr>
+          <p:cNvPr id="51" name="橢圓 50"/>
+          <p:cNvSpPr/>
+          <p:nvPr/>
+        </p:nvSpPr>
+        <p:spPr>
+          <a:xfrm>
+            <a:off x="11303246" y="4972051"/>
+            <a:ext cx="536330" cy="506728"/>
+          </a:xfrm>
+          <a:prstGeom prst="ellipse">
+            <a:avLst/>
+          </a:prstGeom>
+          <a:solidFill>
+            <a:srgbClr val="7F7F7F">
+              <a:alpha val="10196"/>
+            </a:srgbClr>
+          </a:solidFill>
+        </p:spPr>
+        <p:style>
+          <a:lnRef idx="2">
+            <a:schemeClr val="accent5"/>
+          </a:lnRef>
+          <a:fillRef idx="1">
+            <a:schemeClr val="lt1"/>
+          </a:fillRef>
+          <a:effectRef idx="0">
+            <a:schemeClr val="accent5"/>
+          </a:effectRef>
+          <a:fontRef idx="minor">
+            <a:schemeClr val="dk1"/>
+          </a:fontRef>
+        </p:style>
+        <p:txBody>
+          <a:bodyPr rtlCol="0" anchor="ctr"/>
+          <a:lstStyle/>
+          <a:p>
+            <a:pPr algn="ctr"/>
+            <a:endParaRPr lang="zh-TW" altLang="en-US"/>
+          </a:p>
+        </p:txBody>
+      </p:sp>
+      <p:sp>
+        <p:nvSpPr>
+          <p:cNvPr id="54" name="文字方塊 53"/>
+          <p:cNvSpPr txBox="1"/>
+          <p:nvPr/>
+        </p:nvSpPr>
+        <p:spPr>
+          <a:xfrm>
+            <a:off x="289346" y="2390775"/>
+            <a:ext cx="864660" cy="369332"/>
+          </a:xfrm>
+          <a:prstGeom prst="rect">
+            <a:avLst/>
+          </a:prstGeom>
+          <a:noFill/>
+        </p:spPr>
+        <p:txBody>
+          <a:bodyPr wrap="none" rtlCol="0">
+            <a:spAutoFit/>
+          </a:bodyPr>
+          <a:lstStyle/>
+          <a:p>
+            <a:r>
+              <a:rPr lang="en-US" altLang="zh-TW" dirty="0" smtClean="0"/>
+              <a:t>feature</a:t>
+            </a:r>
+            <a:endParaRPr lang="zh-TW" altLang="en-US" dirty="0"/>
+          </a:p>
+        </p:txBody>
+      </p:sp>
+      <p:cxnSp>
+        <p:nvCxnSpPr>
+          <p:cNvPr id="55" name="直線接點 54"/>
+          <p:cNvCxnSpPr/>
+          <p:nvPr/>
+        </p:nvCxnSpPr>
+        <p:spPr>
+          <a:xfrm>
+            <a:off x="6987599" y="1524001"/>
+            <a:ext cx="4619253" cy="0"/>
+          </a:xfrm>
+          <a:prstGeom prst="line">
+            <a:avLst/>
+          </a:prstGeom>
+          <a:ln>
+            <a:prstDash val="dash"/>
+          </a:ln>
+        </p:spPr>
+        <p:style>
+          <a:lnRef idx="1">
+            <a:schemeClr val="accent1"/>
+          </a:lnRef>
+          <a:fillRef idx="0">
+            <a:schemeClr val="accent1"/>
+          </a:fillRef>
+          <a:effectRef idx="0">
+            <a:schemeClr val="accent1"/>
+          </a:effectRef>
+          <a:fontRef idx="minor">
+            <a:schemeClr val="tx1"/>
+          </a:fontRef>
+        </p:style>
+      </p:cxnSp>
+      <p:sp>
+        <p:nvSpPr>
+          <p:cNvPr id="75" name="文字方塊 74"/>
+          <p:cNvSpPr txBox="1"/>
+          <p:nvPr/>
+        </p:nvSpPr>
+        <p:spPr>
+          <a:xfrm>
+            <a:off x="6956474" y="1255653"/>
+            <a:ext cx="728084" cy="369332"/>
+          </a:xfrm>
+          <a:prstGeom prst="rect">
+            <a:avLst/>
+          </a:prstGeom>
+          <a:noFill/>
+        </p:spPr>
+        <p:txBody>
+          <a:bodyPr wrap="none" rtlCol="0">
+            <a:spAutoFit/>
+          </a:bodyPr>
+          <a:lstStyle/>
+          <a:p>
+            <a:r>
+              <a:rPr lang="en-US" altLang="zh-TW" dirty="0" smtClean="0"/>
+              <a:t>hotfix</a:t>
+            </a:r>
+            <a:endParaRPr lang="zh-TW" altLang="en-US" dirty="0"/>
+          </a:p>
+        </p:txBody>
+      </p:sp>
+      <p:cxnSp>
+        <p:nvCxnSpPr>
+          <p:cNvPr id="76" name="直線接點 75"/>
+          <p:cNvCxnSpPr/>
+          <p:nvPr/>
+        </p:nvCxnSpPr>
+        <p:spPr>
+          <a:xfrm>
+            <a:off x="619125" y="4407574"/>
+            <a:ext cx="10987727" cy="0"/>
+          </a:xfrm>
+          <a:prstGeom prst="line">
+            <a:avLst/>
+          </a:prstGeom>
+          <a:ln>
+            <a:prstDash val="dash"/>
+          </a:ln>
+        </p:spPr>
+        <p:style>
+          <a:lnRef idx="1">
+            <a:schemeClr val="accent1"/>
+          </a:lnRef>
+          <a:fillRef idx="0">
+            <a:schemeClr val="accent1"/>
+          </a:fillRef>
+          <a:effectRef idx="0">
+            <a:schemeClr val="accent1"/>
+          </a:effectRef>
+          <a:fontRef idx="minor">
+            <a:schemeClr val="tx1"/>
+          </a:fontRef>
+        </p:style>
+      </p:cxnSp>
+      <p:sp>
+        <p:nvSpPr>
+          <p:cNvPr id="77" name="文字方塊 76"/>
+          <p:cNvSpPr txBox="1"/>
+          <p:nvPr/>
+        </p:nvSpPr>
+        <p:spPr>
+          <a:xfrm>
+            <a:off x="289346" y="4345602"/>
+            <a:ext cx="861326" cy="369332"/>
+          </a:xfrm>
+          <a:prstGeom prst="rect">
+            <a:avLst/>
+          </a:prstGeom>
+          <a:noFill/>
+        </p:spPr>
+        <p:txBody>
+          <a:bodyPr wrap="none" rtlCol="0">
+            <a:spAutoFit/>
+          </a:bodyPr>
+          <a:lstStyle/>
+          <a:p>
+            <a:r>
+              <a:rPr lang="en-US" altLang="zh-TW" dirty="0" smtClean="0"/>
+              <a:t>release</a:t>
+            </a:r>
+            <a:endParaRPr lang="zh-TW" altLang="en-US" dirty="0"/>
+          </a:p>
+        </p:txBody>
+      </p:sp>
+      <p:sp>
+        <p:nvSpPr>
+          <p:cNvPr id="17" name="圓角矩形圖說文字 16"/>
+          <p:cNvSpPr/>
+          <p:nvPr/>
+        </p:nvSpPr>
+        <p:spPr>
+          <a:xfrm>
+            <a:off x="1552828" y="3817224"/>
+            <a:ext cx="2266950" cy="949246"/>
+          </a:xfrm>
+          <a:prstGeom prst="wedgeRoundRectCallout">
+            <a:avLst>
+              <a:gd name="adj1" fmla="val -30917"/>
+              <a:gd name="adj2" fmla="val -83299"/>
+              <a:gd name="adj3" fmla="val 16667"/>
+            </a:avLst>
+          </a:prstGeom>
+        </p:spPr>
+        <p:style>
+          <a:lnRef idx="2">
+            <a:schemeClr val="accent6"/>
+          </a:lnRef>
+          <a:fillRef idx="1">
+            <a:schemeClr val="lt1"/>
+          </a:fillRef>
+          <a:effectRef idx="0">
+            <a:schemeClr val="accent6"/>
+          </a:effectRef>
+          <a:fontRef idx="minor">
+            <a:schemeClr val="dk1"/>
+          </a:fontRef>
+        </p:style>
+        <p:txBody>
+          <a:bodyPr rtlCol="0" anchor="ctr"/>
+          <a:lstStyle/>
+          <a:p>
+            <a:pPr algn="ctr"/>
+            <a:r>
+              <a:rPr lang="zh-TW" altLang="en-US" dirty="0" smtClean="0"/>
+              <a:t>追加新的 </a:t>
+            </a:r>
+            <a:r>
+              <a:rPr lang="en-US" altLang="zh-TW" dirty="0" smtClean="0"/>
+              <a:t>API-2</a:t>
+            </a:r>
+            <a:endParaRPr lang="zh-TW" altLang="en-US" dirty="0"/>
+          </a:p>
+        </p:txBody>
+      </p:sp>
+      <p:sp>
+        <p:nvSpPr>
+          <p:cNvPr id="78" name="圓角矩形圖說文字 77"/>
+          <p:cNvSpPr/>
+          <p:nvPr/>
+        </p:nvSpPr>
+        <p:spPr>
+          <a:xfrm>
+            <a:off x="3857039" y="912673"/>
+            <a:ext cx="2266950" cy="949246"/>
+          </a:xfrm>
+          <a:prstGeom prst="wedgeRoundRectCallout">
+            <a:avLst>
+              <a:gd name="adj1" fmla="val -39741"/>
+              <a:gd name="adj2" fmla="val 81263"/>
+              <a:gd name="adj3" fmla="val 16667"/>
+            </a:avLst>
+          </a:prstGeom>
+        </p:spPr>
+        <p:style>
+          <a:lnRef idx="2">
+            <a:schemeClr val="accent6"/>
+          </a:lnRef>
+          <a:fillRef idx="1">
+            <a:schemeClr val="lt1"/>
+          </a:fillRef>
+          <a:effectRef idx="0">
+            <a:schemeClr val="accent6"/>
+          </a:effectRef>
+          <a:fontRef idx="minor">
+            <a:schemeClr val="dk1"/>
+          </a:fontRef>
+        </p:style>
+        <p:txBody>
+          <a:bodyPr rtlCol="0" anchor="ctr"/>
+          <a:lstStyle/>
+          <a:p>
+            <a:pPr algn="ctr"/>
+            <a:r>
+              <a:rPr lang="zh-TW" altLang="en-US" dirty="0" smtClean="0"/>
+              <a:t>新增 </a:t>
+            </a:r>
+            <a:r>
+              <a:rPr lang="en-US" altLang="zh-TW" dirty="0" smtClean="0"/>
+              <a:t>SDK</a:t>
+            </a:r>
+            <a:r>
+              <a:rPr lang="zh-TW" altLang="en-US" dirty="0" smtClean="0"/>
+              <a:t> 單元測</a:t>
+            </a:r>
+            <a:r>
+              <a:rPr lang="zh-TW" altLang="en-US" dirty="0"/>
+              <a:t>試</a:t>
+            </a:r>
+          </a:p>
+        </p:txBody>
+      </p:sp>
+      <p:sp>
+        <p:nvSpPr>
+          <p:cNvPr id="79" name="圓角矩形圖說文字 78"/>
+          <p:cNvSpPr/>
+          <p:nvPr/>
+        </p:nvSpPr>
+        <p:spPr>
+          <a:xfrm>
+            <a:off x="5629744" y="3744873"/>
+            <a:ext cx="2266950" cy="949246"/>
+          </a:xfrm>
+          <a:prstGeom prst="wedgeRoundRectCallout">
+            <a:avLst>
+              <a:gd name="adj1" fmla="val -39741"/>
+              <a:gd name="adj2" fmla="val 81263"/>
+              <a:gd name="adj3" fmla="val 16667"/>
+            </a:avLst>
+          </a:prstGeom>
+        </p:spPr>
+        <p:style>
+          <a:lnRef idx="2">
+            <a:schemeClr val="accent6"/>
+          </a:lnRef>
+          <a:fillRef idx="1">
+            <a:schemeClr val="lt1"/>
+          </a:fillRef>
+          <a:effectRef idx="0">
+            <a:schemeClr val="accent6"/>
+          </a:effectRef>
+          <a:fontRef idx="minor">
+            <a:schemeClr val="dk1"/>
+          </a:fontRef>
+        </p:style>
+        <p:txBody>
+          <a:bodyPr rtlCol="0" anchor="ctr"/>
+          <a:lstStyle/>
+          <a:p>
+            <a:pPr algn="ctr"/>
+            <a:r>
+              <a:rPr lang="zh-TW" altLang="en-US" dirty="0" smtClean="0"/>
+              <a:t>釋出新版</a:t>
+            </a:r>
+            <a:r>
+              <a:rPr lang="en-US" altLang="zh-TW" dirty="0" smtClean="0"/>
+              <a:t>:</a:t>
+            </a:r>
+          </a:p>
+          <a:p>
+            <a:pPr algn="ctr"/>
+            <a:r>
+              <a:rPr lang="zh-TW" altLang="en-US" dirty="0" smtClean="0"/>
+              <a:t>新增 </a:t>
+            </a:r>
+            <a:r>
+              <a:rPr lang="en-US" altLang="zh-TW" dirty="0" smtClean="0"/>
+              <a:t>API</a:t>
+            </a:r>
+            <a:r>
+              <a:rPr lang="zh-TW" altLang="en-US" dirty="0" smtClean="0"/>
+              <a:t> </a:t>
+            </a:r>
+            <a:r>
+              <a:rPr lang="en-US" altLang="zh-TW" dirty="0" smtClean="0"/>
+              <a:t>(</a:t>
+            </a:r>
+            <a:r>
+              <a:rPr lang="zh-TW" altLang="en-US" dirty="0" smtClean="0"/>
+              <a:t>預備</a:t>
+            </a:r>
+            <a:r>
+              <a:rPr lang="en-US" altLang="zh-TW" dirty="0" smtClean="0"/>
+              <a:t>)</a:t>
+            </a:r>
+          </a:p>
+        </p:txBody>
+      </p:sp>
+      <p:sp>
+        <p:nvSpPr>
+          <p:cNvPr id="80" name="圓角矩形圖說文字 79"/>
+          <p:cNvSpPr/>
+          <p:nvPr/>
+        </p:nvSpPr>
+        <p:spPr>
+          <a:xfrm>
+            <a:off x="6896725" y="839430"/>
+            <a:ext cx="2266950" cy="949246"/>
+          </a:xfrm>
+          <a:prstGeom prst="wedgeRoundRectCallout">
+            <a:avLst>
+              <a:gd name="adj1" fmla="val -39741"/>
+              <a:gd name="adj2" fmla="val 81263"/>
+              <a:gd name="adj3" fmla="val 16667"/>
+            </a:avLst>
+          </a:prstGeom>
+        </p:spPr>
+        <p:style>
+          <a:lnRef idx="2">
+            <a:schemeClr val="accent6"/>
+          </a:lnRef>
+          <a:fillRef idx="1">
+            <a:schemeClr val="lt1"/>
+          </a:fillRef>
+          <a:effectRef idx="0">
+            <a:schemeClr val="accent6"/>
+          </a:effectRef>
+          <a:fontRef idx="minor">
+            <a:schemeClr val="dk1"/>
+          </a:fontRef>
+        </p:style>
+        <p:txBody>
+          <a:bodyPr rtlCol="0" anchor="ctr"/>
+          <a:lstStyle/>
+          <a:p>
+            <a:pPr algn="ctr"/>
+            <a:r>
+              <a:rPr lang="zh-TW" altLang="en-US" dirty="0" smtClean="0"/>
+              <a:t>針對 </a:t>
+            </a:r>
+            <a:r>
+              <a:rPr lang="en-US" altLang="zh-TW" dirty="0" smtClean="0"/>
+              <a:t>API2</a:t>
+            </a:r>
+            <a:r>
+              <a:rPr lang="zh-TW" altLang="en-US" dirty="0" smtClean="0"/>
+              <a:t> 改寫 </a:t>
+            </a:r>
+            <a:r>
+              <a:rPr lang="en-US" altLang="zh-TW" dirty="0" smtClean="0"/>
+              <a:t>SDK</a:t>
+            </a:r>
+            <a:endParaRPr lang="zh-TW" altLang="en-US" dirty="0"/>
+          </a:p>
+        </p:txBody>
+      </p:sp>
+      <p:sp>
+        <p:nvSpPr>
+          <p:cNvPr id="81" name="圓角矩形圖說文字 80"/>
+          <p:cNvSpPr/>
+          <p:nvPr/>
+        </p:nvSpPr>
+        <p:spPr>
+          <a:xfrm>
+            <a:off x="8601982" y="2709902"/>
+            <a:ext cx="2266950" cy="949246"/>
+          </a:xfrm>
+          <a:prstGeom prst="wedgeRoundRectCallout">
+            <a:avLst>
+              <a:gd name="adj1" fmla="val -33859"/>
+              <a:gd name="adj2" fmla="val -70255"/>
+              <a:gd name="adj3" fmla="val 16667"/>
+            </a:avLst>
+          </a:prstGeom>
+        </p:spPr>
+        <p:style>
+          <a:lnRef idx="2">
+            <a:schemeClr val="accent6"/>
+          </a:lnRef>
+          <a:fillRef idx="1">
+            <a:schemeClr val="lt1"/>
+          </a:fillRef>
+          <a:effectRef idx="0">
+            <a:schemeClr val="accent6"/>
+          </a:effectRef>
+          <a:fontRef idx="minor">
+            <a:schemeClr val="dk1"/>
+          </a:fontRef>
+        </p:style>
+        <p:txBody>
+          <a:bodyPr rtlCol="0" anchor="ctr"/>
+          <a:lstStyle/>
+          <a:p>
+            <a:pPr algn="ctr"/>
+            <a:r>
+              <a:rPr lang="en-US" altLang="zh-TW" dirty="0" smtClean="0"/>
+              <a:t>SDK</a:t>
+            </a:r>
+            <a:r>
+              <a:rPr lang="zh-TW" altLang="en-US" dirty="0" smtClean="0"/>
+              <a:t> 效能優化</a:t>
+            </a:r>
+            <a:endParaRPr lang="zh-TW" altLang="en-US" dirty="0"/>
+          </a:p>
+        </p:txBody>
+      </p:sp>
+      <p:sp>
+        <p:nvSpPr>
+          <p:cNvPr id="82" name="圓角矩形圖說文字 81"/>
+          <p:cNvSpPr/>
+          <p:nvPr/>
+        </p:nvSpPr>
+        <p:spPr>
+          <a:xfrm>
+            <a:off x="8202121" y="5377199"/>
+            <a:ext cx="2266950" cy="949246"/>
+          </a:xfrm>
+          <a:prstGeom prst="wedgeRoundRectCallout">
+            <a:avLst>
+              <a:gd name="adj1" fmla="val -33859"/>
+              <a:gd name="adj2" fmla="val -70255"/>
+              <a:gd name="adj3" fmla="val 16667"/>
+            </a:avLst>
+          </a:prstGeom>
+        </p:spPr>
+        <p:style>
+          <a:lnRef idx="2">
+            <a:schemeClr val="accent6"/>
+          </a:lnRef>
+          <a:fillRef idx="1">
+            <a:schemeClr val="lt1"/>
+          </a:fillRef>
+          <a:effectRef idx="0">
+            <a:schemeClr val="accent6"/>
+          </a:effectRef>
+          <a:fontRef idx="minor">
+            <a:schemeClr val="dk1"/>
+          </a:fontRef>
+        </p:style>
+        <p:txBody>
+          <a:bodyPr rtlCol="0" anchor="ctr"/>
+          <a:lstStyle/>
+          <a:p>
+            <a:pPr algn="ctr"/>
+            <a:r>
+              <a:rPr lang="zh-TW" altLang="en-US" dirty="0" smtClean="0"/>
+              <a:t>釋出新版</a:t>
+            </a:r>
+            <a:endParaRPr lang="en-US" altLang="zh-TW" dirty="0" smtClean="0"/>
+          </a:p>
+          <a:p>
+            <a:pPr algn="ctr"/>
+            <a:r>
+              <a:rPr lang="en-US" altLang="zh-TW" dirty="0" smtClean="0"/>
+              <a:t>SDK</a:t>
+            </a:r>
+            <a:r>
+              <a:rPr lang="zh-TW" altLang="en-US" dirty="0" smtClean="0"/>
+              <a:t> 改版</a:t>
+            </a:r>
+            <a:endParaRPr lang="en-US" altLang="zh-TW" dirty="0" smtClean="0"/>
+          </a:p>
+          <a:p>
+            <a:pPr algn="ctr"/>
+            <a:r>
+              <a:rPr lang="en-US" altLang="zh-TW" dirty="0" smtClean="0"/>
+              <a:t>(require API2)</a:t>
+            </a:r>
+            <a:endParaRPr lang="zh-TW" altLang="en-US" dirty="0"/>
+          </a:p>
+        </p:txBody>
+      </p:sp>
+      <p:sp>
+        <p:nvSpPr>
+          <p:cNvPr id="83" name="圓角矩形圖說文字 82"/>
+          <p:cNvSpPr/>
+          <p:nvPr/>
+        </p:nvSpPr>
+        <p:spPr>
+          <a:xfrm>
+            <a:off x="10073022" y="3882408"/>
+            <a:ext cx="2266950" cy="949246"/>
+          </a:xfrm>
+          <a:prstGeom prst="wedgeRoundRectCallout">
+            <a:avLst>
+              <a:gd name="adj1" fmla="val -53187"/>
+              <a:gd name="adj2" fmla="val 76246"/>
+              <a:gd name="adj3" fmla="val 16667"/>
+            </a:avLst>
+          </a:prstGeom>
+        </p:spPr>
+        <p:style>
+          <a:lnRef idx="2">
+            <a:schemeClr val="accent6"/>
+          </a:lnRef>
+          <a:fillRef idx="1">
+            <a:schemeClr val="lt1"/>
+          </a:fillRef>
+          <a:effectRef idx="0">
+            <a:schemeClr val="accent6"/>
+          </a:effectRef>
+          <a:fontRef idx="minor">
+            <a:schemeClr val="dk1"/>
+          </a:fontRef>
+        </p:style>
+        <p:txBody>
+          <a:bodyPr rtlCol="0" anchor="ctr"/>
+          <a:lstStyle/>
+          <a:p>
+            <a:pPr algn="ctr"/>
+            <a:r>
+              <a:rPr lang="zh-TW" altLang="en-US" dirty="0" smtClean="0"/>
+              <a:t>釋出新版</a:t>
+            </a:r>
+            <a:endParaRPr lang="en-US" altLang="zh-TW" dirty="0" smtClean="0"/>
+          </a:p>
+          <a:p>
+            <a:pPr algn="ctr"/>
+            <a:r>
+              <a:rPr lang="en-US" altLang="zh-TW" dirty="0" smtClean="0"/>
+              <a:t>SDK</a:t>
+            </a:r>
+            <a:r>
+              <a:rPr lang="zh-TW" altLang="en-US" dirty="0" smtClean="0"/>
+              <a:t> 優</a:t>
+            </a:r>
+            <a:r>
+              <a:rPr lang="zh-TW" altLang="en-US" dirty="0"/>
+              <a:t>化</a:t>
+            </a:r>
+            <a:endParaRPr lang="en-US" altLang="zh-TW" dirty="0" smtClean="0"/>
+          </a:p>
+        </p:txBody>
+      </p:sp>
+      <p:sp>
+        <p:nvSpPr>
+          <p:cNvPr id="84" name="圓角矩形圖說文字 83"/>
+          <p:cNvSpPr/>
+          <p:nvPr/>
+        </p:nvSpPr>
+        <p:spPr>
+          <a:xfrm>
+            <a:off x="9934576" y="5815727"/>
+            <a:ext cx="2266950" cy="949246"/>
+          </a:xfrm>
+          <a:prstGeom prst="wedgeRoundRectCallout">
+            <a:avLst>
+              <a:gd name="adj1" fmla="val 19082"/>
+              <a:gd name="adj2" fmla="val -84303"/>
+              <a:gd name="adj3" fmla="val 16667"/>
+            </a:avLst>
+          </a:prstGeom>
+        </p:spPr>
+        <p:style>
+          <a:lnRef idx="2">
+            <a:schemeClr val="accent6"/>
+          </a:lnRef>
+          <a:fillRef idx="1">
+            <a:schemeClr val="lt1"/>
+          </a:fillRef>
+          <a:effectRef idx="0">
+            <a:schemeClr val="accent6"/>
+          </a:effectRef>
+          <a:fontRef idx="minor">
+            <a:schemeClr val="dk1"/>
+          </a:fontRef>
+        </p:style>
+        <p:txBody>
+          <a:bodyPr rtlCol="0" anchor="ctr"/>
+          <a:lstStyle/>
+          <a:p>
+            <a:pPr algn="ctr"/>
+            <a:r>
+              <a:rPr lang="zh-TW" altLang="en-US" dirty="0" smtClean="0"/>
+              <a:t>釋出新版</a:t>
+            </a:r>
+            <a:endParaRPr lang="en-US" altLang="zh-TW" dirty="0" smtClean="0"/>
+          </a:p>
+          <a:p>
+            <a:pPr algn="ctr"/>
+            <a:r>
+              <a:rPr lang="zh-TW" altLang="en-US" dirty="0" smtClean="0"/>
+              <a:t>緊急修正</a:t>
+            </a:r>
+            <a:endParaRPr lang="en-US" altLang="zh-TW" dirty="0" smtClean="0"/>
+          </a:p>
+        </p:txBody>
+      </p:sp>
+      <p:sp>
+        <p:nvSpPr>
+          <p:cNvPr id="87" name="圓角矩形圖說文字 86"/>
+          <p:cNvSpPr/>
+          <p:nvPr/>
+        </p:nvSpPr>
+        <p:spPr>
+          <a:xfrm>
+            <a:off x="9692238" y="146954"/>
+            <a:ext cx="2266950" cy="949246"/>
+          </a:xfrm>
+          <a:prstGeom prst="wedgeRoundRectCallout">
+            <a:avLst>
+              <a:gd name="adj1" fmla="val 14880"/>
+              <a:gd name="adj2" fmla="val 80259"/>
+              <a:gd name="adj3" fmla="val 16667"/>
+            </a:avLst>
+          </a:prstGeom>
+        </p:spPr>
+        <p:style>
+          <a:lnRef idx="2">
+            <a:schemeClr val="accent6"/>
+          </a:lnRef>
+          <a:fillRef idx="1">
+            <a:schemeClr val="lt1"/>
+          </a:fillRef>
+          <a:effectRef idx="0">
+            <a:schemeClr val="accent6"/>
+          </a:effectRef>
+          <a:fontRef idx="minor">
+            <a:schemeClr val="dk1"/>
+          </a:fontRef>
+        </p:style>
+        <p:txBody>
+          <a:bodyPr rtlCol="0" anchor="ctr"/>
+          <a:lstStyle/>
+          <a:p>
+            <a:pPr algn="ctr"/>
+            <a:r>
+              <a:rPr lang="zh-TW" altLang="en-US" dirty="0" smtClean="0"/>
+              <a:t>緊急修正 </a:t>
+            </a:r>
+            <a:r>
+              <a:rPr lang="en-US" altLang="zh-TW" dirty="0" smtClean="0"/>
+              <a:t>bug</a:t>
             </a:r>
             <a:endParaRPr lang="zh-TW" altLang="en-US" dirty="0"/>
           </a:p>
@@ -25311,9 +26652,952 @@
   <p:timing>
     <p:tnLst>
       <p:par>
-        <p:cTn id="1" dur="indefinite" restart="never" nodeType="tmRoot"/>
+        <p:cTn id="1" dur="indefinite" restart="never" nodeType="tmRoot">
+          <p:childTnLst>
+            <p:seq concurrent="1" nextAc="seek">
+              <p:cTn id="2" dur="indefinite" nodeType="mainSeq">
+                <p:childTnLst>
+                  <p:par>
+                    <p:cTn id="3" fill="hold">
+                      <p:stCondLst>
+                        <p:cond delay="indefinite"/>
+                      </p:stCondLst>
+                      <p:childTnLst>
+                        <p:par>
+                          <p:cTn id="4" fill="hold">
+                            <p:stCondLst>
+                              <p:cond delay="0"/>
+                            </p:stCondLst>
+                            <p:childTnLst>
+                              <p:par>
+                                <p:cTn id="5" presetID="10" presetClass="entr" presetSubtype="0" fill="hold" grpId="0" nodeType="clickEffect">
+                                  <p:stCondLst>
+                                    <p:cond delay="0"/>
+                                  </p:stCondLst>
+                                  <p:childTnLst>
+                                    <p:set>
+                                      <p:cBhvr>
+                                        <p:cTn id="6" dur="1" fill="hold">
+                                          <p:stCondLst>
+                                            <p:cond delay="0"/>
+                                          </p:stCondLst>
+                                        </p:cTn>
+                                        <p:tgtEl>
+                                          <p:spTgt spid="17"/>
+                                        </p:tgtEl>
+                                        <p:attrNameLst>
+                                          <p:attrName>style.visibility</p:attrName>
+                                        </p:attrNameLst>
+                                      </p:cBhvr>
+                                      <p:to>
+                                        <p:strVal val="visible"/>
+                                      </p:to>
+                                    </p:set>
+                                    <p:animEffect transition="in" filter="fade">
+                                      <p:cBhvr>
+                                        <p:cTn id="7" dur="500"/>
+                                        <p:tgtEl>
+                                          <p:spTgt spid="17"/>
+                                        </p:tgtEl>
+                                      </p:cBhvr>
+                                    </p:animEffect>
+                                  </p:childTnLst>
+                                </p:cTn>
+                              </p:par>
+                            </p:childTnLst>
+                          </p:cTn>
+                        </p:par>
+                      </p:childTnLst>
+                    </p:cTn>
+                  </p:par>
+                  <p:par>
+                    <p:cTn id="8" fill="hold">
+                      <p:stCondLst>
+                        <p:cond delay="indefinite"/>
+                      </p:stCondLst>
+                      <p:childTnLst>
+                        <p:par>
+                          <p:cTn id="9" fill="hold">
+                            <p:stCondLst>
+                              <p:cond delay="0"/>
+                            </p:stCondLst>
+                            <p:childTnLst>
+                              <p:par>
+                                <p:cTn id="10" presetID="14" presetClass="exit" presetSubtype="10" fill="hold" grpId="1" nodeType="clickEffect">
+                                  <p:stCondLst>
+                                    <p:cond delay="0"/>
+                                  </p:stCondLst>
+                                  <p:childTnLst>
+                                    <p:animEffect transition="out" filter="randombar(horizontal)">
+                                      <p:cBhvr>
+                                        <p:cTn id="11" dur="500"/>
+                                        <p:tgtEl>
+                                          <p:spTgt spid="17"/>
+                                        </p:tgtEl>
+                                      </p:cBhvr>
+                                    </p:animEffect>
+                                    <p:set>
+                                      <p:cBhvr>
+                                        <p:cTn id="12" dur="1" fill="hold">
+                                          <p:stCondLst>
+                                            <p:cond delay="499"/>
+                                          </p:stCondLst>
+                                        </p:cTn>
+                                        <p:tgtEl>
+                                          <p:spTgt spid="17"/>
+                                        </p:tgtEl>
+                                        <p:attrNameLst>
+                                          <p:attrName>style.visibility</p:attrName>
+                                        </p:attrNameLst>
+                                      </p:cBhvr>
+                                      <p:to>
+                                        <p:strVal val="hidden"/>
+                                      </p:to>
+                                    </p:set>
+                                  </p:childTnLst>
+                                </p:cTn>
+                              </p:par>
+                            </p:childTnLst>
+                          </p:cTn>
+                        </p:par>
+                      </p:childTnLst>
+                    </p:cTn>
+                  </p:par>
+                  <p:par>
+                    <p:cTn id="13" fill="hold">
+                      <p:stCondLst>
+                        <p:cond delay="indefinite"/>
+                      </p:stCondLst>
+                      <p:childTnLst>
+                        <p:par>
+                          <p:cTn id="14" fill="hold">
+                            <p:stCondLst>
+                              <p:cond delay="0"/>
+                            </p:stCondLst>
+                            <p:childTnLst>
+                              <p:par>
+                                <p:cTn id="15" presetID="10" presetClass="entr" presetSubtype="0" fill="hold" grpId="0" nodeType="clickEffect">
+                                  <p:stCondLst>
+                                    <p:cond delay="0"/>
+                                  </p:stCondLst>
+                                  <p:childTnLst>
+                                    <p:set>
+                                      <p:cBhvr>
+                                        <p:cTn id="16" dur="1" fill="hold">
+                                          <p:stCondLst>
+                                            <p:cond delay="0"/>
+                                          </p:stCondLst>
+                                        </p:cTn>
+                                        <p:tgtEl>
+                                          <p:spTgt spid="78"/>
+                                        </p:tgtEl>
+                                        <p:attrNameLst>
+                                          <p:attrName>style.visibility</p:attrName>
+                                        </p:attrNameLst>
+                                      </p:cBhvr>
+                                      <p:to>
+                                        <p:strVal val="visible"/>
+                                      </p:to>
+                                    </p:set>
+                                    <p:animEffect transition="in" filter="fade">
+                                      <p:cBhvr>
+                                        <p:cTn id="17" dur="500"/>
+                                        <p:tgtEl>
+                                          <p:spTgt spid="78"/>
+                                        </p:tgtEl>
+                                      </p:cBhvr>
+                                    </p:animEffect>
+                                  </p:childTnLst>
+                                </p:cTn>
+                              </p:par>
+                            </p:childTnLst>
+                          </p:cTn>
+                        </p:par>
+                      </p:childTnLst>
+                    </p:cTn>
+                  </p:par>
+                  <p:par>
+                    <p:cTn id="18" fill="hold">
+                      <p:stCondLst>
+                        <p:cond delay="indefinite"/>
+                      </p:stCondLst>
+                      <p:childTnLst>
+                        <p:par>
+                          <p:cTn id="19" fill="hold">
+                            <p:stCondLst>
+                              <p:cond delay="0"/>
+                            </p:stCondLst>
+                            <p:childTnLst>
+                              <p:par>
+                                <p:cTn id="20" presetID="14" presetClass="exit" presetSubtype="10" fill="hold" grpId="1" nodeType="clickEffect">
+                                  <p:stCondLst>
+                                    <p:cond delay="0"/>
+                                  </p:stCondLst>
+                                  <p:childTnLst>
+                                    <p:animEffect transition="out" filter="randombar(horizontal)">
+                                      <p:cBhvr>
+                                        <p:cTn id="21" dur="500"/>
+                                        <p:tgtEl>
+                                          <p:spTgt spid="78"/>
+                                        </p:tgtEl>
+                                      </p:cBhvr>
+                                    </p:animEffect>
+                                    <p:set>
+                                      <p:cBhvr>
+                                        <p:cTn id="22" dur="1" fill="hold">
+                                          <p:stCondLst>
+                                            <p:cond delay="499"/>
+                                          </p:stCondLst>
+                                        </p:cTn>
+                                        <p:tgtEl>
+                                          <p:spTgt spid="78"/>
+                                        </p:tgtEl>
+                                        <p:attrNameLst>
+                                          <p:attrName>style.visibility</p:attrName>
+                                        </p:attrNameLst>
+                                      </p:cBhvr>
+                                      <p:to>
+                                        <p:strVal val="hidden"/>
+                                      </p:to>
+                                    </p:set>
+                                  </p:childTnLst>
+                                </p:cTn>
+                              </p:par>
+                            </p:childTnLst>
+                          </p:cTn>
+                        </p:par>
+                      </p:childTnLst>
+                    </p:cTn>
+                  </p:par>
+                  <p:par>
+                    <p:cTn id="23" fill="hold">
+                      <p:stCondLst>
+                        <p:cond delay="indefinite"/>
+                      </p:stCondLst>
+                      <p:childTnLst>
+                        <p:par>
+                          <p:cTn id="24" fill="hold">
+                            <p:stCondLst>
+                              <p:cond delay="0"/>
+                            </p:stCondLst>
+                            <p:childTnLst>
+                              <p:par>
+                                <p:cTn id="25" presetID="10" presetClass="entr" presetSubtype="0" fill="hold" grpId="0" nodeType="clickEffect">
+                                  <p:stCondLst>
+                                    <p:cond delay="0"/>
+                                  </p:stCondLst>
+                                  <p:childTnLst>
+                                    <p:set>
+                                      <p:cBhvr>
+                                        <p:cTn id="26" dur="1" fill="hold">
+                                          <p:stCondLst>
+                                            <p:cond delay="0"/>
+                                          </p:stCondLst>
+                                        </p:cTn>
+                                        <p:tgtEl>
+                                          <p:spTgt spid="79"/>
+                                        </p:tgtEl>
+                                        <p:attrNameLst>
+                                          <p:attrName>style.visibility</p:attrName>
+                                        </p:attrNameLst>
+                                      </p:cBhvr>
+                                      <p:to>
+                                        <p:strVal val="visible"/>
+                                      </p:to>
+                                    </p:set>
+                                    <p:animEffect transition="in" filter="fade">
+                                      <p:cBhvr>
+                                        <p:cTn id="27" dur="500"/>
+                                        <p:tgtEl>
+                                          <p:spTgt spid="79"/>
+                                        </p:tgtEl>
+                                      </p:cBhvr>
+                                    </p:animEffect>
+                                  </p:childTnLst>
+                                </p:cTn>
+                              </p:par>
+                            </p:childTnLst>
+                          </p:cTn>
+                        </p:par>
+                      </p:childTnLst>
+                    </p:cTn>
+                  </p:par>
+                  <p:par>
+                    <p:cTn id="28" fill="hold">
+                      <p:stCondLst>
+                        <p:cond delay="indefinite"/>
+                      </p:stCondLst>
+                      <p:childTnLst>
+                        <p:par>
+                          <p:cTn id="29" fill="hold">
+                            <p:stCondLst>
+                              <p:cond delay="0"/>
+                            </p:stCondLst>
+                            <p:childTnLst>
+                              <p:par>
+                                <p:cTn id="30" presetID="14" presetClass="exit" presetSubtype="10" fill="hold" grpId="1" nodeType="clickEffect">
+                                  <p:stCondLst>
+                                    <p:cond delay="0"/>
+                                  </p:stCondLst>
+                                  <p:childTnLst>
+                                    <p:animEffect transition="out" filter="randombar(horizontal)">
+                                      <p:cBhvr>
+                                        <p:cTn id="31" dur="500"/>
+                                        <p:tgtEl>
+                                          <p:spTgt spid="79"/>
+                                        </p:tgtEl>
+                                      </p:cBhvr>
+                                    </p:animEffect>
+                                    <p:set>
+                                      <p:cBhvr>
+                                        <p:cTn id="32" dur="1" fill="hold">
+                                          <p:stCondLst>
+                                            <p:cond delay="499"/>
+                                          </p:stCondLst>
+                                        </p:cTn>
+                                        <p:tgtEl>
+                                          <p:spTgt spid="79"/>
+                                        </p:tgtEl>
+                                        <p:attrNameLst>
+                                          <p:attrName>style.visibility</p:attrName>
+                                        </p:attrNameLst>
+                                      </p:cBhvr>
+                                      <p:to>
+                                        <p:strVal val="hidden"/>
+                                      </p:to>
+                                    </p:set>
+                                  </p:childTnLst>
+                                </p:cTn>
+                              </p:par>
+                            </p:childTnLst>
+                          </p:cTn>
+                        </p:par>
+                      </p:childTnLst>
+                    </p:cTn>
+                  </p:par>
+                  <p:par>
+                    <p:cTn id="33" fill="hold">
+                      <p:stCondLst>
+                        <p:cond delay="indefinite"/>
+                      </p:stCondLst>
+                      <p:childTnLst>
+                        <p:par>
+                          <p:cTn id="34" fill="hold">
+                            <p:stCondLst>
+                              <p:cond delay="0"/>
+                            </p:stCondLst>
+                            <p:childTnLst>
+                              <p:par>
+                                <p:cTn id="35" presetID="10" presetClass="entr" presetSubtype="0" fill="hold" grpId="0" nodeType="clickEffect">
+                                  <p:stCondLst>
+                                    <p:cond delay="0"/>
+                                  </p:stCondLst>
+                                  <p:childTnLst>
+                                    <p:set>
+                                      <p:cBhvr>
+                                        <p:cTn id="36" dur="1" fill="hold">
+                                          <p:stCondLst>
+                                            <p:cond delay="0"/>
+                                          </p:stCondLst>
+                                        </p:cTn>
+                                        <p:tgtEl>
+                                          <p:spTgt spid="80"/>
+                                        </p:tgtEl>
+                                        <p:attrNameLst>
+                                          <p:attrName>style.visibility</p:attrName>
+                                        </p:attrNameLst>
+                                      </p:cBhvr>
+                                      <p:to>
+                                        <p:strVal val="visible"/>
+                                      </p:to>
+                                    </p:set>
+                                    <p:animEffect transition="in" filter="fade">
+                                      <p:cBhvr>
+                                        <p:cTn id="37" dur="500"/>
+                                        <p:tgtEl>
+                                          <p:spTgt spid="80"/>
+                                        </p:tgtEl>
+                                      </p:cBhvr>
+                                    </p:animEffect>
+                                  </p:childTnLst>
+                                </p:cTn>
+                              </p:par>
+                            </p:childTnLst>
+                          </p:cTn>
+                        </p:par>
+                      </p:childTnLst>
+                    </p:cTn>
+                  </p:par>
+                  <p:par>
+                    <p:cTn id="38" fill="hold">
+                      <p:stCondLst>
+                        <p:cond delay="indefinite"/>
+                      </p:stCondLst>
+                      <p:childTnLst>
+                        <p:par>
+                          <p:cTn id="39" fill="hold">
+                            <p:stCondLst>
+                              <p:cond delay="0"/>
+                            </p:stCondLst>
+                            <p:childTnLst>
+                              <p:par>
+                                <p:cTn id="40" presetID="14" presetClass="exit" presetSubtype="10" fill="hold" grpId="1" nodeType="clickEffect">
+                                  <p:stCondLst>
+                                    <p:cond delay="0"/>
+                                  </p:stCondLst>
+                                  <p:childTnLst>
+                                    <p:animEffect transition="out" filter="randombar(horizontal)">
+                                      <p:cBhvr>
+                                        <p:cTn id="41" dur="500"/>
+                                        <p:tgtEl>
+                                          <p:spTgt spid="80"/>
+                                        </p:tgtEl>
+                                      </p:cBhvr>
+                                    </p:animEffect>
+                                    <p:set>
+                                      <p:cBhvr>
+                                        <p:cTn id="42" dur="1" fill="hold">
+                                          <p:stCondLst>
+                                            <p:cond delay="499"/>
+                                          </p:stCondLst>
+                                        </p:cTn>
+                                        <p:tgtEl>
+                                          <p:spTgt spid="80"/>
+                                        </p:tgtEl>
+                                        <p:attrNameLst>
+                                          <p:attrName>style.visibility</p:attrName>
+                                        </p:attrNameLst>
+                                      </p:cBhvr>
+                                      <p:to>
+                                        <p:strVal val="hidden"/>
+                                      </p:to>
+                                    </p:set>
+                                  </p:childTnLst>
+                                </p:cTn>
+                              </p:par>
+                            </p:childTnLst>
+                          </p:cTn>
+                        </p:par>
+                      </p:childTnLst>
+                    </p:cTn>
+                  </p:par>
+                  <p:par>
+                    <p:cTn id="43" fill="hold">
+                      <p:stCondLst>
+                        <p:cond delay="indefinite"/>
+                      </p:stCondLst>
+                      <p:childTnLst>
+                        <p:par>
+                          <p:cTn id="44" fill="hold">
+                            <p:stCondLst>
+                              <p:cond delay="0"/>
+                            </p:stCondLst>
+                            <p:childTnLst>
+                              <p:par>
+                                <p:cTn id="45" presetID="10" presetClass="entr" presetSubtype="0" fill="hold" grpId="0" nodeType="clickEffect">
+                                  <p:stCondLst>
+                                    <p:cond delay="0"/>
+                                  </p:stCondLst>
+                                  <p:childTnLst>
+                                    <p:set>
+                                      <p:cBhvr>
+                                        <p:cTn id="46" dur="1" fill="hold">
+                                          <p:stCondLst>
+                                            <p:cond delay="0"/>
+                                          </p:stCondLst>
+                                        </p:cTn>
+                                        <p:tgtEl>
+                                          <p:spTgt spid="82"/>
+                                        </p:tgtEl>
+                                        <p:attrNameLst>
+                                          <p:attrName>style.visibility</p:attrName>
+                                        </p:attrNameLst>
+                                      </p:cBhvr>
+                                      <p:to>
+                                        <p:strVal val="visible"/>
+                                      </p:to>
+                                    </p:set>
+                                    <p:animEffect transition="in" filter="fade">
+                                      <p:cBhvr>
+                                        <p:cTn id="47" dur="500"/>
+                                        <p:tgtEl>
+                                          <p:spTgt spid="82"/>
+                                        </p:tgtEl>
+                                      </p:cBhvr>
+                                    </p:animEffect>
+                                  </p:childTnLst>
+                                </p:cTn>
+                              </p:par>
+                            </p:childTnLst>
+                          </p:cTn>
+                        </p:par>
+                      </p:childTnLst>
+                    </p:cTn>
+                  </p:par>
+                  <p:par>
+                    <p:cTn id="48" fill="hold">
+                      <p:stCondLst>
+                        <p:cond delay="indefinite"/>
+                      </p:stCondLst>
+                      <p:childTnLst>
+                        <p:par>
+                          <p:cTn id="49" fill="hold">
+                            <p:stCondLst>
+                              <p:cond delay="0"/>
+                            </p:stCondLst>
+                            <p:childTnLst>
+                              <p:par>
+                                <p:cTn id="50" presetID="14" presetClass="exit" presetSubtype="10" fill="hold" grpId="1" nodeType="clickEffect">
+                                  <p:stCondLst>
+                                    <p:cond delay="0"/>
+                                  </p:stCondLst>
+                                  <p:childTnLst>
+                                    <p:animEffect transition="out" filter="randombar(horizontal)">
+                                      <p:cBhvr>
+                                        <p:cTn id="51" dur="500"/>
+                                        <p:tgtEl>
+                                          <p:spTgt spid="82"/>
+                                        </p:tgtEl>
+                                      </p:cBhvr>
+                                    </p:animEffect>
+                                    <p:set>
+                                      <p:cBhvr>
+                                        <p:cTn id="52" dur="1" fill="hold">
+                                          <p:stCondLst>
+                                            <p:cond delay="499"/>
+                                          </p:stCondLst>
+                                        </p:cTn>
+                                        <p:tgtEl>
+                                          <p:spTgt spid="82"/>
+                                        </p:tgtEl>
+                                        <p:attrNameLst>
+                                          <p:attrName>style.visibility</p:attrName>
+                                        </p:attrNameLst>
+                                      </p:cBhvr>
+                                      <p:to>
+                                        <p:strVal val="hidden"/>
+                                      </p:to>
+                                    </p:set>
+                                  </p:childTnLst>
+                                </p:cTn>
+                              </p:par>
+                            </p:childTnLst>
+                          </p:cTn>
+                        </p:par>
+                      </p:childTnLst>
+                    </p:cTn>
+                  </p:par>
+                  <p:par>
+                    <p:cTn id="53" fill="hold">
+                      <p:stCondLst>
+                        <p:cond delay="indefinite"/>
+                      </p:stCondLst>
+                      <p:childTnLst>
+                        <p:par>
+                          <p:cTn id="54" fill="hold">
+                            <p:stCondLst>
+                              <p:cond delay="0"/>
+                            </p:stCondLst>
+                            <p:childTnLst>
+                              <p:par>
+                                <p:cTn id="55" presetID="10" presetClass="entr" presetSubtype="0" fill="hold" grpId="0" nodeType="clickEffect">
+                                  <p:stCondLst>
+                                    <p:cond delay="0"/>
+                                  </p:stCondLst>
+                                  <p:childTnLst>
+                                    <p:set>
+                                      <p:cBhvr>
+                                        <p:cTn id="56" dur="1" fill="hold">
+                                          <p:stCondLst>
+                                            <p:cond delay="0"/>
+                                          </p:stCondLst>
+                                        </p:cTn>
+                                        <p:tgtEl>
+                                          <p:spTgt spid="81"/>
+                                        </p:tgtEl>
+                                        <p:attrNameLst>
+                                          <p:attrName>style.visibility</p:attrName>
+                                        </p:attrNameLst>
+                                      </p:cBhvr>
+                                      <p:to>
+                                        <p:strVal val="visible"/>
+                                      </p:to>
+                                    </p:set>
+                                    <p:animEffect transition="in" filter="fade">
+                                      <p:cBhvr>
+                                        <p:cTn id="57" dur="500"/>
+                                        <p:tgtEl>
+                                          <p:spTgt spid="81"/>
+                                        </p:tgtEl>
+                                      </p:cBhvr>
+                                    </p:animEffect>
+                                  </p:childTnLst>
+                                </p:cTn>
+                              </p:par>
+                            </p:childTnLst>
+                          </p:cTn>
+                        </p:par>
+                      </p:childTnLst>
+                    </p:cTn>
+                  </p:par>
+                  <p:par>
+                    <p:cTn id="58" fill="hold">
+                      <p:stCondLst>
+                        <p:cond delay="indefinite"/>
+                      </p:stCondLst>
+                      <p:childTnLst>
+                        <p:par>
+                          <p:cTn id="59" fill="hold">
+                            <p:stCondLst>
+                              <p:cond delay="0"/>
+                            </p:stCondLst>
+                            <p:childTnLst>
+                              <p:par>
+                                <p:cTn id="60" presetID="14" presetClass="exit" presetSubtype="10" fill="hold" grpId="1" nodeType="clickEffect">
+                                  <p:stCondLst>
+                                    <p:cond delay="0"/>
+                                  </p:stCondLst>
+                                  <p:childTnLst>
+                                    <p:animEffect transition="out" filter="randombar(horizontal)">
+                                      <p:cBhvr>
+                                        <p:cTn id="61" dur="500"/>
+                                        <p:tgtEl>
+                                          <p:spTgt spid="81"/>
+                                        </p:tgtEl>
+                                      </p:cBhvr>
+                                    </p:animEffect>
+                                    <p:set>
+                                      <p:cBhvr>
+                                        <p:cTn id="62" dur="1" fill="hold">
+                                          <p:stCondLst>
+                                            <p:cond delay="499"/>
+                                          </p:stCondLst>
+                                        </p:cTn>
+                                        <p:tgtEl>
+                                          <p:spTgt spid="81"/>
+                                        </p:tgtEl>
+                                        <p:attrNameLst>
+                                          <p:attrName>style.visibility</p:attrName>
+                                        </p:attrNameLst>
+                                      </p:cBhvr>
+                                      <p:to>
+                                        <p:strVal val="hidden"/>
+                                      </p:to>
+                                    </p:set>
+                                  </p:childTnLst>
+                                </p:cTn>
+                              </p:par>
+                            </p:childTnLst>
+                          </p:cTn>
+                        </p:par>
+                      </p:childTnLst>
+                    </p:cTn>
+                  </p:par>
+                  <p:par>
+                    <p:cTn id="63" fill="hold">
+                      <p:stCondLst>
+                        <p:cond delay="indefinite"/>
+                      </p:stCondLst>
+                      <p:childTnLst>
+                        <p:par>
+                          <p:cTn id="64" fill="hold">
+                            <p:stCondLst>
+                              <p:cond delay="0"/>
+                            </p:stCondLst>
+                            <p:childTnLst>
+                              <p:par>
+                                <p:cTn id="65" presetID="10" presetClass="entr" presetSubtype="0" fill="hold" grpId="0" nodeType="clickEffect">
+                                  <p:stCondLst>
+                                    <p:cond delay="0"/>
+                                  </p:stCondLst>
+                                  <p:childTnLst>
+                                    <p:set>
+                                      <p:cBhvr>
+                                        <p:cTn id="66" dur="1" fill="hold">
+                                          <p:stCondLst>
+                                            <p:cond delay="0"/>
+                                          </p:stCondLst>
+                                        </p:cTn>
+                                        <p:tgtEl>
+                                          <p:spTgt spid="83"/>
+                                        </p:tgtEl>
+                                        <p:attrNameLst>
+                                          <p:attrName>style.visibility</p:attrName>
+                                        </p:attrNameLst>
+                                      </p:cBhvr>
+                                      <p:to>
+                                        <p:strVal val="visible"/>
+                                      </p:to>
+                                    </p:set>
+                                    <p:animEffect transition="in" filter="fade">
+                                      <p:cBhvr>
+                                        <p:cTn id="67" dur="500"/>
+                                        <p:tgtEl>
+                                          <p:spTgt spid="83"/>
+                                        </p:tgtEl>
+                                      </p:cBhvr>
+                                    </p:animEffect>
+                                  </p:childTnLst>
+                                </p:cTn>
+                              </p:par>
+                            </p:childTnLst>
+                          </p:cTn>
+                        </p:par>
+                      </p:childTnLst>
+                    </p:cTn>
+                  </p:par>
+                  <p:par>
+                    <p:cTn id="68" fill="hold">
+                      <p:stCondLst>
+                        <p:cond delay="indefinite"/>
+                      </p:stCondLst>
+                      <p:childTnLst>
+                        <p:par>
+                          <p:cTn id="69" fill="hold">
+                            <p:stCondLst>
+                              <p:cond delay="0"/>
+                            </p:stCondLst>
+                            <p:childTnLst>
+                              <p:par>
+                                <p:cTn id="70" presetID="14" presetClass="exit" presetSubtype="10" fill="hold" grpId="1" nodeType="clickEffect">
+                                  <p:stCondLst>
+                                    <p:cond delay="0"/>
+                                  </p:stCondLst>
+                                  <p:childTnLst>
+                                    <p:animEffect transition="out" filter="randombar(horizontal)">
+                                      <p:cBhvr>
+                                        <p:cTn id="71" dur="500"/>
+                                        <p:tgtEl>
+                                          <p:spTgt spid="83"/>
+                                        </p:tgtEl>
+                                      </p:cBhvr>
+                                    </p:animEffect>
+                                    <p:set>
+                                      <p:cBhvr>
+                                        <p:cTn id="72" dur="1" fill="hold">
+                                          <p:stCondLst>
+                                            <p:cond delay="499"/>
+                                          </p:stCondLst>
+                                        </p:cTn>
+                                        <p:tgtEl>
+                                          <p:spTgt spid="83"/>
+                                        </p:tgtEl>
+                                        <p:attrNameLst>
+                                          <p:attrName>style.visibility</p:attrName>
+                                        </p:attrNameLst>
+                                      </p:cBhvr>
+                                      <p:to>
+                                        <p:strVal val="hidden"/>
+                                      </p:to>
+                                    </p:set>
+                                  </p:childTnLst>
+                                </p:cTn>
+                              </p:par>
+                            </p:childTnLst>
+                          </p:cTn>
+                        </p:par>
+                      </p:childTnLst>
+                    </p:cTn>
+                  </p:par>
+                  <p:par>
+                    <p:cTn id="73" fill="hold">
+                      <p:stCondLst>
+                        <p:cond delay="indefinite"/>
+                      </p:stCondLst>
+                      <p:childTnLst>
+                        <p:par>
+                          <p:cTn id="74" fill="hold">
+                            <p:stCondLst>
+                              <p:cond delay="0"/>
+                            </p:stCondLst>
+                            <p:childTnLst>
+                              <p:par>
+                                <p:cTn id="75" presetID="10" presetClass="entr" presetSubtype="0" fill="hold" grpId="0" nodeType="clickEffect">
+                                  <p:stCondLst>
+                                    <p:cond delay="0"/>
+                                  </p:stCondLst>
+                                  <p:childTnLst>
+                                    <p:set>
+                                      <p:cBhvr>
+                                        <p:cTn id="76" dur="1" fill="hold">
+                                          <p:stCondLst>
+                                            <p:cond delay="0"/>
+                                          </p:stCondLst>
+                                        </p:cTn>
+                                        <p:tgtEl>
+                                          <p:spTgt spid="87"/>
+                                        </p:tgtEl>
+                                        <p:attrNameLst>
+                                          <p:attrName>style.visibility</p:attrName>
+                                        </p:attrNameLst>
+                                      </p:cBhvr>
+                                      <p:to>
+                                        <p:strVal val="visible"/>
+                                      </p:to>
+                                    </p:set>
+                                    <p:animEffect transition="in" filter="fade">
+                                      <p:cBhvr>
+                                        <p:cTn id="77" dur="500"/>
+                                        <p:tgtEl>
+                                          <p:spTgt spid="87"/>
+                                        </p:tgtEl>
+                                      </p:cBhvr>
+                                    </p:animEffect>
+                                  </p:childTnLst>
+                                </p:cTn>
+                              </p:par>
+                            </p:childTnLst>
+                          </p:cTn>
+                        </p:par>
+                      </p:childTnLst>
+                    </p:cTn>
+                  </p:par>
+                  <p:par>
+                    <p:cTn id="78" fill="hold">
+                      <p:stCondLst>
+                        <p:cond delay="indefinite"/>
+                      </p:stCondLst>
+                      <p:childTnLst>
+                        <p:par>
+                          <p:cTn id="79" fill="hold">
+                            <p:stCondLst>
+                              <p:cond delay="0"/>
+                            </p:stCondLst>
+                            <p:childTnLst>
+                              <p:par>
+                                <p:cTn id="80" presetID="14" presetClass="exit" presetSubtype="10" fill="hold" grpId="1" nodeType="clickEffect">
+                                  <p:stCondLst>
+                                    <p:cond delay="0"/>
+                                  </p:stCondLst>
+                                  <p:childTnLst>
+                                    <p:animEffect transition="out" filter="randombar(horizontal)">
+                                      <p:cBhvr>
+                                        <p:cTn id="81" dur="500"/>
+                                        <p:tgtEl>
+                                          <p:spTgt spid="87"/>
+                                        </p:tgtEl>
+                                      </p:cBhvr>
+                                    </p:animEffect>
+                                    <p:set>
+                                      <p:cBhvr>
+                                        <p:cTn id="82" dur="1" fill="hold">
+                                          <p:stCondLst>
+                                            <p:cond delay="499"/>
+                                          </p:stCondLst>
+                                        </p:cTn>
+                                        <p:tgtEl>
+                                          <p:spTgt spid="87"/>
+                                        </p:tgtEl>
+                                        <p:attrNameLst>
+                                          <p:attrName>style.visibility</p:attrName>
+                                        </p:attrNameLst>
+                                      </p:cBhvr>
+                                      <p:to>
+                                        <p:strVal val="hidden"/>
+                                      </p:to>
+                                    </p:set>
+                                  </p:childTnLst>
+                                </p:cTn>
+                              </p:par>
+                            </p:childTnLst>
+                          </p:cTn>
+                        </p:par>
+                      </p:childTnLst>
+                    </p:cTn>
+                  </p:par>
+                  <p:par>
+                    <p:cTn id="83" fill="hold">
+                      <p:stCondLst>
+                        <p:cond delay="indefinite"/>
+                      </p:stCondLst>
+                      <p:childTnLst>
+                        <p:par>
+                          <p:cTn id="84" fill="hold">
+                            <p:stCondLst>
+                              <p:cond delay="0"/>
+                            </p:stCondLst>
+                            <p:childTnLst>
+                              <p:par>
+                                <p:cTn id="85" presetID="10" presetClass="entr" presetSubtype="0" fill="hold" grpId="0" nodeType="clickEffect">
+                                  <p:stCondLst>
+                                    <p:cond delay="0"/>
+                                  </p:stCondLst>
+                                  <p:childTnLst>
+                                    <p:set>
+                                      <p:cBhvr>
+                                        <p:cTn id="86" dur="1" fill="hold">
+                                          <p:stCondLst>
+                                            <p:cond delay="0"/>
+                                          </p:stCondLst>
+                                        </p:cTn>
+                                        <p:tgtEl>
+                                          <p:spTgt spid="84"/>
+                                        </p:tgtEl>
+                                        <p:attrNameLst>
+                                          <p:attrName>style.visibility</p:attrName>
+                                        </p:attrNameLst>
+                                      </p:cBhvr>
+                                      <p:to>
+                                        <p:strVal val="visible"/>
+                                      </p:to>
+                                    </p:set>
+                                    <p:animEffect transition="in" filter="fade">
+                                      <p:cBhvr>
+                                        <p:cTn id="87" dur="500"/>
+                                        <p:tgtEl>
+                                          <p:spTgt spid="84"/>
+                                        </p:tgtEl>
+                                      </p:cBhvr>
+                                    </p:animEffect>
+                                  </p:childTnLst>
+                                </p:cTn>
+                              </p:par>
+                            </p:childTnLst>
+                          </p:cTn>
+                        </p:par>
+                      </p:childTnLst>
+                    </p:cTn>
+                  </p:par>
+                </p:childTnLst>
+              </p:cTn>
+              <p:prevCondLst>
+                <p:cond evt="onPrev" delay="0">
+                  <p:tgtEl>
+                    <p:sldTgt/>
+                  </p:tgtEl>
+                </p:cond>
+              </p:prevCondLst>
+              <p:nextCondLst>
+                <p:cond evt="onNext" delay="0">
+                  <p:tgtEl>
+                    <p:sldTgt/>
+                  </p:tgtEl>
+                </p:cond>
+              </p:nextCondLst>
+            </p:seq>
+          </p:childTnLst>
+        </p:cTn>
       </p:par>
     </p:tnLst>
+    <p:bldLst>
+      <p:bldP spid="17" grpId="0" animBg="1"/>
+      <p:bldP spid="17" grpId="1" animBg="1"/>
+      <p:bldP spid="78" grpId="0" animBg="1"/>
+      <p:bldP spid="78" grpId="1" animBg="1"/>
+      <p:bldP spid="79" grpId="0" animBg="1"/>
+      <p:bldP spid="79" grpId="1" animBg="1"/>
+      <p:bldP spid="80" grpId="0" animBg="1"/>
+      <p:bldP spid="80" grpId="1" animBg="1"/>
+      <p:bldP spid="81" grpId="0" animBg="1"/>
+      <p:bldP spid="81" grpId="1" animBg="1"/>
+      <p:bldP spid="82" grpId="0" animBg="1"/>
+      <p:bldP spid="82" grpId="1" animBg="1"/>
+      <p:bldP spid="83" grpId="0" animBg="1"/>
+      <p:bldP spid="83" grpId="1" animBg="1"/>
+      <p:bldP spid="84" grpId="0" animBg="1"/>
+      <p:bldP spid="87" grpId="0" animBg="1"/>
+      <p:bldP spid="87" grpId="1" animBg="1"/>
+    </p:bldLst>
   </p:timing>
 </p:sld>
 </file>
@@ -25350,1195 +27634,14 @@
           <a:bodyPr/>
           <a:lstStyle/>
           <a:p>
-            <a:r>
-              <a:rPr lang="en-US" altLang="zh-TW" dirty="0" smtClean="0"/>
-              <a:t>DEMO Branches:</a:t>
-            </a:r>
-            <a:endParaRPr lang="zh-TW" altLang="en-US" dirty="0"/>
+            <a:endParaRPr lang="zh-TW" altLang="en-US"/>
           </a:p>
         </p:txBody>
       </p:sp>
-      <p:sp>
-        <p:nvSpPr>
-          <p:cNvPr id="3" name="矩形 2"/>
-          <p:cNvSpPr/>
-          <p:nvPr/>
-        </p:nvSpPr>
-        <p:spPr>
-          <a:xfrm>
-            <a:off x="1257300" y="3217902"/>
-            <a:ext cx="10782300" cy="249198"/>
-          </a:xfrm>
-          <a:prstGeom prst="rect">
-            <a:avLst/>
-          </a:prstGeom>
-        </p:spPr>
-        <p:style>
-          <a:lnRef idx="2">
-            <a:schemeClr val="accent1"/>
-          </a:lnRef>
-          <a:fillRef idx="1">
-            <a:schemeClr val="lt1"/>
-          </a:fillRef>
-          <a:effectRef idx="0">
-            <a:schemeClr val="accent1"/>
-          </a:effectRef>
-          <a:fontRef idx="minor">
-            <a:schemeClr val="dk1"/>
-          </a:fontRef>
-        </p:style>
-        <p:txBody>
-          <a:bodyPr rtlCol="0" anchor="ctr"/>
-          <a:lstStyle/>
-          <a:p>
-            <a:pPr algn="ctr"/>
-            <a:endParaRPr lang="zh-TW" altLang="en-US"/>
-          </a:p>
-        </p:txBody>
-      </p:sp>
-      <p:sp>
-        <p:nvSpPr>
-          <p:cNvPr id="4" name="矩形 3"/>
-          <p:cNvSpPr/>
-          <p:nvPr/>
-        </p:nvSpPr>
-        <p:spPr>
-          <a:xfrm>
-            <a:off x="990600" y="4945102"/>
-            <a:ext cx="11049000" cy="251738"/>
-          </a:xfrm>
-          <a:prstGeom prst="rect">
-            <a:avLst/>
-          </a:prstGeom>
-        </p:spPr>
-        <p:style>
-          <a:lnRef idx="2">
-            <a:schemeClr val="accent1"/>
-          </a:lnRef>
-          <a:fillRef idx="1">
-            <a:schemeClr val="lt1"/>
-          </a:fillRef>
-          <a:effectRef idx="0">
-            <a:schemeClr val="accent1"/>
-          </a:effectRef>
-          <a:fontRef idx="minor">
-            <a:schemeClr val="dk1"/>
-          </a:fontRef>
-        </p:style>
-        <p:txBody>
-          <a:bodyPr rtlCol="0" anchor="ctr"/>
-          <a:lstStyle/>
-          <a:p>
-            <a:pPr algn="ctr"/>
-            <a:endParaRPr lang="zh-TW" altLang="en-US"/>
-          </a:p>
-        </p:txBody>
-      </p:sp>
-      <p:sp>
-        <p:nvSpPr>
-          <p:cNvPr id="5" name="文字方塊 4"/>
-          <p:cNvSpPr txBox="1"/>
-          <p:nvPr/>
-        </p:nvSpPr>
-        <p:spPr>
-          <a:xfrm>
-            <a:off x="322621" y="3149084"/>
-            <a:ext cx="934679" cy="369332"/>
-          </a:xfrm>
-          <a:prstGeom prst="rect">
-            <a:avLst/>
-          </a:prstGeom>
-          <a:noFill/>
-        </p:spPr>
-        <p:txBody>
-          <a:bodyPr wrap="none" rtlCol="0">
-            <a:spAutoFit/>
-          </a:bodyPr>
-          <a:lstStyle/>
-          <a:p>
-            <a:r>
-              <a:rPr lang="en-US" altLang="zh-TW" dirty="0" smtClean="0"/>
-              <a:t>develop</a:t>
-            </a:r>
-            <a:endParaRPr lang="zh-TW" altLang="en-US" dirty="0"/>
-          </a:p>
-        </p:txBody>
-      </p:sp>
-      <p:sp>
-        <p:nvSpPr>
-          <p:cNvPr id="6" name="文字方塊 5"/>
-          <p:cNvSpPr txBox="1"/>
-          <p:nvPr/>
-        </p:nvSpPr>
-        <p:spPr>
-          <a:xfrm>
-            <a:off x="322621" y="4897874"/>
-            <a:ext cx="836832" cy="369332"/>
-          </a:xfrm>
-          <a:prstGeom prst="rect">
-            <a:avLst/>
-          </a:prstGeom>
-          <a:noFill/>
-        </p:spPr>
-        <p:txBody>
-          <a:bodyPr wrap="none" rtlCol="0">
-            <a:spAutoFit/>
-          </a:bodyPr>
-          <a:lstStyle/>
-          <a:p>
-            <a:r>
-              <a:rPr lang="en-US" altLang="zh-TW" dirty="0" smtClean="0"/>
-              <a:t>master</a:t>
-            </a:r>
-            <a:endParaRPr lang="zh-TW" altLang="en-US" dirty="0"/>
-          </a:p>
-        </p:txBody>
-      </p:sp>
-      <p:sp>
-        <p:nvSpPr>
-          <p:cNvPr id="8" name="矩形 7"/>
-          <p:cNvSpPr/>
-          <p:nvPr/>
-        </p:nvSpPr>
-        <p:spPr>
-          <a:xfrm>
-            <a:off x="2343150" y="2195572"/>
-            <a:ext cx="1490663" cy="228600"/>
-          </a:xfrm>
-          <a:prstGeom prst="rect">
-            <a:avLst/>
-          </a:prstGeom>
-        </p:spPr>
-        <p:style>
-          <a:lnRef idx="2">
-            <a:schemeClr val="accent1"/>
-          </a:lnRef>
-          <a:fillRef idx="1">
-            <a:schemeClr val="lt1"/>
-          </a:fillRef>
-          <a:effectRef idx="0">
-            <a:schemeClr val="accent1"/>
-          </a:effectRef>
-          <a:fontRef idx="minor">
-            <a:schemeClr val="dk1"/>
-          </a:fontRef>
-        </p:style>
-        <p:txBody>
-          <a:bodyPr rtlCol="0" anchor="ctr"/>
-          <a:lstStyle/>
-          <a:p>
-            <a:pPr algn="ctr"/>
-            <a:endParaRPr lang="zh-TW" altLang="en-US"/>
-          </a:p>
-        </p:txBody>
-      </p:sp>
-      <p:sp>
-        <p:nvSpPr>
-          <p:cNvPr id="9" name="文字方塊 8"/>
-          <p:cNvSpPr txBox="1"/>
-          <p:nvPr/>
-        </p:nvSpPr>
-        <p:spPr>
-          <a:xfrm>
-            <a:off x="2241908" y="1889224"/>
-            <a:ext cx="1352614" cy="369332"/>
-          </a:xfrm>
-          <a:prstGeom prst="rect">
-            <a:avLst/>
-          </a:prstGeom>
-          <a:noFill/>
-        </p:spPr>
-        <p:txBody>
-          <a:bodyPr wrap="none" rtlCol="0">
-            <a:spAutoFit/>
-          </a:bodyPr>
-          <a:lstStyle/>
-          <a:p>
-            <a:r>
-              <a:rPr lang="en-US" altLang="zh-TW" dirty="0" smtClean="0"/>
-              <a:t>feature/api2</a:t>
-            </a:r>
-            <a:endParaRPr lang="zh-TW" altLang="en-US" dirty="0"/>
-          </a:p>
-        </p:txBody>
-      </p:sp>
-      <p:sp>
-        <p:nvSpPr>
-          <p:cNvPr id="10" name="矩形 9"/>
-          <p:cNvSpPr/>
-          <p:nvPr/>
-        </p:nvSpPr>
-        <p:spPr>
-          <a:xfrm>
-            <a:off x="4476750" y="2195572"/>
-            <a:ext cx="1490663" cy="228600"/>
-          </a:xfrm>
-          <a:prstGeom prst="rect">
-            <a:avLst/>
-          </a:prstGeom>
-        </p:spPr>
-        <p:style>
-          <a:lnRef idx="2">
-            <a:schemeClr val="accent1"/>
-          </a:lnRef>
-          <a:fillRef idx="1">
-            <a:schemeClr val="lt1"/>
-          </a:fillRef>
-          <a:effectRef idx="0">
-            <a:schemeClr val="accent1"/>
-          </a:effectRef>
-          <a:fontRef idx="minor">
-            <a:schemeClr val="dk1"/>
-          </a:fontRef>
-        </p:style>
-        <p:txBody>
-          <a:bodyPr rtlCol="0" anchor="ctr"/>
-          <a:lstStyle/>
-          <a:p>
-            <a:pPr algn="ctr"/>
-            <a:endParaRPr lang="zh-TW" altLang="en-US"/>
-          </a:p>
-        </p:txBody>
-      </p:sp>
-      <p:sp>
-        <p:nvSpPr>
-          <p:cNvPr id="11" name="文字方塊 10"/>
-          <p:cNvSpPr txBox="1"/>
-          <p:nvPr/>
-        </p:nvSpPr>
-        <p:spPr>
-          <a:xfrm>
-            <a:off x="4375508" y="1889224"/>
-            <a:ext cx="2060564" cy="369332"/>
-          </a:xfrm>
-          <a:prstGeom prst="rect">
-            <a:avLst/>
-          </a:prstGeom>
-          <a:noFill/>
-        </p:spPr>
-        <p:txBody>
-          <a:bodyPr wrap="none" rtlCol="0">
-            <a:spAutoFit/>
-          </a:bodyPr>
-          <a:lstStyle/>
-          <a:p>
-            <a:r>
-              <a:rPr lang="en-US" altLang="zh-TW" dirty="0" smtClean="0"/>
-              <a:t>feature/</a:t>
-            </a:r>
-            <a:r>
-              <a:rPr lang="en-US" altLang="zh-TW" dirty="0" err="1" smtClean="0"/>
-              <a:t>sdk-unittest</a:t>
-            </a:r>
-            <a:endParaRPr lang="zh-TW" altLang="en-US" dirty="0"/>
-          </a:p>
-        </p:txBody>
-      </p:sp>
-      <p:cxnSp>
-        <p:nvCxnSpPr>
-          <p:cNvPr id="13" name="直線單箭頭接點 12"/>
-          <p:cNvCxnSpPr/>
-          <p:nvPr/>
-        </p:nvCxnSpPr>
-        <p:spPr>
-          <a:xfrm flipV="1">
-            <a:off x="1955800" y="2284214"/>
-            <a:ext cx="550734" cy="1068586"/>
-          </a:xfrm>
-          <a:prstGeom prst="straightConnector1">
-            <a:avLst/>
-          </a:prstGeom>
-          <a:ln>
-            <a:tailEnd type="triangle"/>
-          </a:ln>
-        </p:spPr>
-        <p:style>
-          <a:lnRef idx="1">
-            <a:schemeClr val="accent1"/>
-          </a:lnRef>
-          <a:fillRef idx="0">
-            <a:schemeClr val="accent1"/>
-          </a:fillRef>
-          <a:effectRef idx="0">
-            <a:schemeClr val="accent1"/>
-          </a:effectRef>
-          <a:fontRef idx="minor">
-            <a:schemeClr val="tx1"/>
-          </a:fontRef>
-        </p:style>
-      </p:cxnSp>
-      <p:cxnSp>
-        <p:nvCxnSpPr>
-          <p:cNvPr id="15" name="直線單箭頭接點 14"/>
-          <p:cNvCxnSpPr/>
-          <p:nvPr/>
-        </p:nvCxnSpPr>
-        <p:spPr>
-          <a:xfrm>
-            <a:off x="3626336" y="2341116"/>
-            <a:ext cx="189401" cy="1011684"/>
-          </a:xfrm>
-          <a:prstGeom prst="straightConnector1">
-            <a:avLst/>
-          </a:prstGeom>
-          <a:ln>
-            <a:tailEnd type="triangle"/>
-          </a:ln>
-        </p:spPr>
-        <p:style>
-          <a:lnRef idx="1">
-            <a:schemeClr val="accent1"/>
-          </a:lnRef>
-          <a:fillRef idx="0">
-            <a:schemeClr val="accent1"/>
-          </a:fillRef>
-          <a:effectRef idx="0">
-            <a:schemeClr val="accent1"/>
-          </a:effectRef>
-          <a:fontRef idx="minor">
-            <a:schemeClr val="tx1"/>
-          </a:fontRef>
-        </p:style>
-      </p:cxnSp>
-      <p:cxnSp>
-        <p:nvCxnSpPr>
-          <p:cNvPr id="17" name="直線單箭頭接點 16"/>
-          <p:cNvCxnSpPr/>
-          <p:nvPr/>
-        </p:nvCxnSpPr>
-        <p:spPr>
-          <a:xfrm flipV="1">
-            <a:off x="4417091" y="2325544"/>
-            <a:ext cx="227684" cy="1027257"/>
-          </a:xfrm>
-          <a:prstGeom prst="straightConnector1">
-            <a:avLst/>
-          </a:prstGeom>
-          <a:ln>
-            <a:tailEnd type="triangle"/>
-          </a:ln>
-        </p:spPr>
-        <p:style>
-          <a:lnRef idx="1">
-            <a:schemeClr val="accent1"/>
-          </a:lnRef>
-          <a:fillRef idx="0">
-            <a:schemeClr val="accent1"/>
-          </a:fillRef>
-          <a:effectRef idx="0">
-            <a:schemeClr val="accent1"/>
-          </a:effectRef>
-          <a:fontRef idx="minor">
-            <a:schemeClr val="tx1"/>
-          </a:fontRef>
-        </p:style>
-      </p:cxnSp>
-      <p:cxnSp>
-        <p:nvCxnSpPr>
-          <p:cNvPr id="19" name="直線單箭頭接點 18"/>
-          <p:cNvCxnSpPr/>
-          <p:nvPr/>
-        </p:nvCxnSpPr>
-        <p:spPr>
-          <a:xfrm>
-            <a:off x="5857875" y="2309872"/>
-            <a:ext cx="109538" cy="1042928"/>
-          </a:xfrm>
-          <a:prstGeom prst="straightConnector1">
-            <a:avLst/>
-          </a:prstGeom>
-          <a:ln>
-            <a:tailEnd type="triangle"/>
-          </a:ln>
-        </p:spPr>
-        <p:style>
-          <a:lnRef idx="1">
-            <a:schemeClr val="accent1"/>
-          </a:lnRef>
-          <a:fillRef idx="0">
-            <a:schemeClr val="accent1"/>
-          </a:fillRef>
-          <a:effectRef idx="0">
-            <a:schemeClr val="accent1"/>
-          </a:effectRef>
-          <a:fontRef idx="minor">
-            <a:schemeClr val="tx1"/>
-          </a:fontRef>
-        </p:style>
-      </p:cxnSp>
-      <p:sp>
-        <p:nvSpPr>
-          <p:cNvPr id="20" name="矩形 19"/>
-          <p:cNvSpPr/>
-          <p:nvPr/>
-        </p:nvSpPr>
-        <p:spPr>
-          <a:xfrm>
-            <a:off x="6343650" y="4102100"/>
-            <a:ext cx="1490663" cy="228600"/>
-          </a:xfrm>
-          <a:prstGeom prst="rect">
-            <a:avLst/>
-          </a:prstGeom>
-        </p:spPr>
-        <p:style>
-          <a:lnRef idx="2">
-            <a:schemeClr val="accent1"/>
-          </a:lnRef>
-          <a:fillRef idx="1">
-            <a:schemeClr val="lt1"/>
-          </a:fillRef>
-          <a:effectRef idx="0">
-            <a:schemeClr val="accent1"/>
-          </a:effectRef>
-          <a:fontRef idx="minor">
-            <a:schemeClr val="dk1"/>
-          </a:fontRef>
-        </p:style>
-        <p:txBody>
-          <a:bodyPr rtlCol="0" anchor="ctr"/>
-          <a:lstStyle/>
-          <a:p>
-            <a:pPr algn="ctr"/>
-            <a:endParaRPr lang="zh-TW" altLang="en-US"/>
-          </a:p>
-        </p:txBody>
-      </p:sp>
-      <p:sp>
-        <p:nvSpPr>
-          <p:cNvPr id="21" name="文字方塊 20"/>
-          <p:cNvSpPr txBox="1"/>
-          <p:nvPr/>
-        </p:nvSpPr>
-        <p:spPr>
-          <a:xfrm>
-            <a:off x="6343650" y="3756104"/>
-            <a:ext cx="1464055" cy="369332"/>
-          </a:xfrm>
-          <a:prstGeom prst="rect">
-            <a:avLst/>
-          </a:prstGeom>
-          <a:noFill/>
-        </p:spPr>
-        <p:txBody>
-          <a:bodyPr wrap="none" rtlCol="0">
-            <a:spAutoFit/>
-          </a:bodyPr>
-          <a:lstStyle/>
-          <a:p>
-            <a:r>
-              <a:rPr lang="en-US" altLang="zh-TW" dirty="0" smtClean="0"/>
-              <a:t>release/v10.1</a:t>
-            </a:r>
-            <a:endParaRPr lang="zh-TW" altLang="en-US" dirty="0"/>
-          </a:p>
-        </p:txBody>
-      </p:sp>
-      <p:cxnSp>
-        <p:nvCxnSpPr>
-          <p:cNvPr id="23" name="直線單箭頭接點 22"/>
-          <p:cNvCxnSpPr/>
-          <p:nvPr/>
-        </p:nvCxnSpPr>
-        <p:spPr>
-          <a:xfrm>
-            <a:off x="6223000" y="3352800"/>
-            <a:ext cx="213072" cy="843002"/>
-          </a:xfrm>
-          <a:prstGeom prst="straightConnector1">
-            <a:avLst/>
-          </a:prstGeom>
-          <a:ln>
-            <a:tailEnd type="triangle"/>
-          </a:ln>
-        </p:spPr>
-        <p:style>
-          <a:lnRef idx="1">
-            <a:schemeClr val="accent1"/>
-          </a:lnRef>
-          <a:fillRef idx="0">
-            <a:schemeClr val="accent1"/>
-          </a:fillRef>
-          <a:effectRef idx="0">
-            <a:schemeClr val="accent1"/>
-          </a:effectRef>
-          <a:fontRef idx="minor">
-            <a:schemeClr val="tx1"/>
-          </a:fontRef>
-        </p:style>
-      </p:cxnSp>
-      <p:cxnSp>
-        <p:nvCxnSpPr>
-          <p:cNvPr id="26" name="直線單箭頭接點 25"/>
-          <p:cNvCxnSpPr>
-            <a:stCxn id="20" idx="3"/>
-          </p:cNvCxnSpPr>
-          <p:nvPr/>
-        </p:nvCxnSpPr>
-        <p:spPr>
-          <a:xfrm>
-            <a:off x="7834313" y="4216400"/>
-            <a:ext cx="306387" cy="866140"/>
-          </a:xfrm>
-          <a:prstGeom prst="straightConnector1">
-            <a:avLst/>
-          </a:prstGeom>
-          <a:ln>
-            <a:tailEnd type="triangle"/>
-          </a:ln>
-        </p:spPr>
-        <p:style>
-          <a:lnRef idx="1">
-            <a:schemeClr val="accent1"/>
-          </a:lnRef>
-          <a:fillRef idx="0">
-            <a:schemeClr val="accent1"/>
-          </a:fillRef>
-          <a:effectRef idx="0">
-            <a:schemeClr val="accent1"/>
-          </a:effectRef>
-          <a:fontRef idx="minor">
-            <a:schemeClr val="tx1"/>
-          </a:fontRef>
-        </p:style>
-      </p:cxnSp>
-      <p:cxnSp>
-        <p:nvCxnSpPr>
-          <p:cNvPr id="29" name="直線單箭頭接點 28"/>
-          <p:cNvCxnSpPr/>
-          <p:nvPr/>
-        </p:nvCxnSpPr>
-        <p:spPr>
-          <a:xfrm flipV="1">
-            <a:off x="8195905" y="3333750"/>
-            <a:ext cx="211495" cy="1776770"/>
-          </a:xfrm>
-          <a:prstGeom prst="straightConnector1">
-            <a:avLst/>
-          </a:prstGeom>
-          <a:ln>
-            <a:tailEnd type="triangle"/>
-          </a:ln>
-        </p:spPr>
-        <p:style>
-          <a:lnRef idx="1">
-            <a:schemeClr val="accent1"/>
-          </a:lnRef>
-          <a:fillRef idx="0">
-            <a:schemeClr val="accent1"/>
-          </a:fillRef>
-          <a:effectRef idx="0">
-            <a:schemeClr val="accent1"/>
-          </a:effectRef>
-          <a:fontRef idx="minor">
-            <a:schemeClr val="tx1"/>
-          </a:fontRef>
-        </p:style>
-      </p:cxnSp>
-      <p:sp>
-        <p:nvSpPr>
-          <p:cNvPr id="38" name="橢圓 37"/>
-          <p:cNvSpPr/>
-          <p:nvPr/>
-        </p:nvSpPr>
-        <p:spPr>
-          <a:xfrm>
-            <a:off x="7958356" y="4851777"/>
-            <a:ext cx="419894" cy="461526"/>
-          </a:xfrm>
-          <a:prstGeom prst="ellipse">
-            <a:avLst/>
-          </a:prstGeom>
-        </p:spPr>
-        <p:style>
-          <a:lnRef idx="2">
-            <a:schemeClr val="accent1">
-              <a:shade val="50000"/>
-            </a:schemeClr>
-          </a:lnRef>
-          <a:fillRef idx="1">
-            <a:schemeClr val="accent1"/>
-          </a:fillRef>
-          <a:effectRef idx="0">
-            <a:schemeClr val="accent1"/>
-          </a:effectRef>
-          <a:fontRef idx="minor">
-            <a:schemeClr val="lt1"/>
-          </a:fontRef>
-        </p:style>
-        <p:txBody>
-          <a:bodyPr rtlCol="0" anchor="ctr"/>
-          <a:lstStyle/>
-          <a:p>
-            <a:pPr algn="ctr"/>
-            <a:endParaRPr lang="zh-TW" altLang="en-US"/>
-          </a:p>
-        </p:txBody>
-      </p:sp>
-      <p:sp>
-        <p:nvSpPr>
-          <p:cNvPr id="39" name="文字方塊 38"/>
-          <p:cNvSpPr txBox="1"/>
-          <p:nvPr/>
-        </p:nvSpPr>
-        <p:spPr>
-          <a:xfrm>
-            <a:off x="7958356" y="5372100"/>
-            <a:ext cx="724878" cy="369332"/>
-          </a:xfrm>
-          <a:prstGeom prst="rect">
-            <a:avLst/>
-          </a:prstGeom>
-          <a:noFill/>
-        </p:spPr>
-        <p:txBody>
-          <a:bodyPr wrap="none" rtlCol="0">
-            <a:spAutoFit/>
-          </a:bodyPr>
-          <a:lstStyle/>
-          <a:p>
-            <a:r>
-              <a:rPr lang="en-US" altLang="zh-TW" dirty="0" smtClean="0"/>
-              <a:t>V10.1</a:t>
-            </a:r>
-            <a:endParaRPr lang="zh-TW" altLang="en-US" dirty="0"/>
-          </a:p>
-        </p:txBody>
-      </p:sp>
-      <p:sp>
-        <p:nvSpPr>
-          <p:cNvPr id="40" name="矩形 39"/>
-          <p:cNvSpPr/>
-          <p:nvPr/>
-        </p:nvSpPr>
-        <p:spPr>
-          <a:xfrm>
-            <a:off x="8698131" y="2195572"/>
-            <a:ext cx="966569" cy="228600"/>
-          </a:xfrm>
-          <a:prstGeom prst="rect">
-            <a:avLst/>
-          </a:prstGeom>
-        </p:spPr>
-        <p:style>
-          <a:lnRef idx="2">
-            <a:schemeClr val="accent1"/>
-          </a:lnRef>
-          <a:fillRef idx="1">
-            <a:schemeClr val="lt1"/>
-          </a:fillRef>
-          <a:effectRef idx="0">
-            <a:schemeClr val="accent1"/>
-          </a:effectRef>
-          <a:fontRef idx="minor">
-            <a:schemeClr val="dk1"/>
-          </a:fontRef>
-        </p:style>
-        <p:txBody>
-          <a:bodyPr rtlCol="0" anchor="ctr"/>
-          <a:lstStyle/>
-          <a:p>
-            <a:pPr algn="ctr"/>
-            <a:endParaRPr lang="zh-TW" altLang="en-US"/>
-          </a:p>
-        </p:txBody>
-      </p:sp>
-      <p:sp>
-        <p:nvSpPr>
-          <p:cNvPr id="41" name="文字方塊 40"/>
-          <p:cNvSpPr txBox="1"/>
-          <p:nvPr/>
-        </p:nvSpPr>
-        <p:spPr>
-          <a:xfrm>
-            <a:off x="8596889" y="1889224"/>
-            <a:ext cx="1877822" cy="369332"/>
-          </a:xfrm>
-          <a:prstGeom prst="rect">
-            <a:avLst/>
-          </a:prstGeom>
-          <a:noFill/>
-        </p:spPr>
-        <p:txBody>
-          <a:bodyPr wrap="none" rtlCol="0">
-            <a:spAutoFit/>
-          </a:bodyPr>
-          <a:lstStyle/>
-          <a:p>
-            <a:r>
-              <a:rPr lang="en-US" altLang="zh-TW" dirty="0" smtClean="0"/>
-              <a:t>feature/</a:t>
-            </a:r>
-            <a:r>
-              <a:rPr lang="en-US" altLang="zh-TW" dirty="0" err="1" smtClean="0"/>
-              <a:t>sdk</a:t>
-            </a:r>
-            <a:r>
-              <a:rPr lang="en-US" altLang="zh-TW" dirty="0" smtClean="0"/>
-              <a:t>-cache</a:t>
-            </a:r>
-            <a:endParaRPr lang="zh-TW" altLang="en-US" dirty="0"/>
-          </a:p>
-        </p:txBody>
-      </p:sp>
-      <p:cxnSp>
-        <p:nvCxnSpPr>
-          <p:cNvPr id="43" name="直線單箭頭接點 42"/>
-          <p:cNvCxnSpPr/>
-          <p:nvPr/>
-        </p:nvCxnSpPr>
-        <p:spPr>
-          <a:xfrm flipV="1">
-            <a:off x="8432800" y="2325544"/>
-            <a:ext cx="393700" cy="1027256"/>
-          </a:xfrm>
-          <a:prstGeom prst="straightConnector1">
-            <a:avLst/>
-          </a:prstGeom>
-          <a:ln>
-            <a:tailEnd type="triangle"/>
-          </a:ln>
-        </p:spPr>
-        <p:style>
-          <a:lnRef idx="1">
-            <a:schemeClr val="accent1"/>
-          </a:lnRef>
-          <a:fillRef idx="0">
-            <a:schemeClr val="accent1"/>
-          </a:fillRef>
-          <a:effectRef idx="0">
-            <a:schemeClr val="accent1"/>
-          </a:effectRef>
-          <a:fontRef idx="minor">
-            <a:schemeClr val="tx1"/>
-          </a:fontRef>
-        </p:style>
-      </p:cxnSp>
-      <p:cxnSp>
-        <p:nvCxnSpPr>
-          <p:cNvPr id="45" name="直線單箭頭接點 44"/>
-          <p:cNvCxnSpPr/>
-          <p:nvPr/>
-        </p:nvCxnSpPr>
-        <p:spPr>
-          <a:xfrm>
-            <a:off x="9585711" y="2297668"/>
-            <a:ext cx="78989" cy="1086882"/>
-          </a:xfrm>
-          <a:prstGeom prst="straightConnector1">
-            <a:avLst/>
-          </a:prstGeom>
-          <a:ln>
-            <a:tailEnd type="triangle"/>
-          </a:ln>
-        </p:spPr>
-        <p:style>
-          <a:lnRef idx="1">
-            <a:schemeClr val="accent1"/>
-          </a:lnRef>
-          <a:fillRef idx="0">
-            <a:schemeClr val="accent1"/>
-          </a:fillRef>
-          <a:effectRef idx="0">
-            <a:schemeClr val="accent1"/>
-          </a:effectRef>
-          <a:fontRef idx="minor">
-            <a:schemeClr val="tx1"/>
-          </a:fontRef>
-        </p:style>
-      </p:cxnSp>
-      <p:sp>
-        <p:nvSpPr>
-          <p:cNvPr id="47" name="矩形 46"/>
-          <p:cNvSpPr/>
-          <p:nvPr/>
-        </p:nvSpPr>
-        <p:spPr>
-          <a:xfrm>
-            <a:off x="9900533" y="4102100"/>
-            <a:ext cx="1490663" cy="228600"/>
-          </a:xfrm>
-          <a:prstGeom prst="rect">
-            <a:avLst/>
-          </a:prstGeom>
-        </p:spPr>
-        <p:style>
-          <a:lnRef idx="2">
-            <a:schemeClr val="accent1"/>
-          </a:lnRef>
-          <a:fillRef idx="1">
-            <a:schemeClr val="lt1"/>
-          </a:fillRef>
-          <a:effectRef idx="0">
-            <a:schemeClr val="accent1"/>
-          </a:effectRef>
-          <a:fontRef idx="minor">
-            <a:schemeClr val="dk1"/>
-          </a:fontRef>
-        </p:style>
-        <p:txBody>
-          <a:bodyPr rtlCol="0" anchor="ctr"/>
-          <a:lstStyle/>
-          <a:p>
-            <a:pPr algn="ctr"/>
-            <a:endParaRPr lang="zh-TW" altLang="en-US"/>
-          </a:p>
-        </p:txBody>
-      </p:sp>
-      <p:sp>
-        <p:nvSpPr>
-          <p:cNvPr id="48" name="文字方塊 47"/>
-          <p:cNvSpPr txBox="1"/>
-          <p:nvPr/>
-        </p:nvSpPr>
-        <p:spPr>
-          <a:xfrm>
-            <a:off x="9900533" y="3756104"/>
-            <a:ext cx="1464055" cy="369332"/>
-          </a:xfrm>
-          <a:prstGeom prst="rect">
-            <a:avLst/>
-          </a:prstGeom>
-          <a:noFill/>
-        </p:spPr>
-        <p:txBody>
-          <a:bodyPr wrap="none" rtlCol="0">
-            <a:spAutoFit/>
-          </a:bodyPr>
-          <a:lstStyle/>
-          <a:p>
-            <a:r>
-              <a:rPr lang="en-US" altLang="zh-TW" dirty="0" smtClean="0"/>
-              <a:t>release/v10.2</a:t>
-            </a:r>
-            <a:endParaRPr lang="zh-TW" altLang="en-US" dirty="0"/>
-          </a:p>
-        </p:txBody>
-      </p:sp>
-      <p:cxnSp>
-        <p:nvCxnSpPr>
-          <p:cNvPr id="49" name="直線單箭頭接點 48"/>
-          <p:cNvCxnSpPr/>
-          <p:nvPr/>
-        </p:nvCxnSpPr>
-        <p:spPr>
-          <a:xfrm>
-            <a:off x="9779883" y="3352800"/>
-            <a:ext cx="213072" cy="843002"/>
-          </a:xfrm>
-          <a:prstGeom prst="straightConnector1">
-            <a:avLst/>
-          </a:prstGeom>
-          <a:ln>
-            <a:tailEnd type="triangle"/>
-          </a:ln>
-        </p:spPr>
-        <p:style>
-          <a:lnRef idx="1">
-            <a:schemeClr val="accent1"/>
-          </a:lnRef>
-          <a:fillRef idx="0">
-            <a:schemeClr val="accent1"/>
-          </a:fillRef>
-          <a:effectRef idx="0">
-            <a:schemeClr val="accent1"/>
-          </a:effectRef>
-          <a:fontRef idx="minor">
-            <a:schemeClr val="tx1"/>
-          </a:fontRef>
-        </p:style>
-      </p:cxnSp>
-      <p:cxnSp>
-        <p:nvCxnSpPr>
-          <p:cNvPr id="50" name="直線單箭頭接點 49"/>
-          <p:cNvCxnSpPr>
-            <a:stCxn id="47" idx="3"/>
-          </p:cNvCxnSpPr>
-          <p:nvPr/>
-        </p:nvCxnSpPr>
-        <p:spPr>
-          <a:xfrm>
-            <a:off x="11391196" y="4216400"/>
-            <a:ext cx="306387" cy="866140"/>
-          </a:xfrm>
-          <a:prstGeom prst="straightConnector1">
-            <a:avLst/>
-          </a:prstGeom>
-          <a:ln>
-            <a:tailEnd type="triangle"/>
-          </a:ln>
-        </p:spPr>
-        <p:style>
-          <a:lnRef idx="1">
-            <a:schemeClr val="accent1"/>
-          </a:lnRef>
-          <a:fillRef idx="0">
-            <a:schemeClr val="accent1"/>
-          </a:fillRef>
-          <a:effectRef idx="0">
-            <a:schemeClr val="accent1"/>
-          </a:effectRef>
-          <a:fontRef idx="minor">
-            <a:schemeClr val="tx1"/>
-          </a:fontRef>
-        </p:style>
-      </p:cxnSp>
-      <p:cxnSp>
-        <p:nvCxnSpPr>
-          <p:cNvPr id="51" name="直線單箭頭接點 50"/>
-          <p:cNvCxnSpPr/>
-          <p:nvPr/>
-        </p:nvCxnSpPr>
-        <p:spPr>
-          <a:xfrm flipV="1">
-            <a:off x="11752788" y="3333750"/>
-            <a:ext cx="211495" cy="1776770"/>
-          </a:xfrm>
-          <a:prstGeom prst="straightConnector1">
-            <a:avLst/>
-          </a:prstGeom>
-          <a:ln>
-            <a:tailEnd type="triangle"/>
-          </a:ln>
-        </p:spPr>
-        <p:style>
-          <a:lnRef idx="1">
-            <a:schemeClr val="accent1"/>
-          </a:lnRef>
-          <a:fillRef idx="0">
-            <a:schemeClr val="accent1"/>
-          </a:fillRef>
-          <a:effectRef idx="0">
-            <a:schemeClr val="accent1"/>
-          </a:effectRef>
-          <a:fontRef idx="minor">
-            <a:schemeClr val="tx1"/>
-          </a:fontRef>
-        </p:style>
-      </p:cxnSp>
-      <p:sp>
-        <p:nvSpPr>
-          <p:cNvPr id="52" name="橢圓 51"/>
-          <p:cNvSpPr/>
-          <p:nvPr/>
-        </p:nvSpPr>
-        <p:spPr>
-          <a:xfrm>
-            <a:off x="11515239" y="4851777"/>
-            <a:ext cx="419894" cy="461526"/>
-          </a:xfrm>
-          <a:prstGeom prst="ellipse">
-            <a:avLst/>
-          </a:prstGeom>
-        </p:spPr>
-        <p:style>
-          <a:lnRef idx="2">
-            <a:schemeClr val="accent1">
-              <a:shade val="50000"/>
-            </a:schemeClr>
-          </a:lnRef>
-          <a:fillRef idx="1">
-            <a:schemeClr val="accent1"/>
-          </a:fillRef>
-          <a:effectRef idx="0">
-            <a:schemeClr val="accent1"/>
-          </a:effectRef>
-          <a:fontRef idx="minor">
-            <a:schemeClr val="lt1"/>
-          </a:fontRef>
-        </p:style>
-        <p:txBody>
-          <a:bodyPr rtlCol="0" anchor="ctr"/>
-          <a:lstStyle/>
-          <a:p>
-            <a:pPr algn="ctr"/>
-            <a:endParaRPr lang="zh-TW" altLang="en-US"/>
-          </a:p>
-        </p:txBody>
-      </p:sp>
-      <p:sp>
-        <p:nvSpPr>
-          <p:cNvPr id="53" name="文字方塊 52"/>
-          <p:cNvSpPr txBox="1"/>
-          <p:nvPr/>
-        </p:nvSpPr>
-        <p:spPr>
-          <a:xfrm>
-            <a:off x="11210255" y="5372100"/>
-            <a:ext cx="724878" cy="369332"/>
-          </a:xfrm>
-          <a:prstGeom prst="rect">
-            <a:avLst/>
-          </a:prstGeom>
-          <a:noFill/>
-        </p:spPr>
-        <p:txBody>
-          <a:bodyPr wrap="none" rtlCol="0">
-            <a:spAutoFit/>
-          </a:bodyPr>
-          <a:lstStyle/>
-          <a:p>
-            <a:r>
-              <a:rPr lang="en-US" altLang="zh-TW" dirty="0" smtClean="0"/>
-              <a:t>V10.2</a:t>
-            </a:r>
-            <a:endParaRPr lang="zh-TW" altLang="en-US" dirty="0"/>
-          </a:p>
-        </p:txBody>
-      </p:sp>
-      <p:sp>
-        <p:nvSpPr>
-          <p:cNvPr id="55" name="圓角矩形 54"/>
-          <p:cNvSpPr/>
-          <p:nvPr/>
-        </p:nvSpPr>
-        <p:spPr>
-          <a:xfrm>
-            <a:off x="6082596" y="4458077"/>
-            <a:ext cx="1676400" cy="393700"/>
-          </a:xfrm>
-          <a:prstGeom prst="roundRect">
-            <a:avLst/>
-          </a:prstGeom>
-          <a:noFill/>
-          <a:ln>
-            <a:prstDash val="dash"/>
-          </a:ln>
-        </p:spPr>
-        <p:style>
-          <a:lnRef idx="2">
-            <a:schemeClr val="accent1">
-              <a:shade val="50000"/>
-            </a:schemeClr>
-          </a:lnRef>
-          <a:fillRef idx="1">
-            <a:schemeClr val="accent1"/>
-          </a:fillRef>
-          <a:effectRef idx="0">
-            <a:schemeClr val="accent1"/>
-          </a:effectRef>
-          <a:fontRef idx="minor">
-            <a:schemeClr val="lt1"/>
-          </a:fontRef>
-        </p:style>
-        <p:txBody>
-          <a:bodyPr rtlCol="0" anchor="ctr"/>
-          <a:lstStyle/>
-          <a:p>
-            <a:pPr algn="ctr"/>
-            <a:r>
-              <a:rPr lang="en-US" altLang="zh-TW" dirty="0" smtClean="0">
-                <a:solidFill>
-                  <a:srgbClr val="FF0000"/>
-                </a:solidFill>
-              </a:rPr>
-              <a:t>Run 10.1 Test</a:t>
-            </a:r>
-            <a:endParaRPr lang="zh-TW" altLang="en-US" dirty="0">
-              <a:solidFill>
-                <a:srgbClr val="FF0000"/>
-              </a:solidFill>
-            </a:endParaRPr>
-          </a:p>
-        </p:txBody>
-      </p:sp>
-      <p:sp>
-        <p:nvSpPr>
-          <p:cNvPr id="56" name="圓角矩形 55"/>
-          <p:cNvSpPr/>
-          <p:nvPr/>
-        </p:nvSpPr>
-        <p:spPr>
-          <a:xfrm>
-            <a:off x="9628138" y="4458077"/>
-            <a:ext cx="1676400" cy="393700"/>
-          </a:xfrm>
-          <a:prstGeom prst="roundRect">
-            <a:avLst/>
-          </a:prstGeom>
-          <a:noFill/>
-          <a:ln>
-            <a:prstDash val="dash"/>
-          </a:ln>
-        </p:spPr>
-        <p:style>
-          <a:lnRef idx="2">
-            <a:schemeClr val="accent1">
-              <a:shade val="50000"/>
-            </a:schemeClr>
-          </a:lnRef>
-          <a:fillRef idx="1">
-            <a:schemeClr val="accent1"/>
-          </a:fillRef>
-          <a:effectRef idx="0">
-            <a:schemeClr val="accent1"/>
-          </a:effectRef>
-          <a:fontRef idx="minor">
-            <a:schemeClr val="lt1"/>
-          </a:fontRef>
-        </p:style>
-        <p:txBody>
-          <a:bodyPr rtlCol="0" anchor="ctr"/>
-          <a:lstStyle/>
-          <a:p>
-            <a:pPr algn="ctr"/>
-            <a:r>
-              <a:rPr lang="en-US" altLang="zh-TW" dirty="0" smtClean="0">
-                <a:solidFill>
-                  <a:srgbClr val="FF0000"/>
-                </a:solidFill>
-              </a:rPr>
-              <a:t>Run 10.1 Test</a:t>
-            </a:r>
-            <a:endParaRPr lang="zh-TW" altLang="en-US" dirty="0">
-              <a:solidFill>
-                <a:srgbClr val="FF0000"/>
-              </a:solidFill>
-            </a:endParaRPr>
-          </a:p>
-        </p:txBody>
-      </p:sp>
-      <p:cxnSp>
-        <p:nvCxnSpPr>
-          <p:cNvPr id="58" name="肘形接點 57"/>
-          <p:cNvCxnSpPr>
-            <a:stCxn id="10" idx="2"/>
-            <a:endCxn id="55" idx="1"/>
-          </p:cNvCxnSpPr>
-          <p:nvPr/>
-        </p:nvCxnSpPr>
-        <p:spPr>
-          <a:xfrm rot="16200000" flipH="1">
-            <a:off x="4536962" y="3109292"/>
-            <a:ext cx="2230755" cy="860514"/>
-          </a:xfrm>
-          <a:prstGeom prst="bentConnector2">
-            <a:avLst/>
-          </a:prstGeom>
-          <a:ln>
-            <a:prstDash val="lgDash"/>
-            <a:tailEnd type="triangle"/>
-          </a:ln>
-        </p:spPr>
-        <p:style>
-          <a:lnRef idx="1">
-            <a:schemeClr val="accent1"/>
-          </a:lnRef>
-          <a:fillRef idx="0">
-            <a:schemeClr val="accent1"/>
-          </a:fillRef>
-          <a:effectRef idx="0">
-            <a:schemeClr val="accent1"/>
-          </a:effectRef>
-          <a:fontRef idx="minor">
-            <a:schemeClr val="tx1"/>
-          </a:fontRef>
-        </p:style>
-      </p:cxnSp>
     </p:spTree>
     <p:extLst>
       <p:ext uri="{BB962C8B-B14F-4D97-AF65-F5344CB8AC3E}">
-        <p14:creationId xmlns:p14="http://schemas.microsoft.com/office/powerpoint/2010/main" val="2278661937"/>
+        <p14:creationId xmlns:p14="http://schemas.microsoft.com/office/powerpoint/2010/main" val="1526397810"/>
       </p:ext>
     </p:extLst>
   </p:cSld>
@@ -26574,7 +27677,7 @@
       </p:grpSpPr>
       <p:sp>
         <p:nvSpPr>
-          <p:cNvPr id="3" name="標題 2"/>
+          <p:cNvPr id="2" name="標題 1"/>
           <p:cNvSpPr>
             <a:spLocks noGrp="1"/>
           </p:cNvSpPr>
@@ -26589,7 +27692,15 @@
           <a:p>
             <a:r>
               <a:rPr lang="zh-TW" altLang="en-US" dirty="0" smtClean="0"/>
-              <a:t>小結</a:t>
+              <a:t>單元測試 </a:t>
+            </a:r>
+            <a:r>
+              <a:rPr lang="en-US" altLang="zh-TW" dirty="0" smtClean="0"/>
+              <a:t>–</a:t>
+            </a:r>
+            <a:r>
+              <a:rPr lang="zh-TW" altLang="en-US" dirty="0" smtClean="0"/>
+              <a:t> 確保跨版本相容性的做法</a:t>
             </a:r>
             <a:endParaRPr lang="zh-TW" altLang="en-US" dirty="0"/>
           </a:p>
@@ -26597,7 +27708,7 @@
       </p:sp>
       <p:sp>
         <p:nvSpPr>
-          <p:cNvPr id="4" name="內容版面配置區 3"/>
+          <p:cNvPr id="3" name="內容版面配置區 2"/>
           <p:cNvSpPr>
             <a:spLocks noGrp="1"/>
           </p:cNvSpPr>
@@ -26607,17 +27718,174 @@
         </p:nvSpPr>
         <p:spPr/>
         <p:txBody>
-          <a:bodyPr/>
+          <a:bodyPr>
+            <a:normAutofit/>
+          </a:bodyPr>
           <a:lstStyle/>
           <a:p>
-            <a:endParaRPr lang="zh-TW" altLang="en-US"/>
+            <a:endParaRPr lang="en-US" altLang="zh-TW" sz="2800" dirty="0" smtClean="0"/>
+          </a:p>
+          <a:p>
+            <a:r>
+              <a:rPr lang="zh-TW" altLang="en-US" sz="2800" dirty="0" smtClean="0"/>
+              <a:t>問題</a:t>
+            </a:r>
+            <a:r>
+              <a:rPr lang="en-US" altLang="zh-TW" sz="2800" dirty="0" smtClean="0"/>
+              <a:t>:</a:t>
+            </a:r>
+            <a:r>
+              <a:rPr lang="zh-TW" altLang="en-US" sz="2800" dirty="0" smtClean="0"/>
+              <a:t> 如果 </a:t>
+            </a:r>
+            <a:r>
+              <a:rPr lang="en-US" altLang="zh-TW" sz="2800" dirty="0" smtClean="0"/>
+              <a:t>API</a:t>
+            </a:r>
+            <a:r>
+              <a:rPr lang="zh-TW" altLang="en-US" sz="2800" dirty="0" smtClean="0"/>
+              <a:t> 推出新版，測試程式也會改版。</a:t>
+            </a:r>
+            <a:endParaRPr lang="en-US" altLang="zh-TW" sz="2800" dirty="0" smtClean="0"/>
+          </a:p>
+          <a:p>
+            <a:r>
+              <a:rPr lang="zh-TW" altLang="en-US" sz="2800" dirty="0" smtClean="0"/>
+              <a:t>該如何透過單元測試，確保新的 </a:t>
+            </a:r>
+            <a:r>
+              <a:rPr lang="en-US" altLang="zh-TW" sz="2800" dirty="0" smtClean="0"/>
+              <a:t>API</a:t>
+            </a:r>
+            <a:r>
+              <a:rPr lang="zh-TW" altLang="en-US" sz="2800" dirty="0" smtClean="0"/>
+              <a:t> 能跟舊的 </a:t>
+            </a:r>
+            <a:r>
+              <a:rPr lang="en-US" altLang="zh-TW" sz="2800" dirty="0" smtClean="0"/>
+              <a:t>SDK</a:t>
+            </a:r>
+            <a:r>
+              <a:rPr lang="zh-TW" altLang="en-US" sz="2800" dirty="0" smtClean="0"/>
+              <a:t> 相容</a:t>
+            </a:r>
+            <a:r>
+              <a:rPr lang="en-US" altLang="zh-TW" sz="2800" dirty="0" smtClean="0"/>
+              <a:t>?</a:t>
+            </a:r>
+          </a:p>
+          <a:p>
+            <a:endParaRPr lang="en-US" altLang="zh-TW" sz="2800" dirty="0"/>
+          </a:p>
+          <a:p>
+            <a:r>
+              <a:rPr lang="zh-TW" altLang="en-US" sz="2800" dirty="0" smtClean="0"/>
+              <a:t>解法</a:t>
+            </a:r>
+            <a:r>
+              <a:rPr lang="en-US" altLang="zh-TW" sz="2800" dirty="0" smtClean="0"/>
+              <a:t>:</a:t>
+            </a:r>
+            <a:r>
+              <a:rPr lang="zh-TW" altLang="en-US" sz="2800" dirty="0" smtClean="0"/>
+              <a:t> 跨版本進行測試。</a:t>
+            </a:r>
+            <a:r>
+              <a:rPr lang="en-US" altLang="zh-TW" sz="2800" dirty="0" smtClean="0"/>
+              <a:t/>
+            </a:r>
+            <a:br>
+              <a:rPr lang="en-US" altLang="zh-TW" sz="2800" dirty="0" smtClean="0"/>
+            </a:br>
+            <a:r>
+              <a:rPr lang="zh-TW" altLang="en-US" sz="2800" dirty="0" smtClean="0"/>
+              <a:t>拿</a:t>
+            </a:r>
+            <a:r>
+              <a:rPr lang="zh-TW" altLang="en-US" sz="2800" b="1" dirty="0" smtClean="0">
+                <a:solidFill>
+                  <a:srgbClr val="FF0000"/>
+                </a:solidFill>
+              </a:rPr>
+              <a:t>舊版</a:t>
+            </a:r>
+            <a:r>
+              <a:rPr lang="zh-TW" altLang="en-US" sz="2800" dirty="0" smtClean="0"/>
+              <a:t>的單元測試，驗證</a:t>
+            </a:r>
+            <a:r>
+              <a:rPr lang="zh-TW" altLang="en-US" sz="2800" b="1" dirty="0" smtClean="0">
+                <a:solidFill>
+                  <a:srgbClr val="FF0000"/>
+                </a:solidFill>
+              </a:rPr>
+              <a:t>新版</a:t>
+            </a:r>
+            <a:r>
+              <a:rPr lang="zh-TW" altLang="en-US" sz="2800" dirty="0" smtClean="0"/>
+              <a:t>的 </a:t>
+            </a:r>
+            <a:r>
+              <a:rPr lang="en-US" altLang="zh-TW" sz="2800" dirty="0" smtClean="0"/>
+              <a:t>API</a:t>
+            </a:r>
+            <a:r>
+              <a:rPr lang="zh-TW" altLang="en-US" sz="2800" dirty="0" smtClean="0"/>
+              <a:t> </a:t>
+            </a:r>
+            <a:r>
+              <a:rPr lang="en-US" altLang="zh-TW" sz="2800" dirty="0" smtClean="0"/>
+              <a:t>..</a:t>
+            </a:r>
+            <a:endParaRPr lang="zh-TW" altLang="en-US" sz="2800" dirty="0"/>
           </a:p>
         </p:txBody>
       </p:sp>
+      <p:pic>
+        <p:nvPicPr>
+          <p:cNvPr id="4" name="Picture 2" descr="「清朝的劍斬明朝的官」的圖片搜尋結果"/>
+          <p:cNvPicPr>
+            <a:picLocks noChangeAspect="1" noChangeArrowheads="1"/>
+          </p:cNvPicPr>
+          <p:nvPr/>
+        </p:nvPicPr>
+        <p:blipFill>
+          <a:blip r:embed="rId2">
+            <a:extLst>
+              <a:ext uri="{28A0092B-C50C-407E-A947-70E740481C1C}">
+                <a14:useLocalDpi xmlns:a14="http://schemas.microsoft.com/office/drawing/2010/main" val="0"/>
+              </a:ext>
+            </a:extLst>
+          </a:blip>
+          <a:srcRect/>
+          <a:stretch>
+            <a:fillRect/>
+          </a:stretch>
+        </p:blipFill>
+        <p:spPr bwMode="auto">
+          <a:xfrm>
+            <a:off x="1097280" y="630936"/>
+            <a:ext cx="10058400" cy="5532120"/>
+          </a:xfrm>
+          <a:prstGeom prst="rect">
+            <a:avLst/>
+          </a:prstGeom>
+          <a:noFill/>
+          <a:extLst>
+            <a:ext uri="{909E8E84-426E-40DD-AFC4-6F175D3DCCD1}">
+              <a14:hiddenFill xmlns:a14="http://schemas.microsoft.com/office/drawing/2010/main">
+                <a:solidFill>
+                  <a:srgbClr val="FFFFFF"/>
+                </a:solidFill>
+              </a14:hiddenFill>
+            </a:ext>
+          </a:extLst>
+        </p:spPr>
+      </p:pic>
     </p:spTree>
     <p:extLst>
       <p:ext uri="{BB962C8B-B14F-4D97-AF65-F5344CB8AC3E}">
-        <p14:creationId xmlns:p14="http://schemas.microsoft.com/office/powerpoint/2010/main" val="3492693348"/>
+        <p14:creationId xmlns:p14="http://schemas.microsoft.com/office/powerpoint/2010/main" val="1189699403"/>
       </p:ext>
     </p:extLst>
   </p:cSld>
@@ -26627,7 +27895,83 @@
   <p:timing>
     <p:tnLst>
       <p:par>
-        <p:cTn id="1" dur="indefinite" restart="never" nodeType="tmRoot"/>
+        <p:cTn id="1" dur="indefinite" restart="never" nodeType="tmRoot">
+          <p:childTnLst>
+            <p:seq concurrent="1" nextAc="seek">
+              <p:cTn id="2" dur="indefinite" nodeType="mainSeq">
+                <p:childTnLst>
+                  <p:par>
+                    <p:cTn id="3" fill="hold">
+                      <p:stCondLst>
+                        <p:cond delay="indefinite"/>
+                      </p:stCondLst>
+                      <p:childTnLst>
+                        <p:par>
+                          <p:cTn id="4" fill="hold">
+                            <p:stCondLst>
+                              <p:cond delay="0"/>
+                            </p:stCondLst>
+                            <p:childTnLst>
+                              <p:par>
+                                <p:cTn id="5" presetID="10" presetClass="entr" presetSubtype="0" fill="hold" nodeType="clickEffect">
+                                  <p:stCondLst>
+                                    <p:cond delay="0"/>
+                                  </p:stCondLst>
+                                  <p:childTnLst>
+                                    <p:set>
+                                      <p:cBhvr>
+                                        <p:cTn id="6" dur="1" fill="hold">
+                                          <p:stCondLst>
+                                            <p:cond delay="0"/>
+                                          </p:stCondLst>
+                                        </p:cTn>
+                                        <p:tgtEl>
+                                          <p:spTgt spid="4"/>
+                                        </p:tgtEl>
+                                        <p:attrNameLst>
+                                          <p:attrName>style.visibility</p:attrName>
+                                        </p:attrNameLst>
+                                      </p:cBhvr>
+                                      <p:to>
+                                        <p:strVal val="visible"/>
+                                      </p:to>
+                                    </p:set>
+                                    <p:animEffect transition="in" filter="fade">
+                                      <p:cBhvr>
+                                        <p:cTn id="7" dur="500"/>
+                                        <p:tgtEl>
+                                          <p:spTgt spid="4"/>
+                                        </p:tgtEl>
+                                      </p:cBhvr>
+                                    </p:animEffect>
+                                  </p:childTnLst>
+                                </p:cTn>
+                              </p:par>
+                            </p:childTnLst>
+                          </p:cTn>
+                        </p:par>
+                      </p:childTnLst>
+                    </p:cTn>
+                  </p:par>
+                </p:childTnLst>
+              </p:cTn>
+              <p:prevCondLst>
+                <p:cond evt="onPrev" delay="0">
+                  <p:tgtEl>
+                    <p:sldTgt/>
+                  </p:tgtEl>
+                </p:cond>
+              </p:prevCondLst>
+              <p:nextCondLst>
+                <p:cond evt="onNext" delay="0">
+                  <p:tgtEl>
+                    <p:sldTgt/>
+                  </p:tgtEl>
+                </p:cond>
+              </p:nextCondLst>
+            </p:seq>
+          </p:childTnLst>
+        </p:cTn>
       </p:par>
     </p:tnLst>
   </p:timing>
@@ -26653,12 +27997,12 @@
       </p:grpSpPr>
       <p:sp>
         <p:nvSpPr>
-          <p:cNvPr id="3" name="標題 2"/>
+          <p:cNvPr id="2" name="標題 1"/>
           <p:cNvSpPr>
             <a:spLocks noGrp="1"/>
           </p:cNvSpPr>
           <p:nvPr>
-            <p:ph type="ctrTitle"/>
+            <p:ph type="title"/>
           </p:nvPr>
         </p:nvSpPr>
         <p:spPr/>
@@ -26667,12 +28011,12 @@
           <a:lstStyle/>
           <a:p>
             <a:r>
-              <a:rPr lang="en-US" altLang="zh-TW" dirty="0" err="1" smtClean="0"/>
-              <a:t>Microservices</a:t>
-            </a:r>
-            <a:r>
-              <a:rPr lang="en-US" altLang="zh-TW" dirty="0" smtClean="0"/>
-              <a:t> Q &amp; A</a:t>
+              <a:rPr lang="zh-TW" altLang="en-US" dirty="0" smtClean="0"/>
+              <a:t>跨越版本的單元測</a:t>
+            </a:r>
+            <a:r>
+              <a:rPr lang="zh-TW" altLang="en-US" dirty="0"/>
+              <a:t>試</a:t>
             </a:r>
             <a:endParaRPr lang="zh-TW" altLang="en-US" dirty="0"/>
           </a:p>
@@ -26680,27 +28024,1345 @@
       </p:sp>
       <p:sp>
         <p:nvSpPr>
-          <p:cNvPr id="4" name="副標題 3"/>
-          <p:cNvSpPr>
-            <a:spLocks noGrp="1"/>
-          </p:cNvSpPr>
-          <p:nvPr>
-            <p:ph type="subTitle" idx="1"/>
-          </p:nvPr>
+          <p:cNvPr id="4" name="矩形 3"/>
+          <p:cNvSpPr/>
+          <p:nvPr/>
         </p:nvSpPr>
-        <p:spPr/>
+        <p:spPr>
+          <a:xfrm>
+            <a:off x="542925" y="5087977"/>
+            <a:ext cx="11049000" cy="251738"/>
+          </a:xfrm>
+          <a:prstGeom prst="rect">
+            <a:avLst/>
+          </a:prstGeom>
+        </p:spPr>
+        <p:style>
+          <a:lnRef idx="2">
+            <a:schemeClr val="accent1"/>
+          </a:lnRef>
+          <a:fillRef idx="1">
+            <a:schemeClr val="lt1"/>
+          </a:fillRef>
+          <a:effectRef idx="0">
+            <a:schemeClr val="accent1"/>
+          </a:effectRef>
+          <a:fontRef idx="minor">
+            <a:schemeClr val="dk1"/>
+          </a:fontRef>
+        </p:style>
         <p:txBody>
-          <a:bodyPr/>
+          <a:bodyPr rtlCol="0" anchor="ctr"/>
           <a:lstStyle/>
           <a:p>
+            <a:pPr algn="ctr"/>
             <a:endParaRPr lang="zh-TW" altLang="en-US"/>
+          </a:p>
+        </p:txBody>
+      </p:sp>
+      <p:sp>
+        <p:nvSpPr>
+          <p:cNvPr id="5" name="文字方塊 4"/>
+          <p:cNvSpPr txBox="1"/>
+          <p:nvPr/>
+        </p:nvSpPr>
+        <p:spPr>
+          <a:xfrm>
+            <a:off x="282361" y="5279627"/>
+            <a:ext cx="836832" cy="369332"/>
+          </a:xfrm>
+          <a:prstGeom prst="rect">
+            <a:avLst/>
+          </a:prstGeom>
+          <a:noFill/>
+        </p:spPr>
+        <p:txBody>
+          <a:bodyPr wrap="none" rtlCol="0">
+            <a:spAutoFit/>
+          </a:bodyPr>
+          <a:lstStyle/>
+          <a:p>
+            <a:r>
+              <a:rPr lang="en-US" altLang="zh-TW" dirty="0" smtClean="0"/>
+              <a:t>master</a:t>
+            </a:r>
+            <a:endParaRPr lang="zh-TW" altLang="en-US" dirty="0"/>
+          </a:p>
+        </p:txBody>
+      </p:sp>
+      <p:sp>
+        <p:nvSpPr>
+          <p:cNvPr id="6" name="文字方塊 5"/>
+          <p:cNvSpPr txBox="1"/>
+          <p:nvPr/>
+        </p:nvSpPr>
+        <p:spPr>
+          <a:xfrm>
+            <a:off x="5179800" y="5279627"/>
+            <a:ext cx="724878" cy="369332"/>
+          </a:xfrm>
+          <a:prstGeom prst="rect">
+            <a:avLst/>
+          </a:prstGeom>
+          <a:noFill/>
+        </p:spPr>
+        <p:txBody>
+          <a:bodyPr wrap="none" rtlCol="0">
+            <a:spAutoFit/>
+          </a:bodyPr>
+          <a:lstStyle/>
+          <a:p>
+            <a:r>
+              <a:rPr lang="en-US" altLang="zh-TW" dirty="0" smtClean="0"/>
+              <a:t>V10.1</a:t>
+            </a:r>
+            <a:endParaRPr lang="zh-TW" altLang="en-US" dirty="0"/>
+          </a:p>
+        </p:txBody>
+      </p:sp>
+      <p:sp>
+        <p:nvSpPr>
+          <p:cNvPr id="7" name="文字方塊 6"/>
+          <p:cNvSpPr txBox="1"/>
+          <p:nvPr/>
+        </p:nvSpPr>
+        <p:spPr>
+          <a:xfrm>
+            <a:off x="7816047" y="5279627"/>
+            <a:ext cx="724878" cy="369332"/>
+          </a:xfrm>
+          <a:prstGeom prst="rect">
+            <a:avLst/>
+          </a:prstGeom>
+          <a:noFill/>
+        </p:spPr>
+        <p:txBody>
+          <a:bodyPr wrap="none" rtlCol="0">
+            <a:spAutoFit/>
+          </a:bodyPr>
+          <a:lstStyle/>
+          <a:p>
+            <a:r>
+              <a:rPr lang="en-US" altLang="zh-TW" dirty="0" smtClean="0"/>
+              <a:t>V10.2</a:t>
+            </a:r>
+            <a:endParaRPr lang="zh-TW" altLang="en-US" dirty="0"/>
+          </a:p>
+        </p:txBody>
+      </p:sp>
+      <p:sp>
+        <p:nvSpPr>
+          <p:cNvPr id="8" name="文字方塊 7"/>
+          <p:cNvSpPr txBox="1"/>
+          <p:nvPr/>
+        </p:nvSpPr>
+        <p:spPr>
+          <a:xfrm>
+            <a:off x="9441278" y="5279627"/>
+            <a:ext cx="724878" cy="369332"/>
+          </a:xfrm>
+          <a:prstGeom prst="rect">
+            <a:avLst/>
+          </a:prstGeom>
+          <a:noFill/>
+        </p:spPr>
+        <p:txBody>
+          <a:bodyPr wrap="none" rtlCol="0">
+            <a:spAutoFit/>
+          </a:bodyPr>
+          <a:lstStyle/>
+          <a:p>
+            <a:r>
+              <a:rPr lang="en-US" altLang="zh-TW" dirty="0" smtClean="0"/>
+              <a:t>V10.3</a:t>
+            </a:r>
+            <a:endParaRPr lang="zh-TW" altLang="en-US" dirty="0"/>
+          </a:p>
+        </p:txBody>
+      </p:sp>
+      <p:sp>
+        <p:nvSpPr>
+          <p:cNvPr id="9" name="文字方塊 8"/>
+          <p:cNvSpPr txBox="1"/>
+          <p:nvPr/>
+        </p:nvSpPr>
+        <p:spPr>
+          <a:xfrm>
+            <a:off x="10971518" y="5248552"/>
+            <a:ext cx="1270669" cy="646331"/>
+          </a:xfrm>
+          <a:prstGeom prst="rect">
+            <a:avLst/>
+          </a:prstGeom>
+          <a:noFill/>
+        </p:spPr>
+        <p:txBody>
+          <a:bodyPr wrap="none" rtlCol="0">
+            <a:spAutoFit/>
+          </a:bodyPr>
+          <a:lstStyle/>
+          <a:p>
+            <a:r>
+              <a:rPr lang="en-US" altLang="zh-TW" dirty="0"/>
+              <a:t>cache-error</a:t>
+            </a:r>
+            <a:endParaRPr lang="zh-TW" altLang="en-US" dirty="0"/>
+          </a:p>
+          <a:p>
+            <a:endParaRPr lang="zh-TW" altLang="en-US" dirty="0"/>
+          </a:p>
+        </p:txBody>
+      </p:sp>
+      <p:sp>
+        <p:nvSpPr>
+          <p:cNvPr id="10" name="橢圓 9"/>
+          <p:cNvSpPr/>
+          <p:nvPr/>
+        </p:nvSpPr>
+        <p:spPr>
+          <a:xfrm>
+            <a:off x="5302496" y="4972051"/>
+            <a:ext cx="536330" cy="506728"/>
+          </a:xfrm>
+          <a:prstGeom prst="ellipse">
+            <a:avLst/>
+          </a:prstGeom>
+          <a:solidFill>
+            <a:srgbClr val="7F7F7F">
+              <a:alpha val="10196"/>
+            </a:srgbClr>
+          </a:solidFill>
+        </p:spPr>
+        <p:style>
+          <a:lnRef idx="2">
+            <a:schemeClr val="accent5"/>
+          </a:lnRef>
+          <a:fillRef idx="1">
+            <a:schemeClr val="lt1"/>
+          </a:fillRef>
+          <a:effectRef idx="0">
+            <a:schemeClr val="accent5"/>
+          </a:effectRef>
+          <a:fontRef idx="minor">
+            <a:schemeClr val="dk1"/>
+          </a:fontRef>
+        </p:style>
+        <p:txBody>
+          <a:bodyPr rtlCol="0" anchor="ctr"/>
+          <a:lstStyle/>
+          <a:p>
+            <a:pPr algn="ctr"/>
+            <a:endParaRPr lang="zh-TW" altLang="en-US"/>
+          </a:p>
+        </p:txBody>
+      </p:sp>
+      <p:sp>
+        <p:nvSpPr>
+          <p:cNvPr id="11" name="橢圓 10"/>
+          <p:cNvSpPr/>
+          <p:nvPr/>
+        </p:nvSpPr>
+        <p:spPr>
+          <a:xfrm>
+            <a:off x="7902821" y="4972051"/>
+            <a:ext cx="536330" cy="506728"/>
+          </a:xfrm>
+          <a:prstGeom prst="ellipse">
+            <a:avLst/>
+          </a:prstGeom>
+          <a:solidFill>
+            <a:srgbClr val="7F7F7F">
+              <a:alpha val="10196"/>
+            </a:srgbClr>
+          </a:solidFill>
+        </p:spPr>
+        <p:style>
+          <a:lnRef idx="2">
+            <a:schemeClr val="accent5"/>
+          </a:lnRef>
+          <a:fillRef idx="1">
+            <a:schemeClr val="lt1"/>
+          </a:fillRef>
+          <a:effectRef idx="0">
+            <a:schemeClr val="accent5"/>
+          </a:effectRef>
+          <a:fontRef idx="minor">
+            <a:schemeClr val="dk1"/>
+          </a:fontRef>
+        </p:style>
+        <p:txBody>
+          <a:bodyPr rtlCol="0" anchor="ctr"/>
+          <a:lstStyle/>
+          <a:p>
+            <a:pPr algn="ctr"/>
+            <a:endParaRPr lang="zh-TW" altLang="en-US"/>
+          </a:p>
+        </p:txBody>
+      </p:sp>
+      <p:sp>
+        <p:nvSpPr>
+          <p:cNvPr id="12" name="橢圓 11"/>
+          <p:cNvSpPr/>
+          <p:nvPr/>
+        </p:nvSpPr>
+        <p:spPr>
+          <a:xfrm>
+            <a:off x="9636371" y="4972051"/>
+            <a:ext cx="536330" cy="506728"/>
+          </a:xfrm>
+          <a:prstGeom prst="ellipse">
+            <a:avLst/>
+          </a:prstGeom>
+          <a:solidFill>
+            <a:srgbClr val="7F7F7F">
+              <a:alpha val="10196"/>
+            </a:srgbClr>
+          </a:solidFill>
+        </p:spPr>
+        <p:style>
+          <a:lnRef idx="2">
+            <a:schemeClr val="accent5"/>
+          </a:lnRef>
+          <a:fillRef idx="1">
+            <a:schemeClr val="lt1"/>
+          </a:fillRef>
+          <a:effectRef idx="0">
+            <a:schemeClr val="accent5"/>
+          </a:effectRef>
+          <a:fontRef idx="minor">
+            <a:schemeClr val="dk1"/>
+          </a:fontRef>
+        </p:style>
+        <p:txBody>
+          <a:bodyPr rtlCol="0" anchor="ctr"/>
+          <a:lstStyle/>
+          <a:p>
+            <a:pPr algn="ctr"/>
+            <a:endParaRPr lang="zh-TW" altLang="en-US"/>
+          </a:p>
+        </p:txBody>
+      </p:sp>
+      <p:sp>
+        <p:nvSpPr>
+          <p:cNvPr id="13" name="橢圓 12"/>
+          <p:cNvSpPr/>
+          <p:nvPr/>
+        </p:nvSpPr>
+        <p:spPr>
+          <a:xfrm>
+            <a:off x="11303246" y="4972051"/>
+            <a:ext cx="536330" cy="506728"/>
+          </a:xfrm>
+          <a:prstGeom prst="ellipse">
+            <a:avLst/>
+          </a:prstGeom>
+          <a:solidFill>
+            <a:srgbClr val="7F7F7F">
+              <a:alpha val="10196"/>
+            </a:srgbClr>
+          </a:solidFill>
+        </p:spPr>
+        <p:style>
+          <a:lnRef idx="2">
+            <a:schemeClr val="accent5"/>
+          </a:lnRef>
+          <a:fillRef idx="1">
+            <a:schemeClr val="lt1"/>
+          </a:fillRef>
+          <a:effectRef idx="0">
+            <a:schemeClr val="accent5"/>
+          </a:effectRef>
+          <a:fontRef idx="minor">
+            <a:schemeClr val="dk1"/>
+          </a:fontRef>
+        </p:style>
+        <p:txBody>
+          <a:bodyPr rtlCol="0" anchor="ctr"/>
+          <a:lstStyle/>
+          <a:p>
+            <a:pPr algn="ctr"/>
+            <a:endParaRPr lang="zh-TW" altLang="en-US"/>
+          </a:p>
+        </p:txBody>
+      </p:sp>
+      <p:sp>
+        <p:nvSpPr>
+          <p:cNvPr id="3" name="圓角矩形 2"/>
+          <p:cNvSpPr/>
+          <p:nvPr/>
+        </p:nvSpPr>
+        <p:spPr>
+          <a:xfrm>
+            <a:off x="5034224" y="2009670"/>
+            <a:ext cx="1155561" cy="733530"/>
+          </a:xfrm>
+          <a:prstGeom prst="roundRect">
+            <a:avLst/>
+          </a:prstGeom>
+        </p:spPr>
+        <p:style>
+          <a:lnRef idx="2">
+            <a:schemeClr val="accent5"/>
+          </a:lnRef>
+          <a:fillRef idx="1">
+            <a:schemeClr val="lt1"/>
+          </a:fillRef>
+          <a:effectRef idx="0">
+            <a:schemeClr val="accent5"/>
+          </a:effectRef>
+          <a:fontRef idx="minor">
+            <a:schemeClr val="dk1"/>
+          </a:fontRef>
+        </p:style>
+        <p:txBody>
+          <a:bodyPr rtlCol="0" anchor="ctr"/>
+          <a:lstStyle/>
+          <a:p>
+            <a:pPr algn="ctr"/>
+            <a:r>
+              <a:rPr lang="en-US" altLang="zh-TW" dirty="0" smtClean="0"/>
+              <a:t>API</a:t>
+            </a:r>
+            <a:endParaRPr lang="zh-TW" altLang="en-US" dirty="0"/>
+          </a:p>
+        </p:txBody>
+      </p:sp>
+      <p:sp>
+        <p:nvSpPr>
+          <p:cNvPr id="15" name="圓角矩形 14"/>
+          <p:cNvSpPr/>
+          <p:nvPr/>
+        </p:nvSpPr>
+        <p:spPr>
+          <a:xfrm>
+            <a:off x="5034224" y="3348607"/>
+            <a:ext cx="1155561" cy="733530"/>
+          </a:xfrm>
+          <a:prstGeom prst="roundRect">
+            <a:avLst/>
+          </a:prstGeom>
+        </p:spPr>
+        <p:style>
+          <a:lnRef idx="2">
+            <a:schemeClr val="accent5"/>
+          </a:lnRef>
+          <a:fillRef idx="1">
+            <a:schemeClr val="lt1"/>
+          </a:fillRef>
+          <a:effectRef idx="0">
+            <a:schemeClr val="accent5"/>
+          </a:effectRef>
+          <a:fontRef idx="minor">
+            <a:schemeClr val="dk1"/>
+          </a:fontRef>
+        </p:style>
+        <p:txBody>
+          <a:bodyPr rtlCol="0" anchor="ctr"/>
+          <a:lstStyle/>
+          <a:p>
+            <a:pPr algn="ctr"/>
+            <a:r>
+              <a:rPr lang="en-US" altLang="zh-TW" dirty="0" smtClean="0"/>
+              <a:t>TEST</a:t>
+            </a:r>
+            <a:endParaRPr lang="zh-TW" altLang="en-US" dirty="0"/>
+          </a:p>
+        </p:txBody>
+      </p:sp>
+      <p:sp>
+        <p:nvSpPr>
+          <p:cNvPr id="16" name="圓角矩形 15"/>
+          <p:cNvSpPr/>
+          <p:nvPr/>
+        </p:nvSpPr>
+        <p:spPr>
+          <a:xfrm>
+            <a:off x="7536264" y="2009670"/>
+            <a:ext cx="1155561" cy="733530"/>
+          </a:xfrm>
+          <a:prstGeom prst="roundRect">
+            <a:avLst/>
+          </a:prstGeom>
+        </p:spPr>
+        <p:style>
+          <a:lnRef idx="2">
+            <a:schemeClr val="accent5"/>
+          </a:lnRef>
+          <a:fillRef idx="1">
+            <a:schemeClr val="lt1"/>
+          </a:fillRef>
+          <a:effectRef idx="0">
+            <a:schemeClr val="accent5"/>
+          </a:effectRef>
+          <a:fontRef idx="minor">
+            <a:schemeClr val="dk1"/>
+          </a:fontRef>
+        </p:style>
+        <p:txBody>
+          <a:bodyPr rtlCol="0" anchor="ctr"/>
+          <a:lstStyle/>
+          <a:p>
+            <a:pPr algn="ctr"/>
+            <a:r>
+              <a:rPr lang="en-US" altLang="zh-TW" dirty="0" smtClean="0"/>
+              <a:t>API</a:t>
+            </a:r>
+            <a:endParaRPr lang="zh-TW" altLang="en-US" dirty="0"/>
+          </a:p>
+        </p:txBody>
+      </p:sp>
+      <p:sp>
+        <p:nvSpPr>
+          <p:cNvPr id="17" name="圓角矩形 16"/>
+          <p:cNvSpPr/>
+          <p:nvPr/>
+        </p:nvSpPr>
+        <p:spPr>
+          <a:xfrm>
+            <a:off x="7536264" y="3348607"/>
+            <a:ext cx="1155561" cy="733530"/>
+          </a:xfrm>
+          <a:prstGeom prst="roundRect">
+            <a:avLst/>
+          </a:prstGeom>
+        </p:spPr>
+        <p:style>
+          <a:lnRef idx="2">
+            <a:schemeClr val="accent5"/>
+          </a:lnRef>
+          <a:fillRef idx="1">
+            <a:schemeClr val="lt1"/>
+          </a:fillRef>
+          <a:effectRef idx="0">
+            <a:schemeClr val="accent5"/>
+          </a:effectRef>
+          <a:fontRef idx="minor">
+            <a:schemeClr val="dk1"/>
+          </a:fontRef>
+        </p:style>
+        <p:txBody>
+          <a:bodyPr rtlCol="0" anchor="ctr"/>
+          <a:lstStyle/>
+          <a:p>
+            <a:pPr algn="ctr"/>
+            <a:r>
+              <a:rPr lang="en-US" altLang="zh-TW" dirty="0" smtClean="0"/>
+              <a:t>TEST</a:t>
+            </a:r>
+            <a:endParaRPr lang="zh-TW" altLang="en-US" dirty="0"/>
+          </a:p>
+        </p:txBody>
+      </p:sp>
+      <p:sp>
+        <p:nvSpPr>
+          <p:cNvPr id="18" name="圓角矩形 17"/>
+          <p:cNvSpPr/>
+          <p:nvPr/>
+        </p:nvSpPr>
+        <p:spPr>
+          <a:xfrm>
+            <a:off x="9294725" y="2009670"/>
+            <a:ext cx="1155561" cy="733530"/>
+          </a:xfrm>
+          <a:prstGeom prst="roundRect">
+            <a:avLst/>
+          </a:prstGeom>
+        </p:spPr>
+        <p:style>
+          <a:lnRef idx="2">
+            <a:schemeClr val="accent5"/>
+          </a:lnRef>
+          <a:fillRef idx="1">
+            <a:schemeClr val="lt1"/>
+          </a:fillRef>
+          <a:effectRef idx="0">
+            <a:schemeClr val="accent5"/>
+          </a:effectRef>
+          <a:fontRef idx="minor">
+            <a:schemeClr val="dk1"/>
+          </a:fontRef>
+        </p:style>
+        <p:txBody>
+          <a:bodyPr rtlCol="0" anchor="ctr"/>
+          <a:lstStyle/>
+          <a:p>
+            <a:pPr algn="ctr"/>
+            <a:r>
+              <a:rPr lang="en-US" altLang="zh-TW" dirty="0" smtClean="0"/>
+              <a:t>API</a:t>
+            </a:r>
+            <a:endParaRPr lang="zh-TW" altLang="en-US" dirty="0"/>
+          </a:p>
+        </p:txBody>
+      </p:sp>
+      <p:sp>
+        <p:nvSpPr>
+          <p:cNvPr id="19" name="圓角矩形 18"/>
+          <p:cNvSpPr/>
+          <p:nvPr/>
+        </p:nvSpPr>
+        <p:spPr>
+          <a:xfrm>
+            <a:off x="9294725" y="3348607"/>
+            <a:ext cx="1155561" cy="733530"/>
+          </a:xfrm>
+          <a:prstGeom prst="roundRect">
+            <a:avLst/>
+          </a:prstGeom>
+        </p:spPr>
+        <p:style>
+          <a:lnRef idx="2">
+            <a:schemeClr val="accent5"/>
+          </a:lnRef>
+          <a:fillRef idx="1">
+            <a:schemeClr val="lt1"/>
+          </a:fillRef>
+          <a:effectRef idx="0">
+            <a:schemeClr val="accent5"/>
+          </a:effectRef>
+          <a:fontRef idx="minor">
+            <a:schemeClr val="dk1"/>
+          </a:fontRef>
+        </p:style>
+        <p:txBody>
+          <a:bodyPr rtlCol="0" anchor="ctr"/>
+          <a:lstStyle/>
+          <a:p>
+            <a:pPr algn="ctr"/>
+            <a:r>
+              <a:rPr lang="en-US" altLang="zh-TW" dirty="0" smtClean="0"/>
+              <a:t>TEST</a:t>
+            </a:r>
+            <a:endParaRPr lang="zh-TW" altLang="en-US" dirty="0"/>
+          </a:p>
+        </p:txBody>
+      </p:sp>
+      <p:sp>
+        <p:nvSpPr>
+          <p:cNvPr id="20" name="圓角矩形 19"/>
+          <p:cNvSpPr/>
+          <p:nvPr/>
+        </p:nvSpPr>
+        <p:spPr>
+          <a:xfrm>
+            <a:off x="10969870" y="2009670"/>
+            <a:ext cx="1155561" cy="733530"/>
+          </a:xfrm>
+          <a:prstGeom prst="roundRect">
+            <a:avLst/>
+          </a:prstGeom>
+        </p:spPr>
+        <p:style>
+          <a:lnRef idx="2">
+            <a:schemeClr val="accent5"/>
+          </a:lnRef>
+          <a:fillRef idx="1">
+            <a:schemeClr val="lt1"/>
+          </a:fillRef>
+          <a:effectRef idx="0">
+            <a:schemeClr val="accent5"/>
+          </a:effectRef>
+          <a:fontRef idx="minor">
+            <a:schemeClr val="dk1"/>
+          </a:fontRef>
+        </p:style>
+        <p:txBody>
+          <a:bodyPr rtlCol="0" anchor="ctr"/>
+          <a:lstStyle/>
+          <a:p>
+            <a:pPr algn="ctr"/>
+            <a:r>
+              <a:rPr lang="en-US" altLang="zh-TW" dirty="0" smtClean="0"/>
+              <a:t>API</a:t>
+            </a:r>
+            <a:endParaRPr lang="zh-TW" altLang="en-US" dirty="0"/>
+          </a:p>
+        </p:txBody>
+      </p:sp>
+      <p:sp>
+        <p:nvSpPr>
+          <p:cNvPr id="21" name="圓角矩形 20"/>
+          <p:cNvSpPr/>
+          <p:nvPr/>
+        </p:nvSpPr>
+        <p:spPr>
+          <a:xfrm>
+            <a:off x="10969870" y="3348607"/>
+            <a:ext cx="1155561" cy="733530"/>
+          </a:xfrm>
+          <a:prstGeom prst="roundRect">
+            <a:avLst/>
+          </a:prstGeom>
+        </p:spPr>
+        <p:style>
+          <a:lnRef idx="2">
+            <a:schemeClr val="accent5"/>
+          </a:lnRef>
+          <a:fillRef idx="1">
+            <a:schemeClr val="lt1"/>
+          </a:fillRef>
+          <a:effectRef idx="0">
+            <a:schemeClr val="accent5"/>
+          </a:effectRef>
+          <a:fontRef idx="minor">
+            <a:schemeClr val="dk1"/>
+          </a:fontRef>
+        </p:style>
+        <p:txBody>
+          <a:bodyPr rtlCol="0" anchor="ctr"/>
+          <a:lstStyle/>
+          <a:p>
+            <a:pPr algn="ctr"/>
+            <a:r>
+              <a:rPr lang="en-US" altLang="zh-TW" dirty="0" smtClean="0"/>
+              <a:t>TEST</a:t>
+            </a:r>
+            <a:endParaRPr lang="zh-TW" altLang="en-US" dirty="0"/>
+          </a:p>
+        </p:txBody>
+      </p:sp>
+      <p:cxnSp>
+        <p:nvCxnSpPr>
+          <p:cNvPr id="39" name="直線單箭頭接點 38"/>
+          <p:cNvCxnSpPr>
+            <a:stCxn id="15" idx="0"/>
+            <a:endCxn id="3" idx="2"/>
+          </p:cNvCxnSpPr>
+          <p:nvPr/>
+        </p:nvCxnSpPr>
+        <p:spPr>
+          <a:xfrm flipV="1">
+            <a:off x="5612005" y="2743200"/>
+            <a:ext cx="0" cy="605407"/>
+          </a:xfrm>
+          <a:prstGeom prst="straightConnector1">
+            <a:avLst/>
+          </a:prstGeom>
+          <a:ln w="38100">
+            <a:tailEnd type="triangle"/>
+          </a:ln>
+        </p:spPr>
+        <p:style>
+          <a:lnRef idx="1">
+            <a:schemeClr val="accent1"/>
+          </a:lnRef>
+          <a:fillRef idx="0">
+            <a:schemeClr val="accent1"/>
+          </a:fillRef>
+          <a:effectRef idx="0">
+            <a:schemeClr val="accent1"/>
+          </a:effectRef>
+          <a:fontRef idx="minor">
+            <a:schemeClr val="tx1"/>
+          </a:fontRef>
+        </p:style>
+      </p:cxnSp>
+      <p:cxnSp>
+        <p:nvCxnSpPr>
+          <p:cNvPr id="41" name="直線單箭頭接點 40"/>
+          <p:cNvCxnSpPr>
+            <a:stCxn id="15" idx="0"/>
+            <a:endCxn id="16" idx="2"/>
+          </p:cNvCxnSpPr>
+          <p:nvPr/>
+        </p:nvCxnSpPr>
+        <p:spPr>
+          <a:xfrm flipV="1">
+            <a:off x="5612005" y="2743200"/>
+            <a:ext cx="2502040" cy="605407"/>
+          </a:xfrm>
+          <a:prstGeom prst="straightConnector1">
+            <a:avLst/>
+          </a:prstGeom>
+          <a:ln w="38100">
+            <a:tailEnd type="triangle"/>
+          </a:ln>
+        </p:spPr>
+        <p:style>
+          <a:lnRef idx="1">
+            <a:schemeClr val="accent1"/>
+          </a:lnRef>
+          <a:fillRef idx="0">
+            <a:schemeClr val="accent1"/>
+          </a:fillRef>
+          <a:effectRef idx="0">
+            <a:schemeClr val="accent1"/>
+          </a:effectRef>
+          <a:fontRef idx="minor">
+            <a:schemeClr val="tx1"/>
+          </a:fontRef>
+        </p:style>
+      </p:cxnSp>
+      <p:cxnSp>
+        <p:nvCxnSpPr>
+          <p:cNvPr id="43" name="直線單箭頭接點 42"/>
+          <p:cNvCxnSpPr>
+            <a:stCxn id="17" idx="0"/>
+            <a:endCxn id="16" idx="2"/>
+          </p:cNvCxnSpPr>
+          <p:nvPr/>
+        </p:nvCxnSpPr>
+        <p:spPr>
+          <a:xfrm flipV="1">
+            <a:off x="8114045" y="2743200"/>
+            <a:ext cx="0" cy="605407"/>
+          </a:xfrm>
+          <a:prstGeom prst="straightConnector1">
+            <a:avLst/>
+          </a:prstGeom>
+          <a:ln w="38100">
+            <a:tailEnd type="triangle"/>
+          </a:ln>
+        </p:spPr>
+        <p:style>
+          <a:lnRef idx="1">
+            <a:schemeClr val="accent1"/>
+          </a:lnRef>
+          <a:fillRef idx="0">
+            <a:schemeClr val="accent1"/>
+          </a:fillRef>
+          <a:effectRef idx="0">
+            <a:schemeClr val="accent1"/>
+          </a:effectRef>
+          <a:fontRef idx="minor">
+            <a:schemeClr val="tx1"/>
+          </a:fontRef>
+        </p:style>
+      </p:cxnSp>
+      <p:cxnSp>
+        <p:nvCxnSpPr>
+          <p:cNvPr id="45" name="直線單箭頭接點 44"/>
+          <p:cNvCxnSpPr>
+            <a:stCxn id="15" idx="0"/>
+            <a:endCxn id="18" idx="2"/>
+          </p:cNvCxnSpPr>
+          <p:nvPr/>
+        </p:nvCxnSpPr>
+        <p:spPr>
+          <a:xfrm flipV="1">
+            <a:off x="5612005" y="2743200"/>
+            <a:ext cx="4260501" cy="605407"/>
+          </a:xfrm>
+          <a:prstGeom prst="straightConnector1">
+            <a:avLst/>
+          </a:prstGeom>
+          <a:ln w="38100">
+            <a:tailEnd type="triangle"/>
+          </a:ln>
+        </p:spPr>
+        <p:style>
+          <a:lnRef idx="1">
+            <a:schemeClr val="accent1"/>
+          </a:lnRef>
+          <a:fillRef idx="0">
+            <a:schemeClr val="accent1"/>
+          </a:fillRef>
+          <a:effectRef idx="0">
+            <a:schemeClr val="accent1"/>
+          </a:effectRef>
+          <a:fontRef idx="minor">
+            <a:schemeClr val="tx1"/>
+          </a:fontRef>
+        </p:style>
+      </p:cxnSp>
+      <p:cxnSp>
+        <p:nvCxnSpPr>
+          <p:cNvPr id="47" name="直線單箭頭接點 46"/>
+          <p:cNvCxnSpPr>
+            <a:stCxn id="17" idx="0"/>
+            <a:endCxn id="18" idx="2"/>
+          </p:cNvCxnSpPr>
+          <p:nvPr/>
+        </p:nvCxnSpPr>
+        <p:spPr>
+          <a:xfrm flipV="1">
+            <a:off x="8114045" y="2743200"/>
+            <a:ext cx="1758461" cy="605407"/>
+          </a:xfrm>
+          <a:prstGeom prst="straightConnector1">
+            <a:avLst/>
+          </a:prstGeom>
+          <a:ln w="38100">
+            <a:tailEnd type="triangle"/>
+          </a:ln>
+        </p:spPr>
+        <p:style>
+          <a:lnRef idx="1">
+            <a:schemeClr val="accent1"/>
+          </a:lnRef>
+          <a:fillRef idx="0">
+            <a:schemeClr val="accent1"/>
+          </a:fillRef>
+          <a:effectRef idx="0">
+            <a:schemeClr val="accent1"/>
+          </a:effectRef>
+          <a:fontRef idx="minor">
+            <a:schemeClr val="tx1"/>
+          </a:fontRef>
+        </p:style>
+      </p:cxnSp>
+      <p:cxnSp>
+        <p:nvCxnSpPr>
+          <p:cNvPr id="49" name="直線單箭頭接點 48"/>
+          <p:cNvCxnSpPr>
+            <a:stCxn id="19" idx="0"/>
+            <a:endCxn id="18" idx="2"/>
+          </p:cNvCxnSpPr>
+          <p:nvPr/>
+        </p:nvCxnSpPr>
+        <p:spPr>
+          <a:xfrm flipV="1">
+            <a:off x="9872506" y="2743200"/>
+            <a:ext cx="0" cy="605407"/>
+          </a:xfrm>
+          <a:prstGeom prst="straightConnector1">
+            <a:avLst/>
+          </a:prstGeom>
+          <a:ln w="38100">
+            <a:prstDash val="sysDash"/>
+            <a:tailEnd type="triangle"/>
+          </a:ln>
+        </p:spPr>
+        <p:style>
+          <a:lnRef idx="1">
+            <a:schemeClr val="accent1"/>
+          </a:lnRef>
+          <a:fillRef idx="0">
+            <a:schemeClr val="accent1"/>
+          </a:fillRef>
+          <a:effectRef idx="0">
+            <a:schemeClr val="accent1"/>
+          </a:effectRef>
+          <a:fontRef idx="minor">
+            <a:schemeClr val="tx1"/>
+          </a:fontRef>
+        </p:style>
+      </p:cxnSp>
+      <p:cxnSp>
+        <p:nvCxnSpPr>
+          <p:cNvPr id="51" name="直線單箭頭接點 50"/>
+          <p:cNvCxnSpPr>
+            <a:stCxn id="19" idx="0"/>
+            <a:endCxn id="20" idx="2"/>
+          </p:cNvCxnSpPr>
+          <p:nvPr/>
+        </p:nvCxnSpPr>
+        <p:spPr>
+          <a:xfrm flipV="1">
+            <a:off x="9872506" y="2743200"/>
+            <a:ext cx="1675145" cy="605407"/>
+          </a:xfrm>
+          <a:prstGeom prst="straightConnector1">
+            <a:avLst/>
+          </a:prstGeom>
+          <a:ln w="38100">
+            <a:prstDash val="sysDash"/>
+            <a:tailEnd type="triangle"/>
+          </a:ln>
+        </p:spPr>
+        <p:style>
+          <a:lnRef idx="1">
+            <a:schemeClr val="accent1"/>
+          </a:lnRef>
+          <a:fillRef idx="0">
+            <a:schemeClr val="accent1"/>
+          </a:fillRef>
+          <a:effectRef idx="0">
+            <a:schemeClr val="accent1"/>
+          </a:effectRef>
+          <a:fontRef idx="minor">
+            <a:schemeClr val="tx1"/>
+          </a:fontRef>
+        </p:style>
+      </p:cxnSp>
+      <p:cxnSp>
+        <p:nvCxnSpPr>
+          <p:cNvPr id="53" name="直線單箭頭接點 52"/>
+          <p:cNvCxnSpPr>
+            <a:stCxn id="15" idx="0"/>
+            <a:endCxn id="20" idx="2"/>
+          </p:cNvCxnSpPr>
+          <p:nvPr/>
+        </p:nvCxnSpPr>
+        <p:spPr>
+          <a:xfrm flipV="1">
+            <a:off x="5612005" y="2743200"/>
+            <a:ext cx="5935646" cy="605407"/>
+          </a:xfrm>
+          <a:prstGeom prst="straightConnector1">
+            <a:avLst/>
+          </a:prstGeom>
+          <a:ln w="38100">
+            <a:tailEnd type="triangle"/>
+          </a:ln>
+        </p:spPr>
+        <p:style>
+          <a:lnRef idx="1">
+            <a:schemeClr val="accent1"/>
+          </a:lnRef>
+          <a:fillRef idx="0">
+            <a:schemeClr val="accent1"/>
+          </a:fillRef>
+          <a:effectRef idx="0">
+            <a:schemeClr val="accent1"/>
+          </a:effectRef>
+          <a:fontRef idx="minor">
+            <a:schemeClr val="tx1"/>
+          </a:fontRef>
+        </p:style>
+      </p:cxnSp>
+      <p:cxnSp>
+        <p:nvCxnSpPr>
+          <p:cNvPr id="55" name="直線單箭頭接點 54"/>
+          <p:cNvCxnSpPr>
+            <a:stCxn id="17" idx="0"/>
+            <a:endCxn id="20" idx="2"/>
+          </p:cNvCxnSpPr>
+          <p:nvPr/>
+        </p:nvCxnSpPr>
+        <p:spPr>
+          <a:xfrm flipV="1">
+            <a:off x="8114045" y="2743200"/>
+            <a:ext cx="3433606" cy="605407"/>
+          </a:xfrm>
+          <a:prstGeom prst="straightConnector1">
+            <a:avLst/>
+          </a:prstGeom>
+          <a:ln w="38100">
+            <a:tailEnd type="triangle"/>
+          </a:ln>
+        </p:spPr>
+        <p:style>
+          <a:lnRef idx="1">
+            <a:schemeClr val="accent1"/>
+          </a:lnRef>
+          <a:fillRef idx="0">
+            <a:schemeClr val="accent1"/>
+          </a:fillRef>
+          <a:effectRef idx="0">
+            <a:schemeClr val="accent1"/>
+          </a:effectRef>
+          <a:fontRef idx="minor">
+            <a:schemeClr val="tx1"/>
+          </a:fontRef>
+        </p:style>
+      </p:cxnSp>
+      <p:cxnSp>
+        <p:nvCxnSpPr>
+          <p:cNvPr id="57" name="直線單箭頭接點 56"/>
+          <p:cNvCxnSpPr>
+            <a:stCxn id="21" idx="0"/>
+            <a:endCxn id="20" idx="2"/>
+          </p:cNvCxnSpPr>
+          <p:nvPr/>
+        </p:nvCxnSpPr>
+        <p:spPr>
+          <a:xfrm flipV="1">
+            <a:off x="11547651" y="2743200"/>
+            <a:ext cx="0" cy="605407"/>
+          </a:xfrm>
+          <a:prstGeom prst="straightConnector1">
+            <a:avLst/>
+          </a:prstGeom>
+          <a:ln w="38100">
+            <a:tailEnd type="triangle"/>
+          </a:ln>
+        </p:spPr>
+        <p:style>
+          <a:lnRef idx="1">
+            <a:schemeClr val="accent1"/>
+          </a:lnRef>
+          <a:fillRef idx="0">
+            <a:schemeClr val="accent1"/>
+          </a:fillRef>
+          <a:effectRef idx="0">
+            <a:schemeClr val="accent1"/>
+          </a:effectRef>
+          <a:fontRef idx="minor">
+            <a:schemeClr val="tx1"/>
+          </a:fontRef>
+        </p:style>
+      </p:cxnSp>
+      <p:sp>
+        <p:nvSpPr>
+          <p:cNvPr id="63" name="圓角矩形 62"/>
+          <p:cNvSpPr/>
+          <p:nvPr/>
+        </p:nvSpPr>
+        <p:spPr>
+          <a:xfrm>
+            <a:off x="5034224" y="4198063"/>
+            <a:ext cx="1155561" cy="551904"/>
+          </a:xfrm>
+          <a:prstGeom prst="roundRect">
+            <a:avLst/>
+          </a:prstGeom>
+        </p:spPr>
+        <p:style>
+          <a:lnRef idx="2">
+            <a:schemeClr val="accent5"/>
+          </a:lnRef>
+          <a:fillRef idx="1">
+            <a:schemeClr val="lt1"/>
+          </a:fillRef>
+          <a:effectRef idx="0">
+            <a:schemeClr val="accent5"/>
+          </a:effectRef>
+          <a:fontRef idx="minor">
+            <a:schemeClr val="dk1"/>
+          </a:fontRef>
+        </p:style>
+        <p:txBody>
+          <a:bodyPr rtlCol="0" anchor="ctr"/>
+          <a:lstStyle/>
+          <a:p>
+            <a:pPr algn="ctr"/>
+            <a:r>
+              <a:rPr lang="en-US" altLang="zh-TW" dirty="0" smtClean="0"/>
+              <a:t>SDK</a:t>
+            </a:r>
+            <a:endParaRPr lang="zh-TW" altLang="en-US" dirty="0"/>
+          </a:p>
+        </p:txBody>
+      </p:sp>
+      <p:sp>
+        <p:nvSpPr>
+          <p:cNvPr id="64" name="圓角矩形 63"/>
+          <p:cNvSpPr/>
+          <p:nvPr/>
+        </p:nvSpPr>
+        <p:spPr>
+          <a:xfrm>
+            <a:off x="7536263" y="4198063"/>
+            <a:ext cx="1155561" cy="551904"/>
+          </a:xfrm>
+          <a:prstGeom prst="roundRect">
+            <a:avLst/>
+          </a:prstGeom>
+        </p:spPr>
+        <p:style>
+          <a:lnRef idx="2">
+            <a:schemeClr val="accent5"/>
+          </a:lnRef>
+          <a:fillRef idx="1">
+            <a:schemeClr val="lt1"/>
+          </a:fillRef>
+          <a:effectRef idx="0">
+            <a:schemeClr val="accent5"/>
+          </a:effectRef>
+          <a:fontRef idx="minor">
+            <a:schemeClr val="dk1"/>
+          </a:fontRef>
+        </p:style>
+        <p:txBody>
+          <a:bodyPr rtlCol="0" anchor="ctr"/>
+          <a:lstStyle/>
+          <a:p>
+            <a:pPr algn="ctr"/>
+            <a:r>
+              <a:rPr lang="en-US" altLang="zh-TW" dirty="0" smtClean="0"/>
+              <a:t>SDK</a:t>
+            </a:r>
+            <a:endParaRPr lang="zh-TW" altLang="en-US" dirty="0"/>
+          </a:p>
+        </p:txBody>
+      </p:sp>
+      <p:sp>
+        <p:nvSpPr>
+          <p:cNvPr id="65" name="圓角矩形 64"/>
+          <p:cNvSpPr/>
+          <p:nvPr/>
+        </p:nvSpPr>
+        <p:spPr>
+          <a:xfrm>
+            <a:off x="9326755" y="4198063"/>
+            <a:ext cx="1155561" cy="551904"/>
+          </a:xfrm>
+          <a:prstGeom prst="roundRect">
+            <a:avLst/>
+          </a:prstGeom>
+        </p:spPr>
+        <p:style>
+          <a:lnRef idx="2">
+            <a:schemeClr val="accent5"/>
+          </a:lnRef>
+          <a:fillRef idx="1">
+            <a:schemeClr val="lt1"/>
+          </a:fillRef>
+          <a:effectRef idx="0">
+            <a:schemeClr val="accent5"/>
+          </a:effectRef>
+          <a:fontRef idx="minor">
+            <a:schemeClr val="dk1"/>
+          </a:fontRef>
+        </p:style>
+        <p:txBody>
+          <a:bodyPr rtlCol="0" anchor="ctr"/>
+          <a:lstStyle/>
+          <a:p>
+            <a:pPr algn="ctr"/>
+            <a:r>
+              <a:rPr lang="en-US" altLang="zh-TW" dirty="0" smtClean="0"/>
+              <a:t>SDK</a:t>
+            </a:r>
+            <a:endParaRPr lang="zh-TW" altLang="en-US" dirty="0"/>
+          </a:p>
+        </p:txBody>
+      </p:sp>
+      <p:sp>
+        <p:nvSpPr>
+          <p:cNvPr id="66" name="圓角矩形 65"/>
+          <p:cNvSpPr/>
+          <p:nvPr/>
+        </p:nvSpPr>
+        <p:spPr>
+          <a:xfrm>
+            <a:off x="10969869" y="4198063"/>
+            <a:ext cx="1155561" cy="551904"/>
+          </a:xfrm>
+          <a:prstGeom prst="roundRect">
+            <a:avLst/>
+          </a:prstGeom>
+        </p:spPr>
+        <p:style>
+          <a:lnRef idx="2">
+            <a:schemeClr val="accent5"/>
+          </a:lnRef>
+          <a:fillRef idx="1">
+            <a:schemeClr val="lt1"/>
+          </a:fillRef>
+          <a:effectRef idx="0">
+            <a:schemeClr val="accent5"/>
+          </a:effectRef>
+          <a:fontRef idx="minor">
+            <a:schemeClr val="dk1"/>
+          </a:fontRef>
+        </p:style>
+        <p:txBody>
+          <a:bodyPr rtlCol="0" anchor="ctr"/>
+          <a:lstStyle/>
+          <a:p>
+            <a:pPr algn="ctr"/>
+            <a:r>
+              <a:rPr lang="en-US" altLang="zh-TW" dirty="0" smtClean="0"/>
+              <a:t>SDK</a:t>
+            </a:r>
+            <a:endParaRPr lang="zh-TW" altLang="en-US" dirty="0"/>
+          </a:p>
+        </p:txBody>
+      </p:sp>
+      <p:sp>
+        <p:nvSpPr>
+          <p:cNvPr id="62" name="圓角矩形圖說文字 61"/>
+          <p:cNvSpPr/>
+          <p:nvPr/>
+        </p:nvSpPr>
+        <p:spPr>
+          <a:xfrm>
+            <a:off x="1547446" y="1939332"/>
+            <a:ext cx="3054699" cy="874206"/>
+          </a:xfrm>
+          <a:prstGeom prst="wedgeRoundRectCallout">
+            <a:avLst>
+              <a:gd name="adj1" fmla="val 59936"/>
+              <a:gd name="adj2" fmla="val -13362"/>
+              <a:gd name="adj3" fmla="val 16667"/>
+            </a:avLst>
+          </a:prstGeom>
+        </p:spPr>
+        <p:style>
+          <a:lnRef idx="2">
+            <a:schemeClr val="accent5"/>
+          </a:lnRef>
+          <a:fillRef idx="1">
+            <a:schemeClr val="lt1"/>
+          </a:fillRef>
+          <a:effectRef idx="0">
+            <a:schemeClr val="accent5"/>
+          </a:effectRef>
+          <a:fontRef idx="minor">
+            <a:schemeClr val="dk1"/>
+          </a:fontRef>
+        </p:style>
+        <p:txBody>
+          <a:bodyPr rtlCol="0" anchor="ctr"/>
+          <a:lstStyle/>
+          <a:p>
+            <a:pPr algn="ctr"/>
+            <a:r>
+              <a:rPr lang="en-US" altLang="zh-TW" dirty="0" smtClean="0"/>
+              <a:t>API</a:t>
+            </a:r>
+            <a:r>
+              <a:rPr lang="zh-TW" altLang="en-US" dirty="0" smtClean="0"/>
+              <a:t> </a:t>
+            </a:r>
+            <a:r>
+              <a:rPr lang="en-US" altLang="zh-TW" dirty="0" smtClean="0"/>
+              <a:t>(server) </a:t>
+            </a:r>
+            <a:r>
+              <a:rPr lang="zh-TW" altLang="en-US" dirty="0" smtClean="0"/>
+              <a:t>可以容器化</a:t>
+            </a:r>
+            <a:endParaRPr lang="zh-TW" altLang="en-US" dirty="0"/>
+          </a:p>
+        </p:txBody>
+      </p:sp>
+      <p:sp>
+        <p:nvSpPr>
+          <p:cNvPr id="68" name="圓角矩形圖說文字 67"/>
+          <p:cNvSpPr/>
+          <p:nvPr/>
+        </p:nvSpPr>
+        <p:spPr>
+          <a:xfrm>
+            <a:off x="1547446" y="3344086"/>
+            <a:ext cx="3054699" cy="874206"/>
+          </a:xfrm>
+          <a:prstGeom prst="wedgeRoundRectCallout">
+            <a:avLst>
+              <a:gd name="adj1" fmla="val 59936"/>
+              <a:gd name="adj2" fmla="val -13362"/>
+              <a:gd name="adj3" fmla="val 16667"/>
+            </a:avLst>
+          </a:prstGeom>
+        </p:spPr>
+        <p:style>
+          <a:lnRef idx="2">
+            <a:schemeClr val="accent5"/>
+          </a:lnRef>
+          <a:fillRef idx="1">
+            <a:schemeClr val="lt1"/>
+          </a:fillRef>
+          <a:effectRef idx="0">
+            <a:schemeClr val="accent5"/>
+          </a:effectRef>
+          <a:fontRef idx="minor">
+            <a:schemeClr val="dk1"/>
+          </a:fontRef>
+        </p:style>
+        <p:txBody>
+          <a:bodyPr rtlCol="0" anchor="ctr"/>
+          <a:lstStyle/>
+          <a:p>
+            <a:pPr algn="ctr"/>
+            <a:r>
+              <a:rPr lang="zh-TW" altLang="en-US" dirty="0" smtClean="0"/>
+              <a:t>測試程式也可以</a:t>
+            </a:r>
+            <a:r>
+              <a:rPr lang="en-US" altLang="zh-TW" dirty="0" smtClean="0"/>
+              <a:t>!</a:t>
+            </a:r>
+            <a:endParaRPr lang="zh-TW" altLang="en-US" dirty="0"/>
           </a:p>
         </p:txBody>
       </p:sp>
     </p:spTree>
     <p:extLst>
       <p:ext uri="{BB962C8B-B14F-4D97-AF65-F5344CB8AC3E}">
-        <p14:creationId xmlns:p14="http://schemas.microsoft.com/office/powerpoint/2010/main" val="2851354825"/>
+        <p14:creationId xmlns:p14="http://schemas.microsoft.com/office/powerpoint/2010/main" val="1948289259"/>
       </p:ext>
     </p:extLst>
   </p:cSld>
@@ -26710,9 +29372,986 @@
   <p:timing>
     <p:tnLst>
       <p:par>
-        <p:cTn id="1" dur="indefinite" restart="never" nodeType="tmRoot"/>
+        <p:cTn id="1" dur="indefinite" restart="never" nodeType="tmRoot">
+          <p:childTnLst>
+            <p:seq concurrent="1" nextAc="seek">
+              <p:cTn id="2" dur="indefinite" nodeType="mainSeq">
+                <p:childTnLst>
+                  <p:par>
+                    <p:cTn id="3" fill="hold">
+                      <p:stCondLst>
+                        <p:cond delay="indefinite"/>
+                      </p:stCondLst>
+                      <p:childTnLst>
+                        <p:par>
+                          <p:cTn id="4" fill="hold">
+                            <p:stCondLst>
+                              <p:cond delay="0"/>
+                            </p:stCondLst>
+                            <p:childTnLst>
+                              <p:par>
+                                <p:cTn id="5" presetID="10" presetClass="entr" presetSubtype="0" fill="hold" nodeType="clickEffect">
+                                  <p:stCondLst>
+                                    <p:cond delay="0"/>
+                                  </p:stCondLst>
+                                  <p:childTnLst>
+                                    <p:set>
+                                      <p:cBhvr>
+                                        <p:cTn id="6" dur="1" fill="hold">
+                                          <p:stCondLst>
+                                            <p:cond delay="0"/>
+                                          </p:stCondLst>
+                                        </p:cTn>
+                                        <p:tgtEl>
+                                          <p:spTgt spid="39"/>
+                                        </p:tgtEl>
+                                        <p:attrNameLst>
+                                          <p:attrName>style.visibility</p:attrName>
+                                        </p:attrNameLst>
+                                      </p:cBhvr>
+                                      <p:to>
+                                        <p:strVal val="visible"/>
+                                      </p:to>
+                                    </p:set>
+                                    <p:animEffect transition="in" filter="fade">
+                                      <p:cBhvr>
+                                        <p:cTn id="7" dur="500"/>
+                                        <p:tgtEl>
+                                          <p:spTgt spid="39"/>
+                                        </p:tgtEl>
+                                      </p:cBhvr>
+                                    </p:animEffect>
+                                  </p:childTnLst>
+                                </p:cTn>
+                              </p:par>
+                            </p:childTnLst>
+                          </p:cTn>
+                        </p:par>
+                      </p:childTnLst>
+                    </p:cTn>
+                  </p:par>
+                  <p:par>
+                    <p:cTn id="8" fill="hold">
+                      <p:stCondLst>
+                        <p:cond delay="indefinite"/>
+                      </p:stCondLst>
+                      <p:childTnLst>
+                        <p:par>
+                          <p:cTn id="9" fill="hold">
+                            <p:stCondLst>
+                              <p:cond delay="0"/>
+                            </p:stCondLst>
+                            <p:childTnLst>
+                              <p:par>
+                                <p:cTn id="10" presetID="10" presetClass="exit" presetSubtype="0" fill="hold" nodeType="clickEffect">
+                                  <p:stCondLst>
+                                    <p:cond delay="0"/>
+                                  </p:stCondLst>
+                                  <p:childTnLst>
+                                    <p:animEffect transition="out" filter="fade">
+                                      <p:cBhvr>
+                                        <p:cTn id="11" dur="500"/>
+                                        <p:tgtEl>
+                                          <p:spTgt spid="39"/>
+                                        </p:tgtEl>
+                                      </p:cBhvr>
+                                    </p:animEffect>
+                                    <p:set>
+                                      <p:cBhvr>
+                                        <p:cTn id="12" dur="1" fill="hold">
+                                          <p:stCondLst>
+                                            <p:cond delay="499"/>
+                                          </p:stCondLst>
+                                        </p:cTn>
+                                        <p:tgtEl>
+                                          <p:spTgt spid="39"/>
+                                        </p:tgtEl>
+                                        <p:attrNameLst>
+                                          <p:attrName>style.visibility</p:attrName>
+                                        </p:attrNameLst>
+                                      </p:cBhvr>
+                                      <p:to>
+                                        <p:strVal val="hidden"/>
+                                      </p:to>
+                                    </p:set>
+                                  </p:childTnLst>
+                                </p:cTn>
+                              </p:par>
+                            </p:childTnLst>
+                          </p:cTn>
+                        </p:par>
+                      </p:childTnLst>
+                    </p:cTn>
+                  </p:par>
+                  <p:par>
+                    <p:cTn id="13" fill="hold">
+                      <p:stCondLst>
+                        <p:cond delay="indefinite"/>
+                      </p:stCondLst>
+                      <p:childTnLst>
+                        <p:par>
+                          <p:cTn id="14" fill="hold">
+                            <p:stCondLst>
+                              <p:cond delay="0"/>
+                            </p:stCondLst>
+                            <p:childTnLst>
+                              <p:par>
+                                <p:cTn id="15" presetID="10" presetClass="entr" presetSubtype="0" fill="hold" nodeType="clickEffect">
+                                  <p:stCondLst>
+                                    <p:cond delay="0"/>
+                                  </p:stCondLst>
+                                  <p:childTnLst>
+                                    <p:set>
+                                      <p:cBhvr>
+                                        <p:cTn id="16" dur="1" fill="hold">
+                                          <p:stCondLst>
+                                            <p:cond delay="0"/>
+                                          </p:stCondLst>
+                                        </p:cTn>
+                                        <p:tgtEl>
+                                          <p:spTgt spid="41"/>
+                                        </p:tgtEl>
+                                        <p:attrNameLst>
+                                          <p:attrName>style.visibility</p:attrName>
+                                        </p:attrNameLst>
+                                      </p:cBhvr>
+                                      <p:to>
+                                        <p:strVal val="visible"/>
+                                      </p:to>
+                                    </p:set>
+                                    <p:animEffect transition="in" filter="fade">
+                                      <p:cBhvr>
+                                        <p:cTn id="17" dur="500"/>
+                                        <p:tgtEl>
+                                          <p:spTgt spid="41"/>
+                                        </p:tgtEl>
+                                      </p:cBhvr>
+                                    </p:animEffect>
+                                  </p:childTnLst>
+                                </p:cTn>
+                              </p:par>
+                              <p:par>
+                                <p:cTn id="18" presetID="10" presetClass="entr" presetSubtype="0" fill="hold" nodeType="withEffect">
+                                  <p:stCondLst>
+                                    <p:cond delay="0"/>
+                                  </p:stCondLst>
+                                  <p:childTnLst>
+                                    <p:set>
+                                      <p:cBhvr>
+                                        <p:cTn id="19" dur="1" fill="hold">
+                                          <p:stCondLst>
+                                            <p:cond delay="0"/>
+                                          </p:stCondLst>
+                                        </p:cTn>
+                                        <p:tgtEl>
+                                          <p:spTgt spid="43"/>
+                                        </p:tgtEl>
+                                        <p:attrNameLst>
+                                          <p:attrName>style.visibility</p:attrName>
+                                        </p:attrNameLst>
+                                      </p:cBhvr>
+                                      <p:to>
+                                        <p:strVal val="visible"/>
+                                      </p:to>
+                                    </p:set>
+                                    <p:animEffect transition="in" filter="fade">
+                                      <p:cBhvr>
+                                        <p:cTn id="20" dur="500"/>
+                                        <p:tgtEl>
+                                          <p:spTgt spid="43"/>
+                                        </p:tgtEl>
+                                      </p:cBhvr>
+                                    </p:animEffect>
+                                  </p:childTnLst>
+                                </p:cTn>
+                              </p:par>
+                            </p:childTnLst>
+                          </p:cTn>
+                        </p:par>
+                      </p:childTnLst>
+                    </p:cTn>
+                  </p:par>
+                  <p:par>
+                    <p:cTn id="21" fill="hold">
+                      <p:stCondLst>
+                        <p:cond delay="indefinite"/>
+                      </p:stCondLst>
+                      <p:childTnLst>
+                        <p:par>
+                          <p:cTn id="22" fill="hold">
+                            <p:stCondLst>
+                              <p:cond delay="0"/>
+                            </p:stCondLst>
+                            <p:childTnLst>
+                              <p:par>
+                                <p:cTn id="23" presetID="10" presetClass="exit" presetSubtype="0" fill="hold" nodeType="clickEffect">
+                                  <p:stCondLst>
+                                    <p:cond delay="0"/>
+                                  </p:stCondLst>
+                                  <p:childTnLst>
+                                    <p:animEffect transition="out" filter="fade">
+                                      <p:cBhvr>
+                                        <p:cTn id="24" dur="500"/>
+                                        <p:tgtEl>
+                                          <p:spTgt spid="41"/>
+                                        </p:tgtEl>
+                                      </p:cBhvr>
+                                    </p:animEffect>
+                                    <p:set>
+                                      <p:cBhvr>
+                                        <p:cTn id="25" dur="1" fill="hold">
+                                          <p:stCondLst>
+                                            <p:cond delay="499"/>
+                                          </p:stCondLst>
+                                        </p:cTn>
+                                        <p:tgtEl>
+                                          <p:spTgt spid="41"/>
+                                        </p:tgtEl>
+                                        <p:attrNameLst>
+                                          <p:attrName>style.visibility</p:attrName>
+                                        </p:attrNameLst>
+                                      </p:cBhvr>
+                                      <p:to>
+                                        <p:strVal val="hidden"/>
+                                      </p:to>
+                                    </p:set>
+                                  </p:childTnLst>
+                                </p:cTn>
+                              </p:par>
+                              <p:par>
+                                <p:cTn id="26" presetID="10" presetClass="exit" presetSubtype="0" fill="hold" nodeType="withEffect">
+                                  <p:stCondLst>
+                                    <p:cond delay="0"/>
+                                  </p:stCondLst>
+                                  <p:childTnLst>
+                                    <p:animEffect transition="out" filter="fade">
+                                      <p:cBhvr>
+                                        <p:cTn id="27" dur="500"/>
+                                        <p:tgtEl>
+                                          <p:spTgt spid="43"/>
+                                        </p:tgtEl>
+                                      </p:cBhvr>
+                                    </p:animEffect>
+                                    <p:set>
+                                      <p:cBhvr>
+                                        <p:cTn id="28" dur="1" fill="hold">
+                                          <p:stCondLst>
+                                            <p:cond delay="499"/>
+                                          </p:stCondLst>
+                                        </p:cTn>
+                                        <p:tgtEl>
+                                          <p:spTgt spid="43"/>
+                                        </p:tgtEl>
+                                        <p:attrNameLst>
+                                          <p:attrName>style.visibility</p:attrName>
+                                        </p:attrNameLst>
+                                      </p:cBhvr>
+                                      <p:to>
+                                        <p:strVal val="hidden"/>
+                                      </p:to>
+                                    </p:set>
+                                  </p:childTnLst>
+                                </p:cTn>
+                              </p:par>
+                            </p:childTnLst>
+                          </p:cTn>
+                        </p:par>
+                      </p:childTnLst>
+                    </p:cTn>
+                  </p:par>
+                  <p:par>
+                    <p:cTn id="29" fill="hold">
+                      <p:stCondLst>
+                        <p:cond delay="indefinite"/>
+                      </p:stCondLst>
+                      <p:childTnLst>
+                        <p:par>
+                          <p:cTn id="30" fill="hold">
+                            <p:stCondLst>
+                              <p:cond delay="0"/>
+                            </p:stCondLst>
+                            <p:childTnLst>
+                              <p:par>
+                                <p:cTn id="31" presetID="10" presetClass="entr" presetSubtype="0" fill="hold" nodeType="clickEffect">
+                                  <p:stCondLst>
+                                    <p:cond delay="0"/>
+                                  </p:stCondLst>
+                                  <p:childTnLst>
+                                    <p:set>
+                                      <p:cBhvr>
+                                        <p:cTn id="32" dur="1" fill="hold">
+                                          <p:stCondLst>
+                                            <p:cond delay="0"/>
+                                          </p:stCondLst>
+                                        </p:cTn>
+                                        <p:tgtEl>
+                                          <p:spTgt spid="45"/>
+                                        </p:tgtEl>
+                                        <p:attrNameLst>
+                                          <p:attrName>style.visibility</p:attrName>
+                                        </p:attrNameLst>
+                                      </p:cBhvr>
+                                      <p:to>
+                                        <p:strVal val="visible"/>
+                                      </p:to>
+                                    </p:set>
+                                    <p:animEffect transition="in" filter="fade">
+                                      <p:cBhvr>
+                                        <p:cTn id="33" dur="500"/>
+                                        <p:tgtEl>
+                                          <p:spTgt spid="45"/>
+                                        </p:tgtEl>
+                                      </p:cBhvr>
+                                    </p:animEffect>
+                                  </p:childTnLst>
+                                </p:cTn>
+                              </p:par>
+                              <p:par>
+                                <p:cTn id="34" presetID="10" presetClass="entr" presetSubtype="0" fill="hold" nodeType="withEffect">
+                                  <p:stCondLst>
+                                    <p:cond delay="0"/>
+                                  </p:stCondLst>
+                                  <p:childTnLst>
+                                    <p:set>
+                                      <p:cBhvr>
+                                        <p:cTn id="35" dur="1" fill="hold">
+                                          <p:stCondLst>
+                                            <p:cond delay="0"/>
+                                          </p:stCondLst>
+                                        </p:cTn>
+                                        <p:tgtEl>
+                                          <p:spTgt spid="47"/>
+                                        </p:tgtEl>
+                                        <p:attrNameLst>
+                                          <p:attrName>style.visibility</p:attrName>
+                                        </p:attrNameLst>
+                                      </p:cBhvr>
+                                      <p:to>
+                                        <p:strVal val="visible"/>
+                                      </p:to>
+                                    </p:set>
+                                    <p:animEffect transition="in" filter="fade">
+                                      <p:cBhvr>
+                                        <p:cTn id="36" dur="500"/>
+                                        <p:tgtEl>
+                                          <p:spTgt spid="47"/>
+                                        </p:tgtEl>
+                                      </p:cBhvr>
+                                    </p:animEffect>
+                                  </p:childTnLst>
+                                </p:cTn>
+                              </p:par>
+                              <p:par>
+                                <p:cTn id="37" presetID="10" presetClass="entr" presetSubtype="0" fill="hold" nodeType="withEffect">
+                                  <p:stCondLst>
+                                    <p:cond delay="0"/>
+                                  </p:stCondLst>
+                                  <p:childTnLst>
+                                    <p:set>
+                                      <p:cBhvr>
+                                        <p:cTn id="38" dur="1" fill="hold">
+                                          <p:stCondLst>
+                                            <p:cond delay="0"/>
+                                          </p:stCondLst>
+                                        </p:cTn>
+                                        <p:tgtEl>
+                                          <p:spTgt spid="49"/>
+                                        </p:tgtEl>
+                                        <p:attrNameLst>
+                                          <p:attrName>style.visibility</p:attrName>
+                                        </p:attrNameLst>
+                                      </p:cBhvr>
+                                      <p:to>
+                                        <p:strVal val="visible"/>
+                                      </p:to>
+                                    </p:set>
+                                    <p:animEffect transition="in" filter="fade">
+                                      <p:cBhvr>
+                                        <p:cTn id="39" dur="500"/>
+                                        <p:tgtEl>
+                                          <p:spTgt spid="49"/>
+                                        </p:tgtEl>
+                                      </p:cBhvr>
+                                    </p:animEffect>
+                                  </p:childTnLst>
+                                </p:cTn>
+                              </p:par>
+                            </p:childTnLst>
+                          </p:cTn>
+                        </p:par>
+                      </p:childTnLst>
+                    </p:cTn>
+                  </p:par>
+                  <p:par>
+                    <p:cTn id="40" fill="hold">
+                      <p:stCondLst>
+                        <p:cond delay="indefinite"/>
+                      </p:stCondLst>
+                      <p:childTnLst>
+                        <p:par>
+                          <p:cTn id="41" fill="hold">
+                            <p:stCondLst>
+                              <p:cond delay="0"/>
+                            </p:stCondLst>
+                            <p:childTnLst>
+                              <p:par>
+                                <p:cTn id="42" presetID="10" presetClass="exit" presetSubtype="0" fill="hold" nodeType="clickEffect">
+                                  <p:stCondLst>
+                                    <p:cond delay="0"/>
+                                  </p:stCondLst>
+                                  <p:childTnLst>
+                                    <p:animEffect transition="out" filter="fade">
+                                      <p:cBhvr>
+                                        <p:cTn id="43" dur="500"/>
+                                        <p:tgtEl>
+                                          <p:spTgt spid="45"/>
+                                        </p:tgtEl>
+                                      </p:cBhvr>
+                                    </p:animEffect>
+                                    <p:set>
+                                      <p:cBhvr>
+                                        <p:cTn id="44" dur="1" fill="hold">
+                                          <p:stCondLst>
+                                            <p:cond delay="499"/>
+                                          </p:stCondLst>
+                                        </p:cTn>
+                                        <p:tgtEl>
+                                          <p:spTgt spid="45"/>
+                                        </p:tgtEl>
+                                        <p:attrNameLst>
+                                          <p:attrName>style.visibility</p:attrName>
+                                        </p:attrNameLst>
+                                      </p:cBhvr>
+                                      <p:to>
+                                        <p:strVal val="hidden"/>
+                                      </p:to>
+                                    </p:set>
+                                  </p:childTnLst>
+                                </p:cTn>
+                              </p:par>
+                              <p:par>
+                                <p:cTn id="45" presetID="10" presetClass="exit" presetSubtype="0" fill="hold" nodeType="withEffect">
+                                  <p:stCondLst>
+                                    <p:cond delay="0"/>
+                                  </p:stCondLst>
+                                  <p:childTnLst>
+                                    <p:animEffect transition="out" filter="fade">
+                                      <p:cBhvr>
+                                        <p:cTn id="46" dur="500"/>
+                                        <p:tgtEl>
+                                          <p:spTgt spid="47"/>
+                                        </p:tgtEl>
+                                      </p:cBhvr>
+                                    </p:animEffect>
+                                    <p:set>
+                                      <p:cBhvr>
+                                        <p:cTn id="47" dur="1" fill="hold">
+                                          <p:stCondLst>
+                                            <p:cond delay="499"/>
+                                          </p:stCondLst>
+                                        </p:cTn>
+                                        <p:tgtEl>
+                                          <p:spTgt spid="47"/>
+                                        </p:tgtEl>
+                                        <p:attrNameLst>
+                                          <p:attrName>style.visibility</p:attrName>
+                                        </p:attrNameLst>
+                                      </p:cBhvr>
+                                      <p:to>
+                                        <p:strVal val="hidden"/>
+                                      </p:to>
+                                    </p:set>
+                                  </p:childTnLst>
+                                </p:cTn>
+                              </p:par>
+                              <p:par>
+                                <p:cTn id="48" presetID="10" presetClass="exit" presetSubtype="0" fill="hold" nodeType="withEffect">
+                                  <p:stCondLst>
+                                    <p:cond delay="0"/>
+                                  </p:stCondLst>
+                                  <p:childTnLst>
+                                    <p:animEffect transition="out" filter="fade">
+                                      <p:cBhvr>
+                                        <p:cTn id="49" dur="500"/>
+                                        <p:tgtEl>
+                                          <p:spTgt spid="49"/>
+                                        </p:tgtEl>
+                                      </p:cBhvr>
+                                    </p:animEffect>
+                                    <p:set>
+                                      <p:cBhvr>
+                                        <p:cTn id="50" dur="1" fill="hold">
+                                          <p:stCondLst>
+                                            <p:cond delay="499"/>
+                                          </p:stCondLst>
+                                        </p:cTn>
+                                        <p:tgtEl>
+                                          <p:spTgt spid="49"/>
+                                        </p:tgtEl>
+                                        <p:attrNameLst>
+                                          <p:attrName>style.visibility</p:attrName>
+                                        </p:attrNameLst>
+                                      </p:cBhvr>
+                                      <p:to>
+                                        <p:strVal val="hidden"/>
+                                      </p:to>
+                                    </p:set>
+                                  </p:childTnLst>
+                                </p:cTn>
+                              </p:par>
+                            </p:childTnLst>
+                          </p:cTn>
+                        </p:par>
+                      </p:childTnLst>
+                    </p:cTn>
+                  </p:par>
+                  <p:par>
+                    <p:cTn id="51" fill="hold">
+                      <p:stCondLst>
+                        <p:cond delay="indefinite"/>
+                      </p:stCondLst>
+                      <p:childTnLst>
+                        <p:par>
+                          <p:cTn id="52" fill="hold">
+                            <p:stCondLst>
+                              <p:cond delay="0"/>
+                            </p:stCondLst>
+                            <p:childTnLst>
+                              <p:par>
+                                <p:cTn id="53" presetID="10" presetClass="entr" presetSubtype="0" fill="hold" nodeType="clickEffect">
+                                  <p:stCondLst>
+                                    <p:cond delay="0"/>
+                                  </p:stCondLst>
+                                  <p:childTnLst>
+                                    <p:set>
+                                      <p:cBhvr>
+                                        <p:cTn id="54" dur="1" fill="hold">
+                                          <p:stCondLst>
+                                            <p:cond delay="0"/>
+                                          </p:stCondLst>
+                                        </p:cTn>
+                                        <p:tgtEl>
+                                          <p:spTgt spid="53"/>
+                                        </p:tgtEl>
+                                        <p:attrNameLst>
+                                          <p:attrName>style.visibility</p:attrName>
+                                        </p:attrNameLst>
+                                      </p:cBhvr>
+                                      <p:to>
+                                        <p:strVal val="visible"/>
+                                      </p:to>
+                                    </p:set>
+                                    <p:animEffect transition="in" filter="fade">
+                                      <p:cBhvr>
+                                        <p:cTn id="55" dur="500"/>
+                                        <p:tgtEl>
+                                          <p:spTgt spid="53"/>
+                                        </p:tgtEl>
+                                      </p:cBhvr>
+                                    </p:animEffect>
+                                  </p:childTnLst>
+                                </p:cTn>
+                              </p:par>
+                              <p:par>
+                                <p:cTn id="56" presetID="10" presetClass="entr" presetSubtype="0" fill="hold" nodeType="withEffect">
+                                  <p:stCondLst>
+                                    <p:cond delay="0"/>
+                                  </p:stCondLst>
+                                  <p:childTnLst>
+                                    <p:set>
+                                      <p:cBhvr>
+                                        <p:cTn id="57" dur="1" fill="hold">
+                                          <p:stCondLst>
+                                            <p:cond delay="0"/>
+                                          </p:stCondLst>
+                                        </p:cTn>
+                                        <p:tgtEl>
+                                          <p:spTgt spid="55"/>
+                                        </p:tgtEl>
+                                        <p:attrNameLst>
+                                          <p:attrName>style.visibility</p:attrName>
+                                        </p:attrNameLst>
+                                      </p:cBhvr>
+                                      <p:to>
+                                        <p:strVal val="visible"/>
+                                      </p:to>
+                                    </p:set>
+                                    <p:animEffect transition="in" filter="fade">
+                                      <p:cBhvr>
+                                        <p:cTn id="58" dur="500"/>
+                                        <p:tgtEl>
+                                          <p:spTgt spid="55"/>
+                                        </p:tgtEl>
+                                      </p:cBhvr>
+                                    </p:animEffect>
+                                  </p:childTnLst>
+                                </p:cTn>
+                              </p:par>
+                              <p:par>
+                                <p:cTn id="59" presetID="10" presetClass="entr" presetSubtype="0" fill="hold" nodeType="withEffect">
+                                  <p:stCondLst>
+                                    <p:cond delay="0"/>
+                                  </p:stCondLst>
+                                  <p:childTnLst>
+                                    <p:set>
+                                      <p:cBhvr>
+                                        <p:cTn id="60" dur="1" fill="hold">
+                                          <p:stCondLst>
+                                            <p:cond delay="0"/>
+                                          </p:stCondLst>
+                                        </p:cTn>
+                                        <p:tgtEl>
+                                          <p:spTgt spid="51"/>
+                                        </p:tgtEl>
+                                        <p:attrNameLst>
+                                          <p:attrName>style.visibility</p:attrName>
+                                        </p:attrNameLst>
+                                      </p:cBhvr>
+                                      <p:to>
+                                        <p:strVal val="visible"/>
+                                      </p:to>
+                                    </p:set>
+                                    <p:animEffect transition="in" filter="fade">
+                                      <p:cBhvr>
+                                        <p:cTn id="61" dur="500"/>
+                                        <p:tgtEl>
+                                          <p:spTgt spid="51"/>
+                                        </p:tgtEl>
+                                      </p:cBhvr>
+                                    </p:animEffect>
+                                  </p:childTnLst>
+                                </p:cTn>
+                              </p:par>
+                              <p:par>
+                                <p:cTn id="62" presetID="10" presetClass="entr" presetSubtype="0" fill="hold" nodeType="withEffect">
+                                  <p:stCondLst>
+                                    <p:cond delay="0"/>
+                                  </p:stCondLst>
+                                  <p:childTnLst>
+                                    <p:set>
+                                      <p:cBhvr>
+                                        <p:cTn id="63" dur="1" fill="hold">
+                                          <p:stCondLst>
+                                            <p:cond delay="0"/>
+                                          </p:stCondLst>
+                                        </p:cTn>
+                                        <p:tgtEl>
+                                          <p:spTgt spid="57"/>
+                                        </p:tgtEl>
+                                        <p:attrNameLst>
+                                          <p:attrName>style.visibility</p:attrName>
+                                        </p:attrNameLst>
+                                      </p:cBhvr>
+                                      <p:to>
+                                        <p:strVal val="visible"/>
+                                      </p:to>
+                                    </p:set>
+                                    <p:animEffect transition="in" filter="fade">
+                                      <p:cBhvr>
+                                        <p:cTn id="64" dur="500"/>
+                                        <p:tgtEl>
+                                          <p:spTgt spid="57"/>
+                                        </p:tgtEl>
+                                      </p:cBhvr>
+                                    </p:animEffect>
+                                  </p:childTnLst>
+                                </p:cTn>
+                              </p:par>
+                            </p:childTnLst>
+                          </p:cTn>
+                        </p:par>
+                      </p:childTnLst>
+                    </p:cTn>
+                  </p:par>
+                  <p:par>
+                    <p:cTn id="65" fill="hold">
+                      <p:stCondLst>
+                        <p:cond delay="indefinite"/>
+                      </p:stCondLst>
+                      <p:childTnLst>
+                        <p:par>
+                          <p:cTn id="66" fill="hold">
+                            <p:stCondLst>
+                              <p:cond delay="0"/>
+                            </p:stCondLst>
+                            <p:childTnLst>
+                              <p:par>
+                                <p:cTn id="67" presetID="10" presetClass="exit" presetSubtype="0" fill="hold" nodeType="clickEffect">
+                                  <p:stCondLst>
+                                    <p:cond delay="0"/>
+                                  </p:stCondLst>
+                                  <p:childTnLst>
+                                    <p:animEffect transition="out" filter="fade">
+                                      <p:cBhvr>
+                                        <p:cTn id="68" dur="500"/>
+                                        <p:tgtEl>
+                                          <p:spTgt spid="53"/>
+                                        </p:tgtEl>
+                                      </p:cBhvr>
+                                    </p:animEffect>
+                                    <p:set>
+                                      <p:cBhvr>
+                                        <p:cTn id="69" dur="1" fill="hold">
+                                          <p:stCondLst>
+                                            <p:cond delay="499"/>
+                                          </p:stCondLst>
+                                        </p:cTn>
+                                        <p:tgtEl>
+                                          <p:spTgt spid="53"/>
+                                        </p:tgtEl>
+                                        <p:attrNameLst>
+                                          <p:attrName>style.visibility</p:attrName>
+                                        </p:attrNameLst>
+                                      </p:cBhvr>
+                                      <p:to>
+                                        <p:strVal val="hidden"/>
+                                      </p:to>
+                                    </p:set>
+                                  </p:childTnLst>
+                                </p:cTn>
+                              </p:par>
+                              <p:par>
+                                <p:cTn id="70" presetID="10" presetClass="exit" presetSubtype="0" fill="hold" nodeType="withEffect">
+                                  <p:stCondLst>
+                                    <p:cond delay="0"/>
+                                  </p:stCondLst>
+                                  <p:childTnLst>
+                                    <p:animEffect transition="out" filter="fade">
+                                      <p:cBhvr>
+                                        <p:cTn id="71" dur="500"/>
+                                        <p:tgtEl>
+                                          <p:spTgt spid="55"/>
+                                        </p:tgtEl>
+                                      </p:cBhvr>
+                                    </p:animEffect>
+                                    <p:set>
+                                      <p:cBhvr>
+                                        <p:cTn id="72" dur="1" fill="hold">
+                                          <p:stCondLst>
+                                            <p:cond delay="499"/>
+                                          </p:stCondLst>
+                                        </p:cTn>
+                                        <p:tgtEl>
+                                          <p:spTgt spid="55"/>
+                                        </p:tgtEl>
+                                        <p:attrNameLst>
+                                          <p:attrName>style.visibility</p:attrName>
+                                        </p:attrNameLst>
+                                      </p:cBhvr>
+                                      <p:to>
+                                        <p:strVal val="hidden"/>
+                                      </p:to>
+                                    </p:set>
+                                  </p:childTnLst>
+                                </p:cTn>
+                              </p:par>
+                              <p:par>
+                                <p:cTn id="73" presetID="10" presetClass="exit" presetSubtype="0" fill="hold" nodeType="withEffect">
+                                  <p:stCondLst>
+                                    <p:cond delay="0"/>
+                                  </p:stCondLst>
+                                  <p:childTnLst>
+                                    <p:animEffect transition="out" filter="fade">
+                                      <p:cBhvr>
+                                        <p:cTn id="74" dur="500"/>
+                                        <p:tgtEl>
+                                          <p:spTgt spid="51"/>
+                                        </p:tgtEl>
+                                      </p:cBhvr>
+                                    </p:animEffect>
+                                    <p:set>
+                                      <p:cBhvr>
+                                        <p:cTn id="75" dur="1" fill="hold">
+                                          <p:stCondLst>
+                                            <p:cond delay="499"/>
+                                          </p:stCondLst>
+                                        </p:cTn>
+                                        <p:tgtEl>
+                                          <p:spTgt spid="51"/>
+                                        </p:tgtEl>
+                                        <p:attrNameLst>
+                                          <p:attrName>style.visibility</p:attrName>
+                                        </p:attrNameLst>
+                                      </p:cBhvr>
+                                      <p:to>
+                                        <p:strVal val="hidden"/>
+                                      </p:to>
+                                    </p:set>
+                                  </p:childTnLst>
+                                </p:cTn>
+                              </p:par>
+                              <p:par>
+                                <p:cTn id="76" presetID="10" presetClass="exit" presetSubtype="0" fill="hold" nodeType="withEffect">
+                                  <p:stCondLst>
+                                    <p:cond delay="0"/>
+                                  </p:stCondLst>
+                                  <p:childTnLst>
+                                    <p:animEffect transition="out" filter="fade">
+                                      <p:cBhvr>
+                                        <p:cTn id="77" dur="500"/>
+                                        <p:tgtEl>
+                                          <p:spTgt spid="57"/>
+                                        </p:tgtEl>
+                                      </p:cBhvr>
+                                    </p:animEffect>
+                                    <p:set>
+                                      <p:cBhvr>
+                                        <p:cTn id="78" dur="1" fill="hold">
+                                          <p:stCondLst>
+                                            <p:cond delay="499"/>
+                                          </p:stCondLst>
+                                        </p:cTn>
+                                        <p:tgtEl>
+                                          <p:spTgt spid="57"/>
+                                        </p:tgtEl>
+                                        <p:attrNameLst>
+                                          <p:attrName>style.visibility</p:attrName>
+                                        </p:attrNameLst>
+                                      </p:cBhvr>
+                                      <p:to>
+                                        <p:strVal val="hidden"/>
+                                      </p:to>
+                                    </p:set>
+                                  </p:childTnLst>
+                                </p:cTn>
+                              </p:par>
+                            </p:childTnLst>
+                          </p:cTn>
+                        </p:par>
+                      </p:childTnLst>
+                    </p:cTn>
+                  </p:par>
+                  <p:par>
+                    <p:cTn id="79" fill="hold">
+                      <p:stCondLst>
+                        <p:cond delay="indefinite"/>
+                      </p:stCondLst>
+                      <p:childTnLst>
+                        <p:par>
+                          <p:cTn id="80" fill="hold">
+                            <p:stCondLst>
+                              <p:cond delay="0"/>
+                            </p:stCondLst>
+                            <p:childTnLst>
+                              <p:par>
+                                <p:cTn id="81" presetID="10" presetClass="entr" presetSubtype="0" fill="hold" grpId="0" nodeType="clickEffect">
+                                  <p:stCondLst>
+                                    <p:cond delay="0"/>
+                                  </p:stCondLst>
+                                  <p:childTnLst>
+                                    <p:set>
+                                      <p:cBhvr>
+                                        <p:cTn id="82" dur="1" fill="hold">
+                                          <p:stCondLst>
+                                            <p:cond delay="0"/>
+                                          </p:stCondLst>
+                                        </p:cTn>
+                                        <p:tgtEl>
+                                          <p:spTgt spid="62"/>
+                                        </p:tgtEl>
+                                        <p:attrNameLst>
+                                          <p:attrName>style.visibility</p:attrName>
+                                        </p:attrNameLst>
+                                      </p:cBhvr>
+                                      <p:to>
+                                        <p:strVal val="visible"/>
+                                      </p:to>
+                                    </p:set>
+                                    <p:animEffect transition="in" filter="fade">
+                                      <p:cBhvr>
+                                        <p:cTn id="83" dur="500"/>
+                                        <p:tgtEl>
+                                          <p:spTgt spid="62"/>
+                                        </p:tgtEl>
+                                      </p:cBhvr>
+                                    </p:animEffect>
+                                  </p:childTnLst>
+                                </p:cTn>
+                              </p:par>
+                            </p:childTnLst>
+                          </p:cTn>
+                        </p:par>
+                      </p:childTnLst>
+                    </p:cTn>
+                  </p:par>
+                  <p:par>
+                    <p:cTn id="84" fill="hold">
+                      <p:stCondLst>
+                        <p:cond delay="indefinite"/>
+                      </p:stCondLst>
+                      <p:childTnLst>
+                        <p:par>
+                          <p:cTn id="85" fill="hold">
+                            <p:stCondLst>
+                              <p:cond delay="0"/>
+                            </p:stCondLst>
+                            <p:childTnLst>
+                              <p:par>
+                                <p:cTn id="86" presetID="10" presetClass="entr" presetSubtype="0" fill="hold" grpId="0" nodeType="clickEffect">
+                                  <p:stCondLst>
+                                    <p:cond delay="0"/>
+                                  </p:stCondLst>
+                                  <p:childTnLst>
+                                    <p:set>
+                                      <p:cBhvr>
+                                        <p:cTn id="87" dur="1" fill="hold">
+                                          <p:stCondLst>
+                                            <p:cond delay="0"/>
+                                          </p:stCondLst>
+                                        </p:cTn>
+                                        <p:tgtEl>
+                                          <p:spTgt spid="68"/>
+                                        </p:tgtEl>
+                                        <p:attrNameLst>
+                                          <p:attrName>style.visibility</p:attrName>
+                                        </p:attrNameLst>
+                                      </p:cBhvr>
+                                      <p:to>
+                                        <p:strVal val="visible"/>
+                                      </p:to>
+                                    </p:set>
+                                    <p:animEffect transition="in" filter="fade">
+                                      <p:cBhvr>
+                                        <p:cTn id="88" dur="500"/>
+                                        <p:tgtEl>
+                                          <p:spTgt spid="68"/>
+                                        </p:tgtEl>
+                                      </p:cBhvr>
+                                    </p:animEffect>
+                                  </p:childTnLst>
+                                </p:cTn>
+                              </p:par>
+                            </p:childTnLst>
+                          </p:cTn>
+                        </p:par>
+                      </p:childTnLst>
+                    </p:cTn>
+                  </p:par>
+                </p:childTnLst>
+              </p:cTn>
+              <p:prevCondLst>
+                <p:cond evt="onPrev" delay="0">
+                  <p:tgtEl>
+                    <p:sldTgt/>
+                  </p:tgtEl>
+                </p:cond>
+              </p:prevCondLst>
+              <p:nextCondLst>
+                <p:cond evt="onNext" delay="0">
+                  <p:tgtEl>
+                    <p:sldTgt/>
+                  </p:tgtEl>
+                </p:cond>
+              </p:nextCondLst>
+            </p:seq>
+          </p:childTnLst>
+        </p:cTn>
       </p:par>
     </p:tnLst>
+    <p:bldLst>
+      <p:bldP spid="62" grpId="0" animBg="1"/>
+      <p:bldP spid="68" grpId="0" animBg="1"/>
+    </p:bldLst>
   </p:timing>
 </p:sld>
 </file>
@@ -26888,10 +30527,6 @@
           <a:bodyPr/>
           <a:lstStyle/>
           <a:p>
-            <a:r>
-              <a:rPr lang="en-US" altLang="zh-TW" dirty="0" smtClean="0"/>
-              <a:t>Questions:</a:t>
-            </a:r>
             <a:endParaRPr lang="zh-TW" altLang="en-US" dirty="0"/>
           </a:p>
         </p:txBody>
@@ -26908,134 +30543,315 @@
         </p:nvSpPr>
         <p:spPr/>
         <p:txBody>
-          <a:bodyPr/>
+          <a:bodyPr>
+            <a:normAutofit/>
+          </a:bodyPr>
           <a:lstStyle/>
           <a:p>
             <a:r>
+              <a:rPr lang="en-US" altLang="zh-TW" dirty="0" smtClean="0">
+                <a:solidFill>
+                  <a:srgbClr val="00B0F0"/>
+                </a:solidFill>
+              </a:rPr>
+              <a:t>#</a:t>
+            </a:r>
+            <a:r>
+              <a:rPr lang="zh-TW" altLang="en-US" dirty="0" smtClean="0">
+                <a:solidFill>
+                  <a:srgbClr val="00B0F0"/>
+                </a:solidFill>
+              </a:rPr>
+              <a:t> 啟動 </a:t>
+            </a:r>
+            <a:r>
+              <a:rPr lang="en-US" altLang="zh-TW" dirty="0" smtClean="0">
+                <a:solidFill>
+                  <a:srgbClr val="00B0F0"/>
+                </a:solidFill>
+              </a:rPr>
+              <a:t>APIWEB</a:t>
+            </a:r>
+          </a:p>
+          <a:p>
+            <a:r>
+              <a:rPr lang="en-US" altLang="zh-TW" dirty="0" err="1" smtClean="0"/>
+              <a:t>docker</a:t>
+            </a:r>
+            <a:r>
               <a:rPr lang="en-US" altLang="zh-TW" dirty="0" smtClean="0"/>
-              <a:t>Q: container </a:t>
-            </a:r>
-            <a:r>
-              <a:rPr lang="zh-TW" altLang="en-US" dirty="0" smtClean="0"/>
-              <a:t>內如何安裝指定的 </a:t>
+              <a:t> </a:t>
+            </a:r>
+            <a:r>
+              <a:rPr lang="en-US" altLang="zh-TW" dirty="0"/>
+              <a:t>run -d --name </a:t>
+            </a:r>
+            <a:r>
+              <a:rPr lang="en-US" altLang="zh-TW" dirty="0" err="1"/>
+              <a:t>apiurl</a:t>
+            </a:r>
+            <a:r>
+              <a:rPr lang="en-US" altLang="zh-TW" dirty="0"/>
+              <a:t> -p 80 </a:t>
             </a:r>
             <a:r>
               <a:rPr lang="en-US" altLang="zh-TW" dirty="0" smtClean="0"/>
-              <a:t>hotfix</a:t>
-            </a:r>
-            <a:r>
-              <a:rPr lang="zh-TW" altLang="en-US" dirty="0" smtClean="0"/>
+              <a:t>andrew0928/sdkdemo.apiweb:10.1</a:t>
+            </a:r>
+          </a:p>
+          <a:p>
+            <a:endParaRPr lang="en-US" altLang="zh-TW" dirty="0" smtClean="0"/>
+          </a:p>
+          <a:p>
+            <a:r>
+              <a:rPr lang="en-US" altLang="zh-TW" dirty="0" smtClean="0">
+                <a:solidFill>
+                  <a:srgbClr val="00B0F0"/>
+                </a:solidFill>
+              </a:rPr>
+              <a:t>#</a:t>
+            </a:r>
+            <a:r>
+              <a:rPr lang="zh-TW" altLang="en-US" dirty="0" smtClean="0">
+                <a:solidFill>
+                  <a:srgbClr val="00B0F0"/>
+                </a:solidFill>
+              </a:rPr>
+              <a:t> 執行</a:t>
+            </a:r>
+            <a:r>
+              <a:rPr lang="en-US" altLang="zh-TW" dirty="0">
+                <a:solidFill>
+                  <a:srgbClr val="00B0F0"/>
+                </a:solidFill>
+              </a:rPr>
               <a:t> </a:t>
             </a:r>
             <a:r>
+              <a:rPr lang="en-US" altLang="zh-TW" dirty="0" smtClean="0">
+                <a:solidFill>
+                  <a:srgbClr val="00B0F0"/>
+                </a:solidFill>
+              </a:rPr>
+              <a:t>10.1 </a:t>
+            </a:r>
+            <a:r>
+              <a:rPr lang="zh-TW" altLang="en-US" dirty="0" smtClean="0">
+                <a:solidFill>
+                  <a:srgbClr val="00B0F0"/>
+                </a:solidFill>
+              </a:rPr>
+              <a:t>版本的測試程式，連結到 </a:t>
+            </a:r>
+            <a:r>
+              <a:rPr lang="en-US" altLang="zh-TW" dirty="0" err="1" smtClean="0">
+                <a:solidFill>
+                  <a:srgbClr val="00B0F0"/>
+                </a:solidFill>
+              </a:rPr>
+              <a:t>apiurl</a:t>
+            </a:r>
+            <a:r>
+              <a:rPr lang="en-US" altLang="zh-TW" dirty="0" smtClean="0">
+                <a:solidFill>
+                  <a:srgbClr val="00B0F0"/>
+                </a:solidFill>
+              </a:rPr>
+              <a:t> </a:t>
+            </a:r>
+            <a:r>
+              <a:rPr lang="zh-TW" altLang="en-US" dirty="0" smtClean="0">
+                <a:solidFill>
+                  <a:srgbClr val="00B0F0"/>
+                </a:solidFill>
+              </a:rPr>
+              <a:t>容器，執行結束就自動刪除</a:t>
+            </a:r>
+            <a:endParaRPr lang="en-US" altLang="zh-TW" dirty="0" smtClean="0">
+              <a:solidFill>
+                <a:srgbClr val="00B0F0"/>
+              </a:solidFill>
+            </a:endParaRPr>
+          </a:p>
+          <a:p>
+            <a:r>
+              <a:rPr lang="en-US" altLang="zh-TW" dirty="0" err="1" smtClean="0"/>
+              <a:t>docker</a:t>
+            </a:r>
+            <a:r>
               <a:rPr lang="en-US" altLang="zh-TW" dirty="0" smtClean="0"/>
-              <a:t>?</a:t>
-            </a:r>
-          </a:p>
-          <a:p>
+              <a:t> </a:t>
+            </a:r>
+            <a:r>
+              <a:rPr lang="en-US" altLang="zh-TW" dirty="0"/>
+              <a:t>run --</a:t>
+            </a:r>
+            <a:r>
+              <a:rPr lang="en-US" altLang="zh-TW" dirty="0" err="1"/>
+              <a:t>rm</a:t>
+            </a:r>
+            <a:r>
+              <a:rPr lang="en-US" altLang="zh-TW" dirty="0"/>
+              <a:t> --link </a:t>
+            </a:r>
+            <a:r>
+              <a:rPr lang="en-US" altLang="zh-TW" dirty="0" err="1"/>
+              <a:t>apiurl:apiurl</a:t>
+            </a:r>
+            <a:r>
+              <a:rPr lang="en-US" altLang="zh-TW" dirty="0"/>
+              <a:t> </a:t>
+            </a:r>
             <a:r>
               <a:rPr lang="en-US" altLang="zh-TW" dirty="0" smtClean="0"/>
-              <a:t>Q: container </a:t>
-            </a:r>
-            <a:r>
-              <a:rPr lang="zh-TW" altLang="en-US" dirty="0" smtClean="0"/>
-              <a:t>如何處理作業系統的更新</a:t>
+              <a:t>andrew0928/sdkdemo.testconsole:10.1</a:t>
+            </a:r>
+          </a:p>
+          <a:p>
+            <a:endParaRPr lang="en-US" altLang="zh-TW" dirty="0"/>
+          </a:p>
+          <a:p>
+            <a:r>
+              <a:rPr lang="en-US" altLang="zh-TW" dirty="0">
+                <a:solidFill>
+                  <a:srgbClr val="00B0F0"/>
+                </a:solidFill>
+              </a:rPr>
+              <a:t>#</a:t>
+            </a:r>
+            <a:r>
+              <a:rPr lang="zh-TW" altLang="en-US" dirty="0">
+                <a:solidFill>
+                  <a:srgbClr val="00B0F0"/>
+                </a:solidFill>
+              </a:rPr>
+              <a:t> 執行</a:t>
+            </a:r>
+            <a:r>
+              <a:rPr lang="en-US" altLang="zh-TW" dirty="0">
+                <a:solidFill>
+                  <a:srgbClr val="00B0F0"/>
+                </a:solidFill>
+              </a:rPr>
+              <a:t> </a:t>
+            </a:r>
+            <a:r>
+              <a:rPr lang="en-US" altLang="zh-TW" dirty="0" smtClean="0">
+                <a:solidFill>
+                  <a:srgbClr val="00B0F0"/>
+                </a:solidFill>
+              </a:rPr>
+              <a:t>10.2 </a:t>
+            </a:r>
+            <a:r>
+              <a:rPr lang="zh-TW" altLang="en-US" dirty="0">
+                <a:solidFill>
+                  <a:srgbClr val="00B0F0"/>
+                </a:solidFill>
+              </a:rPr>
+              <a:t>版本的測試程式，連結到 </a:t>
+            </a:r>
+            <a:r>
+              <a:rPr lang="en-US" altLang="zh-TW" dirty="0" err="1">
+                <a:solidFill>
+                  <a:srgbClr val="00B0F0"/>
+                </a:solidFill>
+              </a:rPr>
+              <a:t>apiurl</a:t>
+            </a:r>
+            <a:r>
+              <a:rPr lang="en-US" altLang="zh-TW" dirty="0">
+                <a:solidFill>
+                  <a:srgbClr val="00B0F0"/>
+                </a:solidFill>
+              </a:rPr>
+              <a:t> </a:t>
+            </a:r>
+            <a:r>
+              <a:rPr lang="zh-TW" altLang="en-US" dirty="0">
+                <a:solidFill>
+                  <a:srgbClr val="00B0F0"/>
+                </a:solidFill>
+              </a:rPr>
+              <a:t>容器，執行結束就自動刪除</a:t>
+            </a:r>
+            <a:endParaRPr lang="en-US" altLang="zh-TW" dirty="0">
+              <a:solidFill>
+                <a:srgbClr val="00B0F0"/>
+              </a:solidFill>
+            </a:endParaRPr>
+          </a:p>
+          <a:p>
+            <a:r>
+              <a:rPr lang="en-US" altLang="zh-TW" dirty="0" err="1" smtClean="0"/>
+              <a:t>docker</a:t>
             </a:r>
             <a:r>
               <a:rPr lang="en-US" altLang="zh-TW" dirty="0" smtClean="0"/>
-              <a:t>?</a:t>
-            </a:r>
-            <a:r>
-              <a:rPr lang="zh-TW" altLang="en-US" dirty="0" smtClean="0"/>
               <a:t> </a:t>
             </a:r>
             <a:r>
+              <a:rPr lang="en-US" altLang="zh-TW" dirty="0"/>
+              <a:t>run --</a:t>
+            </a:r>
+            <a:r>
+              <a:rPr lang="en-US" altLang="zh-TW" dirty="0" err="1"/>
+              <a:t>rm</a:t>
+            </a:r>
+            <a:r>
+              <a:rPr lang="en-US" altLang="zh-TW" dirty="0"/>
+              <a:t> --link </a:t>
+            </a:r>
+            <a:r>
+              <a:rPr lang="en-US" altLang="zh-TW" dirty="0" err="1"/>
+              <a:t>apiurl:apiurl</a:t>
+            </a:r>
+            <a:r>
+              <a:rPr lang="en-US" altLang="zh-TW" dirty="0"/>
+              <a:t> </a:t>
+            </a:r>
+            <a:r>
               <a:rPr lang="en-US" altLang="zh-TW" dirty="0" smtClean="0"/>
-              <a:t>(windows</a:t>
-            </a:r>
-            <a:r>
-              <a:rPr lang="zh-TW" altLang="en-US" dirty="0" smtClean="0"/>
+              <a:t>andrew0928/sdkdemo.testconsole:10.2</a:t>
+            </a:r>
+          </a:p>
+          <a:p>
+            <a:r>
+              <a:rPr lang="en-US" altLang="zh-TW" dirty="0" smtClean="0">
+                <a:solidFill>
+                  <a:srgbClr val="00B0F0"/>
+                </a:solidFill>
+              </a:rPr>
+              <a:t>#</a:t>
+            </a:r>
+            <a:r>
+              <a:rPr lang="zh-TW" altLang="en-US" dirty="0" smtClean="0">
+                <a:solidFill>
+                  <a:srgbClr val="00B0F0"/>
+                </a:solidFill>
+              </a:rPr>
               <a:t> </a:t>
             </a:r>
             <a:r>
-              <a:rPr lang="en-US" altLang="zh-TW" dirty="0" smtClean="0"/>
-              <a:t>update,</a:t>
-            </a:r>
-            <a:r>
-              <a:rPr lang="zh-TW" altLang="en-US" dirty="0" smtClean="0"/>
-              <a:t> </a:t>
-            </a:r>
-            <a:r>
-              <a:rPr lang="en-US" altLang="zh-TW" dirty="0" smtClean="0"/>
-              <a:t>IIS</a:t>
-            </a:r>
-            <a:r>
-              <a:rPr lang="zh-TW" altLang="en-US" dirty="0" smtClean="0"/>
-              <a:t> </a:t>
-            </a:r>
-            <a:r>
-              <a:rPr lang="en-US" altLang="zh-TW" dirty="0" smtClean="0"/>
-              <a:t>hotfix</a:t>
-            </a:r>
-            <a:r>
-              <a:rPr lang="zh-TW" altLang="en-US" dirty="0" smtClean="0"/>
-              <a:t> </a:t>
-            </a:r>
-            <a:r>
-              <a:rPr lang="en-US" altLang="zh-TW" dirty="0" smtClean="0"/>
-              <a:t>… </a:t>
-            </a:r>
-            <a:r>
-              <a:rPr lang="en-US" altLang="zh-TW" dirty="0" err="1" smtClean="0"/>
-              <a:t>etc</a:t>
-            </a:r>
-            <a:r>
-              <a:rPr lang="en-US" altLang="zh-TW" dirty="0" smtClean="0"/>
-              <a:t>)</a:t>
-            </a:r>
-            <a:endParaRPr lang="en-US" altLang="zh-TW" dirty="0" smtClean="0"/>
-          </a:p>
-          <a:p>
-            <a:r>
-              <a:rPr lang="en-US" altLang="zh-TW" dirty="0" smtClean="0"/>
-              <a:t>Q: </a:t>
-            </a:r>
-            <a:r>
-              <a:rPr lang="zh-TW" altLang="en-US" dirty="0" smtClean="0"/>
-              <a:t>手動準備 </a:t>
-            </a:r>
-            <a:r>
-              <a:rPr lang="en-US" altLang="zh-TW" dirty="0" smtClean="0"/>
-              <a:t>container image (</a:t>
-            </a:r>
-            <a:r>
-              <a:rPr lang="zh-TW" altLang="en-US" dirty="0" smtClean="0"/>
-              <a:t>不透過 </a:t>
-            </a:r>
-            <a:r>
-              <a:rPr lang="en-US" altLang="zh-TW" dirty="0" err="1" smtClean="0"/>
-              <a:t>dockerfile</a:t>
-            </a:r>
-            <a:r>
-              <a:rPr lang="en-US" altLang="zh-TW" dirty="0" smtClean="0"/>
-              <a:t>,</a:t>
-            </a:r>
-            <a:r>
-              <a:rPr lang="zh-TW" altLang="en-US" dirty="0" smtClean="0"/>
-              <a:t> 改用 </a:t>
-            </a:r>
-            <a:r>
-              <a:rPr lang="en-US" altLang="zh-TW" dirty="0" smtClean="0"/>
-              <a:t>commit)</a:t>
-            </a:r>
-            <a:endParaRPr lang="zh-TW" altLang="en-US" dirty="0"/>
+              <a:rPr lang="en-US" altLang="zh-TW" dirty="0" smtClean="0">
+                <a:solidFill>
+                  <a:srgbClr val="00B0F0"/>
+                </a:solidFill>
+              </a:rPr>
+              <a:t>…</a:t>
+            </a:r>
+            <a:endParaRPr lang="en-US" altLang="zh-TW" dirty="0">
+              <a:solidFill>
+                <a:srgbClr val="00B0F0"/>
+              </a:solidFill>
+            </a:endParaRPr>
           </a:p>
         </p:txBody>
       </p:sp>
     </p:spTree>
     <p:extLst>
       <p:ext uri="{BB962C8B-B14F-4D97-AF65-F5344CB8AC3E}">
-        <p14:creationId xmlns:p14="http://schemas.microsoft.com/office/powerpoint/2010/main" val="1155386683"/>
+        <p14:creationId xmlns:p14="http://schemas.microsoft.com/office/powerpoint/2010/main" val="3863103930"/>
       </p:ext>
     </p:extLst>
   </p:cSld>
@@ -27045,7 +30861,403 @@
   <p:timing>
     <p:tnLst>
       <p:par>
-        <p:cTn id="1" dur="indefinite" restart="never" nodeType="tmRoot"/>
+        <p:cTn id="1" dur="indefinite" restart="never" nodeType="tmRoot">
+          <p:childTnLst>
+            <p:seq concurrent="1" nextAc="seek">
+              <p:cTn id="2" dur="indefinite" nodeType="mainSeq">
+                <p:childTnLst>
+                  <p:par>
+                    <p:cTn id="3" fill="hold">
+                      <p:stCondLst>
+                        <p:cond delay="indefinite"/>
+                      </p:stCondLst>
+                      <p:childTnLst>
+                        <p:par>
+                          <p:cTn id="4" fill="hold">
+                            <p:stCondLst>
+                              <p:cond delay="0"/>
+                            </p:stCondLst>
+                            <p:childTnLst>
+                              <p:par>
+                                <p:cTn id="5" presetID="10" presetClass="entr" presetSubtype="0" fill="hold" nodeType="clickEffect">
+                                  <p:stCondLst>
+                                    <p:cond delay="0"/>
+                                  </p:stCondLst>
+                                  <p:childTnLst>
+                                    <p:set>
+                                      <p:cBhvr>
+                                        <p:cTn id="6" dur="1" fill="hold">
+                                          <p:stCondLst>
+                                            <p:cond delay="0"/>
+                                          </p:stCondLst>
+                                        </p:cTn>
+                                        <p:tgtEl>
+                                          <p:spTgt spid="4">
+                                            <p:txEl>
+                                              <p:pRg st="0" end="0"/>
+                                            </p:txEl>
+                                          </p:spTgt>
+                                        </p:tgtEl>
+                                        <p:attrNameLst>
+                                          <p:attrName>style.visibility</p:attrName>
+                                        </p:attrNameLst>
+                                      </p:cBhvr>
+                                      <p:to>
+                                        <p:strVal val="visible"/>
+                                      </p:to>
+                                    </p:set>
+                                    <p:animEffect transition="in" filter="fade">
+                                      <p:cBhvr>
+                                        <p:cTn id="7" dur="500"/>
+                                        <p:tgtEl>
+                                          <p:spTgt spid="4">
+                                            <p:txEl>
+                                              <p:pRg st="0" end="0"/>
+                                            </p:txEl>
+                                          </p:spTgt>
+                                        </p:tgtEl>
+                                      </p:cBhvr>
+                                    </p:animEffect>
+                                  </p:childTnLst>
+                                </p:cTn>
+                              </p:par>
+                              <p:par>
+                                <p:cTn id="8" presetID="10" presetClass="entr" presetSubtype="0" fill="hold" nodeType="withEffect">
+                                  <p:stCondLst>
+                                    <p:cond delay="0"/>
+                                  </p:stCondLst>
+                                  <p:childTnLst>
+                                    <p:set>
+                                      <p:cBhvr>
+                                        <p:cTn id="9" dur="1" fill="hold">
+                                          <p:stCondLst>
+                                            <p:cond delay="0"/>
+                                          </p:stCondLst>
+                                        </p:cTn>
+                                        <p:tgtEl>
+                                          <p:spTgt spid="4">
+                                            <p:txEl>
+                                              <p:pRg st="1" end="1"/>
+                                            </p:txEl>
+                                          </p:spTgt>
+                                        </p:tgtEl>
+                                        <p:attrNameLst>
+                                          <p:attrName>style.visibility</p:attrName>
+                                        </p:attrNameLst>
+                                      </p:cBhvr>
+                                      <p:to>
+                                        <p:strVal val="visible"/>
+                                      </p:to>
+                                    </p:set>
+                                    <p:animEffect transition="in" filter="fade">
+                                      <p:cBhvr>
+                                        <p:cTn id="10" dur="500"/>
+                                        <p:tgtEl>
+                                          <p:spTgt spid="4">
+                                            <p:txEl>
+                                              <p:pRg st="1" end="1"/>
+                                            </p:txEl>
+                                          </p:spTgt>
+                                        </p:tgtEl>
+                                      </p:cBhvr>
+                                    </p:animEffect>
+                                  </p:childTnLst>
+                                </p:cTn>
+                              </p:par>
+                            </p:childTnLst>
+                          </p:cTn>
+                        </p:par>
+                      </p:childTnLst>
+                    </p:cTn>
+                  </p:par>
+                  <p:par>
+                    <p:cTn id="11" fill="hold">
+                      <p:stCondLst>
+                        <p:cond delay="indefinite"/>
+                      </p:stCondLst>
+                      <p:childTnLst>
+                        <p:par>
+                          <p:cTn id="12" fill="hold">
+                            <p:stCondLst>
+                              <p:cond delay="0"/>
+                            </p:stCondLst>
+                            <p:childTnLst>
+                              <p:par>
+                                <p:cTn id="13" presetID="10" presetClass="entr" presetSubtype="0" fill="hold" nodeType="clickEffect">
+                                  <p:stCondLst>
+                                    <p:cond delay="0"/>
+                                  </p:stCondLst>
+                                  <p:childTnLst>
+                                    <p:set>
+                                      <p:cBhvr>
+                                        <p:cTn id="14" dur="1" fill="hold">
+                                          <p:stCondLst>
+                                            <p:cond delay="0"/>
+                                          </p:stCondLst>
+                                        </p:cTn>
+                                        <p:tgtEl>
+                                          <p:spTgt spid="4">
+                                            <p:txEl>
+                                              <p:pRg st="3" end="3"/>
+                                            </p:txEl>
+                                          </p:spTgt>
+                                        </p:tgtEl>
+                                        <p:attrNameLst>
+                                          <p:attrName>style.visibility</p:attrName>
+                                        </p:attrNameLst>
+                                      </p:cBhvr>
+                                      <p:to>
+                                        <p:strVal val="visible"/>
+                                      </p:to>
+                                    </p:set>
+                                    <p:animEffect transition="in" filter="fade">
+                                      <p:cBhvr>
+                                        <p:cTn id="15" dur="500"/>
+                                        <p:tgtEl>
+                                          <p:spTgt spid="4">
+                                            <p:txEl>
+                                              <p:pRg st="3" end="3"/>
+                                            </p:txEl>
+                                          </p:spTgt>
+                                        </p:tgtEl>
+                                      </p:cBhvr>
+                                    </p:animEffect>
+                                  </p:childTnLst>
+                                </p:cTn>
+                              </p:par>
+                              <p:par>
+                                <p:cTn id="16" presetID="10" presetClass="entr" presetSubtype="0" fill="hold" nodeType="withEffect">
+                                  <p:stCondLst>
+                                    <p:cond delay="0"/>
+                                  </p:stCondLst>
+                                  <p:childTnLst>
+                                    <p:set>
+                                      <p:cBhvr>
+                                        <p:cTn id="17" dur="1" fill="hold">
+                                          <p:stCondLst>
+                                            <p:cond delay="0"/>
+                                          </p:stCondLst>
+                                        </p:cTn>
+                                        <p:tgtEl>
+                                          <p:spTgt spid="4">
+                                            <p:txEl>
+                                              <p:pRg st="4" end="4"/>
+                                            </p:txEl>
+                                          </p:spTgt>
+                                        </p:tgtEl>
+                                        <p:attrNameLst>
+                                          <p:attrName>style.visibility</p:attrName>
+                                        </p:attrNameLst>
+                                      </p:cBhvr>
+                                      <p:to>
+                                        <p:strVal val="visible"/>
+                                      </p:to>
+                                    </p:set>
+                                    <p:animEffect transition="in" filter="fade">
+                                      <p:cBhvr>
+                                        <p:cTn id="18" dur="500"/>
+                                        <p:tgtEl>
+                                          <p:spTgt spid="4">
+                                            <p:txEl>
+                                              <p:pRg st="4" end="4"/>
+                                            </p:txEl>
+                                          </p:spTgt>
+                                        </p:tgtEl>
+                                      </p:cBhvr>
+                                    </p:animEffect>
+                                  </p:childTnLst>
+                                </p:cTn>
+                              </p:par>
+                            </p:childTnLst>
+                          </p:cTn>
+                        </p:par>
+                      </p:childTnLst>
+                    </p:cTn>
+                  </p:par>
+                  <p:par>
+                    <p:cTn id="19" fill="hold">
+                      <p:stCondLst>
+                        <p:cond delay="indefinite"/>
+                      </p:stCondLst>
+                      <p:childTnLst>
+                        <p:par>
+                          <p:cTn id="20" fill="hold">
+                            <p:stCondLst>
+                              <p:cond delay="0"/>
+                            </p:stCondLst>
+                            <p:childTnLst>
+                              <p:par>
+                                <p:cTn id="21" presetID="10" presetClass="entr" presetSubtype="0" fill="hold" nodeType="clickEffect">
+                                  <p:stCondLst>
+                                    <p:cond delay="0"/>
+                                  </p:stCondLst>
+                                  <p:childTnLst>
+                                    <p:set>
+                                      <p:cBhvr>
+                                        <p:cTn id="22" dur="1" fill="hold">
+                                          <p:stCondLst>
+                                            <p:cond delay="0"/>
+                                          </p:stCondLst>
+                                        </p:cTn>
+                                        <p:tgtEl>
+                                          <p:spTgt spid="4">
+                                            <p:txEl>
+                                              <p:pRg st="6" end="6"/>
+                                            </p:txEl>
+                                          </p:spTgt>
+                                        </p:tgtEl>
+                                        <p:attrNameLst>
+                                          <p:attrName>style.visibility</p:attrName>
+                                        </p:attrNameLst>
+                                      </p:cBhvr>
+                                      <p:to>
+                                        <p:strVal val="visible"/>
+                                      </p:to>
+                                    </p:set>
+                                    <p:animEffect transition="in" filter="fade">
+                                      <p:cBhvr>
+                                        <p:cTn id="23" dur="500"/>
+                                        <p:tgtEl>
+                                          <p:spTgt spid="4">
+                                            <p:txEl>
+                                              <p:pRg st="6" end="6"/>
+                                            </p:txEl>
+                                          </p:spTgt>
+                                        </p:tgtEl>
+                                      </p:cBhvr>
+                                    </p:animEffect>
+                                  </p:childTnLst>
+                                </p:cTn>
+                              </p:par>
+                              <p:par>
+                                <p:cTn id="24" presetID="10" presetClass="entr" presetSubtype="0" fill="hold" nodeType="withEffect">
+                                  <p:stCondLst>
+                                    <p:cond delay="0"/>
+                                  </p:stCondLst>
+                                  <p:childTnLst>
+                                    <p:set>
+                                      <p:cBhvr>
+                                        <p:cTn id="25" dur="1" fill="hold">
+                                          <p:stCondLst>
+                                            <p:cond delay="0"/>
+                                          </p:stCondLst>
+                                        </p:cTn>
+                                        <p:tgtEl>
+                                          <p:spTgt spid="4">
+                                            <p:txEl>
+                                              <p:pRg st="7" end="7"/>
+                                            </p:txEl>
+                                          </p:spTgt>
+                                        </p:tgtEl>
+                                        <p:attrNameLst>
+                                          <p:attrName>style.visibility</p:attrName>
+                                        </p:attrNameLst>
+                                      </p:cBhvr>
+                                      <p:to>
+                                        <p:strVal val="visible"/>
+                                      </p:to>
+                                    </p:set>
+                                    <p:animEffect transition="in" filter="fade">
+                                      <p:cBhvr>
+                                        <p:cTn id="26" dur="500"/>
+                                        <p:tgtEl>
+                                          <p:spTgt spid="4">
+                                            <p:txEl>
+                                              <p:pRg st="7" end="7"/>
+                                            </p:txEl>
+                                          </p:spTgt>
+                                        </p:tgtEl>
+                                      </p:cBhvr>
+                                    </p:animEffect>
+                                  </p:childTnLst>
+                                </p:cTn>
+                              </p:par>
+                            </p:childTnLst>
+                          </p:cTn>
+                        </p:par>
+                      </p:childTnLst>
+                    </p:cTn>
+                  </p:par>
+                  <p:par>
+                    <p:cTn id="27" fill="hold">
+                      <p:stCondLst>
+                        <p:cond delay="indefinite"/>
+                      </p:stCondLst>
+                      <p:childTnLst>
+                        <p:par>
+                          <p:cTn id="28" fill="hold">
+                            <p:stCondLst>
+                              <p:cond delay="0"/>
+                            </p:stCondLst>
+                            <p:childTnLst>
+                              <p:par>
+                                <p:cTn id="29" presetID="10" presetClass="entr" presetSubtype="0" fill="hold" nodeType="clickEffect">
+                                  <p:stCondLst>
+                                    <p:cond delay="0"/>
+                                  </p:stCondLst>
+                                  <p:childTnLst>
+                                    <p:set>
+                                      <p:cBhvr>
+                                        <p:cTn id="30" dur="1" fill="hold">
+                                          <p:stCondLst>
+                                            <p:cond delay="0"/>
+                                          </p:stCondLst>
+                                        </p:cTn>
+                                        <p:tgtEl>
+                                          <p:spTgt spid="4">
+                                            <p:txEl>
+                                              <p:pRg st="8" end="8"/>
+                                            </p:txEl>
+                                          </p:spTgt>
+                                        </p:tgtEl>
+                                        <p:attrNameLst>
+                                          <p:attrName>style.visibility</p:attrName>
+                                        </p:attrNameLst>
+                                      </p:cBhvr>
+                                      <p:to>
+                                        <p:strVal val="visible"/>
+                                      </p:to>
+                                    </p:set>
+                                    <p:animEffect transition="in" filter="fade">
+                                      <p:cBhvr>
+                                        <p:cTn id="31" dur="500"/>
+                                        <p:tgtEl>
+                                          <p:spTgt spid="4">
+                                            <p:txEl>
+                                              <p:pRg st="8" end="8"/>
+                                            </p:txEl>
+                                          </p:spTgt>
+                                        </p:tgtEl>
+                                      </p:cBhvr>
+                                    </p:animEffect>
+                                  </p:childTnLst>
+                                </p:cTn>
+                              </p:par>
+                            </p:childTnLst>
+                          </p:cTn>
+                        </p:par>
+                      </p:childTnLst>
+                    </p:cTn>
+                  </p:par>
+                </p:childTnLst>
+              </p:cTn>
+              <p:prevCondLst>
+                <p:cond evt="onPrev" delay="0">
+                  <p:tgtEl>
+                    <p:sldTgt/>
+                  </p:tgtEl>
+                </p:cond>
+              </p:prevCondLst>
+              <p:nextCondLst>
+                <p:cond evt="onNext" delay="0">
+                  <p:tgtEl>
+                    <p:sldTgt/>
+                  </p:tgtEl>
+                </p:cond>
+              </p:nextCondLst>
+            </p:seq>
+          </p:childTnLst>
+        </p:cTn>
       </p:par>
     </p:tnLst>
   </p:timing>
@@ -27085,6 +31297,855 @@
           <a:lstStyle/>
           <a:p>
             <a:endParaRPr lang="zh-TW" altLang="en-US"/>
+          </a:p>
+        </p:txBody>
+      </p:sp>
+      <p:sp>
+        <p:nvSpPr>
+          <p:cNvPr id="3" name="內容版面配置區 2"/>
+          <p:cNvSpPr>
+            <a:spLocks noGrp="1"/>
+          </p:cNvSpPr>
+          <p:nvPr>
+            <p:ph idx="1"/>
+          </p:nvPr>
+        </p:nvSpPr>
+        <p:spPr/>
+        <p:txBody>
+          <a:bodyPr/>
+          <a:lstStyle/>
+          <a:p>
+            <a:endParaRPr lang="zh-TW" altLang="en-US"/>
+          </a:p>
+        </p:txBody>
+      </p:sp>
+    </p:spTree>
+    <p:extLst>
+      <p:ext uri="{BB962C8B-B14F-4D97-AF65-F5344CB8AC3E}">
+        <p14:creationId xmlns:p14="http://schemas.microsoft.com/office/powerpoint/2010/main" val="4131701649"/>
+      </p:ext>
+    </p:extLst>
+  </p:cSld>
+  <p:clrMapOvr>
+    <a:masterClrMapping/>
+  </p:clrMapOvr>
+  <p:timing>
+    <p:tnLst>
+      <p:par>
+        <p:cTn id="1" dur="indefinite" restart="never" nodeType="tmRoot"/>
+      </p:par>
+    </p:tnLst>
+  </p:timing>
+</p:sld>
+</file>
+
+<file path=ppt/slides/slide32.xml><?xml version="1.0" encoding="utf-8"?>
+<p:sld xmlns:a="http://schemas.openxmlformats.org/drawingml/2006/main" xmlns:r="http://schemas.openxmlformats.org/officeDocument/2006/relationships" xmlns:p="http://schemas.openxmlformats.org/presentationml/2006/main">
+  <p:cSld>
+    <p:spTree>
+      <p:nvGrpSpPr>
+        <p:cNvPr id="1" name=""/>
+        <p:cNvGrpSpPr/>
+        <p:nvPr/>
+      </p:nvGrpSpPr>
+      <p:grpSpPr>
+        <a:xfrm>
+          <a:off x="0" y="0"/>
+          <a:ext cx="0" cy="0"/>
+          <a:chOff x="0" y="0"/>
+          <a:chExt cx="0" cy="0"/>
+        </a:xfrm>
+      </p:grpSpPr>
+      <p:sp>
+        <p:nvSpPr>
+          <p:cNvPr id="3" name="標題 2"/>
+          <p:cNvSpPr>
+            <a:spLocks noGrp="1"/>
+          </p:cNvSpPr>
+          <p:nvPr>
+            <p:ph type="title"/>
+          </p:nvPr>
+        </p:nvSpPr>
+        <p:spPr/>
+        <p:txBody>
+          <a:bodyPr/>
+          <a:lstStyle/>
+          <a:p>
+            <a:r>
+              <a:rPr lang="zh-TW" altLang="en-US" dirty="0" smtClean="0"/>
+              <a:t>小結</a:t>
+            </a:r>
+            <a:endParaRPr lang="zh-TW" altLang="en-US" dirty="0"/>
+          </a:p>
+        </p:txBody>
+      </p:sp>
+      <p:sp>
+        <p:nvSpPr>
+          <p:cNvPr id="4" name="內容版面配置區 3"/>
+          <p:cNvSpPr>
+            <a:spLocks noGrp="1"/>
+          </p:cNvSpPr>
+          <p:nvPr>
+            <p:ph idx="1"/>
+          </p:nvPr>
+        </p:nvSpPr>
+        <p:spPr/>
+        <p:txBody>
+          <a:bodyPr>
+            <a:normAutofit fontScale="92500" lnSpcReduction="10000"/>
+          </a:bodyPr>
+          <a:lstStyle/>
+          <a:p>
+            <a:pPr marL="514350" indent="-514350">
+              <a:buFont typeface="+mj-lt"/>
+              <a:buAutoNum type="arabicPeriod"/>
+            </a:pPr>
+            <a:r>
+              <a:rPr lang="zh-TW" altLang="en-US" sz="2800" dirty="0" smtClean="0"/>
+              <a:t>版本控制很重要，必須能追蹤</a:t>
+            </a:r>
+            <a:r>
+              <a:rPr lang="zh-TW" altLang="en-US" sz="2800" b="1" dirty="0" smtClean="0">
+                <a:solidFill>
+                  <a:srgbClr val="FF0000"/>
+                </a:solidFill>
+              </a:rPr>
+              <a:t>所有</a:t>
+            </a:r>
+            <a:r>
+              <a:rPr lang="zh-TW" altLang="en-US" sz="2800" dirty="0" smtClean="0"/>
+              <a:t>曾經 </a:t>
+            </a:r>
+            <a:r>
+              <a:rPr lang="en-US" altLang="zh-TW" sz="2800" dirty="0" smtClean="0"/>
+              <a:t>release</a:t>
+            </a:r>
+            <a:r>
+              <a:rPr lang="zh-TW" altLang="en-US" sz="2800" dirty="0" smtClean="0"/>
+              <a:t> 出去的 </a:t>
+            </a:r>
+            <a:r>
+              <a:rPr lang="en-US" altLang="zh-TW" sz="2800" dirty="0" smtClean="0"/>
+              <a:t>code</a:t>
+            </a:r>
+            <a:br>
+              <a:rPr lang="en-US" altLang="zh-TW" sz="2800" dirty="0" smtClean="0"/>
+            </a:br>
+            <a:endParaRPr lang="en-US" altLang="zh-TW" sz="2800" dirty="0" smtClean="0"/>
+          </a:p>
+          <a:p>
+            <a:pPr marL="514350" indent="-514350">
+              <a:buFont typeface="+mj-lt"/>
+              <a:buAutoNum type="arabicPeriod"/>
+            </a:pPr>
+            <a:r>
+              <a:rPr lang="zh-TW" altLang="en-US" sz="2800" dirty="0" smtClean="0">
+                <a:solidFill>
+                  <a:schemeClr val="tx1"/>
+                </a:solidFill>
+              </a:rPr>
+              <a:t>所有的 </a:t>
+            </a:r>
+            <a:r>
+              <a:rPr lang="en-US" altLang="zh-TW" sz="2800" dirty="0" smtClean="0">
+                <a:solidFill>
+                  <a:schemeClr val="tx1"/>
+                </a:solidFill>
+              </a:rPr>
+              <a:t>deployment </a:t>
+            </a:r>
+            <a:r>
+              <a:rPr lang="zh-TW" altLang="en-US" sz="2800" b="1" dirty="0" smtClean="0">
+                <a:solidFill>
+                  <a:srgbClr val="FF0000"/>
+                </a:solidFill>
+              </a:rPr>
+              <a:t>一定</a:t>
+            </a:r>
+            <a:r>
+              <a:rPr lang="zh-TW" altLang="en-US" sz="2800" dirty="0" smtClean="0">
+                <a:solidFill>
+                  <a:schemeClr val="tx1"/>
+                </a:solidFill>
+              </a:rPr>
+              <a:t>要透過版本控制系統，不能有任何一行 </a:t>
+            </a:r>
+            <a:r>
+              <a:rPr lang="en-US" altLang="zh-TW" sz="2800" dirty="0" smtClean="0">
+                <a:solidFill>
+                  <a:schemeClr val="tx1"/>
+                </a:solidFill>
+              </a:rPr>
+              <a:t>code</a:t>
+            </a:r>
+            <a:r>
+              <a:rPr lang="zh-TW" altLang="en-US" sz="2800" dirty="0" smtClean="0">
+                <a:solidFill>
+                  <a:schemeClr val="tx1"/>
+                </a:solidFill>
+              </a:rPr>
+              <a:t> 略過版本控制，直接從 </a:t>
+            </a:r>
+            <a:r>
+              <a:rPr lang="en-US" altLang="zh-TW" sz="2800" dirty="0" smtClean="0">
+                <a:solidFill>
+                  <a:schemeClr val="tx1"/>
+                </a:solidFill>
+              </a:rPr>
+              <a:t>RD</a:t>
+            </a:r>
+            <a:r>
+              <a:rPr lang="zh-TW" altLang="en-US" sz="2800" dirty="0" smtClean="0">
+                <a:solidFill>
+                  <a:schemeClr val="tx1"/>
+                </a:solidFill>
+              </a:rPr>
+              <a:t> 進到 </a:t>
+            </a:r>
+            <a:r>
+              <a:rPr lang="en-US" altLang="zh-TW" sz="2800" dirty="0" smtClean="0">
+                <a:solidFill>
+                  <a:schemeClr val="tx1"/>
+                </a:solidFill>
+              </a:rPr>
+              <a:t>deployment</a:t>
+            </a:r>
+            <a:r>
+              <a:rPr lang="zh-TW" altLang="en-US" sz="2800" dirty="0" smtClean="0">
+                <a:solidFill>
+                  <a:schemeClr val="tx1"/>
+                </a:solidFill>
+              </a:rPr>
+              <a:t> 系統 </a:t>
+            </a:r>
+            <a:r>
+              <a:rPr lang="en-US" altLang="zh-TW" sz="2800" dirty="0" smtClean="0">
+                <a:solidFill>
+                  <a:schemeClr val="tx1"/>
+                </a:solidFill>
+              </a:rPr>
+              <a:t>(</a:t>
+            </a:r>
+            <a:r>
+              <a:rPr lang="zh-TW" altLang="en-US" sz="2800" dirty="0" smtClean="0">
+                <a:solidFill>
+                  <a:schemeClr val="tx1"/>
+                </a:solidFill>
+              </a:rPr>
+              <a:t>包含 </a:t>
+            </a:r>
+            <a:r>
+              <a:rPr lang="en-US" altLang="zh-TW" sz="2800" dirty="0" smtClean="0">
+                <a:solidFill>
+                  <a:schemeClr val="tx1"/>
+                </a:solidFill>
+              </a:rPr>
+              <a:t>QA,</a:t>
+            </a:r>
+            <a:r>
+              <a:rPr lang="zh-TW" altLang="en-US" sz="2800" dirty="0" smtClean="0">
+                <a:solidFill>
+                  <a:schemeClr val="tx1"/>
+                </a:solidFill>
+              </a:rPr>
+              <a:t> </a:t>
+            </a:r>
+            <a:r>
+              <a:rPr lang="en-US" altLang="zh-TW" sz="2800" dirty="0" smtClean="0">
+                <a:solidFill>
+                  <a:schemeClr val="tx1"/>
+                </a:solidFill>
+              </a:rPr>
+              <a:t>UAT,</a:t>
+            </a:r>
+            <a:r>
+              <a:rPr lang="zh-TW" altLang="en-US" sz="2800" dirty="0" smtClean="0">
+                <a:solidFill>
+                  <a:schemeClr val="tx1"/>
+                </a:solidFill>
+              </a:rPr>
+              <a:t> </a:t>
+            </a:r>
+            <a:r>
+              <a:rPr lang="en-US" altLang="zh-TW" sz="2800" dirty="0" smtClean="0">
+                <a:solidFill>
+                  <a:schemeClr val="tx1"/>
+                </a:solidFill>
+              </a:rPr>
+              <a:t>SIT,</a:t>
+            </a:r>
+            <a:r>
+              <a:rPr lang="zh-TW" altLang="en-US" sz="2800" dirty="0" smtClean="0">
+                <a:solidFill>
+                  <a:schemeClr val="tx1"/>
+                </a:solidFill>
+              </a:rPr>
+              <a:t> </a:t>
+            </a:r>
+            <a:r>
+              <a:rPr lang="en-US" altLang="zh-TW" sz="2800" dirty="0" smtClean="0">
+                <a:solidFill>
+                  <a:schemeClr val="tx1"/>
+                </a:solidFill>
+              </a:rPr>
+              <a:t>…</a:t>
+            </a:r>
+            <a:r>
+              <a:rPr lang="zh-TW" altLang="en-US" sz="2800" dirty="0" smtClean="0">
+                <a:solidFill>
+                  <a:schemeClr val="tx1"/>
+                </a:solidFill>
+              </a:rPr>
+              <a:t> </a:t>
+            </a:r>
+            <a:r>
+              <a:rPr lang="en-US" altLang="zh-TW" sz="2800" dirty="0" smtClean="0">
+                <a:solidFill>
+                  <a:schemeClr val="tx1"/>
+                </a:solidFill>
+              </a:rPr>
+              <a:t>)</a:t>
+            </a:r>
+            <a:endParaRPr lang="en-US" altLang="zh-TW" sz="2800" dirty="0" smtClean="0">
+              <a:solidFill>
+                <a:schemeClr val="tx1"/>
+              </a:solidFill>
+            </a:endParaRPr>
+          </a:p>
+          <a:p>
+            <a:pPr marL="514350" indent="-514350">
+              <a:buFont typeface="+mj-lt"/>
+              <a:buAutoNum type="arabicPeriod"/>
+            </a:pPr>
+            <a:endParaRPr lang="en-US" altLang="zh-TW" sz="2800" b="1" dirty="0">
+              <a:solidFill>
+                <a:srgbClr val="FF0000"/>
+              </a:solidFill>
+            </a:endParaRPr>
+          </a:p>
+          <a:p>
+            <a:pPr marL="514350" indent="-514350">
+              <a:buFont typeface="+mj-lt"/>
+              <a:buAutoNum type="arabicPeriod"/>
+            </a:pPr>
+            <a:r>
+              <a:rPr lang="zh-TW" altLang="en-US" sz="2800" b="1" dirty="0" smtClean="0">
+                <a:solidFill>
+                  <a:srgbClr val="FF0000"/>
+                </a:solidFill>
+              </a:rPr>
+              <a:t>自動化</a:t>
+            </a:r>
+            <a:r>
+              <a:rPr lang="zh-TW" altLang="en-US" sz="2800" dirty="0" smtClean="0"/>
+              <a:t>很重要</a:t>
+            </a:r>
+            <a:r>
+              <a:rPr lang="zh-TW" altLang="en-US" sz="2800" dirty="0"/>
+              <a:t> </a:t>
+            </a:r>
+            <a:r>
+              <a:rPr lang="en-US" altLang="zh-TW" sz="2800" dirty="0" smtClean="0"/>
+              <a:t>(BUILD,</a:t>
+            </a:r>
+            <a:r>
+              <a:rPr lang="zh-TW" altLang="en-US" sz="2800" dirty="0"/>
+              <a:t> </a:t>
+            </a:r>
+            <a:r>
+              <a:rPr lang="en-US" altLang="zh-TW" sz="2800" dirty="0" smtClean="0"/>
+              <a:t>PACKAGE,</a:t>
+            </a:r>
+            <a:r>
+              <a:rPr lang="zh-TW" altLang="en-US" sz="2800" dirty="0"/>
+              <a:t> </a:t>
+            </a:r>
+            <a:r>
+              <a:rPr lang="en-US" altLang="zh-TW" sz="2800" dirty="0" smtClean="0"/>
+              <a:t>TESTING)</a:t>
+            </a:r>
+            <a:r>
+              <a:rPr lang="zh-TW" altLang="en-US" sz="2800" dirty="0" smtClean="0"/>
+              <a:t>，否則這些動作一定會被省略。</a:t>
+            </a:r>
+            <a:r>
+              <a:rPr lang="en-US" altLang="zh-TW" sz="2800" dirty="0" smtClean="0"/>
+              <a:t/>
+            </a:r>
+            <a:br>
+              <a:rPr lang="en-US" altLang="zh-TW" sz="2800" dirty="0" smtClean="0"/>
+            </a:br>
+            <a:endParaRPr lang="en-US" altLang="zh-TW" sz="2800" dirty="0" smtClean="0"/>
+          </a:p>
+          <a:p>
+            <a:pPr marL="514350" indent="-514350">
+              <a:buFont typeface="+mj-lt"/>
+              <a:buAutoNum type="arabicPeriod"/>
+            </a:pPr>
+            <a:r>
+              <a:rPr lang="zh-TW" altLang="en-US" sz="2800" dirty="0" smtClean="0"/>
+              <a:t>將測試程式 </a:t>
+            </a:r>
+            <a:r>
+              <a:rPr lang="en-US" altLang="zh-TW" sz="2800" dirty="0" smtClean="0"/>
+              <a:t>&amp;</a:t>
+            </a:r>
+            <a:r>
+              <a:rPr lang="zh-TW" altLang="en-US" sz="2800" dirty="0" smtClean="0"/>
+              <a:t> </a:t>
+            </a:r>
+            <a:r>
+              <a:rPr lang="en-US" altLang="zh-TW" sz="2800" dirty="0" smtClean="0"/>
+              <a:t>API</a:t>
+            </a:r>
+            <a:r>
+              <a:rPr lang="zh-TW" altLang="en-US" sz="2800" dirty="0" smtClean="0"/>
+              <a:t> 都</a:t>
+            </a:r>
+            <a:r>
+              <a:rPr lang="zh-TW" altLang="en-US" sz="2800" b="1" dirty="0" smtClean="0">
+                <a:solidFill>
+                  <a:srgbClr val="FF0000"/>
+                </a:solidFill>
+              </a:rPr>
+              <a:t>容器化</a:t>
+            </a:r>
+            <a:r>
+              <a:rPr lang="zh-TW" altLang="en-US" sz="2800" dirty="0" smtClean="0"/>
+              <a:t>，能讓上述程序更容易維護。</a:t>
+            </a:r>
+            <a:endParaRPr lang="zh-TW" altLang="en-US" sz="2800" dirty="0"/>
+          </a:p>
+        </p:txBody>
+      </p:sp>
+    </p:spTree>
+    <p:extLst>
+      <p:ext uri="{BB962C8B-B14F-4D97-AF65-F5344CB8AC3E}">
+        <p14:creationId xmlns:p14="http://schemas.microsoft.com/office/powerpoint/2010/main" val="3492693348"/>
+      </p:ext>
+    </p:extLst>
+  </p:cSld>
+  <p:clrMapOvr>
+    <a:masterClrMapping/>
+  </p:clrMapOvr>
+  <p:timing>
+    <p:tnLst>
+      <p:par>
+        <p:cTn id="1" dur="indefinite" restart="never" nodeType="tmRoot"/>
+      </p:par>
+    </p:tnLst>
+  </p:timing>
+</p:sld>
+</file>
+
+<file path=ppt/slides/slide33.xml><?xml version="1.0" encoding="utf-8"?>
+<p:sld xmlns:a="http://schemas.openxmlformats.org/drawingml/2006/main" xmlns:r="http://schemas.openxmlformats.org/officeDocument/2006/relationships" xmlns:p="http://schemas.openxmlformats.org/presentationml/2006/main">
+  <p:cSld>
+    <p:spTree>
+      <p:nvGrpSpPr>
+        <p:cNvPr id="1" name=""/>
+        <p:cNvGrpSpPr/>
+        <p:nvPr/>
+      </p:nvGrpSpPr>
+      <p:grpSpPr>
+        <a:xfrm>
+          <a:off x="0" y="0"/>
+          <a:ext cx="0" cy="0"/>
+          <a:chOff x="0" y="0"/>
+          <a:chExt cx="0" cy="0"/>
+        </a:xfrm>
+      </p:grpSpPr>
+      <p:sp>
+        <p:nvSpPr>
+          <p:cNvPr id="3" name="標題 2"/>
+          <p:cNvSpPr>
+            <a:spLocks noGrp="1"/>
+          </p:cNvSpPr>
+          <p:nvPr>
+            <p:ph type="ctrTitle"/>
+          </p:nvPr>
+        </p:nvSpPr>
+        <p:spPr/>
+        <p:txBody>
+          <a:bodyPr/>
+          <a:lstStyle/>
+          <a:p>
+            <a:r>
+              <a:rPr lang="en-US" altLang="zh-TW" dirty="0" err="1" smtClean="0"/>
+              <a:t>Microservices</a:t>
+            </a:r>
+            <a:r>
+              <a:rPr lang="en-US" altLang="zh-TW" dirty="0" smtClean="0"/>
+              <a:t> Q &amp; A</a:t>
+            </a:r>
+            <a:endParaRPr lang="zh-TW" altLang="en-US" dirty="0"/>
+          </a:p>
+        </p:txBody>
+      </p:sp>
+      <p:sp>
+        <p:nvSpPr>
+          <p:cNvPr id="4" name="副標題 3"/>
+          <p:cNvSpPr>
+            <a:spLocks noGrp="1"/>
+          </p:cNvSpPr>
+          <p:nvPr>
+            <p:ph type="subTitle" idx="1"/>
+          </p:nvPr>
+        </p:nvSpPr>
+        <p:spPr/>
+        <p:txBody>
+          <a:bodyPr/>
+          <a:lstStyle/>
+          <a:p>
+            <a:endParaRPr lang="zh-TW" altLang="en-US"/>
+          </a:p>
+        </p:txBody>
+      </p:sp>
+    </p:spTree>
+    <p:extLst>
+      <p:ext uri="{BB962C8B-B14F-4D97-AF65-F5344CB8AC3E}">
+        <p14:creationId xmlns:p14="http://schemas.microsoft.com/office/powerpoint/2010/main" val="2851354825"/>
+      </p:ext>
+    </p:extLst>
+  </p:cSld>
+  <p:clrMapOvr>
+    <a:masterClrMapping/>
+  </p:clrMapOvr>
+  <p:timing>
+    <p:tnLst>
+      <p:par>
+        <p:cTn id="1" dur="indefinite" restart="never" nodeType="tmRoot"/>
+      </p:par>
+    </p:tnLst>
+  </p:timing>
+</p:sld>
+</file>
+
+<file path=ppt/slides/slide34.xml><?xml version="1.0" encoding="utf-8"?>
+<p:sld xmlns:a="http://schemas.openxmlformats.org/drawingml/2006/main" xmlns:r="http://schemas.openxmlformats.org/officeDocument/2006/relationships" xmlns:p="http://schemas.openxmlformats.org/presentationml/2006/main">
+  <p:cSld>
+    <p:spTree>
+      <p:nvGrpSpPr>
+        <p:cNvPr id="1" name=""/>
+        <p:cNvGrpSpPr/>
+        <p:nvPr/>
+      </p:nvGrpSpPr>
+      <p:grpSpPr>
+        <a:xfrm>
+          <a:off x="0" y="0"/>
+          <a:ext cx="0" cy="0"/>
+          <a:chOff x="0" y="0"/>
+          <a:chExt cx="0" cy="0"/>
+        </a:xfrm>
+      </p:grpSpPr>
+      <p:sp>
+        <p:nvSpPr>
+          <p:cNvPr id="3" name="標題 2"/>
+          <p:cNvSpPr>
+            <a:spLocks noGrp="1"/>
+          </p:cNvSpPr>
+          <p:nvPr>
+            <p:ph type="title"/>
+          </p:nvPr>
+        </p:nvSpPr>
+        <p:spPr/>
+        <p:txBody>
+          <a:bodyPr/>
+          <a:lstStyle/>
+          <a:p>
+            <a:r>
+              <a:rPr lang="en-US" altLang="zh-TW" dirty="0" smtClean="0"/>
+              <a:t>Questions:</a:t>
+            </a:r>
+            <a:endParaRPr lang="zh-TW" altLang="en-US" dirty="0"/>
+          </a:p>
+        </p:txBody>
+      </p:sp>
+      <p:sp>
+        <p:nvSpPr>
+          <p:cNvPr id="4" name="內容版面配置區 3"/>
+          <p:cNvSpPr>
+            <a:spLocks noGrp="1"/>
+          </p:cNvSpPr>
+          <p:nvPr>
+            <p:ph idx="1"/>
+          </p:nvPr>
+        </p:nvSpPr>
+        <p:spPr/>
+        <p:txBody>
+          <a:bodyPr/>
+          <a:lstStyle/>
+          <a:p>
+            <a:r>
+              <a:rPr lang="en-US" altLang="zh-TW" dirty="0" smtClean="0"/>
+              <a:t>Q: container </a:t>
+            </a:r>
+            <a:r>
+              <a:rPr lang="zh-TW" altLang="en-US" dirty="0" smtClean="0"/>
+              <a:t>內如何安裝指定的 </a:t>
+            </a:r>
+            <a:r>
+              <a:rPr lang="en-US" altLang="zh-TW" dirty="0" smtClean="0"/>
+              <a:t>hotfix</a:t>
+            </a:r>
+            <a:r>
+              <a:rPr lang="zh-TW" altLang="en-US" dirty="0" smtClean="0"/>
+              <a:t> </a:t>
+            </a:r>
+            <a:r>
+              <a:rPr lang="en-US" altLang="zh-TW" dirty="0" smtClean="0"/>
+              <a:t>?</a:t>
+            </a:r>
+          </a:p>
+          <a:p>
+            <a:r>
+              <a:rPr lang="en-US" altLang="zh-TW" dirty="0" smtClean="0"/>
+              <a:t>Q: container </a:t>
+            </a:r>
+            <a:r>
+              <a:rPr lang="zh-TW" altLang="en-US" dirty="0" smtClean="0"/>
+              <a:t>如何處理作業系統的更新</a:t>
+            </a:r>
+            <a:r>
+              <a:rPr lang="en-US" altLang="zh-TW" dirty="0" smtClean="0"/>
+              <a:t>?</a:t>
+            </a:r>
+            <a:r>
+              <a:rPr lang="zh-TW" altLang="en-US" dirty="0" smtClean="0"/>
+              <a:t> </a:t>
+            </a:r>
+            <a:r>
+              <a:rPr lang="en-US" altLang="zh-TW" dirty="0" smtClean="0"/>
+              <a:t>(windows</a:t>
+            </a:r>
+            <a:r>
+              <a:rPr lang="zh-TW" altLang="en-US" dirty="0" smtClean="0"/>
+              <a:t> </a:t>
+            </a:r>
+            <a:r>
+              <a:rPr lang="en-US" altLang="zh-TW" dirty="0" smtClean="0"/>
+              <a:t>update,</a:t>
+            </a:r>
+            <a:r>
+              <a:rPr lang="zh-TW" altLang="en-US" dirty="0" smtClean="0"/>
+              <a:t> </a:t>
+            </a:r>
+            <a:r>
+              <a:rPr lang="en-US" altLang="zh-TW" dirty="0" smtClean="0"/>
+              <a:t>IIS</a:t>
+            </a:r>
+            <a:r>
+              <a:rPr lang="zh-TW" altLang="en-US" dirty="0" smtClean="0"/>
+              <a:t> </a:t>
+            </a:r>
+            <a:r>
+              <a:rPr lang="en-US" altLang="zh-TW" dirty="0" smtClean="0"/>
+              <a:t>hotfix</a:t>
+            </a:r>
+            <a:r>
+              <a:rPr lang="zh-TW" altLang="en-US" dirty="0" smtClean="0"/>
+              <a:t> </a:t>
+            </a:r>
+            <a:r>
+              <a:rPr lang="en-US" altLang="zh-TW" dirty="0" smtClean="0"/>
+              <a:t>… </a:t>
+            </a:r>
+            <a:r>
+              <a:rPr lang="en-US" altLang="zh-TW" dirty="0" err="1" smtClean="0"/>
+              <a:t>etc</a:t>
+            </a:r>
+            <a:r>
+              <a:rPr lang="en-US" altLang="zh-TW" dirty="0" smtClean="0"/>
+              <a:t>)</a:t>
+            </a:r>
+          </a:p>
+          <a:p>
+            <a:r>
+              <a:rPr lang="en-US" altLang="zh-TW" dirty="0" smtClean="0"/>
+              <a:t>Q: </a:t>
+            </a:r>
+            <a:r>
+              <a:rPr lang="zh-TW" altLang="en-US" dirty="0" smtClean="0"/>
+              <a:t>手動準備 </a:t>
+            </a:r>
+            <a:r>
+              <a:rPr lang="en-US" altLang="zh-TW" dirty="0" smtClean="0"/>
+              <a:t>container image (</a:t>
+            </a:r>
+            <a:r>
+              <a:rPr lang="zh-TW" altLang="en-US" dirty="0" smtClean="0"/>
+              <a:t>不透過 </a:t>
+            </a:r>
+            <a:r>
+              <a:rPr lang="en-US" altLang="zh-TW" dirty="0" err="1" smtClean="0"/>
+              <a:t>dockerfile</a:t>
+            </a:r>
+            <a:r>
+              <a:rPr lang="en-US" altLang="zh-TW" dirty="0" smtClean="0"/>
+              <a:t>,</a:t>
+            </a:r>
+            <a:r>
+              <a:rPr lang="zh-TW" altLang="en-US" dirty="0" smtClean="0"/>
+              <a:t> 改用 </a:t>
+            </a:r>
+            <a:r>
+              <a:rPr lang="en-US" altLang="zh-TW" dirty="0" smtClean="0"/>
+              <a:t>commit</a:t>
+            </a:r>
+            <a:r>
+              <a:rPr lang="en-US" altLang="zh-TW" dirty="0" smtClean="0"/>
+              <a:t>)</a:t>
+            </a:r>
+          </a:p>
+          <a:p>
+            <a:r>
+              <a:rPr lang="en-US" altLang="zh-TW" dirty="0" smtClean="0"/>
+              <a:t>Q: ASP.NET web application </a:t>
+            </a:r>
+            <a:r>
+              <a:rPr lang="zh-TW" altLang="en-US" dirty="0" smtClean="0"/>
+              <a:t>無法啟動 </a:t>
+            </a:r>
+            <a:r>
+              <a:rPr lang="en-US" altLang="zh-TW" dirty="0" smtClean="0"/>
+              <a:t>(</a:t>
+            </a:r>
+            <a:r>
+              <a:rPr lang="en-US" altLang="zh-TW" dirty="0" smtClean="0">
+                <a:hlinkClick r:id="rId2"/>
+              </a:rPr>
+              <a:t>link</a:t>
+            </a:r>
+            <a:r>
+              <a:rPr lang="en-US" altLang="zh-TW" dirty="0" smtClean="0"/>
+              <a:t>)</a:t>
+            </a:r>
+            <a:endParaRPr lang="zh-TW" altLang="en-US" dirty="0"/>
+          </a:p>
+        </p:txBody>
+      </p:sp>
+    </p:spTree>
+    <p:extLst>
+      <p:ext uri="{BB962C8B-B14F-4D97-AF65-F5344CB8AC3E}">
+        <p14:creationId xmlns:p14="http://schemas.microsoft.com/office/powerpoint/2010/main" val="1155386683"/>
+      </p:ext>
+    </p:extLst>
+  </p:cSld>
+  <p:clrMapOvr>
+    <a:masterClrMapping/>
+  </p:clrMapOvr>
+  <p:timing>
+    <p:tnLst>
+      <p:par>
+        <p:cTn id="1" dur="indefinite" restart="never" nodeType="tmRoot"/>
+      </p:par>
+    </p:tnLst>
+  </p:timing>
+</p:sld>
+</file>
+
+<file path=ppt/slides/slide35.xml><?xml version="1.0" encoding="utf-8"?>
+<p:sld xmlns:a="http://schemas.openxmlformats.org/drawingml/2006/main" xmlns:r="http://schemas.openxmlformats.org/officeDocument/2006/relationships" xmlns:p="http://schemas.openxmlformats.org/presentationml/2006/main">
+  <p:cSld>
+    <p:spTree>
+      <p:nvGrpSpPr>
+        <p:cNvPr id="1" name=""/>
+        <p:cNvGrpSpPr/>
+        <p:nvPr/>
+      </p:nvGrpSpPr>
+      <p:grpSpPr>
+        <a:xfrm>
+          <a:off x="0" y="0"/>
+          <a:ext cx="0" cy="0"/>
+          <a:chOff x="0" y="0"/>
+          <a:chExt cx="0" cy="0"/>
+        </a:xfrm>
+      </p:grpSpPr>
+      <p:sp>
+        <p:nvSpPr>
+          <p:cNvPr id="3" name="標題 2"/>
+          <p:cNvSpPr>
+            <a:spLocks noGrp="1"/>
+          </p:cNvSpPr>
+          <p:nvPr>
+            <p:ph type="title"/>
+          </p:nvPr>
+        </p:nvSpPr>
+        <p:spPr/>
+        <p:txBody>
+          <a:bodyPr/>
+          <a:lstStyle/>
+          <a:p>
+            <a:endParaRPr lang="zh-TW" altLang="en-US"/>
+          </a:p>
+        </p:txBody>
+      </p:sp>
+      <p:sp>
+        <p:nvSpPr>
+          <p:cNvPr id="4" name="內容版面配置區 3"/>
+          <p:cNvSpPr>
+            <a:spLocks noGrp="1"/>
+          </p:cNvSpPr>
+          <p:nvPr>
+            <p:ph idx="1"/>
+          </p:nvPr>
+        </p:nvSpPr>
+        <p:spPr/>
+        <p:txBody>
+          <a:bodyPr>
+            <a:normAutofit/>
+          </a:bodyPr>
+          <a:lstStyle/>
+          <a:p>
+            <a:pPr marL="457200" indent="-457200">
+              <a:buFont typeface="+mj-lt"/>
+              <a:buAutoNum type="arabicPeriod"/>
+            </a:pPr>
+            <a:r>
+              <a:rPr lang="zh-TW" altLang="en-US" sz="2800" b="1" dirty="0" smtClean="0"/>
+              <a:t>如何</a:t>
+            </a:r>
+            <a:r>
+              <a:rPr lang="zh-TW" altLang="en-US" sz="2800" b="1" dirty="0"/>
+              <a:t>切割 </a:t>
+            </a:r>
+            <a:r>
+              <a:rPr lang="en-US" altLang="zh-TW" sz="2800" b="1" dirty="0" err="1" smtClean="0"/>
+              <a:t>Microservices</a:t>
+            </a:r>
+            <a:r>
+              <a:rPr lang="en-US" altLang="zh-TW" sz="2800" b="1" dirty="0" smtClean="0"/>
+              <a:t> ?</a:t>
+            </a:r>
+            <a:br>
+              <a:rPr lang="en-US" altLang="zh-TW" sz="2800" b="1" dirty="0" smtClean="0"/>
+            </a:br>
+            <a:r>
+              <a:rPr lang="en-US" altLang="zh-TW" sz="2800" dirty="0" smtClean="0">
+                <a:hlinkClick r:id="rId2"/>
+              </a:rPr>
+              <a:t>http</a:t>
+            </a:r>
+            <a:r>
+              <a:rPr lang="en-US" altLang="zh-TW" sz="2800" dirty="0">
+                <a:hlinkClick r:id="rId2"/>
+              </a:rPr>
+              <a:t>://</a:t>
+            </a:r>
+            <a:r>
+              <a:rPr lang="en-US" altLang="zh-TW" sz="2800" dirty="0" smtClean="0">
+                <a:hlinkClick r:id="rId2"/>
+              </a:rPr>
+              <a:t>blog.mz026.rocks/20170117/split-microservices</a:t>
+            </a:r>
+            <a:endParaRPr lang="en-US" altLang="zh-TW" sz="2800" dirty="0" smtClean="0"/>
+          </a:p>
+          <a:p>
+            <a:pPr marL="457200" indent="-457200">
+              <a:buFont typeface="+mj-lt"/>
+              <a:buAutoNum type="arabicPeriod"/>
+            </a:pPr>
+            <a:endParaRPr lang="zh-TW" altLang="en-US" sz="2800" dirty="0"/>
           </a:p>
         </p:txBody>
       </p:sp>

--- a/Session4/M04.pptx
+++ b/Session4/M04.pptx
@@ -7,7 +7,7 @@
     <p:sldMasterId id="2147483873" r:id="rId3"/>
   </p:sldMasterIdLst>
   <p:notesMasterIdLst>
-    <p:notesMasterId r:id="rId39"/>
+    <p:notesMasterId r:id="rId41"/>
   </p:notesMasterIdLst>
   <p:sldIdLst>
     <p:sldId id="256" r:id="rId4"/>
@@ -44,7 +44,9 @@
     <p:sldId id="657" r:id="rId35"/>
     <p:sldId id="661" r:id="rId36"/>
     <p:sldId id="662" r:id="rId37"/>
-    <p:sldId id="658" r:id="rId38"/>
+    <p:sldId id="669" r:id="rId38"/>
+    <p:sldId id="658" r:id="rId39"/>
+    <p:sldId id="670" r:id="rId40"/>
   </p:sldIdLst>
   <p:sldSz cx="12192000" cy="6858000"/>
   <p:notesSz cx="6858000" cy="9144000"/>
@@ -554,13 +556,21 @@
             <a:endParaRPr lang="en-US" altLang="zh-TW" dirty="0" smtClean="0"/>
           </a:p>
           <a:p>
+            <a:pPr marL="171450" indent="-171450">
+              <a:buFontTx/>
+              <a:buChar char="-"/>
+            </a:pPr>
             <a:r>
               <a:rPr lang="en-US" altLang="zh-TW" dirty="0" smtClean="0"/>
-              <a:t>- Global</a:t>
+              <a:t>Global</a:t>
             </a:r>
             <a:r>
               <a:rPr lang="en-US" altLang="zh-TW" baseline="0" dirty="0" smtClean="0"/>
-              <a:t> view of </a:t>
+              <a:t> </a:t>
+            </a:r>
+            <a:r>
+              <a:rPr lang="en-US" altLang="zh-TW" baseline="0" dirty="0" smtClean="0"/>
+              <a:t>view of </a:t>
             </a:r>
             <a:r>
               <a:rPr lang="en-US" altLang="zh-TW" baseline="0" dirty="0" err="1" smtClean="0"/>
@@ -568,7 +578,103 @@
             </a:r>
             <a:r>
               <a:rPr lang="en-US" altLang="zh-TW" baseline="0" dirty="0" smtClean="0"/>
-              <a:t>, Why &amp; How (concept)</a:t>
+              <a:t>, Why &amp; How (concept</a:t>
+            </a:r>
+            <a:r>
+              <a:rPr lang="en-US" altLang="zh-TW" baseline="0" dirty="0" smtClean="0"/>
+              <a:t>)</a:t>
+            </a:r>
+          </a:p>
+          <a:p>
+            <a:pPr marL="171450" indent="-171450">
+              <a:buFontTx/>
+              <a:buChar char="-"/>
+            </a:pPr>
+            <a:endParaRPr lang="en-US" altLang="zh-TW" baseline="0" dirty="0" smtClean="0"/>
+          </a:p>
+          <a:p>
+            <a:pPr marL="0" indent="0">
+              <a:buFontTx/>
+              <a:buNone/>
+            </a:pPr>
+            <a:r>
+              <a:rPr lang="zh-TW" altLang="en-US" baseline="0" dirty="0" smtClean="0"/>
+              <a:t>微服務的先修課程</a:t>
+            </a:r>
+            <a:endParaRPr lang="en-US" altLang="zh-TW" baseline="0" dirty="0" smtClean="0"/>
+          </a:p>
+          <a:p>
+            <a:pPr marL="171450" indent="-171450">
+              <a:buFontTx/>
+              <a:buChar char="-"/>
+            </a:pPr>
+            <a:r>
+              <a:rPr lang="zh-TW" altLang="en-US" baseline="0" dirty="0" smtClean="0"/>
+              <a:t>概念</a:t>
+            </a:r>
+            <a:endParaRPr lang="en-US" altLang="zh-TW" baseline="0" smtClean="0"/>
+          </a:p>
+          <a:p>
+            <a:pPr marL="171450" indent="-171450">
+              <a:buFontTx/>
+              <a:buChar char="-"/>
+            </a:pPr>
+            <a:r>
+              <a:rPr lang="zh-TW" altLang="en-US" baseline="0" smtClean="0"/>
+              <a:t>分散式</a:t>
+            </a:r>
+            <a:r>
+              <a:rPr lang="zh-TW" altLang="en-US" baseline="0" dirty="0" smtClean="0"/>
+              <a:t>系統的開發 </a:t>
+            </a:r>
+            <a:r>
+              <a:rPr lang="en-US" altLang="zh-TW" baseline="0" dirty="0" smtClean="0"/>
+              <a:t>–</a:t>
+            </a:r>
+            <a:r>
+              <a:rPr lang="zh-TW" altLang="en-US" baseline="0" dirty="0" smtClean="0"/>
+              <a:t> </a:t>
+            </a:r>
+            <a:r>
+              <a:rPr lang="en-US" altLang="zh-TW" baseline="0" dirty="0" smtClean="0"/>
+              <a:t>API</a:t>
+            </a:r>
+            <a:r>
+              <a:rPr lang="zh-TW" altLang="en-US" baseline="0" dirty="0" smtClean="0"/>
+              <a:t> </a:t>
+            </a:r>
+            <a:r>
+              <a:rPr lang="en-US" altLang="zh-TW" baseline="0" dirty="0" smtClean="0"/>
+              <a:t>/</a:t>
+            </a:r>
+            <a:r>
+              <a:rPr lang="zh-TW" altLang="en-US" baseline="0" dirty="0" smtClean="0"/>
+              <a:t> </a:t>
+            </a:r>
+            <a:r>
+              <a:rPr lang="en-US" altLang="zh-TW" baseline="0" dirty="0" smtClean="0"/>
+              <a:t>SDK</a:t>
+            </a:r>
+          </a:p>
+          <a:p>
+            <a:pPr marL="171450" indent="-171450">
+              <a:buFontTx/>
+              <a:buChar char="-"/>
+            </a:pPr>
+            <a:r>
+              <a:rPr lang="zh-TW" altLang="en-US" baseline="0" dirty="0" smtClean="0"/>
+              <a:t>分散式系統的佈署問題</a:t>
+            </a:r>
+            <a:endParaRPr lang="en-US" altLang="zh-TW" baseline="0" dirty="0" smtClean="0"/>
+          </a:p>
+          <a:p>
+            <a:pPr marL="171450" indent="-171450">
+              <a:buFontTx/>
+              <a:buChar char="-"/>
+            </a:pPr>
+            <a:r>
+              <a:rPr lang="zh-TW" altLang="en-US" baseline="0" dirty="0" smtClean="0"/>
+              <a:t>分散式系統的開發流程</a:t>
             </a:r>
             <a:endParaRPr lang="zh-TW" altLang="en-US" dirty="0"/>
           </a:p>
@@ -22437,7 +22543,39 @@
                   <a:srgbClr val="FF0000"/>
                 </a:solidFill>
               </a:rPr>
-              <a:t> 微服務完整案例實作 </a:t>
+              <a:t> 微</a:t>
+            </a:r>
+            <a:r>
+              <a:rPr lang="zh-TW" altLang="en-US" sz="4000" dirty="0" smtClean="0">
+                <a:solidFill>
+                  <a:srgbClr val="FF0000"/>
+                </a:solidFill>
+              </a:rPr>
+              <a:t>服務 </a:t>
+            </a:r>
+            <a:r>
+              <a:rPr lang="zh-TW" altLang="en-US" sz="4000" dirty="0" smtClean="0">
+                <a:solidFill>
+                  <a:srgbClr val="FF0000"/>
+                </a:solidFill>
+              </a:rPr>
+              <a:t>開發流程</a:t>
+            </a:r>
+            <a:r>
+              <a:rPr lang="zh-TW" altLang="en-US" sz="4000" dirty="0" smtClean="0">
+                <a:solidFill>
+                  <a:srgbClr val="FF0000"/>
+                </a:solidFill>
+              </a:rPr>
+              <a:t>案例</a:t>
+            </a:r>
+            <a:r>
+              <a:rPr lang="zh-TW" altLang="en-US" sz="4000" dirty="0" smtClean="0">
+                <a:solidFill>
+                  <a:srgbClr val="FF0000"/>
+                </a:solidFill>
+              </a:rPr>
+              <a:t>實作 </a:t>
             </a:r>
             <a:r>
               <a:rPr lang="en-US" altLang="zh-TW" sz="4000" dirty="0" smtClean="0">
@@ -32063,6 +32201,580 @@
       </p:grpSpPr>
       <p:sp>
         <p:nvSpPr>
+          <p:cNvPr id="2" name="標題 1"/>
+          <p:cNvSpPr>
+            <a:spLocks noGrp="1"/>
+          </p:cNvSpPr>
+          <p:nvPr>
+            <p:ph type="title"/>
+          </p:nvPr>
+        </p:nvSpPr>
+        <p:spPr/>
+        <p:txBody>
+          <a:bodyPr/>
+          <a:lstStyle/>
+          <a:p>
+            <a:r>
+              <a:rPr lang="en-US" altLang="zh-TW" dirty="0" smtClean="0"/>
+              <a:t>Container Image Layers</a:t>
+            </a:r>
+            <a:endParaRPr lang="zh-TW" altLang="en-US" dirty="0"/>
+          </a:p>
+        </p:txBody>
+      </p:sp>
+      <p:pic>
+        <p:nvPicPr>
+          <p:cNvPr id="2050" name="Picture 2" descr="「docker layers」的圖片搜尋結果"/>
+          <p:cNvPicPr>
+            <a:picLocks noChangeAspect="1" noChangeArrowheads="1"/>
+          </p:cNvPicPr>
+          <p:nvPr/>
+        </p:nvPicPr>
+        <p:blipFill>
+          <a:blip r:embed="rId2">
+            <a:extLst>
+              <a:ext uri="{28A0092B-C50C-407E-A947-70E740481C1C}">
+                <a14:useLocalDpi xmlns:a14="http://schemas.microsoft.com/office/drawing/2010/main" val="0"/>
+              </a:ext>
+            </a:extLst>
+          </a:blip>
+          <a:srcRect/>
+          <a:stretch>
+            <a:fillRect/>
+          </a:stretch>
+        </p:blipFill>
+        <p:spPr bwMode="auto">
+          <a:xfrm>
+            <a:off x="1097280" y="1831974"/>
+            <a:ext cx="7183120" cy="4416649"/>
+          </a:xfrm>
+          <a:prstGeom prst="rect">
+            <a:avLst/>
+          </a:prstGeom>
+          <a:noFill/>
+          <a:extLst>
+            <a:ext uri="{909E8E84-426E-40DD-AFC4-6F175D3DCCD1}">
+              <a14:hiddenFill xmlns:a14="http://schemas.microsoft.com/office/drawing/2010/main">
+                <a:solidFill>
+                  <a:srgbClr val="FFFFFF"/>
+                </a:solidFill>
+              </a14:hiddenFill>
+            </a:ext>
+          </a:extLst>
+        </p:spPr>
+      </p:pic>
+      <p:pic>
+        <p:nvPicPr>
+          <p:cNvPr id="5" name="圖片 4" descr="Lock by jhnri4"/>
+          <p:cNvPicPr>
+            <a:picLocks noChangeAspect="1"/>
+          </p:cNvPicPr>
+          <p:nvPr/>
+        </p:nvPicPr>
+        <p:blipFill>
+          <a:blip r:embed="rId3" cstate="print">
+            <a:extLst>
+              <a:ext uri="{28A0092B-C50C-407E-A947-70E740481C1C}">
+                <a14:useLocalDpi xmlns:a14="http://schemas.microsoft.com/office/drawing/2010/main" val="0"/>
+              </a:ext>
+            </a:extLst>
+          </a:blip>
+          <a:stretch>
+            <a:fillRect/>
+          </a:stretch>
+        </p:blipFill>
+        <p:spPr>
+          <a:xfrm>
+            <a:off x="545356" y="3974871"/>
+            <a:ext cx="645417" cy="914405"/>
+          </a:xfrm>
+          <a:prstGeom prst="rect">
+            <a:avLst/>
+          </a:prstGeom>
+        </p:spPr>
+      </p:pic>
+      <p:sp>
+        <p:nvSpPr>
+          <p:cNvPr id="6" name="流程圖: 資料 5"/>
+          <p:cNvSpPr/>
+          <p:nvPr/>
+        </p:nvSpPr>
+        <p:spPr>
+          <a:xfrm>
+            <a:off x="9476442" y="2952749"/>
+            <a:ext cx="2715558" cy="977900"/>
+          </a:xfrm>
+          <a:prstGeom prst="flowChartInputOutput">
+            <a:avLst/>
+          </a:prstGeom>
+        </p:spPr>
+        <p:style>
+          <a:lnRef idx="2">
+            <a:schemeClr val="accent2"/>
+          </a:lnRef>
+          <a:fillRef idx="1">
+            <a:schemeClr val="lt1"/>
+          </a:fillRef>
+          <a:effectRef idx="0">
+            <a:schemeClr val="accent2"/>
+          </a:effectRef>
+          <a:fontRef idx="minor">
+            <a:schemeClr val="dk1"/>
+          </a:fontRef>
+        </p:style>
+        <p:txBody>
+          <a:bodyPr rtlCol="0" anchor="ctr"/>
+          <a:lstStyle/>
+          <a:p>
+            <a:pPr algn="ctr"/>
+            <a:r>
+              <a:rPr lang="en-US" altLang="zh-TW" dirty="0" err="1" smtClean="0"/>
+              <a:t>dockerfile</a:t>
+            </a:r>
+            <a:endParaRPr lang="zh-TW" altLang="en-US" dirty="0"/>
+          </a:p>
+        </p:txBody>
+      </p:sp>
+      <p:cxnSp>
+        <p:nvCxnSpPr>
+          <p:cNvPr id="8" name="肘形接點 7"/>
+          <p:cNvCxnSpPr>
+            <a:stCxn id="6" idx="3"/>
+          </p:cNvCxnSpPr>
+          <p:nvPr/>
+        </p:nvCxnSpPr>
+        <p:spPr>
+          <a:xfrm rot="5400000">
+            <a:off x="8898970" y="2900472"/>
+            <a:ext cx="633518" cy="2693873"/>
+          </a:xfrm>
+          <a:prstGeom prst="bentConnector2">
+            <a:avLst/>
+          </a:prstGeom>
+          <a:ln w="38100">
+            <a:solidFill>
+              <a:srgbClr val="FF0000"/>
+            </a:solidFill>
+            <a:tailEnd type="triangle"/>
+          </a:ln>
+        </p:spPr>
+        <p:style>
+          <a:lnRef idx="1">
+            <a:schemeClr val="accent1"/>
+          </a:lnRef>
+          <a:fillRef idx="0">
+            <a:schemeClr val="accent1"/>
+          </a:fillRef>
+          <a:effectRef idx="0">
+            <a:schemeClr val="accent1"/>
+          </a:effectRef>
+          <a:fontRef idx="minor">
+            <a:schemeClr val="tx1"/>
+          </a:fontRef>
+        </p:style>
+      </p:cxnSp>
+      <p:sp>
+        <p:nvSpPr>
+          <p:cNvPr id="9" name="文字方塊 8"/>
+          <p:cNvSpPr txBox="1"/>
+          <p:nvPr/>
+        </p:nvSpPr>
+        <p:spPr>
+          <a:xfrm>
+            <a:off x="8840906" y="4247408"/>
+            <a:ext cx="700320" cy="369332"/>
+          </a:xfrm>
+          <a:prstGeom prst="rect">
+            <a:avLst/>
+          </a:prstGeom>
+          <a:noFill/>
+        </p:spPr>
+        <p:txBody>
+          <a:bodyPr wrap="none" rtlCol="0">
+            <a:spAutoFit/>
+          </a:bodyPr>
+          <a:lstStyle/>
+          <a:p>
+            <a:r>
+              <a:rPr lang="en-US" altLang="zh-TW" dirty="0" smtClean="0"/>
+              <a:t>from:</a:t>
+            </a:r>
+            <a:endParaRPr lang="zh-TW" altLang="en-US" dirty="0"/>
+          </a:p>
+        </p:txBody>
+      </p:sp>
+      <p:cxnSp>
+        <p:nvCxnSpPr>
+          <p:cNvPr id="11" name="直線單箭頭接點 10"/>
+          <p:cNvCxnSpPr/>
+          <p:nvPr/>
+        </p:nvCxnSpPr>
+        <p:spPr>
+          <a:xfrm flipH="1">
+            <a:off x="7868792" y="3581399"/>
+            <a:ext cx="1701800" cy="0"/>
+          </a:xfrm>
+          <a:prstGeom prst="straightConnector1">
+            <a:avLst/>
+          </a:prstGeom>
+          <a:ln w="38100">
+            <a:solidFill>
+              <a:srgbClr val="FF0000"/>
+            </a:solidFill>
+            <a:tailEnd type="triangle"/>
+          </a:ln>
+        </p:spPr>
+        <p:style>
+          <a:lnRef idx="1">
+            <a:schemeClr val="accent1"/>
+          </a:lnRef>
+          <a:fillRef idx="0">
+            <a:schemeClr val="accent1"/>
+          </a:fillRef>
+          <a:effectRef idx="0">
+            <a:schemeClr val="accent1"/>
+          </a:effectRef>
+          <a:fontRef idx="minor">
+            <a:schemeClr val="tx1"/>
+          </a:fontRef>
+        </p:style>
+      </p:cxnSp>
+      <p:sp>
+        <p:nvSpPr>
+          <p:cNvPr id="14" name="文字方塊 13"/>
+          <p:cNvSpPr txBox="1"/>
+          <p:nvPr/>
+        </p:nvSpPr>
+        <p:spPr>
+          <a:xfrm>
+            <a:off x="7844366" y="3269959"/>
+            <a:ext cx="1861985" cy="369332"/>
+          </a:xfrm>
+          <a:prstGeom prst="rect">
+            <a:avLst/>
+          </a:prstGeom>
+          <a:noFill/>
+        </p:spPr>
+        <p:txBody>
+          <a:bodyPr wrap="none" rtlCol="0">
+            <a:spAutoFit/>
+          </a:bodyPr>
+          <a:lstStyle/>
+          <a:p>
+            <a:r>
+              <a:rPr lang="en-US" altLang="zh-TW" dirty="0" err="1" smtClean="0"/>
+              <a:t>cmd</a:t>
+            </a:r>
+            <a:r>
+              <a:rPr lang="en-US" altLang="zh-TW" dirty="0" smtClean="0"/>
+              <a:t>: </a:t>
+            </a:r>
+            <a:r>
+              <a:rPr lang="en-US" altLang="zh-TW" dirty="0" err="1" smtClean="0"/>
+              <a:t>docker</a:t>
+            </a:r>
+            <a:r>
+              <a:rPr lang="en-US" altLang="zh-TW" dirty="0" smtClean="0"/>
+              <a:t> build</a:t>
+            </a:r>
+            <a:endParaRPr lang="zh-TW" altLang="en-US" dirty="0"/>
+          </a:p>
+        </p:txBody>
+      </p:sp>
+      <p:sp>
+        <p:nvSpPr>
+          <p:cNvPr id="13" name="左大括弧 12"/>
+          <p:cNvSpPr/>
+          <p:nvPr/>
+        </p:nvSpPr>
+        <p:spPr>
+          <a:xfrm>
+            <a:off x="1284266" y="3441699"/>
+            <a:ext cx="265134" cy="2247901"/>
+          </a:xfrm>
+          <a:prstGeom prst="leftBrace">
+            <a:avLst/>
+          </a:prstGeom>
+          <a:ln w="38100">
+            <a:solidFill>
+              <a:srgbClr val="FF0000"/>
+            </a:solidFill>
+          </a:ln>
+        </p:spPr>
+        <p:style>
+          <a:lnRef idx="1">
+            <a:schemeClr val="accent1"/>
+          </a:lnRef>
+          <a:fillRef idx="0">
+            <a:schemeClr val="accent1"/>
+          </a:fillRef>
+          <a:effectRef idx="0">
+            <a:schemeClr val="accent1"/>
+          </a:effectRef>
+          <a:fontRef idx="minor">
+            <a:schemeClr val="tx1"/>
+          </a:fontRef>
+        </p:style>
+        <p:txBody>
+          <a:bodyPr rtlCol="0" anchor="ctr"/>
+          <a:lstStyle/>
+          <a:p>
+            <a:pPr algn="ctr"/>
+            <a:endParaRPr lang="zh-TW" altLang="en-US"/>
+          </a:p>
+        </p:txBody>
+      </p:sp>
+      <p:sp>
+        <p:nvSpPr>
+          <p:cNvPr id="16" name="文字方塊 15"/>
+          <p:cNvSpPr txBox="1"/>
+          <p:nvPr/>
+        </p:nvSpPr>
+        <p:spPr>
+          <a:xfrm>
+            <a:off x="7844366" y="2596343"/>
+            <a:ext cx="1714508" cy="369332"/>
+          </a:xfrm>
+          <a:prstGeom prst="rect">
+            <a:avLst/>
+          </a:prstGeom>
+          <a:noFill/>
+        </p:spPr>
+        <p:txBody>
+          <a:bodyPr wrap="none" rtlCol="0">
+            <a:spAutoFit/>
+          </a:bodyPr>
+          <a:lstStyle/>
+          <a:p>
+            <a:r>
+              <a:rPr lang="en-US" altLang="zh-TW" dirty="0" err="1" smtClean="0"/>
+              <a:t>cmd</a:t>
+            </a:r>
+            <a:r>
+              <a:rPr lang="en-US" altLang="zh-TW" dirty="0" smtClean="0"/>
+              <a:t>: </a:t>
+            </a:r>
+            <a:r>
+              <a:rPr lang="en-US" altLang="zh-TW" dirty="0" err="1" smtClean="0"/>
+              <a:t>docker</a:t>
+            </a:r>
+            <a:r>
+              <a:rPr lang="en-US" altLang="zh-TW" dirty="0" smtClean="0"/>
+              <a:t> run</a:t>
+            </a:r>
+            <a:endParaRPr lang="zh-TW" altLang="en-US" dirty="0"/>
+          </a:p>
+        </p:txBody>
+      </p:sp>
+      <p:sp>
+        <p:nvSpPr>
+          <p:cNvPr id="12" name="矩形 11"/>
+          <p:cNvSpPr/>
+          <p:nvPr/>
+        </p:nvSpPr>
+        <p:spPr>
+          <a:xfrm rot="19082375">
+            <a:off x="-1115367" y="110531"/>
+            <a:ext cx="3054699" cy="653143"/>
+          </a:xfrm>
+          <a:prstGeom prst="rect">
+            <a:avLst/>
+          </a:prstGeom>
+          <a:solidFill>
+            <a:srgbClr val="FF0000"/>
+          </a:solidFill>
+        </p:spPr>
+        <p:style>
+          <a:lnRef idx="2">
+            <a:schemeClr val="accent1">
+              <a:shade val="50000"/>
+            </a:schemeClr>
+          </a:lnRef>
+          <a:fillRef idx="1">
+            <a:schemeClr val="accent1"/>
+          </a:fillRef>
+          <a:effectRef idx="0">
+            <a:schemeClr val="accent1"/>
+          </a:effectRef>
+          <a:fontRef idx="minor">
+            <a:schemeClr val="lt1"/>
+          </a:fontRef>
+        </p:style>
+        <p:txBody>
+          <a:bodyPr rtlCol="0" anchor="ctr"/>
+          <a:lstStyle/>
+          <a:p>
+            <a:pPr algn="ctr"/>
+            <a:r>
+              <a:rPr lang="en-US" altLang="zh-TW" dirty="0" smtClean="0"/>
+              <a:t>RECAP</a:t>
+            </a:r>
+            <a:endParaRPr lang="zh-TW" altLang="en-US" dirty="0"/>
+          </a:p>
+        </p:txBody>
+      </p:sp>
+      <p:sp>
+        <p:nvSpPr>
+          <p:cNvPr id="3" name="圓角矩形圖說文字 2"/>
+          <p:cNvSpPr/>
+          <p:nvPr/>
+        </p:nvSpPr>
+        <p:spPr>
+          <a:xfrm>
+            <a:off x="7345661" y="4181064"/>
+            <a:ext cx="4391129" cy="1883318"/>
+          </a:xfrm>
+          <a:prstGeom prst="wedgeRoundRectCallout">
+            <a:avLst>
+              <a:gd name="adj1" fmla="val 24018"/>
+              <a:gd name="adj2" fmla="val -69819"/>
+              <a:gd name="adj3" fmla="val 16667"/>
+            </a:avLst>
+          </a:prstGeom>
+        </p:spPr>
+        <p:style>
+          <a:lnRef idx="2">
+            <a:schemeClr val="accent5"/>
+          </a:lnRef>
+          <a:fillRef idx="1">
+            <a:schemeClr val="lt1"/>
+          </a:fillRef>
+          <a:effectRef idx="0">
+            <a:schemeClr val="accent5"/>
+          </a:effectRef>
+          <a:fontRef idx="minor">
+            <a:schemeClr val="dk1"/>
+          </a:fontRef>
+        </p:style>
+        <p:txBody>
+          <a:bodyPr rtlCol="0" anchor="ctr"/>
+          <a:lstStyle/>
+          <a:p>
+            <a:r>
+              <a:rPr lang="zh-TW" altLang="en-US" dirty="0" smtClean="0"/>
+              <a:t>保留</a:t>
+            </a:r>
+            <a:r>
+              <a:rPr lang="zh-TW" altLang="en-US" dirty="0"/>
+              <a:t> </a:t>
+            </a:r>
+            <a:r>
+              <a:rPr lang="en-US" altLang="zh-TW" dirty="0" err="1" smtClean="0"/>
+              <a:t>dockerfile</a:t>
+            </a:r>
+            <a:r>
+              <a:rPr lang="en-US" altLang="zh-TW" dirty="0" smtClean="0"/>
+              <a:t>,</a:t>
+            </a:r>
+            <a:r>
+              <a:rPr lang="zh-TW" altLang="en-US" dirty="0" smtClean="0"/>
+              <a:t> 重新</a:t>
+            </a:r>
+            <a:r>
+              <a:rPr lang="zh-TW" altLang="en-US" dirty="0"/>
+              <a:t> </a:t>
+            </a:r>
+            <a:r>
+              <a:rPr lang="en-US" altLang="zh-TW" dirty="0" smtClean="0"/>
+              <a:t>build</a:t>
+            </a:r>
+            <a:r>
+              <a:rPr lang="zh-TW" altLang="en-US" dirty="0" smtClean="0"/>
+              <a:t> 就能更新底層的作業系統，或是官方的套件。</a:t>
+            </a:r>
+            <a:endParaRPr lang="en-US" altLang="zh-TW" dirty="0" smtClean="0"/>
+          </a:p>
+          <a:p>
+            <a:endParaRPr lang="en-US" altLang="zh-TW" dirty="0"/>
+          </a:p>
+          <a:p>
+            <a:r>
+              <a:rPr lang="en-US" altLang="zh-TW" dirty="0" smtClean="0"/>
+              <a:t>(EX:</a:t>
+            </a:r>
+            <a:r>
+              <a:rPr lang="zh-TW" altLang="en-US" dirty="0" smtClean="0"/>
+              <a:t> </a:t>
+            </a:r>
+            <a:r>
+              <a:rPr lang="en-US" altLang="zh-TW" dirty="0" smtClean="0"/>
+              <a:t>IIS,</a:t>
+            </a:r>
+            <a:r>
+              <a:rPr lang="zh-TW" altLang="en-US" dirty="0" smtClean="0"/>
+              <a:t> </a:t>
+            </a:r>
+            <a:r>
+              <a:rPr lang="en-US" altLang="zh-TW" dirty="0" smtClean="0"/>
+              <a:t>.NET</a:t>
+            </a:r>
+            <a:r>
+              <a:rPr lang="zh-TW" altLang="en-US" dirty="0" smtClean="0"/>
+              <a:t> </a:t>
+            </a:r>
+            <a:r>
+              <a:rPr lang="en-US" altLang="zh-TW" dirty="0" smtClean="0"/>
+              <a:t>framework,</a:t>
+            </a:r>
+            <a:r>
+              <a:rPr lang="zh-TW" altLang="en-US" dirty="0" smtClean="0"/>
+              <a:t> </a:t>
+            </a:r>
+            <a:r>
+              <a:rPr lang="en-US" altLang="zh-TW" dirty="0" smtClean="0"/>
+              <a:t>Hotfix / Service Pack </a:t>
+            </a:r>
+            <a:r>
+              <a:rPr lang="zh-TW" altLang="en-US" dirty="0" smtClean="0"/>
+              <a:t>等等</a:t>
+            </a:r>
+            <a:r>
+              <a:rPr lang="en-US" altLang="zh-TW" dirty="0" smtClean="0"/>
+              <a:t>)</a:t>
+            </a:r>
+            <a:endParaRPr lang="zh-TW" altLang="en-US" dirty="0"/>
+          </a:p>
+        </p:txBody>
+      </p:sp>
+    </p:spTree>
+    <p:extLst>
+      <p:ext uri="{BB962C8B-B14F-4D97-AF65-F5344CB8AC3E}">
+        <p14:creationId xmlns:p14="http://schemas.microsoft.com/office/powerpoint/2010/main" val="4156697937"/>
+      </p:ext>
+    </p:extLst>
+  </p:cSld>
+  <p:clrMapOvr>
+    <a:masterClrMapping/>
+  </p:clrMapOvr>
+  <p:timing>
+    <p:tnLst>
+      <p:par>
+        <p:cTn id="1" dur="indefinite" restart="never" nodeType="tmRoot"/>
+      </p:par>
+    </p:tnLst>
+  </p:timing>
+</p:sld>
+</file>
+
+<file path=ppt/slides/slide36.xml><?xml version="1.0" encoding="utf-8"?>
+<p:sld xmlns:a="http://schemas.openxmlformats.org/drawingml/2006/main" xmlns:r="http://schemas.openxmlformats.org/officeDocument/2006/relationships" xmlns:p="http://schemas.openxmlformats.org/presentationml/2006/main">
+  <p:cSld>
+    <p:spTree>
+      <p:nvGrpSpPr>
+        <p:cNvPr id="1" name=""/>
+        <p:cNvGrpSpPr/>
+        <p:nvPr/>
+      </p:nvGrpSpPr>
+      <p:grpSpPr>
+        <a:xfrm>
+          <a:off x="0" y="0"/>
+          <a:ext cx="0" cy="0"/>
+          <a:chOff x="0" y="0"/>
+          <a:chExt cx="0" cy="0"/>
+        </a:xfrm>
+      </p:grpSpPr>
+      <p:sp>
+        <p:nvSpPr>
           <p:cNvPr id="3" name="標題 2"/>
           <p:cNvSpPr>
             <a:spLocks noGrp="1"/>
@@ -32153,6 +32865,85 @@
     <p:extLst>
       <p:ext uri="{BB962C8B-B14F-4D97-AF65-F5344CB8AC3E}">
         <p14:creationId xmlns:p14="http://schemas.microsoft.com/office/powerpoint/2010/main" val="1706189652"/>
+      </p:ext>
+    </p:extLst>
+  </p:cSld>
+  <p:clrMapOvr>
+    <a:masterClrMapping/>
+  </p:clrMapOvr>
+  <p:timing>
+    <p:tnLst>
+      <p:par>
+        <p:cTn id="1" dur="indefinite" restart="never" nodeType="tmRoot"/>
+      </p:par>
+    </p:tnLst>
+  </p:timing>
+</p:sld>
+</file>
+
+<file path=ppt/slides/slide37.xml><?xml version="1.0" encoding="utf-8"?>
+<p:sld xmlns:a="http://schemas.openxmlformats.org/drawingml/2006/main" xmlns:r="http://schemas.openxmlformats.org/officeDocument/2006/relationships" xmlns:p="http://schemas.openxmlformats.org/presentationml/2006/main">
+  <p:cSld>
+    <p:spTree>
+      <p:nvGrpSpPr>
+        <p:cNvPr id="1" name=""/>
+        <p:cNvGrpSpPr/>
+        <p:nvPr/>
+      </p:nvGrpSpPr>
+      <p:grpSpPr>
+        <a:xfrm>
+          <a:off x="0" y="0"/>
+          <a:ext cx="0" cy="0"/>
+          <a:chOff x="0" y="0"/>
+          <a:chExt cx="0" cy="0"/>
+        </a:xfrm>
+      </p:grpSpPr>
+      <p:sp>
+        <p:nvSpPr>
+          <p:cNvPr id="3" name="標題 2"/>
+          <p:cNvSpPr>
+            <a:spLocks noGrp="1"/>
+          </p:cNvSpPr>
+          <p:nvPr>
+            <p:ph type="ctrTitle"/>
+          </p:nvPr>
+        </p:nvSpPr>
+        <p:spPr/>
+        <p:txBody>
+          <a:bodyPr/>
+          <a:lstStyle/>
+          <a:p>
+            <a:r>
+              <a:rPr lang="en-US" altLang="zh-TW" dirty="0" smtClean="0"/>
+              <a:t>Thank You!</a:t>
+            </a:r>
+            <a:endParaRPr lang="zh-TW" altLang="en-US" dirty="0"/>
+          </a:p>
+        </p:txBody>
+      </p:sp>
+      <p:sp>
+        <p:nvSpPr>
+          <p:cNvPr id="4" name="副標題 3"/>
+          <p:cNvSpPr>
+            <a:spLocks noGrp="1"/>
+          </p:cNvSpPr>
+          <p:nvPr>
+            <p:ph type="subTitle" idx="1"/>
+          </p:nvPr>
+        </p:nvSpPr>
+        <p:spPr/>
+        <p:txBody>
+          <a:bodyPr/>
+          <a:lstStyle/>
+          <a:p>
+            <a:endParaRPr lang="zh-TW" altLang="en-US"/>
+          </a:p>
+        </p:txBody>
+      </p:sp>
+    </p:spTree>
+    <p:extLst>
+      <p:ext uri="{BB962C8B-B14F-4D97-AF65-F5344CB8AC3E}">
+        <p14:creationId xmlns:p14="http://schemas.microsoft.com/office/powerpoint/2010/main" val="3768158104"/>
       </p:ext>
     </p:extLst>
   </p:cSld>
